--- a/uc_april_19/proposal.pptx
+++ b/uc_april_19/proposal.pptx
@@ -21,17 +21,17 @@
     <p:sldId id="283" r:id="rId12"/>
     <p:sldId id="291" r:id="rId13"/>
     <p:sldId id="259" r:id="rId14"/>
-    <p:sldId id="261" r:id="rId15"/>
-    <p:sldId id="316" r:id="rId16"/>
-    <p:sldId id="317" r:id="rId17"/>
-    <p:sldId id="275" r:id="rId18"/>
-    <p:sldId id="263" r:id="rId19"/>
+    <p:sldId id="316" r:id="rId15"/>
+    <p:sldId id="317" r:id="rId16"/>
+    <p:sldId id="275" r:id="rId17"/>
+    <p:sldId id="263" r:id="rId18"/>
+    <p:sldId id="268" r:id="rId19"/>
     <p:sldId id="269" r:id="rId20"/>
     <p:sldId id="276" r:id="rId21"/>
     <p:sldId id="313" r:id="rId22"/>
     <p:sldId id="290" r:id="rId23"/>
     <p:sldId id="288" r:id="rId24"/>
-    <p:sldId id="268" r:id="rId25"/>
+    <p:sldId id="261" r:id="rId25"/>
   </p:sldIdLst>
   <p:sldSz cx="12192000" cy="6858000"/>
   <p:notesSz cx="6858000" cy="9144000"/>
@@ -831,7 +831,7 @@
           <a:bodyPr/>
           <a:lstStyle/>
           <a:p>
-            <a:endParaRPr lang="en-US" dirty="0"/>
+            <a:endParaRPr lang="en-US"/>
           </a:p>
         </p:txBody>
       </p:sp>
@@ -861,7 +861,7 @@
     </p:spTree>
     <p:extLst>
       <p:ext uri="{BB962C8B-B14F-4D97-AF65-F5344CB8AC3E}">
-        <p14:creationId xmlns:p14="http://schemas.microsoft.com/office/powerpoint/2010/main" val="1977058663"/>
+        <p14:creationId xmlns:p14="http://schemas.microsoft.com/office/powerpoint/2010/main" val="1051985353"/>
       </p:ext>
     </p:extLst>
   </p:cSld>
@@ -945,7 +945,7 @@
     </p:spTree>
     <p:extLst>
       <p:ext uri="{BB962C8B-B14F-4D97-AF65-F5344CB8AC3E}">
-        <p14:creationId xmlns:p14="http://schemas.microsoft.com/office/powerpoint/2010/main" val="1051985353"/>
+        <p14:creationId xmlns:p14="http://schemas.microsoft.com/office/powerpoint/2010/main" val="2809951184"/>
       </p:ext>
     </p:extLst>
   </p:cSld>
@@ -999,7 +999,7 @@
           <a:bodyPr/>
           <a:lstStyle/>
           <a:p>
-            <a:endParaRPr lang="en-US"/>
+            <a:endParaRPr lang="en-US" dirty="0"/>
           </a:p>
         </p:txBody>
       </p:sp>
@@ -1020,7 +1020,7 @@
           <a:p>
             <a:fld id="{180B0F4F-C4CA-F945-8BD8-C2A10415F31A}" type="slidenum">
               <a:rPr lang="en-US" smtClean="0"/>
-              <a:t>16</a:t>
+              <a:t>17</a:t>
             </a:fld>
             <a:endParaRPr lang="en-US"/>
           </a:p>
@@ -1029,7 +1029,7 @@
     </p:spTree>
     <p:extLst>
       <p:ext uri="{BB962C8B-B14F-4D97-AF65-F5344CB8AC3E}">
-        <p14:creationId xmlns:p14="http://schemas.microsoft.com/office/powerpoint/2010/main" val="2809951184"/>
+        <p14:creationId xmlns:p14="http://schemas.microsoft.com/office/powerpoint/2010/main" val="2295082353"/>
       </p:ext>
     </p:extLst>
   </p:cSld>
@@ -1083,7 +1083,10 @@
           <a:bodyPr/>
           <a:lstStyle/>
           <a:p>
-            <a:endParaRPr lang="en-US" dirty="0"/>
+            <a:r>
+              <a:rPr lang="en-US" dirty="0"/>
+              <a:t>As backup slide.</a:t>
+            </a:r>
           </a:p>
         </p:txBody>
       </p:sp>
@@ -1113,7 +1116,7 @@
     </p:spTree>
     <p:extLst>
       <p:ext uri="{BB962C8B-B14F-4D97-AF65-F5344CB8AC3E}">
-        <p14:creationId xmlns:p14="http://schemas.microsoft.com/office/powerpoint/2010/main" val="2295082353"/>
+        <p14:creationId xmlns:p14="http://schemas.microsoft.com/office/powerpoint/2010/main" val="3468275522"/>
       </p:ext>
     </p:extLst>
   </p:cSld>
@@ -1356,7 +1359,7 @@
           <a:p>
             <a:fld id="{180B0F4F-C4CA-F945-8BD8-C2A10415F31A}" type="slidenum">
               <a:rPr lang="en-US" smtClean="0"/>
-              <a:t>22</a:t>
+              <a:t>21</a:t>
             </a:fld>
             <a:endParaRPr lang="en-US"/>
           </a:p>
@@ -1365,7 +1368,7 @@
     </p:spTree>
     <p:extLst>
       <p:ext uri="{BB962C8B-B14F-4D97-AF65-F5344CB8AC3E}">
-        <p14:creationId xmlns:p14="http://schemas.microsoft.com/office/powerpoint/2010/main" val="3550256051"/>
+        <p14:creationId xmlns:p14="http://schemas.microsoft.com/office/powerpoint/2010/main" val="412603178"/>
       </p:ext>
     </p:extLst>
   </p:cSld>
@@ -1419,10 +1422,7 @@
           <a:bodyPr/>
           <a:lstStyle/>
           <a:p>
-            <a:r>
-              <a:rPr lang="en-US" dirty="0"/>
-              <a:t>As backup slide.</a:t>
-            </a:r>
+            <a:endParaRPr lang="en-US" dirty="0"/>
           </a:p>
         </p:txBody>
       </p:sp>
@@ -1443,7 +1443,7 @@
           <a:p>
             <a:fld id="{180B0F4F-C4CA-F945-8BD8-C2A10415F31A}" type="slidenum">
               <a:rPr lang="en-US" smtClean="0"/>
-              <a:t>24</a:t>
+              <a:t>22</a:t>
             </a:fld>
             <a:endParaRPr lang="en-US"/>
           </a:p>
@@ -1452,7 +1452,91 @@
     </p:spTree>
     <p:extLst>
       <p:ext uri="{BB962C8B-B14F-4D97-AF65-F5344CB8AC3E}">
-        <p14:creationId xmlns:p14="http://schemas.microsoft.com/office/powerpoint/2010/main" val="819162960"/>
+        <p14:creationId xmlns:p14="http://schemas.microsoft.com/office/powerpoint/2010/main" val="3550256051"/>
+      </p:ext>
+    </p:extLst>
+  </p:cSld>
+  <p:clrMapOvr>
+    <a:masterClrMapping/>
+  </p:clrMapOvr>
+</p:notes>
+</file>
+
+<file path=ppt/notesSlides/notesSlide18.xml><?xml version="1.0" encoding="utf-8"?>
+<p:notes xmlns:a="http://schemas.openxmlformats.org/drawingml/2006/main" xmlns:r="http://schemas.openxmlformats.org/officeDocument/2006/relationships" xmlns:p="http://schemas.openxmlformats.org/presentationml/2006/main">
+  <p:cSld>
+    <p:spTree>
+      <p:nvGrpSpPr>
+        <p:cNvPr id="1" name=""/>
+        <p:cNvGrpSpPr/>
+        <p:nvPr/>
+      </p:nvGrpSpPr>
+      <p:grpSpPr>
+        <a:xfrm>
+          <a:off x="0" y="0"/>
+          <a:ext cx="0" cy="0"/>
+          <a:chOff x="0" y="0"/>
+          <a:chExt cx="0" cy="0"/>
+        </a:xfrm>
+      </p:grpSpPr>
+      <p:sp>
+        <p:nvSpPr>
+          <p:cNvPr id="2" name="Slide Image Placeholder 1"/>
+          <p:cNvSpPr>
+            <a:spLocks noGrp="1" noRot="1" noChangeAspect="1"/>
+          </p:cNvSpPr>
+          <p:nvPr>
+            <p:ph type="sldImg"/>
+          </p:nvPr>
+        </p:nvSpPr>
+        <p:spPr/>
+      </p:sp>
+      <p:sp>
+        <p:nvSpPr>
+          <p:cNvPr id="3" name="Notes Placeholder 2"/>
+          <p:cNvSpPr>
+            <a:spLocks noGrp="1"/>
+          </p:cNvSpPr>
+          <p:nvPr>
+            <p:ph type="body" idx="1"/>
+          </p:nvPr>
+        </p:nvSpPr>
+        <p:spPr/>
+        <p:txBody>
+          <a:bodyPr/>
+          <a:lstStyle/>
+          <a:p>
+            <a:endParaRPr lang="en-US" dirty="0"/>
+          </a:p>
+        </p:txBody>
+      </p:sp>
+      <p:sp>
+        <p:nvSpPr>
+          <p:cNvPr id="4" name="Slide Number Placeholder 3"/>
+          <p:cNvSpPr>
+            <a:spLocks noGrp="1"/>
+          </p:cNvSpPr>
+          <p:nvPr>
+            <p:ph type="sldNum" sz="quarter" idx="5"/>
+          </p:nvPr>
+        </p:nvSpPr>
+        <p:spPr/>
+        <p:txBody>
+          <a:bodyPr/>
+          <a:lstStyle/>
+          <a:p>
+            <a:fld id="{180B0F4F-C4CA-F945-8BD8-C2A10415F31A}" type="slidenum">
+              <a:rPr lang="en-US" smtClean="0"/>
+              <a:t>24</a:t>
+            </a:fld>
+            <a:endParaRPr lang="en-US"/>
+          </a:p>
+        </p:txBody>
+      </p:sp>
+    </p:spTree>
+    <p:extLst>
+      <p:ext uri="{BB962C8B-B14F-4D97-AF65-F5344CB8AC3E}">
+        <p14:creationId xmlns:p14="http://schemas.microsoft.com/office/powerpoint/2010/main" val="1977058663"/>
       </p:ext>
     </p:extLst>
   </p:cSld>
@@ -7261,932 +7345,6 @@
       </p:grpSpPr>
       <p:sp>
         <p:nvSpPr>
-          <p:cNvPr id="3" name="Content Placeholder 2">
-            <a:extLst>
-              <a:ext uri="{FF2B5EF4-FFF2-40B4-BE49-F238E27FC236}">
-                <a16:creationId xmlns:a16="http://schemas.microsoft.com/office/drawing/2014/main" id="{927E2B42-CF82-8BD2-7EC7-01092839E6FC}"/>
-              </a:ext>
-            </a:extLst>
-          </p:cNvPr>
-          <p:cNvSpPr>
-            <a:spLocks noGrp="1"/>
-          </p:cNvSpPr>
-          <p:nvPr>
-            <p:ph idx="1"/>
-          </p:nvPr>
-        </p:nvSpPr>
-        <p:spPr/>
-        <p:txBody>
-          <a:bodyPr>
-            <a:normAutofit/>
-          </a:bodyPr>
-          <a:lstStyle/>
-          <a:p>
-            <a:r>
-              <a:rPr lang="en-US" dirty="0"/>
-              <a:t>In terms of each physical points-to for a Page-Table</a:t>
-            </a:r>
-          </a:p>
-          <a:p>
-            <a:pPr marL="0" indent="0">
-              <a:buNone/>
-            </a:pPr>
-            <a:endParaRPr lang="en-US" dirty="0"/>
-          </a:p>
-          <a:p>
-            <a:pPr marL="0" indent="0">
-              <a:buNone/>
-            </a:pPr>
-            <a:r>
-              <a:rPr lang="en-US" dirty="0"/>
-              <a:t>where </a:t>
-            </a:r>
-            <a:r>
-              <a:rPr lang="en-US" i="1" dirty="0"/>
-              <a:t>physical</a:t>
-            </a:r>
-            <a:r>
-              <a:rPr lang="en-US" dirty="0"/>
-              <a:t> L4_L1 page-table walk</a:t>
-            </a:r>
-          </a:p>
-          <a:p>
-            <a:pPr marL="0" indent="0">
-              <a:buNone/>
-            </a:pPr>
-            <a:endParaRPr lang="en-US" dirty="0"/>
-          </a:p>
-          <a:p>
-            <a:pPr marL="0" indent="0">
-              <a:buNone/>
-            </a:pPr>
-            <a:r>
-              <a:rPr lang="en-US" dirty="0"/>
-              <a:t>                                                                                             </a:t>
-            </a:r>
-          </a:p>
-          <a:p>
-            <a:pPr marL="0" indent="0">
-              <a:buNone/>
-            </a:pPr>
-            <a:endParaRPr lang="en-US" dirty="0"/>
-          </a:p>
-          <a:p>
-            <a:pPr marL="0" indent="0">
-              <a:buNone/>
-            </a:pPr>
-            <a:endParaRPr lang="en-US" dirty="0"/>
-          </a:p>
-          <a:p>
-            <a:pPr marL="0" indent="0">
-              <a:buNone/>
-            </a:pPr>
-            <a:endParaRPr lang="en-US" dirty="0"/>
-          </a:p>
-          <a:p>
-            <a:pPr marL="0" indent="0">
-              <a:buNone/>
-            </a:pPr>
-            <a:endParaRPr lang="en-US" dirty="0"/>
-          </a:p>
-        </p:txBody>
-      </p:sp>
-      <p:pic>
-        <p:nvPicPr>
-          <p:cNvPr id="7" name="Picture 6" descr="A picture containing text, font, white, algebra&#10;&#10;Description automatically generated">
-            <a:extLst>
-              <a:ext uri="{FF2B5EF4-FFF2-40B4-BE49-F238E27FC236}">
-                <a16:creationId xmlns:a16="http://schemas.microsoft.com/office/drawing/2014/main" id="{F799785E-5E7D-1A00-C5B5-60AA0BC4BDA6}"/>
-              </a:ext>
-            </a:extLst>
-          </p:cNvPr>
-          <p:cNvPicPr>
-            <a:picLocks noChangeAspect="1"/>
-          </p:cNvPicPr>
-          <p:nvPr/>
-        </p:nvPicPr>
-        <p:blipFill>
-          <a:blip r:embed="rId3"/>
-          <a:stretch>
-            <a:fillRect/>
-          </a:stretch>
-        </p:blipFill>
-        <p:spPr>
-          <a:xfrm>
-            <a:off x="957773" y="3708239"/>
-            <a:ext cx="8621608" cy="1466380"/>
-          </a:xfrm>
-          <a:prstGeom prst="rect">
-            <a:avLst/>
-          </a:prstGeom>
-        </p:spPr>
-      </p:pic>
-      <p:pic>
-        <p:nvPicPr>
-          <p:cNvPr id="5" name="Picture 4">
-            <a:extLst>
-              <a:ext uri="{FF2B5EF4-FFF2-40B4-BE49-F238E27FC236}">
-                <a16:creationId xmlns:a16="http://schemas.microsoft.com/office/drawing/2014/main" id="{1DF22A7A-3621-ECEE-DC75-0C23853DC037}"/>
-              </a:ext>
-            </a:extLst>
-          </p:cNvPr>
-          <p:cNvPicPr>
-            <a:picLocks noChangeAspect="1"/>
-          </p:cNvPicPr>
-          <p:nvPr/>
-        </p:nvPicPr>
-        <p:blipFill>
-          <a:blip r:embed="rId4"/>
-          <a:stretch>
-            <a:fillRect/>
-          </a:stretch>
-        </p:blipFill>
-        <p:spPr>
-          <a:xfrm>
-            <a:off x="857987" y="2224250"/>
-            <a:ext cx="9032623" cy="631022"/>
-          </a:xfrm>
-          <a:prstGeom prst="rect">
-            <a:avLst/>
-          </a:prstGeom>
-        </p:spPr>
-      </p:pic>
-      <p:sp>
-        <p:nvSpPr>
-          <p:cNvPr id="2" name="Title 1">
-            <a:extLst>
-              <a:ext uri="{FF2B5EF4-FFF2-40B4-BE49-F238E27FC236}">
-                <a16:creationId xmlns:a16="http://schemas.microsoft.com/office/drawing/2014/main" id="{8ED86DD7-9D9C-E2DD-2652-0961CEEBBAA9}"/>
-              </a:ext>
-            </a:extLst>
-          </p:cNvPr>
-          <p:cNvSpPr>
-            <a:spLocks noGrp="1"/>
-          </p:cNvSpPr>
-          <p:nvPr>
-            <p:ph type="title"/>
-          </p:nvPr>
-        </p:nvSpPr>
-        <p:spPr/>
-        <p:txBody>
-          <a:bodyPr/>
-          <a:lstStyle/>
-          <a:p>
-            <a:r>
-              <a:rPr lang="en-US" dirty="0"/>
-              <a:t>Program Logic: Defining Virtual Points-to </a:t>
-            </a:r>
-          </a:p>
-        </p:txBody>
-      </p:sp>
-      <p:pic>
-        <p:nvPicPr>
-          <p:cNvPr id="16" name="Picture 15">
-            <a:extLst>
-              <a:ext uri="{FF2B5EF4-FFF2-40B4-BE49-F238E27FC236}">
-                <a16:creationId xmlns:a16="http://schemas.microsoft.com/office/drawing/2014/main" id="{2C6B7276-678D-1E8B-51A4-6438E4D76CC3}"/>
-              </a:ext>
-            </a:extLst>
-          </p:cNvPr>
-          <p:cNvPicPr>
-            <a:picLocks noChangeAspect="1"/>
-          </p:cNvPicPr>
-          <p:nvPr/>
-        </p:nvPicPr>
-        <p:blipFill>
-          <a:blip r:embed="rId5"/>
-          <a:stretch>
-            <a:fillRect/>
-          </a:stretch>
-        </p:blipFill>
-        <p:spPr>
-          <a:xfrm>
-            <a:off x="838200" y="3365404"/>
-            <a:ext cx="6291063" cy="304800"/>
-          </a:xfrm>
-          <a:prstGeom prst="rect">
-            <a:avLst/>
-          </a:prstGeom>
-        </p:spPr>
-      </p:pic>
-      <p:pic>
-        <p:nvPicPr>
-          <p:cNvPr id="19" name="Picture 18">
-            <a:extLst>
-              <a:ext uri="{FF2B5EF4-FFF2-40B4-BE49-F238E27FC236}">
-                <a16:creationId xmlns:a16="http://schemas.microsoft.com/office/drawing/2014/main" id="{B335163A-4DC9-AA79-FE91-AAE096420272}"/>
-              </a:ext>
-            </a:extLst>
-          </p:cNvPr>
-          <p:cNvPicPr>
-            <a:picLocks noChangeAspect="1"/>
-          </p:cNvPicPr>
-          <p:nvPr/>
-        </p:nvPicPr>
-        <p:blipFill>
-          <a:blip r:embed="rId6"/>
-          <a:stretch>
-            <a:fillRect/>
-          </a:stretch>
-        </p:blipFill>
-        <p:spPr>
-          <a:xfrm>
-            <a:off x="7002263" y="3335971"/>
-            <a:ext cx="254000" cy="304800"/>
-          </a:xfrm>
-          <a:prstGeom prst="rect">
-            <a:avLst/>
-          </a:prstGeom>
-        </p:spPr>
-      </p:pic>
-      <p:sp>
-        <p:nvSpPr>
-          <p:cNvPr id="28" name="Right Brace 27">
-            <a:extLst>
-              <a:ext uri="{FF2B5EF4-FFF2-40B4-BE49-F238E27FC236}">
-                <a16:creationId xmlns:a16="http://schemas.microsoft.com/office/drawing/2014/main" id="{0D712138-AC12-CEF9-28B2-6F6A9BB3B59E}"/>
-              </a:ext>
-            </a:extLst>
-          </p:cNvPr>
-          <p:cNvSpPr/>
-          <p:nvPr/>
-        </p:nvSpPr>
-        <p:spPr>
-          <a:xfrm rot="5400000">
-            <a:off x="1686660" y="4580650"/>
-            <a:ext cx="362488" cy="1661494"/>
-          </a:xfrm>
-          <a:prstGeom prst="rightBrace">
-            <a:avLst>
-              <a:gd name="adj1" fmla="val 19808"/>
-              <a:gd name="adj2" fmla="val 50000"/>
-            </a:avLst>
-          </a:prstGeom>
-        </p:spPr>
-        <p:style>
-          <a:lnRef idx="1">
-            <a:schemeClr val="accent1"/>
-          </a:lnRef>
-          <a:fillRef idx="0">
-            <a:schemeClr val="accent1"/>
-          </a:fillRef>
-          <a:effectRef idx="0">
-            <a:schemeClr val="accent1"/>
-          </a:effectRef>
-          <a:fontRef idx="minor">
-            <a:schemeClr val="tx1"/>
-          </a:fontRef>
-        </p:style>
-        <p:txBody>
-          <a:bodyPr rtlCol="0" anchor="ctr"/>
-          <a:lstStyle/>
-          <a:p>
-            <a:pPr algn="ctr"/>
-            <a:endParaRPr lang="en-US"/>
-          </a:p>
-        </p:txBody>
-      </p:sp>
-      <p:sp>
-        <p:nvSpPr>
-          <p:cNvPr id="29" name="Right Brace 28">
-            <a:extLst>
-              <a:ext uri="{FF2B5EF4-FFF2-40B4-BE49-F238E27FC236}">
-                <a16:creationId xmlns:a16="http://schemas.microsoft.com/office/drawing/2014/main" id="{F9A784BA-6BB9-1CCB-D08F-7085DBBBE31F}"/>
-              </a:ext>
-            </a:extLst>
-          </p:cNvPr>
-          <p:cNvSpPr/>
-          <p:nvPr/>
-        </p:nvSpPr>
-        <p:spPr>
-          <a:xfrm rot="5400000">
-            <a:off x="3695451" y="4588699"/>
-            <a:ext cx="362488" cy="1661494"/>
-          </a:xfrm>
-          <a:prstGeom prst="rightBrace">
-            <a:avLst>
-              <a:gd name="adj1" fmla="val 19808"/>
-              <a:gd name="adj2" fmla="val 50000"/>
-            </a:avLst>
-          </a:prstGeom>
-        </p:spPr>
-        <p:style>
-          <a:lnRef idx="1">
-            <a:schemeClr val="accent1"/>
-          </a:lnRef>
-          <a:fillRef idx="0">
-            <a:schemeClr val="accent1"/>
-          </a:fillRef>
-          <a:effectRef idx="0">
-            <a:schemeClr val="accent1"/>
-          </a:effectRef>
-          <a:fontRef idx="minor">
-            <a:schemeClr val="tx1"/>
-          </a:fontRef>
-        </p:style>
-        <p:txBody>
-          <a:bodyPr rtlCol="0" anchor="ctr"/>
-          <a:lstStyle/>
-          <a:p>
-            <a:pPr algn="ctr"/>
-            <a:endParaRPr lang="en-US"/>
-          </a:p>
-        </p:txBody>
-      </p:sp>
-      <p:sp>
-        <p:nvSpPr>
-          <p:cNvPr id="30" name="TextBox 29">
-            <a:extLst>
-              <a:ext uri="{FF2B5EF4-FFF2-40B4-BE49-F238E27FC236}">
-                <a16:creationId xmlns:a16="http://schemas.microsoft.com/office/drawing/2014/main" id="{3B5C320B-3F36-D667-438F-1CB198A3D733}"/>
-              </a:ext>
-            </a:extLst>
-          </p:cNvPr>
-          <p:cNvSpPr txBox="1"/>
-          <p:nvPr/>
-        </p:nvSpPr>
-        <p:spPr>
-          <a:xfrm>
-            <a:off x="1148524" y="5702114"/>
-            <a:ext cx="1661494" cy="369332"/>
-          </a:xfrm>
-          <a:prstGeom prst="rect">
-            <a:avLst/>
-          </a:prstGeom>
-          <a:noFill/>
-        </p:spPr>
-        <p:txBody>
-          <a:bodyPr wrap="square" rtlCol="0">
-            <a:spAutoFit/>
-          </a:bodyPr>
-          <a:lstStyle/>
-          <a:p>
-            <a:r>
-              <a:rPr lang="en-US" b="1" dirty="0"/>
-              <a:t>Table Address</a:t>
-            </a:r>
-          </a:p>
-        </p:txBody>
-      </p:sp>
-      <p:sp>
-        <p:nvSpPr>
-          <p:cNvPr id="31" name="TextBox 30">
-            <a:extLst>
-              <a:ext uri="{FF2B5EF4-FFF2-40B4-BE49-F238E27FC236}">
-                <a16:creationId xmlns:a16="http://schemas.microsoft.com/office/drawing/2014/main" id="{EE3074FA-945F-0B3C-AFC9-98346E3A297B}"/>
-              </a:ext>
-            </a:extLst>
-          </p:cNvPr>
-          <p:cNvSpPr txBox="1"/>
-          <p:nvPr/>
-        </p:nvSpPr>
-        <p:spPr>
-          <a:xfrm>
-            <a:off x="3045948" y="5702114"/>
-            <a:ext cx="1661494" cy="369332"/>
-          </a:xfrm>
-          <a:prstGeom prst="rect">
-            <a:avLst/>
-          </a:prstGeom>
-          <a:noFill/>
-        </p:spPr>
-        <p:txBody>
-          <a:bodyPr wrap="square" rtlCol="0">
-            <a:spAutoFit/>
-          </a:bodyPr>
-          <a:lstStyle/>
-          <a:p>
-            <a:r>
-              <a:rPr lang="en-US" b="1" dirty="0"/>
-              <a:t>Entry Offset</a:t>
-            </a:r>
-          </a:p>
-        </p:txBody>
-      </p:sp>
-      <p:sp>
-        <p:nvSpPr>
-          <p:cNvPr id="37" name="Oval 36">
-            <a:extLst>
-              <a:ext uri="{FF2B5EF4-FFF2-40B4-BE49-F238E27FC236}">
-                <a16:creationId xmlns:a16="http://schemas.microsoft.com/office/drawing/2014/main" id="{EA240FDD-06C5-F3FB-AB40-0210C3537DA3}"/>
-              </a:ext>
-            </a:extLst>
-          </p:cNvPr>
-          <p:cNvSpPr/>
-          <p:nvPr/>
-        </p:nvSpPr>
-        <p:spPr>
-          <a:xfrm>
-            <a:off x="3775577" y="2400700"/>
-            <a:ext cx="4210059" cy="518945"/>
-          </a:xfrm>
-          <a:prstGeom prst="ellipse">
-            <a:avLst/>
-          </a:prstGeom>
-          <a:noFill/>
-          <a:ln w="22225"/>
-        </p:spPr>
-        <p:style>
-          <a:lnRef idx="2">
-            <a:schemeClr val="accent1">
-              <a:shade val="50000"/>
-            </a:schemeClr>
-          </a:lnRef>
-          <a:fillRef idx="1">
-            <a:schemeClr val="accent1"/>
-          </a:fillRef>
-          <a:effectRef idx="0">
-            <a:schemeClr val="accent1"/>
-          </a:effectRef>
-          <a:fontRef idx="minor">
-            <a:schemeClr val="lt1"/>
-          </a:fontRef>
-        </p:style>
-        <p:txBody>
-          <a:bodyPr rtlCol="0" anchor="ctr"/>
-          <a:lstStyle/>
-          <a:p>
-            <a:pPr algn="ctr"/>
-            <a:endParaRPr lang="en-US"/>
-          </a:p>
-        </p:txBody>
-      </p:sp>
-      <p:pic>
-        <p:nvPicPr>
-          <p:cNvPr id="9" name="Picture 8">
-            <a:extLst>
-              <a:ext uri="{FF2B5EF4-FFF2-40B4-BE49-F238E27FC236}">
-                <a16:creationId xmlns:a16="http://schemas.microsoft.com/office/drawing/2014/main" id="{AE685497-8A8D-8F19-4EE1-CE050979BE5E}"/>
-              </a:ext>
-            </a:extLst>
-          </p:cNvPr>
-          <p:cNvPicPr>
-            <a:picLocks noChangeAspect="1"/>
-          </p:cNvPicPr>
-          <p:nvPr/>
-        </p:nvPicPr>
-        <p:blipFill>
-          <a:blip r:embed="rId7"/>
-          <a:stretch>
-            <a:fillRect/>
-          </a:stretch>
-        </p:blipFill>
-        <p:spPr>
-          <a:xfrm>
-            <a:off x="7288052" y="3347217"/>
-            <a:ext cx="1107745" cy="327288"/>
-          </a:xfrm>
-          <a:prstGeom prst="rect">
-            <a:avLst/>
-          </a:prstGeom>
-        </p:spPr>
-      </p:pic>
-    </p:spTree>
-    <p:extLst>
-      <p:ext uri="{BB962C8B-B14F-4D97-AF65-F5344CB8AC3E}">
-        <p14:creationId xmlns:p14="http://schemas.microsoft.com/office/powerpoint/2010/main" val="2616719573"/>
-      </p:ext>
-    </p:extLst>
-  </p:cSld>
-  <p:clrMapOvr>
-    <a:masterClrMapping/>
-  </p:clrMapOvr>
-  <p:timing>
-    <p:tnLst>
-      <p:par>
-        <p:cTn id="1" dur="indefinite" restart="never" nodeType="tmRoot">
-          <p:childTnLst>
-            <p:seq concurrent="1" nextAc="seek">
-              <p:cTn id="2" dur="indefinite" nodeType="mainSeq">
-                <p:childTnLst>
-                  <p:par>
-                    <p:cTn id="3" fill="hold">
-                      <p:stCondLst>
-                        <p:cond delay="indefinite"/>
-                      </p:stCondLst>
-                      <p:childTnLst>
-                        <p:par>
-                          <p:cTn id="4" fill="hold">
-                            <p:stCondLst>
-                              <p:cond delay="0"/>
-                            </p:stCondLst>
-                            <p:childTnLst>
-                              <p:par>
-                                <p:cTn id="5" presetID="1" presetClass="entr" presetSubtype="0" fill="hold" grpId="0" nodeType="clickEffect">
-                                  <p:stCondLst>
-                                    <p:cond delay="0"/>
-                                  </p:stCondLst>
-                                  <p:childTnLst>
-                                    <p:set>
-                                      <p:cBhvr>
-                                        <p:cTn id="6" dur="1" fill="hold">
-                                          <p:stCondLst>
-                                            <p:cond delay="0"/>
-                                          </p:stCondLst>
-                                        </p:cTn>
-                                        <p:tgtEl>
-                                          <p:spTgt spid="37"/>
-                                        </p:tgtEl>
-                                        <p:attrNameLst>
-                                          <p:attrName>style.visibility</p:attrName>
-                                        </p:attrNameLst>
-                                      </p:cBhvr>
-                                      <p:to>
-                                        <p:strVal val="visible"/>
-                                      </p:to>
-                                    </p:set>
-                                  </p:childTnLst>
-                                </p:cTn>
-                              </p:par>
-                              <p:par>
-                                <p:cTn id="7" presetID="1" presetClass="entr" presetSubtype="0" fill="hold" nodeType="withEffect">
-                                  <p:stCondLst>
-                                    <p:cond delay="0"/>
-                                  </p:stCondLst>
-                                  <p:childTnLst>
-                                    <p:set>
-                                      <p:cBhvr>
-                                        <p:cTn id="8" dur="1" fill="hold">
-                                          <p:stCondLst>
-                                            <p:cond delay="0"/>
-                                          </p:stCondLst>
-                                        </p:cTn>
-                                        <p:tgtEl>
-                                          <p:spTgt spid="3">
-                                            <p:txEl>
-                                              <p:pRg st="0" end="0"/>
-                                            </p:txEl>
-                                          </p:spTgt>
-                                        </p:tgtEl>
-                                        <p:attrNameLst>
-                                          <p:attrName>style.visibility</p:attrName>
-                                        </p:attrNameLst>
-                                      </p:cBhvr>
-                                      <p:to>
-                                        <p:strVal val="visible"/>
-                                      </p:to>
-                                    </p:set>
-                                  </p:childTnLst>
-                                </p:cTn>
-                              </p:par>
-                            </p:childTnLst>
-                          </p:cTn>
-                        </p:par>
-                      </p:childTnLst>
-                    </p:cTn>
-                  </p:par>
-                  <p:par>
-                    <p:cTn id="9" fill="hold">
-                      <p:stCondLst>
-                        <p:cond delay="indefinite"/>
-                      </p:stCondLst>
-                      <p:childTnLst>
-                        <p:par>
-                          <p:cTn id="10" fill="hold">
-                            <p:stCondLst>
-                              <p:cond delay="0"/>
-                            </p:stCondLst>
-                            <p:childTnLst>
-                              <p:par>
-                                <p:cTn id="11" presetID="1" presetClass="entr" presetSubtype="0" fill="hold" nodeType="clickEffect">
-                                  <p:stCondLst>
-                                    <p:cond delay="0"/>
-                                  </p:stCondLst>
-                                  <p:childTnLst>
-                                    <p:set>
-                                      <p:cBhvr>
-                                        <p:cTn id="12" dur="1" fill="hold">
-                                          <p:stCondLst>
-                                            <p:cond delay="0"/>
-                                          </p:stCondLst>
-                                        </p:cTn>
-                                        <p:tgtEl>
-                                          <p:spTgt spid="16"/>
-                                        </p:tgtEl>
-                                        <p:attrNameLst>
-                                          <p:attrName>style.visibility</p:attrName>
-                                        </p:attrNameLst>
-                                      </p:cBhvr>
-                                      <p:to>
-                                        <p:strVal val="visible"/>
-                                      </p:to>
-                                    </p:set>
-                                  </p:childTnLst>
-                                </p:cTn>
-                              </p:par>
-                              <p:par>
-                                <p:cTn id="13" presetID="1" presetClass="entr" presetSubtype="0" fill="hold" nodeType="withEffect">
-                                  <p:stCondLst>
-                                    <p:cond delay="0"/>
-                                  </p:stCondLst>
-                                  <p:childTnLst>
-                                    <p:set>
-                                      <p:cBhvr>
-                                        <p:cTn id="14" dur="1" fill="hold">
-                                          <p:stCondLst>
-                                            <p:cond delay="0"/>
-                                          </p:stCondLst>
-                                        </p:cTn>
-                                        <p:tgtEl>
-                                          <p:spTgt spid="19"/>
-                                        </p:tgtEl>
-                                        <p:attrNameLst>
-                                          <p:attrName>style.visibility</p:attrName>
-                                        </p:attrNameLst>
-                                      </p:cBhvr>
-                                      <p:to>
-                                        <p:strVal val="visible"/>
-                                      </p:to>
-                                    </p:set>
-                                  </p:childTnLst>
-                                </p:cTn>
-                              </p:par>
-                              <p:par>
-                                <p:cTn id="15" presetID="1" presetClass="entr" presetSubtype="0" fill="hold" nodeType="withEffect">
-                                  <p:stCondLst>
-                                    <p:cond delay="0"/>
-                                  </p:stCondLst>
-                                  <p:childTnLst>
-                                    <p:set>
-                                      <p:cBhvr>
-                                        <p:cTn id="16" dur="1" fill="hold">
-                                          <p:stCondLst>
-                                            <p:cond delay="0"/>
-                                          </p:stCondLst>
-                                        </p:cTn>
-                                        <p:tgtEl>
-                                          <p:spTgt spid="3">
-                                            <p:txEl>
-                                              <p:pRg st="2" end="2"/>
-                                            </p:txEl>
-                                          </p:spTgt>
-                                        </p:tgtEl>
-                                        <p:attrNameLst>
-                                          <p:attrName>style.visibility</p:attrName>
-                                        </p:attrNameLst>
-                                      </p:cBhvr>
-                                      <p:to>
-                                        <p:strVal val="visible"/>
-                                      </p:to>
-                                    </p:set>
-                                  </p:childTnLst>
-                                </p:cTn>
-                              </p:par>
-                              <p:par>
-                                <p:cTn id="17" presetID="1" presetClass="entr" presetSubtype="0" fill="hold" nodeType="withEffect">
-                                  <p:stCondLst>
-                                    <p:cond delay="0"/>
-                                  </p:stCondLst>
-                                  <p:childTnLst>
-                                    <p:set>
-                                      <p:cBhvr>
-                                        <p:cTn id="18" dur="1" fill="hold">
-                                          <p:stCondLst>
-                                            <p:cond delay="0"/>
-                                          </p:stCondLst>
-                                        </p:cTn>
-                                        <p:tgtEl>
-                                          <p:spTgt spid="7"/>
-                                        </p:tgtEl>
-                                        <p:attrNameLst>
-                                          <p:attrName>style.visibility</p:attrName>
-                                        </p:attrNameLst>
-                                      </p:cBhvr>
-                                      <p:to>
-                                        <p:strVal val="visible"/>
-                                      </p:to>
-                                    </p:set>
-                                  </p:childTnLst>
-                                </p:cTn>
-                              </p:par>
-                              <p:par>
-                                <p:cTn id="19" presetID="1" presetClass="entr" presetSubtype="0" fill="hold" nodeType="withEffect">
-                                  <p:stCondLst>
-                                    <p:cond delay="0"/>
-                                  </p:stCondLst>
-                                  <p:childTnLst>
-                                    <p:set>
-                                      <p:cBhvr>
-                                        <p:cTn id="20" dur="1" fill="hold">
-                                          <p:stCondLst>
-                                            <p:cond delay="0"/>
-                                          </p:stCondLst>
-                                        </p:cTn>
-                                        <p:tgtEl>
-                                          <p:spTgt spid="9"/>
-                                        </p:tgtEl>
-                                        <p:attrNameLst>
-                                          <p:attrName>style.visibility</p:attrName>
-                                        </p:attrNameLst>
-                                      </p:cBhvr>
-                                      <p:to>
-                                        <p:strVal val="visible"/>
-                                      </p:to>
-                                    </p:set>
-                                  </p:childTnLst>
-                                </p:cTn>
-                              </p:par>
-                            </p:childTnLst>
-                          </p:cTn>
-                        </p:par>
-                      </p:childTnLst>
-                    </p:cTn>
-                  </p:par>
-                  <p:par>
-                    <p:cTn id="21" fill="hold">
-                      <p:stCondLst>
-                        <p:cond delay="indefinite"/>
-                      </p:stCondLst>
-                      <p:childTnLst>
-                        <p:par>
-                          <p:cTn id="22" fill="hold">
-                            <p:stCondLst>
-                              <p:cond delay="0"/>
-                            </p:stCondLst>
-                            <p:childTnLst>
-                              <p:par>
-                                <p:cTn id="23" presetID="1" presetClass="entr" presetSubtype="0" fill="hold" grpId="0" nodeType="clickEffect">
-                                  <p:stCondLst>
-                                    <p:cond delay="0"/>
-                                  </p:stCondLst>
-                                  <p:childTnLst>
-                                    <p:set>
-                                      <p:cBhvr>
-                                        <p:cTn id="24" dur="1" fill="hold">
-                                          <p:stCondLst>
-                                            <p:cond delay="0"/>
-                                          </p:stCondLst>
-                                        </p:cTn>
-                                        <p:tgtEl>
-                                          <p:spTgt spid="28"/>
-                                        </p:tgtEl>
-                                        <p:attrNameLst>
-                                          <p:attrName>style.visibility</p:attrName>
-                                        </p:attrNameLst>
-                                      </p:cBhvr>
-                                      <p:to>
-                                        <p:strVal val="visible"/>
-                                      </p:to>
-                                    </p:set>
-                                  </p:childTnLst>
-                                </p:cTn>
-                              </p:par>
-                              <p:par>
-                                <p:cTn id="25" presetID="1" presetClass="entr" presetSubtype="0" fill="hold" grpId="0" nodeType="withEffect">
-                                  <p:stCondLst>
-                                    <p:cond delay="0"/>
-                                  </p:stCondLst>
-                                  <p:childTnLst>
-                                    <p:set>
-                                      <p:cBhvr>
-                                        <p:cTn id="26" dur="1" fill="hold">
-                                          <p:stCondLst>
-                                            <p:cond delay="0"/>
-                                          </p:stCondLst>
-                                        </p:cTn>
-                                        <p:tgtEl>
-                                          <p:spTgt spid="30"/>
-                                        </p:tgtEl>
-                                        <p:attrNameLst>
-                                          <p:attrName>style.visibility</p:attrName>
-                                        </p:attrNameLst>
-                                      </p:cBhvr>
-                                      <p:to>
-                                        <p:strVal val="visible"/>
-                                      </p:to>
-                                    </p:set>
-                                  </p:childTnLst>
-                                </p:cTn>
-                              </p:par>
-                            </p:childTnLst>
-                          </p:cTn>
-                        </p:par>
-                      </p:childTnLst>
-                    </p:cTn>
-                  </p:par>
-                  <p:par>
-                    <p:cTn id="27" fill="hold">
-                      <p:stCondLst>
-                        <p:cond delay="indefinite"/>
-                      </p:stCondLst>
-                      <p:childTnLst>
-                        <p:par>
-                          <p:cTn id="28" fill="hold">
-                            <p:stCondLst>
-                              <p:cond delay="0"/>
-                            </p:stCondLst>
-                            <p:childTnLst>
-                              <p:par>
-                                <p:cTn id="29" presetID="1" presetClass="entr" presetSubtype="0" fill="hold" grpId="0" nodeType="clickEffect">
-                                  <p:stCondLst>
-                                    <p:cond delay="0"/>
-                                  </p:stCondLst>
-                                  <p:childTnLst>
-                                    <p:set>
-                                      <p:cBhvr>
-                                        <p:cTn id="30" dur="1" fill="hold">
-                                          <p:stCondLst>
-                                            <p:cond delay="0"/>
-                                          </p:stCondLst>
-                                        </p:cTn>
-                                        <p:tgtEl>
-                                          <p:spTgt spid="29"/>
-                                        </p:tgtEl>
-                                        <p:attrNameLst>
-                                          <p:attrName>style.visibility</p:attrName>
-                                        </p:attrNameLst>
-                                      </p:cBhvr>
-                                      <p:to>
-                                        <p:strVal val="visible"/>
-                                      </p:to>
-                                    </p:set>
-                                  </p:childTnLst>
-                                </p:cTn>
-                              </p:par>
-                              <p:par>
-                                <p:cTn id="31" presetID="1" presetClass="entr" presetSubtype="0" fill="hold" grpId="0" nodeType="withEffect">
-                                  <p:stCondLst>
-                                    <p:cond delay="0"/>
-                                  </p:stCondLst>
-                                  <p:childTnLst>
-                                    <p:set>
-                                      <p:cBhvr>
-                                        <p:cTn id="32" dur="1" fill="hold">
-                                          <p:stCondLst>
-                                            <p:cond delay="0"/>
-                                          </p:stCondLst>
-                                        </p:cTn>
-                                        <p:tgtEl>
-                                          <p:spTgt spid="31"/>
-                                        </p:tgtEl>
-                                        <p:attrNameLst>
-                                          <p:attrName>style.visibility</p:attrName>
-                                        </p:attrNameLst>
-                                      </p:cBhvr>
-                                      <p:to>
-                                        <p:strVal val="visible"/>
-                                      </p:to>
-                                    </p:set>
-                                  </p:childTnLst>
-                                </p:cTn>
-                              </p:par>
-                            </p:childTnLst>
-                          </p:cTn>
-                        </p:par>
-                      </p:childTnLst>
-                    </p:cTn>
-                  </p:par>
-                </p:childTnLst>
-              </p:cTn>
-              <p:prevCondLst>
-                <p:cond evt="onPrev" delay="0">
-                  <p:tgtEl>
-                    <p:sldTgt/>
-                  </p:tgtEl>
-                </p:cond>
-              </p:prevCondLst>
-              <p:nextCondLst>
-                <p:cond evt="onNext" delay="0">
-                  <p:tgtEl>
-                    <p:sldTgt/>
-                  </p:tgtEl>
-                </p:cond>
-              </p:nextCondLst>
-            </p:seq>
-          </p:childTnLst>
-        </p:cTn>
-      </p:par>
-    </p:tnLst>
-    <p:bldLst>
-      <p:bldP spid="28" grpId="0" animBg="1"/>
-      <p:bldP spid="29" grpId="0" animBg="1"/>
-      <p:bldP spid="30" grpId="0"/>
-      <p:bldP spid="31" grpId="0"/>
-      <p:bldP spid="37" grpId="0" animBg="1"/>
-    </p:bldLst>
-  </p:timing>
-</p:sld>
-</file>
-
-<file path=ppt/slides/slide15.xml><?xml version="1.0" encoding="utf-8"?>
-<p:sld xmlns:a="http://schemas.openxmlformats.org/drawingml/2006/main" xmlns:r="http://schemas.openxmlformats.org/officeDocument/2006/relationships" xmlns:p="http://schemas.openxmlformats.org/presentationml/2006/main">
-  <p:cSld>
-    <p:spTree>
-      <p:nvGrpSpPr>
-        <p:cNvPr id="1" name=""/>
-        <p:cNvGrpSpPr/>
-        <p:nvPr/>
-      </p:nvGrpSpPr>
-      <p:grpSpPr>
-        <a:xfrm>
-          <a:off x="0" y="0"/>
-          <a:ext cx="0" cy="0"/>
-          <a:chOff x="0" y="0"/>
-          <a:chExt cx="0" cy="0"/>
-        </a:xfrm>
-      </p:grpSpPr>
-      <p:sp>
-        <p:nvSpPr>
           <p:cNvPr id="11" name="Alternate Process 10">
             <a:extLst>
               <a:ext uri="{FF2B5EF4-FFF2-40B4-BE49-F238E27FC236}">
@@ -12899,7 +12057,7 @@
 </p:sld>
 </file>
 
-<file path=ppt/slides/slide16.xml><?xml version="1.0" encoding="utf-8"?>
+<file path=ppt/slides/slide15.xml><?xml version="1.0" encoding="utf-8"?>
 <p:sld xmlns:a="http://schemas.openxmlformats.org/drawingml/2006/main" xmlns:r="http://schemas.openxmlformats.org/officeDocument/2006/relationships" xmlns:p="http://schemas.openxmlformats.org/presentationml/2006/main">
   <p:cSld>
     <p:spTree>
@@ -12930,7 +12088,7 @@
         </p:nvSpPr>
         <p:spPr>
           <a:xfrm>
-            <a:off x="14288" y="1385888"/>
+            <a:off x="47264" y="1361122"/>
             <a:ext cx="10315575" cy="3386137"/>
           </a:xfrm>
           <a:custGeom>
@@ -13660,7 +12818,7 @@
         <p:spPr>
           <a:xfrm>
             <a:off x="7218500" y="2965443"/>
-            <a:ext cx="882632" cy="523220"/>
+            <a:ext cx="882632" cy="369332"/>
           </a:xfrm>
           <a:prstGeom prst="rect">
             <a:avLst/>
@@ -13674,12 +12832,12 @@
           <a:lstStyle/>
           <a:p>
             <a:r>
-              <a:rPr lang="en-US" sz="1400" dirty="0"/>
-              <a:t>Page </a:t>
-            </a:r>
-            <a:r>
-              <a:rPr lang="en-US" sz="1400" dirty="0" err="1"/>
-              <a:t>Addr</a:t>
+              <a:rPr lang="en-US" dirty="0"/>
+              <a:t>pa</a:t>
+            </a:r>
+            <a:r>
+              <a:rPr lang="en-US" sz="1400" baseline="-25000" dirty="0"/>
+              <a:t>i</a:t>
             </a:r>
             <a:endParaRPr lang="en-US" sz="1400" dirty="0"/>
           </a:p>
@@ -14002,8 +13160,8 @@
         </p:nvCxnSpPr>
         <p:spPr>
           <a:xfrm flipH="1">
-            <a:off x="242882" y="1095946"/>
-            <a:ext cx="381028" cy="949955"/>
+            <a:off x="242882" y="1025902"/>
+            <a:ext cx="720251" cy="1019999"/>
           </a:xfrm>
           <a:prstGeom prst="line">
             <a:avLst/>
@@ -14239,14 +13397,15 @@
           </p:cNvPr>
           <p:cNvCxnSpPr>
             <a:cxnSpLocks/>
+            <a:stCxn id="59" idx="2"/>
             <a:endCxn id="150" idx="0"/>
           </p:cNvCxnSpPr>
           <p:nvPr/>
         </p:nvCxnSpPr>
         <p:spPr>
-          <a:xfrm flipH="1">
-            <a:off x="1806755" y="1091575"/>
-            <a:ext cx="318408" cy="903508"/>
+          <a:xfrm>
+            <a:off x="1474254" y="1166682"/>
+            <a:ext cx="332501" cy="828401"/>
           </a:xfrm>
           <a:prstGeom prst="line">
             <a:avLst/>
@@ -14320,13 +13479,14 @@
           </p:cNvPr>
           <p:cNvCxnSpPr>
             <a:cxnSpLocks/>
+            <a:stCxn id="59" idx="2"/>
           </p:cNvCxnSpPr>
           <p:nvPr/>
         </p:nvCxnSpPr>
         <p:spPr>
-          <a:xfrm flipH="1">
-            <a:off x="3593172" y="1094796"/>
-            <a:ext cx="314626" cy="859983"/>
+          <a:xfrm>
+            <a:off x="1474254" y="1166682"/>
+            <a:ext cx="2118918" cy="788097"/>
           </a:xfrm>
           <a:prstGeom prst="line">
             <a:avLst/>
@@ -14405,9 +13565,9 @@
           <p:nvPr/>
         </p:nvCxnSpPr>
         <p:spPr>
-          <a:xfrm flipH="1">
-            <a:off x="5186485" y="1091575"/>
-            <a:ext cx="313902" cy="801084"/>
+          <a:xfrm>
+            <a:off x="1987477" y="1143918"/>
+            <a:ext cx="3199008" cy="748741"/>
           </a:xfrm>
           <a:prstGeom prst="line">
             <a:avLst/>
@@ -14486,9 +13646,9 @@
           <p:nvPr/>
         </p:nvCxnSpPr>
         <p:spPr>
-          <a:xfrm flipH="1">
-            <a:off x="6831204" y="1145401"/>
-            <a:ext cx="312886" cy="712165"/>
+          <a:xfrm>
+            <a:off x="1986162" y="1027437"/>
+            <a:ext cx="4845042" cy="830129"/>
           </a:xfrm>
           <a:prstGeom prst="line">
             <a:avLst/>
@@ -15372,7 +14532,7 @@
         </p:nvSpPr>
         <p:spPr>
           <a:xfrm>
-            <a:off x="1635472" y="-353922"/>
+            <a:off x="485322" y="-379000"/>
             <a:ext cx="10515600" cy="1325563"/>
           </a:xfrm>
         </p:spPr>
@@ -15382,7 +14542,7 @@
           <a:p>
             <a:r>
               <a:rPr lang="en-US" dirty="0"/>
-              <a:t>Mechanism: L4_L1 Page Table Walk</a:t>
+              <a:t>Restoring Soundness</a:t>
             </a:r>
           </a:p>
         </p:txBody>
@@ -15452,13 +14612,13 @@
         </p:nvSpPr>
         <p:spPr>
           <a:xfrm>
-            <a:off x="6527306" y="165270"/>
-            <a:ext cx="6869938" cy="1325563"/>
+            <a:off x="6255698" y="-25851"/>
+            <a:ext cx="6636389" cy="1325563"/>
           </a:xfrm>
           <a:prstGeom prst="wedgeEllipseCallout">
             <a:avLst>
-              <a:gd name="adj1" fmla="val 26760"/>
-              <a:gd name="adj2" fmla="val 151961"/>
+              <a:gd name="adj1" fmla="val 25682"/>
+              <a:gd name="adj2" fmla="val 87778"/>
             </a:avLst>
           </a:prstGeom>
           <a:noFill/>
@@ -15552,7 +14712,7 @@
         </p:nvSpPr>
         <p:spPr>
           <a:xfrm>
-            <a:off x="7462624" y="415890"/>
+            <a:off x="6957468" y="224769"/>
             <a:ext cx="5625246" cy="923330"/>
           </a:xfrm>
           <a:prstGeom prst="rect">
@@ -15584,7 +14744,15 @@
             </a:r>
             <a:r>
               <a:rPr lang="en-US" dirty="0"/>
-              <a:t>  (Fragmental Ownership of the ghost map)</a:t>
+              <a:t>  (</a:t>
+            </a:r>
+            <a:r>
+              <a:rPr lang="en-US" b="1" i="1" dirty="0"/>
+              <a:t>fragmental</a:t>
+            </a:r>
+            <a:r>
+              <a:rPr lang="en-US" dirty="0"/>
+              <a:t> ownership of the ghost map)</a:t>
             </a:r>
           </a:p>
         </p:txBody>
@@ -15619,119 +14787,210 @@
           <a:p>
             <a:r>
               <a:rPr lang="en-US" dirty="0"/>
-              <a:t>Then keep the physical page table walk next to full ownership of the ghost map which is required to update the page tables</a:t>
+              <a:t>Then keep the physical page table walk next to </a:t>
+            </a:r>
+            <a:r>
+              <a:rPr lang="en-US" b="1" i="1" dirty="0" err="1"/>
+              <a:t>authorative</a:t>
+            </a:r>
+            <a:r>
+              <a:rPr lang="en-US" b="1" i="1" dirty="0"/>
+              <a:t> </a:t>
+            </a:r>
+            <a:r>
+              <a:rPr lang="en-US" dirty="0"/>
+              <a:t>ownership of the ghost map which is required to update the page tables</a:t>
             </a:r>
           </a:p>
         </p:txBody>
       </p:sp>
-      <p:sp>
-        <p:nvSpPr>
-          <p:cNvPr id="23" name="Rectangle 22">
-            <a:extLst>
-              <a:ext uri="{FF2B5EF4-FFF2-40B4-BE49-F238E27FC236}">
-                <a16:creationId xmlns:a16="http://schemas.microsoft.com/office/drawing/2014/main" id="{4ED7EDE8-4927-5E7C-A23E-6DCB0805892F}"/>
-              </a:ext>
-            </a:extLst>
-          </p:cNvPr>
-          <p:cNvSpPr/>
-          <p:nvPr/>
-        </p:nvSpPr>
-        <p:spPr>
-          <a:xfrm rot="5400000">
-            <a:off x="9770514" y="2637327"/>
-            <a:ext cx="546034" cy="573471"/>
-          </a:xfrm>
-          <a:prstGeom prst="rect">
-            <a:avLst/>
-          </a:prstGeom>
-          <a:solidFill>
-            <a:schemeClr val="accent1">
-              <a:alpha val="68406"/>
-            </a:schemeClr>
-          </a:solidFill>
-        </p:spPr>
-        <p:style>
-          <a:lnRef idx="2">
-            <a:schemeClr val="accent1">
-              <a:shade val="15000"/>
-            </a:schemeClr>
-          </a:lnRef>
-          <a:fillRef idx="1">
-            <a:schemeClr val="accent1"/>
-          </a:fillRef>
-          <a:effectRef idx="0">
-            <a:schemeClr val="accent1"/>
-          </a:effectRef>
-          <a:fontRef idx="minor">
-            <a:schemeClr val="lt1"/>
-          </a:fontRef>
-        </p:style>
-        <p:txBody>
-          <a:bodyPr rtlCol="0" anchor="ctr"/>
-          <a:lstStyle/>
-          <a:p>
-            <a:pPr algn="ctr"/>
-            <a:endParaRPr lang="en-US"/>
-          </a:p>
-        </p:txBody>
-      </p:sp>
+      <mc:AlternateContent xmlns:mc="http://schemas.openxmlformats.org/markup-compatibility/2006">
+        <mc:Choice xmlns:a14="http://schemas.microsoft.com/office/drawing/2010/main" Requires="a14">
+          <p:sp>
+            <p:nvSpPr>
+              <p:cNvPr id="23" name="Rectangle 22">
+                <a:extLst>
+                  <a:ext uri="{FF2B5EF4-FFF2-40B4-BE49-F238E27FC236}">
+                    <a16:creationId xmlns:a16="http://schemas.microsoft.com/office/drawing/2014/main" id="{4ED7EDE8-4927-5E7C-A23E-6DCB0805892F}"/>
+                  </a:ext>
+                </a:extLst>
+              </p:cNvPr>
+              <p:cNvSpPr/>
+              <p:nvPr/>
+            </p:nvSpPr>
+            <p:spPr>
+              <a:xfrm>
+                <a:off x="8222366" y="2635689"/>
+                <a:ext cx="2130856" cy="575109"/>
+              </a:xfrm>
+              <a:prstGeom prst="rect">
+                <a:avLst/>
+              </a:prstGeom>
+              <a:solidFill>
+                <a:schemeClr val="accent1">
+                  <a:alpha val="68406"/>
+                </a:schemeClr>
+              </a:solidFill>
+            </p:spPr>
+            <p:style>
+              <a:lnRef idx="2">
+                <a:schemeClr val="accent1">
+                  <a:shade val="15000"/>
+                </a:schemeClr>
+              </a:lnRef>
+              <a:fillRef idx="1">
+                <a:schemeClr val="accent1"/>
+              </a:fillRef>
+              <a:effectRef idx="0">
+                <a:schemeClr val="accent1"/>
+              </a:effectRef>
+              <a:fontRef idx="minor">
+                <a:schemeClr val="lt1"/>
+              </a:fontRef>
+            </p:style>
+            <p:txBody>
+              <a:bodyPr rtlCol="0" anchor="ctr"/>
+              <a:lstStyle/>
+              <a:p>
+                <a:pPr algn="ctr"/>
+                <a14:m>
+                  <m:oMath xmlns:m="http://schemas.openxmlformats.org/officeDocument/2006/math">
+                    <m:r>
+                      <a:rPr lang="en-US" i="1" smtClean="0">
+                        <a:latin typeface="Cambria Math" panose="02040503050406030204" pitchFamily="18" charset="0"/>
+                        <a:ea typeface="Cambria Math" panose="02040503050406030204" pitchFamily="18" charset="0"/>
+                      </a:rPr>
+                      <m:t>∀</m:t>
+                    </m:r>
+                    <m:r>
+                      <a:rPr lang="en-US" b="0" i="1" smtClean="0">
+                        <a:latin typeface="Cambria Math" panose="02040503050406030204" pitchFamily="18" charset="0"/>
+                        <a:ea typeface="Cambria Math" panose="02040503050406030204" pitchFamily="18" charset="0"/>
+                      </a:rPr>
+                      <m:t> </m:t>
+                    </m:r>
+                    <m:r>
+                      <a:rPr lang="en-US" b="0" i="1" smtClean="0">
+                        <a:latin typeface="Cambria Math" panose="02040503050406030204" pitchFamily="18" charset="0"/>
+                        <a:ea typeface="Cambria Math" panose="02040503050406030204" pitchFamily="18" charset="0"/>
+                      </a:rPr>
+                      <m:t>𝑖</m:t>
+                    </m:r>
+                    <m:r>
+                      <a:rPr lang="en-US" b="0" i="1" smtClean="0">
+                        <a:latin typeface="Cambria Math" panose="02040503050406030204" pitchFamily="18" charset="0"/>
+                        <a:ea typeface="Cambria Math" panose="02040503050406030204" pitchFamily="18" charset="0"/>
+                      </a:rPr>
+                      <m:t> ∈0…</m:t>
+                    </m:r>
+                    <m:r>
+                      <a:rPr lang="en-US" b="0" i="1" smtClean="0">
+                        <a:latin typeface="Cambria Math" panose="02040503050406030204" pitchFamily="18" charset="0"/>
+                        <a:ea typeface="Cambria Math" panose="02040503050406030204" pitchFamily="18" charset="0"/>
+                      </a:rPr>
+                      <m:t>𝑛</m:t>
+                    </m:r>
+                    <m:r>
+                      <a:rPr lang="en-US" b="0" i="1" smtClean="0">
+                        <a:latin typeface="Cambria Math" panose="02040503050406030204" pitchFamily="18" charset="0"/>
+                        <a:ea typeface="Cambria Math" panose="02040503050406030204" pitchFamily="18" charset="0"/>
+                      </a:rPr>
+                      <m:t>, </m:t>
+                    </m:r>
+                  </m:oMath>
+                </a14:m>
+                <a:r>
+                  <a:rPr lang="en-US" dirty="0"/>
+                  <a:t> v</a:t>
+                </a:r>
+                <a:r>
+                  <a:rPr lang="en-US" baseline="-25000" dirty="0"/>
+                  <a:t>i</a:t>
+                </a:r>
+                <a:r>
+                  <a:rPr lang="en-US" dirty="0"/>
+                  <a:t> -&gt;</a:t>
+                </a:r>
+                <a:r>
+                  <a:rPr lang="en-US" baseline="-25000" dirty="0"/>
+                  <a:t>a</a:t>
+                </a:r>
+                <a:r>
+                  <a:rPr lang="en-US" dirty="0"/>
+                  <a:t> p</a:t>
+                </a:r>
+                <a:r>
+                  <a:rPr lang="en-US" baseline="-25000" dirty="0"/>
+                  <a:t>i</a:t>
+                </a:r>
+              </a:p>
+            </p:txBody>
+          </p:sp>
+        </mc:Choice>
+        <mc:Fallback>
+          <p:sp>
+            <p:nvSpPr>
+              <p:cNvPr id="23" name="Rectangle 22">
+                <a:extLst>
+                  <a:ext uri="{FF2B5EF4-FFF2-40B4-BE49-F238E27FC236}">
+                    <a16:creationId xmlns:a16="http://schemas.microsoft.com/office/drawing/2014/main" id="{4ED7EDE8-4927-5E7C-A23E-6DCB0805892F}"/>
+                  </a:ext>
+                </a:extLst>
+              </p:cNvPr>
+              <p:cNvSpPr>
+                <a:spLocks noRot="1" noChangeAspect="1" noMove="1" noResize="1" noEditPoints="1" noAdjustHandles="1" noChangeArrowheads="1" noChangeShapeType="1" noTextEdit="1"/>
+              </p:cNvSpPr>
+              <p:nvPr/>
+            </p:nvSpPr>
+            <p:spPr>
+              <a:xfrm>
+                <a:off x="8222366" y="2635689"/>
+                <a:ext cx="2130856" cy="575109"/>
+              </a:xfrm>
+              <a:prstGeom prst="rect">
+                <a:avLst/>
+              </a:prstGeom>
+              <a:blipFill>
+                <a:blip r:embed="rId9"/>
+                <a:stretch>
+                  <a:fillRect/>
+                </a:stretch>
+              </a:blipFill>
+            </p:spPr>
+            <p:txBody>
+              <a:bodyPr/>
+              <a:lstStyle/>
+              <a:p>
+                <a:r>
+                  <a:rPr lang="en-US">
+                    <a:noFill/>
+                  </a:rPr>
+                  <a:t> </a:t>
+                </a:r>
+              </a:p>
+            </p:txBody>
+          </p:sp>
+        </mc:Fallback>
+      </mc:AlternateContent>
       <p:cxnSp>
         <p:nvCxnSpPr>
-          <p:cNvPr id="28" name="Straight Connector 27">
-            <a:extLst>
-              <a:ext uri="{FF2B5EF4-FFF2-40B4-BE49-F238E27FC236}">
-                <a16:creationId xmlns:a16="http://schemas.microsoft.com/office/drawing/2014/main" id="{3905E128-549D-3903-C5C9-E7DEB2A8A90C}"/>
+          <p:cNvPr id="29" name="Straight Connector 28">
+            <a:extLst>
+              <a:ext uri="{FF2B5EF4-FFF2-40B4-BE49-F238E27FC236}">
+                <a16:creationId xmlns:a16="http://schemas.microsoft.com/office/drawing/2014/main" id="{AF78EA0F-A964-69F4-AD63-582AC8003234}"/>
               </a:ext>
             </a:extLst>
           </p:cNvPr>
           <p:cNvCxnSpPr>
             <a:cxnSpLocks/>
+            <a:stCxn id="43" idx="0"/>
           </p:cNvCxnSpPr>
           <p:nvPr/>
         </p:nvCxnSpPr>
         <p:spPr>
           <a:xfrm>
-            <a:off x="8292086" y="1379474"/>
-            <a:ext cx="2058084" cy="1291376"/>
-          </a:xfrm>
-          <a:prstGeom prst="line">
-            <a:avLst/>
-          </a:prstGeom>
-          <a:ln w="44450"/>
-        </p:spPr>
-        <p:style>
-          <a:lnRef idx="1">
-            <a:schemeClr val="accent1"/>
-          </a:lnRef>
-          <a:fillRef idx="0">
-            <a:schemeClr val="accent1"/>
-          </a:fillRef>
-          <a:effectRef idx="0">
-            <a:schemeClr val="accent1"/>
-          </a:effectRef>
-          <a:fontRef idx="minor">
-            <a:schemeClr val="tx1"/>
-          </a:fontRef>
-        </p:style>
-      </p:cxnSp>
-      <p:cxnSp>
-        <p:nvCxnSpPr>
-          <p:cNvPr id="29" name="Straight Connector 28">
-            <a:extLst>
-              <a:ext uri="{FF2B5EF4-FFF2-40B4-BE49-F238E27FC236}">
-                <a16:creationId xmlns:a16="http://schemas.microsoft.com/office/drawing/2014/main" id="{AF78EA0F-A964-69F4-AD63-582AC8003234}"/>
-              </a:ext>
-            </a:extLst>
-          </p:cNvPr>
-          <p:cNvCxnSpPr>
-            <a:cxnSpLocks/>
-          </p:cNvCxnSpPr>
-          <p:nvPr/>
-        </p:nvCxnSpPr>
-        <p:spPr>
-          <a:xfrm>
-            <a:off x="-46990" y="1416695"/>
-            <a:ext cx="9783882" cy="1238323"/>
+            <a:off x="47264" y="1361122"/>
+            <a:ext cx="8168721" cy="1274567"/>
           </a:xfrm>
           <a:prstGeom prst="line">
             <a:avLst/>
@@ -15764,56 +15023,19 @@
           </p:cNvPr>
           <p:cNvCxnSpPr>
             <a:cxnSpLocks/>
+            <a:stCxn id="43" idx="1"/>
           </p:cNvCxnSpPr>
           <p:nvPr/>
         </p:nvCxnSpPr>
         <p:spPr>
           <a:xfrm flipV="1">
-            <a:off x="-43851" y="3212966"/>
-            <a:ext cx="9769742" cy="1505228"/>
+            <a:off x="47264" y="3225326"/>
+            <a:ext cx="8175102" cy="1521933"/>
           </a:xfrm>
           <a:prstGeom prst="line">
             <a:avLst/>
           </a:prstGeom>
           <a:ln w="44450"/>
-        </p:spPr>
-        <p:style>
-          <a:lnRef idx="1">
-            <a:schemeClr val="accent1"/>
-          </a:lnRef>
-          <a:fillRef idx="0">
-            <a:schemeClr val="accent1"/>
-          </a:fillRef>
-          <a:effectRef idx="0">
-            <a:schemeClr val="accent1"/>
-          </a:effectRef>
-          <a:fontRef idx="minor">
-            <a:schemeClr val="tx1"/>
-          </a:fontRef>
-        </p:style>
-      </p:cxnSp>
-      <p:cxnSp>
-        <p:nvCxnSpPr>
-          <p:cNvPr id="37" name="Straight Connector 36">
-            <a:extLst>
-              <a:ext uri="{FF2B5EF4-FFF2-40B4-BE49-F238E27FC236}">
-                <a16:creationId xmlns:a16="http://schemas.microsoft.com/office/drawing/2014/main" id="{F01455D4-D895-2B15-854A-0F3D7942DD52}"/>
-              </a:ext>
-            </a:extLst>
-          </p:cNvPr>
-          <p:cNvCxnSpPr>
-            <a:cxnSpLocks/>
-          </p:cNvCxnSpPr>
-          <p:nvPr/>
-        </p:nvCxnSpPr>
-        <p:spPr>
-          <a:xfrm flipV="1">
-            <a:off x="8284204" y="3212966"/>
-            <a:ext cx="2065966" cy="1505228"/>
-          </a:xfrm>
-          <a:prstGeom prst="line">
-            <a:avLst/>
-          </a:prstGeom>
         </p:spPr>
         <p:style>
           <a:lnRef idx="1">
@@ -15843,14 +15065,14 @@
           <p:nvPr/>
         </p:nvSpPr>
         <p:spPr>
-          <a:xfrm rot="5400000">
-            <a:off x="11520299" y="2872481"/>
-            <a:ext cx="546034" cy="573471"/>
+          <a:xfrm>
+            <a:off x="11029893" y="1758457"/>
+            <a:ext cx="1073766" cy="597287"/>
           </a:xfrm>
           <a:prstGeom prst="rect">
             <a:avLst/>
           </a:prstGeom>
-          <a:pattFill prst="smGrid">
+          <a:pattFill prst="pct90">
             <a:fgClr>
               <a:schemeClr val="accent1"/>
             </a:fgClr>
@@ -15880,51 +15102,605 @@
           <a:lstStyle/>
           <a:p>
             <a:pPr algn="ctr"/>
-            <a:endParaRPr lang="en-US"/>
+            <a:r>
+              <a:rPr lang="en-US" dirty="0" err="1"/>
+              <a:t>va</a:t>
+            </a:r>
+            <a:r>
+              <a:rPr lang="en-US" baseline="-25000" dirty="0" err="1"/>
+              <a:t>i</a:t>
+            </a:r>
+            <a:r>
+              <a:rPr lang="en-US" baseline="-25000" dirty="0"/>
+              <a:t> </a:t>
+            </a:r>
+            <a:r>
+              <a:rPr lang="en-US" dirty="0"/>
+              <a:t>-&gt;</a:t>
+            </a:r>
+            <a:r>
+              <a:rPr lang="en-US" baseline="-25000" dirty="0"/>
+              <a:t>f</a:t>
+            </a:r>
+            <a:r>
+              <a:rPr lang="en-US" dirty="0"/>
+              <a:t> pa</a:t>
+            </a:r>
+            <a:r>
+              <a:rPr lang="en-US" baseline="-25000" dirty="0"/>
+              <a:t>i</a:t>
+            </a:r>
           </a:p>
         </p:txBody>
       </p:sp>
-      <p:cxnSp>
-        <p:nvCxnSpPr>
-          <p:cNvPr id="51" name="Straight Arrow Connector 50">
-            <a:extLst>
-              <a:ext uri="{FF2B5EF4-FFF2-40B4-BE49-F238E27FC236}">
-                <a16:creationId xmlns:a16="http://schemas.microsoft.com/office/drawing/2014/main" id="{5A2C9338-2B24-D41F-4871-D1DB97737B90}"/>
-              </a:ext>
-            </a:extLst>
-          </p:cNvPr>
-          <p:cNvCxnSpPr>
-            <a:cxnSpLocks/>
-          </p:cNvCxnSpPr>
+      <p:sp>
+        <p:nvSpPr>
+          <p:cNvPr id="59" name="Alternate Process 58">
+            <a:extLst>
+              <a:ext uri="{FF2B5EF4-FFF2-40B4-BE49-F238E27FC236}">
+                <a16:creationId xmlns:a16="http://schemas.microsoft.com/office/drawing/2014/main" id="{562D35DA-C516-8218-EC4E-BA448DB3D8F7}"/>
+              </a:ext>
+            </a:extLst>
+          </p:cNvPr>
+          <p:cNvSpPr/>
           <p:nvPr/>
-        </p:nvCxnSpPr>
+        </p:nvSpPr>
         <p:spPr>
           <a:xfrm>
-            <a:off x="8113329" y="3156121"/>
-            <a:ext cx="3606439" cy="1019989"/>
-          </a:xfrm>
-          <a:prstGeom prst="straightConnector1">
+            <a:off x="983352" y="591573"/>
+            <a:ext cx="981803" cy="575109"/>
+          </a:xfrm>
+          <a:prstGeom prst="flowChartAlternateProcess">
             <a:avLst/>
           </a:prstGeom>
-          <a:ln>
-            <a:tailEnd type="triangle"/>
-          </a:ln>
+          <a:noFill/>
         </p:spPr>
         <p:style>
-          <a:lnRef idx="1">
-            <a:schemeClr val="accent1"/>
+          <a:lnRef idx="2">
+            <a:schemeClr val="accent1">
+              <a:shade val="50000"/>
+            </a:schemeClr>
           </a:lnRef>
-          <a:fillRef idx="0">
+          <a:fillRef idx="1">
             <a:schemeClr val="accent1"/>
           </a:fillRef>
           <a:effectRef idx="0">
             <a:schemeClr val="accent1"/>
           </a:effectRef>
           <a:fontRef idx="minor">
-            <a:schemeClr val="tx1"/>
+            <a:schemeClr val="lt1"/>
           </a:fontRef>
         </p:style>
-      </p:cxnSp>
+        <p:txBody>
+          <a:bodyPr rtlCol="0" anchor="ctr"/>
+          <a:lstStyle/>
+          <a:p>
+            <a:pPr algn="ctr"/>
+            <a:endParaRPr lang="en-US"/>
+          </a:p>
+        </p:txBody>
+      </p:sp>
+      <p:sp>
+        <p:nvSpPr>
+          <p:cNvPr id="77" name="TextBox 76">
+            <a:extLst>
+              <a:ext uri="{FF2B5EF4-FFF2-40B4-BE49-F238E27FC236}">
+                <a16:creationId xmlns:a16="http://schemas.microsoft.com/office/drawing/2014/main" id="{B0C1ACF4-2691-699B-7C8C-245F48DC5D5C}"/>
+              </a:ext>
+            </a:extLst>
+          </p:cNvPr>
+          <p:cNvSpPr txBox="1"/>
+          <p:nvPr/>
+        </p:nvSpPr>
+        <p:spPr>
+          <a:xfrm>
+            <a:off x="1250164" y="685458"/>
+            <a:ext cx="431337" cy="369332"/>
+          </a:xfrm>
+          <a:prstGeom prst="rect">
+            <a:avLst/>
+          </a:prstGeom>
+          <a:noFill/>
+        </p:spPr>
+        <p:txBody>
+          <a:bodyPr wrap="none" rtlCol="0">
+            <a:spAutoFit/>
+          </a:bodyPr>
+          <a:lstStyle/>
+          <a:p>
+            <a:r>
+              <a:rPr lang="en-US" dirty="0" err="1"/>
+              <a:t>va</a:t>
+            </a:r>
+            <a:r>
+              <a:rPr lang="en-US" baseline="-25000" dirty="0" err="1"/>
+              <a:t>i</a:t>
+            </a:r>
+            <a:endParaRPr lang="en-US" dirty="0"/>
+          </a:p>
+        </p:txBody>
+      </p:sp>
+      <p:sp>
+        <p:nvSpPr>
+          <p:cNvPr id="79" name="Alternate Process 78">
+            <a:extLst>
+              <a:ext uri="{FF2B5EF4-FFF2-40B4-BE49-F238E27FC236}">
+                <a16:creationId xmlns:a16="http://schemas.microsoft.com/office/drawing/2014/main" id="{70F5BEB6-5FEC-41F6-1927-A32D7A578AFF}"/>
+              </a:ext>
+            </a:extLst>
+          </p:cNvPr>
+          <p:cNvSpPr/>
+          <p:nvPr/>
+        </p:nvSpPr>
+        <p:spPr>
+          <a:xfrm>
+            <a:off x="2879609" y="515406"/>
+            <a:ext cx="981803" cy="575109"/>
+          </a:xfrm>
+          <a:prstGeom prst="flowChartAlternateProcess">
+            <a:avLst/>
+          </a:prstGeom>
+          <a:noFill/>
+        </p:spPr>
+        <p:style>
+          <a:lnRef idx="2">
+            <a:schemeClr val="accent1">
+              <a:shade val="50000"/>
+            </a:schemeClr>
+          </a:lnRef>
+          <a:fillRef idx="1">
+            <a:schemeClr val="accent1"/>
+          </a:fillRef>
+          <a:effectRef idx="0">
+            <a:schemeClr val="accent1"/>
+          </a:effectRef>
+          <a:fontRef idx="minor">
+            <a:schemeClr val="lt1"/>
+          </a:fontRef>
+        </p:style>
+        <p:txBody>
+          <a:bodyPr rtlCol="0" anchor="ctr"/>
+          <a:lstStyle/>
+          <a:p>
+            <a:pPr algn="ctr"/>
+            <a:endParaRPr lang="en-US"/>
+          </a:p>
+        </p:txBody>
+      </p:sp>
+      <p:sp>
+        <p:nvSpPr>
+          <p:cNvPr id="80" name="TextBox 79">
+            <a:extLst>
+              <a:ext uri="{FF2B5EF4-FFF2-40B4-BE49-F238E27FC236}">
+                <a16:creationId xmlns:a16="http://schemas.microsoft.com/office/drawing/2014/main" id="{56482279-B8BF-99F9-D6FC-0CD9DD82E9A0}"/>
+              </a:ext>
+            </a:extLst>
+          </p:cNvPr>
+          <p:cNvSpPr txBox="1"/>
+          <p:nvPr/>
+        </p:nvSpPr>
+        <p:spPr>
+          <a:xfrm>
+            <a:off x="3146421" y="609291"/>
+            <a:ext cx="432939" cy="369332"/>
+          </a:xfrm>
+          <a:prstGeom prst="rect">
+            <a:avLst/>
+          </a:prstGeom>
+          <a:noFill/>
+        </p:spPr>
+        <p:txBody>
+          <a:bodyPr wrap="none" rtlCol="0">
+            <a:spAutoFit/>
+          </a:bodyPr>
+          <a:lstStyle/>
+          <a:p>
+            <a:r>
+              <a:rPr lang="en-US" dirty="0" err="1"/>
+              <a:t>va</a:t>
+            </a:r>
+            <a:r>
+              <a:rPr lang="en-US" baseline="-25000" dirty="0" err="1"/>
+              <a:t>j</a:t>
+            </a:r>
+            <a:endParaRPr lang="en-US" dirty="0"/>
+          </a:p>
+        </p:txBody>
+      </p:sp>
+      <p:sp>
+        <p:nvSpPr>
+          <p:cNvPr id="81" name="Alternate Process 80">
+            <a:extLst>
+              <a:ext uri="{FF2B5EF4-FFF2-40B4-BE49-F238E27FC236}">
+                <a16:creationId xmlns:a16="http://schemas.microsoft.com/office/drawing/2014/main" id="{BBA9E889-AC58-80FD-6EE8-FB1E9490BC20}"/>
+              </a:ext>
+            </a:extLst>
+          </p:cNvPr>
+          <p:cNvSpPr/>
+          <p:nvPr/>
+        </p:nvSpPr>
+        <p:spPr>
+          <a:xfrm>
+            <a:off x="5125612" y="537363"/>
+            <a:ext cx="981803" cy="575109"/>
+          </a:xfrm>
+          <a:prstGeom prst="flowChartAlternateProcess">
+            <a:avLst/>
+          </a:prstGeom>
+          <a:noFill/>
+        </p:spPr>
+        <p:style>
+          <a:lnRef idx="2">
+            <a:schemeClr val="accent1">
+              <a:shade val="50000"/>
+            </a:schemeClr>
+          </a:lnRef>
+          <a:fillRef idx="1">
+            <a:schemeClr val="accent1"/>
+          </a:fillRef>
+          <a:effectRef idx="0">
+            <a:schemeClr val="accent1"/>
+          </a:effectRef>
+          <a:fontRef idx="minor">
+            <a:schemeClr val="lt1"/>
+          </a:fontRef>
+        </p:style>
+        <p:txBody>
+          <a:bodyPr rtlCol="0" anchor="ctr"/>
+          <a:lstStyle/>
+          <a:p>
+            <a:pPr algn="ctr"/>
+            <a:endParaRPr lang="en-US"/>
+          </a:p>
+        </p:txBody>
+      </p:sp>
+      <p:sp>
+        <p:nvSpPr>
+          <p:cNvPr id="82" name="TextBox 81">
+            <a:extLst>
+              <a:ext uri="{FF2B5EF4-FFF2-40B4-BE49-F238E27FC236}">
+                <a16:creationId xmlns:a16="http://schemas.microsoft.com/office/drawing/2014/main" id="{B46A6CEB-5DEE-9DFC-0C85-003D004161B5}"/>
+              </a:ext>
+            </a:extLst>
+          </p:cNvPr>
+          <p:cNvSpPr txBox="1"/>
+          <p:nvPr/>
+        </p:nvSpPr>
+        <p:spPr>
+          <a:xfrm>
+            <a:off x="5392424" y="631248"/>
+            <a:ext cx="476221" cy="369332"/>
+          </a:xfrm>
+          <a:prstGeom prst="rect">
+            <a:avLst/>
+          </a:prstGeom>
+          <a:noFill/>
+        </p:spPr>
+        <p:txBody>
+          <a:bodyPr wrap="none" rtlCol="0">
+            <a:spAutoFit/>
+          </a:bodyPr>
+          <a:lstStyle/>
+          <a:p>
+            <a:r>
+              <a:rPr lang="en-US" dirty="0"/>
+              <a:t>va</a:t>
+            </a:r>
+            <a:r>
+              <a:rPr lang="en-US" baseline="-25000" dirty="0"/>
+              <a:t>n</a:t>
+            </a:r>
+            <a:endParaRPr lang="en-US" dirty="0"/>
+          </a:p>
+        </p:txBody>
+      </p:sp>
+      <p:sp>
+        <p:nvSpPr>
+          <p:cNvPr id="83" name="TextBox 82">
+            <a:extLst>
+              <a:ext uri="{FF2B5EF4-FFF2-40B4-BE49-F238E27FC236}">
+                <a16:creationId xmlns:a16="http://schemas.microsoft.com/office/drawing/2014/main" id="{4FAF3316-BB3E-190E-7C25-F95FE2F5FEB1}"/>
+              </a:ext>
+            </a:extLst>
+          </p:cNvPr>
+          <p:cNvSpPr txBox="1"/>
+          <p:nvPr/>
+        </p:nvSpPr>
+        <p:spPr>
+          <a:xfrm>
+            <a:off x="4103571" y="688194"/>
+            <a:ext cx="842634" cy="369332"/>
+          </a:xfrm>
+          <a:prstGeom prst="rect">
+            <a:avLst/>
+          </a:prstGeom>
+          <a:noFill/>
+        </p:spPr>
+        <p:txBody>
+          <a:bodyPr wrap="square" rtlCol="0">
+            <a:spAutoFit/>
+          </a:bodyPr>
+          <a:lstStyle/>
+          <a:p>
+            <a:r>
+              <a:rPr lang="en-US" dirty="0"/>
+              <a:t>…………</a:t>
+            </a:r>
+          </a:p>
+        </p:txBody>
+      </p:sp>
+      <p:sp>
+        <p:nvSpPr>
+          <p:cNvPr id="84" name="TextBox 83">
+            <a:extLst>
+              <a:ext uri="{FF2B5EF4-FFF2-40B4-BE49-F238E27FC236}">
+                <a16:creationId xmlns:a16="http://schemas.microsoft.com/office/drawing/2014/main" id="{B576341D-FD4D-A641-14AB-9AA471C26E15}"/>
+              </a:ext>
+            </a:extLst>
+          </p:cNvPr>
+          <p:cNvSpPr txBox="1"/>
+          <p:nvPr/>
+        </p:nvSpPr>
+        <p:spPr>
+          <a:xfrm>
+            <a:off x="2113789" y="654581"/>
+            <a:ext cx="582243" cy="369332"/>
+          </a:xfrm>
+          <a:prstGeom prst="rect">
+            <a:avLst/>
+          </a:prstGeom>
+          <a:noFill/>
+        </p:spPr>
+        <p:txBody>
+          <a:bodyPr wrap="square" rtlCol="0">
+            <a:spAutoFit/>
+          </a:bodyPr>
+          <a:lstStyle/>
+          <a:p>
+            <a:r>
+              <a:rPr lang="en-US" dirty="0"/>
+              <a:t>…..</a:t>
+            </a:r>
+          </a:p>
+        </p:txBody>
+      </p:sp>
+      <p:sp>
+        <p:nvSpPr>
+          <p:cNvPr id="94" name="Alternate Process 93">
+            <a:extLst>
+              <a:ext uri="{FF2B5EF4-FFF2-40B4-BE49-F238E27FC236}">
+                <a16:creationId xmlns:a16="http://schemas.microsoft.com/office/drawing/2014/main" id="{0F135F6A-2AB8-45FE-3BED-3ECA74C7CAAA}"/>
+              </a:ext>
+            </a:extLst>
+          </p:cNvPr>
+          <p:cNvSpPr/>
+          <p:nvPr/>
+        </p:nvSpPr>
+        <p:spPr>
+          <a:xfrm>
+            <a:off x="11029892" y="2598796"/>
+            <a:ext cx="1081537" cy="575109"/>
+          </a:xfrm>
+          <a:prstGeom prst="flowChartAlternateProcess">
+            <a:avLst/>
+          </a:prstGeom>
+          <a:noFill/>
+        </p:spPr>
+        <p:style>
+          <a:lnRef idx="2">
+            <a:schemeClr val="accent1">
+              <a:shade val="50000"/>
+            </a:schemeClr>
+          </a:lnRef>
+          <a:fillRef idx="1">
+            <a:schemeClr val="accent1"/>
+          </a:fillRef>
+          <a:effectRef idx="0">
+            <a:schemeClr val="accent1"/>
+          </a:effectRef>
+          <a:fontRef idx="minor">
+            <a:schemeClr val="lt1"/>
+          </a:fontRef>
+        </p:style>
+        <p:txBody>
+          <a:bodyPr rtlCol="0" anchor="ctr"/>
+          <a:lstStyle/>
+          <a:p>
+            <a:pPr algn="ctr"/>
+            <a:endParaRPr lang="en-US"/>
+          </a:p>
+        </p:txBody>
+      </p:sp>
+      <p:sp>
+        <p:nvSpPr>
+          <p:cNvPr id="95" name="TextBox 94">
+            <a:extLst>
+              <a:ext uri="{FF2B5EF4-FFF2-40B4-BE49-F238E27FC236}">
+                <a16:creationId xmlns:a16="http://schemas.microsoft.com/office/drawing/2014/main" id="{16B44796-AF17-5BE4-DA8F-DB7BFE261AE8}"/>
+              </a:ext>
+            </a:extLst>
+          </p:cNvPr>
+          <p:cNvSpPr txBox="1"/>
+          <p:nvPr/>
+        </p:nvSpPr>
+        <p:spPr>
+          <a:xfrm>
+            <a:off x="11068458" y="2696715"/>
+            <a:ext cx="1123542" cy="369332"/>
+          </a:xfrm>
+          <a:prstGeom prst="rect">
+            <a:avLst/>
+          </a:prstGeom>
+          <a:noFill/>
+        </p:spPr>
+        <p:txBody>
+          <a:bodyPr wrap="square" rtlCol="0">
+            <a:spAutoFit/>
+          </a:bodyPr>
+          <a:lstStyle/>
+          <a:p>
+            <a:r>
+              <a:rPr lang="en-US" dirty="0"/>
+              <a:t>pa</a:t>
+            </a:r>
+            <a:r>
+              <a:rPr lang="en-US" sz="1400" baseline="-25000" dirty="0"/>
+              <a:t>i </a:t>
+            </a:r>
+            <a:r>
+              <a:rPr lang="en-US" sz="1400" dirty="0"/>
+              <a:t> </a:t>
+            </a:r>
+            <a:r>
+              <a:rPr lang="en-US" dirty="0"/>
+              <a:t>-&gt;</a:t>
+            </a:r>
+            <a:r>
+              <a:rPr lang="en-US" baseline="-25000" dirty="0"/>
+              <a:t>p</a:t>
+            </a:r>
+            <a:r>
+              <a:rPr lang="en-US" dirty="0"/>
+              <a:t> </a:t>
+            </a:r>
+            <a:r>
+              <a:rPr lang="en-US" dirty="0" err="1"/>
+              <a:t>val</a:t>
+            </a:r>
+            <a:endParaRPr lang="en-US" dirty="0"/>
+          </a:p>
+        </p:txBody>
+      </p:sp>
+      <p:sp>
+        <p:nvSpPr>
+          <p:cNvPr id="106" name="TextBox 105">
+            <a:extLst>
+              <a:ext uri="{FF2B5EF4-FFF2-40B4-BE49-F238E27FC236}">
+                <a16:creationId xmlns:a16="http://schemas.microsoft.com/office/drawing/2014/main" id="{F52B56CC-33AB-E02F-1EB3-B2281771D46B}"/>
+              </a:ext>
+            </a:extLst>
+          </p:cNvPr>
+          <p:cNvSpPr txBox="1"/>
+          <p:nvPr/>
+        </p:nvSpPr>
+        <p:spPr>
+          <a:xfrm>
+            <a:off x="11397499" y="2322738"/>
+            <a:ext cx="338554" cy="461665"/>
+          </a:xfrm>
+          <a:prstGeom prst="rect">
+            <a:avLst/>
+          </a:prstGeom>
+          <a:noFill/>
+        </p:spPr>
+        <p:txBody>
+          <a:bodyPr wrap="none" rtlCol="0">
+            <a:spAutoFit/>
+          </a:bodyPr>
+          <a:lstStyle/>
+          <a:p>
+            <a:r>
+              <a:rPr lang="en-US" sz="2400" dirty="0"/>
+              <a:t>*</a:t>
+            </a:r>
+          </a:p>
+        </p:txBody>
+      </p:sp>
+      <p:sp>
+        <p:nvSpPr>
+          <p:cNvPr id="108" name="TextBox 107">
+            <a:extLst>
+              <a:ext uri="{FF2B5EF4-FFF2-40B4-BE49-F238E27FC236}">
+                <a16:creationId xmlns:a16="http://schemas.microsoft.com/office/drawing/2014/main" id="{C7E16D8E-FF33-6BDE-1C80-FB93821120AD}"/>
+              </a:ext>
+            </a:extLst>
+          </p:cNvPr>
+          <p:cNvSpPr txBox="1"/>
+          <p:nvPr/>
+        </p:nvSpPr>
+        <p:spPr>
+          <a:xfrm>
+            <a:off x="11397499" y="3125374"/>
+            <a:ext cx="338554" cy="461665"/>
+          </a:xfrm>
+          <a:prstGeom prst="rect">
+            <a:avLst/>
+          </a:prstGeom>
+          <a:noFill/>
+        </p:spPr>
+        <p:txBody>
+          <a:bodyPr wrap="none" rtlCol="0">
+            <a:spAutoFit/>
+          </a:bodyPr>
+          <a:lstStyle/>
+          <a:p>
+            <a:r>
+              <a:rPr lang="en-US" sz="2400" dirty="0"/>
+              <a:t>=</a:t>
+            </a:r>
+          </a:p>
+        </p:txBody>
+      </p:sp>
+      <p:sp>
+        <p:nvSpPr>
+          <p:cNvPr id="110" name="TextBox 109">
+            <a:extLst>
+              <a:ext uri="{FF2B5EF4-FFF2-40B4-BE49-F238E27FC236}">
+                <a16:creationId xmlns:a16="http://schemas.microsoft.com/office/drawing/2014/main" id="{2178DA13-5884-B225-1735-8F0A37E79492}"/>
+              </a:ext>
+            </a:extLst>
+          </p:cNvPr>
+          <p:cNvSpPr txBox="1"/>
+          <p:nvPr/>
+        </p:nvSpPr>
+        <p:spPr>
+          <a:xfrm rot="10800000" flipV="1">
+            <a:off x="11100479" y="3435822"/>
+            <a:ext cx="1232106" cy="369332"/>
+          </a:xfrm>
+          <a:prstGeom prst="rect">
+            <a:avLst/>
+          </a:prstGeom>
+          <a:noFill/>
+        </p:spPr>
+        <p:txBody>
+          <a:bodyPr wrap="square" rtlCol="0">
+            <a:spAutoFit/>
+          </a:bodyPr>
+          <a:lstStyle/>
+          <a:p>
+            <a:r>
+              <a:rPr lang="en-US" dirty="0" err="1"/>
+              <a:t>va</a:t>
+            </a:r>
+            <a:r>
+              <a:rPr lang="en-US" sz="1400" baseline="-25000" dirty="0" err="1"/>
+              <a:t>i</a:t>
+            </a:r>
+            <a:r>
+              <a:rPr lang="en-US" sz="1400" baseline="-25000" dirty="0"/>
+              <a:t> </a:t>
+            </a:r>
+            <a:r>
+              <a:rPr lang="en-US" dirty="0"/>
+              <a:t>-&gt;</a:t>
+            </a:r>
+            <a:r>
+              <a:rPr lang="en-US" baseline="-25000" dirty="0"/>
+              <a:t>v</a:t>
+            </a:r>
+            <a:r>
+              <a:rPr lang="en-US" dirty="0"/>
+              <a:t> </a:t>
+            </a:r>
+            <a:r>
+              <a:rPr lang="en-US" dirty="0" err="1"/>
+              <a:t>val</a:t>
+            </a:r>
+            <a:endParaRPr lang="en-US" dirty="0"/>
+          </a:p>
+        </p:txBody>
+      </p:sp>
     </p:spTree>
     <p:extLst>
       <p:ext uri="{BB962C8B-B14F-4D97-AF65-F5344CB8AC3E}">
@@ -15947,9 +15723,6 @@
                     <p:cTn id="3" fill="hold">
                       <p:stCondLst>
                         <p:cond delay="indefinite"/>
-                        <p:cond evt="onBegin" delay="0">
-                          <p:tn val="2"/>
-                        </p:cond>
                       </p:stCondLst>
                       <p:childTnLst>
                         <p:par>
@@ -15959,7 +15732,7 @@
                             </p:stCondLst>
                             <p:childTnLst>
                               <p:par>
-                                <p:cTn id="5" presetID="1" presetClass="entr" presetSubtype="0" fill="hold" nodeType="withEffect">
+                                <p:cTn id="5" presetID="1" presetClass="entr" presetSubtype="0" fill="hold" grpId="0" nodeType="clickEffect">
                                   <p:stCondLst>
                                     <p:cond delay="0"/>
                                   </p:stCondLst>
@@ -15972,6 +15745,33 @@
                                           </p:stCondLst>
                                         </p:cTn>
                                         <p:tgtEl>
+                                          <p:spTgt spid="234"/>
+                                        </p:tgtEl>
+                                        <p:attrNameLst>
+                                          <p:attrName>style.visibility</p:attrName>
+                                        </p:attrNameLst>
+                                      </p:cBhvr>
+                                      <p:to>
+                                        <p:strVal val="visible"/>
+                                      </p:to>
+                                    </p:set>
+                                  </p:childTnLst>
+                                </p:cTn>
+                              </p:par>
+                              <p:par>
+                                <p:cTn id="7" presetID="1" presetClass="entr" presetSubtype="0" fill="hold" nodeType="withEffect">
+                                  <p:stCondLst>
+                                    <p:cond delay="0"/>
+                                  </p:stCondLst>
+                                  <p:childTnLst>
+                                    <p:set>
+                                      <p:cBhvr>
+                                        <p:cTn id="8" dur="1" fill="hold">
+                                          <p:stCondLst>
+                                            <p:cond delay="0"/>
+                                          </p:stCondLst>
+                                        </p:cTn>
+                                        <p:tgtEl>
                                           <p:spTgt spid="147"/>
                                         </p:tgtEl>
                                         <p:attrNameLst>
@@ -15985,26 +15785,8 @@
                                   </p:childTnLst>
                                 </p:cTn>
                               </p:par>
-                            </p:childTnLst>
-                          </p:cTn>
-                        </p:par>
-                      </p:childTnLst>
-                    </p:cTn>
-                  </p:par>
-                  <p:par>
-                    <p:cTn id="7" fill="hold">
-                      <p:stCondLst>
-                        <p:cond delay="indefinite"/>
-                      </p:stCondLst>
-                      <p:childTnLst>
-                        <p:par>
-                          <p:cTn id="8" fill="hold">
-                            <p:stCondLst>
-                              <p:cond delay="0"/>
-                            </p:stCondLst>
-                            <p:childTnLst>
-                              <p:par>
-                                <p:cTn id="9" presetID="1" presetClass="entr" presetSubtype="0" fill="hold" grpId="0" nodeType="clickEffect">
+                              <p:par>
+                                <p:cTn id="9" presetID="1" presetClass="entr" presetSubtype="0" fill="hold" grpId="0" nodeType="withEffect">
                                   <p:stCondLst>
                                     <p:cond delay="0"/>
                                   </p:stCondLst>
@@ -16017,7 +15799,7 @@
                                           </p:stCondLst>
                                         </p:cTn>
                                         <p:tgtEl>
-                                          <p:spTgt spid="234"/>
+                                          <p:spTgt spid="233"/>
                                         </p:tgtEl>
                                         <p:attrNameLst>
                                           <p:attrName>style.visibility</p:attrName>
@@ -16044,7 +15826,7 @@
                                           </p:stCondLst>
                                         </p:cTn>
                                         <p:tgtEl>
-                                          <p:spTgt spid="233"/>
+                                          <p:spTgt spid="11"/>
                                         </p:tgtEl>
                                         <p:attrNameLst>
                                           <p:attrName>style.visibility</p:attrName>
@@ -16071,7 +15853,7 @@
                                           </p:stCondLst>
                                         </p:cTn>
                                         <p:tgtEl>
-                                          <p:spTgt spid="11"/>
+                                          <p:spTgt spid="237"/>
                                         </p:tgtEl>
                                         <p:attrNameLst>
                                           <p:attrName>style.visibility</p:attrName>
@@ -16098,7 +15880,7 @@
                                           </p:stCondLst>
                                         </p:cTn>
                                         <p:tgtEl>
-                                          <p:spTgt spid="237"/>
+                                          <p:spTgt spid="236"/>
                                         </p:tgtEl>
                                         <p:attrNameLst>
                                           <p:attrName>style.visibility</p:attrName>
@@ -16125,7 +15907,7 @@
                                           </p:stCondLst>
                                         </p:cTn>
                                         <p:tgtEl>
-                                          <p:spTgt spid="236"/>
+                                          <p:spTgt spid="12"/>
                                         </p:tgtEl>
                                         <p:attrNameLst>
                                           <p:attrName>style.visibility</p:attrName>
@@ -16152,7 +15934,7 @@
                                           </p:stCondLst>
                                         </p:cTn>
                                         <p:tgtEl>
-                                          <p:spTgt spid="12"/>
+                                          <p:spTgt spid="239"/>
                                         </p:tgtEl>
                                         <p:attrNameLst>
                                           <p:attrName>style.visibility</p:attrName>
@@ -16179,7 +15961,7 @@
                                           </p:stCondLst>
                                         </p:cTn>
                                         <p:tgtEl>
-                                          <p:spTgt spid="239"/>
+                                          <p:spTgt spid="240"/>
                                         </p:tgtEl>
                                         <p:attrNameLst>
                                           <p:attrName>style.visibility</p:attrName>
@@ -16206,7 +15988,7 @@
                                           </p:stCondLst>
                                         </p:cTn>
                                         <p:tgtEl>
-                                          <p:spTgt spid="240"/>
+                                          <p:spTgt spid="13"/>
                                         </p:tgtEl>
                                         <p:attrNameLst>
                                           <p:attrName>style.visibility</p:attrName>
@@ -16233,7 +16015,7 @@
                                           </p:stCondLst>
                                         </p:cTn>
                                         <p:tgtEl>
-                                          <p:spTgt spid="13"/>
+                                          <p:spTgt spid="242"/>
                                         </p:tgtEl>
                                         <p:attrNameLst>
                                           <p:attrName>style.visibility</p:attrName>
@@ -16260,7 +16042,7 @@
                                           </p:stCondLst>
                                         </p:cTn>
                                         <p:tgtEl>
-                                          <p:spTgt spid="242"/>
+                                          <p:spTgt spid="241"/>
                                         </p:tgtEl>
                                         <p:attrNameLst>
                                           <p:attrName>style.visibility</p:attrName>
@@ -16287,7 +16069,7 @@
                                           </p:stCondLst>
                                         </p:cTn>
                                         <p:tgtEl>
-                                          <p:spTgt spid="241"/>
+                                          <p:spTgt spid="14"/>
                                         </p:tgtEl>
                                         <p:attrNameLst>
                                           <p:attrName>style.visibility</p:attrName>
@@ -16314,7 +16096,7 @@
                                           </p:stCondLst>
                                         </p:cTn>
                                         <p:tgtEl>
-                                          <p:spTgt spid="14"/>
+                                          <p:spTgt spid="244"/>
                                         </p:tgtEl>
                                         <p:attrNameLst>
                                           <p:attrName>style.visibility</p:attrName>
@@ -16341,7 +16123,7 @@
                                           </p:stCondLst>
                                         </p:cTn>
                                         <p:tgtEl>
-                                          <p:spTgt spid="244"/>
+                                          <p:spTgt spid="243"/>
                                         </p:tgtEl>
                                         <p:attrNameLst>
                                           <p:attrName>style.visibility</p:attrName>
@@ -16368,7 +16150,7 @@
                                           </p:stCondLst>
                                         </p:cTn>
                                         <p:tgtEl>
-                                          <p:spTgt spid="243"/>
+                                          <p:spTgt spid="69"/>
                                         </p:tgtEl>
                                         <p:attrNameLst>
                                           <p:attrName>style.visibility</p:attrName>
@@ -16395,7 +16177,7 @@
                                           </p:stCondLst>
                                         </p:cTn>
                                         <p:tgtEl>
-                                          <p:spTgt spid="69"/>
+                                          <p:spTgt spid="70"/>
                                         </p:tgtEl>
                                         <p:attrNameLst>
                                           <p:attrName>style.visibility</p:attrName>
@@ -16422,21 +16204,21 @@
                                           </p:stCondLst>
                                         </p:cTn>
                                         <p:tgtEl>
-                                          <p:spTgt spid="70"/>
-                                        </p:tgtEl>
-                                        <p:attrNameLst>
-                                          <p:attrName>style.visibility</p:attrName>
-                                        </p:attrNameLst>
-                                      </p:cBhvr>
-                                      <p:to>
-                                        <p:strVal val="visible"/>
-                                      </p:to>
-                                    </p:set>
-                                  </p:childTnLst>
-                                </p:cTn>
-                              </p:par>
-                              <p:par>
-                                <p:cTn id="41" presetID="1" presetClass="entr" presetSubtype="0" fill="hold" grpId="0" nodeType="withEffect">
+                                          <p:spTgt spid="80"/>
+                                        </p:tgtEl>
+                                        <p:attrNameLst>
+                                          <p:attrName>style.visibility</p:attrName>
+                                        </p:attrNameLst>
+                                      </p:cBhvr>
+                                      <p:to>
+                                        <p:strVal val="visible"/>
+                                      </p:to>
+                                    </p:set>
+                                  </p:childTnLst>
+                                </p:cTn>
+                              </p:par>
+                              <p:par>
+                                <p:cTn id="41" presetID="1" presetClass="entr" presetSubtype="0" fill="hold" grpId="1" nodeType="withEffect">
                                   <p:stCondLst>
                                     <p:cond delay="0"/>
                                   </p:stCondLst>
@@ -16449,6 +16231,195 @@
                                           </p:stCondLst>
                                         </p:cTn>
                                         <p:tgtEl>
+                                          <p:spTgt spid="81"/>
+                                        </p:tgtEl>
+                                        <p:attrNameLst>
+                                          <p:attrName>style.visibility</p:attrName>
+                                        </p:attrNameLst>
+                                      </p:cBhvr>
+                                      <p:to>
+                                        <p:strVal val="visible"/>
+                                      </p:to>
+                                    </p:set>
+                                  </p:childTnLst>
+                                </p:cTn>
+                              </p:par>
+                              <p:par>
+                                <p:cTn id="43" presetID="1" presetClass="entr" presetSubtype="0" fill="hold" grpId="0" nodeType="withEffect">
+                                  <p:stCondLst>
+                                    <p:cond delay="0"/>
+                                  </p:stCondLst>
+                                  <p:childTnLst>
+                                    <p:set>
+                                      <p:cBhvr>
+                                        <p:cTn id="44" dur="1" fill="hold">
+                                          <p:stCondLst>
+                                            <p:cond delay="0"/>
+                                          </p:stCondLst>
+                                        </p:cTn>
+                                        <p:tgtEl>
+                                          <p:spTgt spid="82"/>
+                                        </p:tgtEl>
+                                        <p:attrNameLst>
+                                          <p:attrName>style.visibility</p:attrName>
+                                        </p:attrNameLst>
+                                      </p:cBhvr>
+                                      <p:to>
+                                        <p:strVal val="visible"/>
+                                      </p:to>
+                                    </p:set>
+                                  </p:childTnLst>
+                                </p:cTn>
+                              </p:par>
+                              <p:par>
+                                <p:cTn id="45" presetID="1" presetClass="entr" presetSubtype="0" fill="hold" grpId="1" nodeType="withEffect">
+                                  <p:stCondLst>
+                                    <p:cond delay="0"/>
+                                  </p:stCondLst>
+                                  <p:childTnLst>
+                                    <p:set>
+                                      <p:cBhvr>
+                                        <p:cTn id="46" dur="1" fill="hold">
+                                          <p:stCondLst>
+                                            <p:cond delay="0"/>
+                                          </p:stCondLst>
+                                        </p:cTn>
+                                        <p:tgtEl>
+                                          <p:spTgt spid="77"/>
+                                        </p:tgtEl>
+                                        <p:attrNameLst>
+                                          <p:attrName>style.visibility</p:attrName>
+                                        </p:attrNameLst>
+                                      </p:cBhvr>
+                                      <p:to>
+                                        <p:strVal val="visible"/>
+                                      </p:to>
+                                    </p:set>
+                                  </p:childTnLst>
+                                </p:cTn>
+                              </p:par>
+                              <p:par>
+                                <p:cTn id="47" presetID="1" presetClass="entr" presetSubtype="0" fill="hold" grpId="0" nodeType="withEffect">
+                                  <p:stCondLst>
+                                    <p:cond delay="0"/>
+                                  </p:stCondLst>
+                                  <p:childTnLst>
+                                    <p:set>
+                                      <p:cBhvr>
+                                        <p:cTn id="48" dur="1" fill="hold">
+                                          <p:stCondLst>
+                                            <p:cond delay="0"/>
+                                          </p:stCondLst>
+                                        </p:cTn>
+                                        <p:tgtEl>
+                                          <p:spTgt spid="83"/>
+                                        </p:tgtEl>
+                                        <p:attrNameLst>
+                                          <p:attrName>style.visibility</p:attrName>
+                                        </p:attrNameLst>
+                                      </p:cBhvr>
+                                      <p:to>
+                                        <p:strVal val="visible"/>
+                                      </p:to>
+                                    </p:set>
+                                  </p:childTnLst>
+                                </p:cTn>
+                              </p:par>
+                              <p:par>
+                                <p:cTn id="49" presetID="1" presetClass="entr" presetSubtype="0" fill="hold" grpId="2" nodeType="withEffect">
+                                  <p:stCondLst>
+                                    <p:cond delay="0"/>
+                                  </p:stCondLst>
+                                  <p:childTnLst>
+                                    <p:set>
+                                      <p:cBhvr>
+                                        <p:cTn id="50" dur="1" fill="hold">
+                                          <p:stCondLst>
+                                            <p:cond delay="0"/>
+                                          </p:stCondLst>
+                                        </p:cTn>
+                                        <p:tgtEl>
+                                          <p:spTgt spid="79"/>
+                                        </p:tgtEl>
+                                        <p:attrNameLst>
+                                          <p:attrName>style.visibility</p:attrName>
+                                        </p:attrNameLst>
+                                      </p:cBhvr>
+                                      <p:to>
+                                        <p:strVal val="visible"/>
+                                      </p:to>
+                                    </p:set>
+                                  </p:childTnLst>
+                                </p:cTn>
+                              </p:par>
+                              <p:par>
+                                <p:cTn id="51" presetID="1" presetClass="entr" presetSubtype="0" fill="hold" grpId="2" nodeType="withEffect">
+                                  <p:stCondLst>
+                                    <p:cond delay="0"/>
+                                  </p:stCondLst>
+                                  <p:childTnLst>
+                                    <p:set>
+                                      <p:cBhvr>
+                                        <p:cTn id="52" dur="1" fill="hold">
+                                          <p:stCondLst>
+                                            <p:cond delay="0"/>
+                                          </p:stCondLst>
+                                        </p:cTn>
+                                        <p:tgtEl>
+                                          <p:spTgt spid="81"/>
+                                        </p:tgtEl>
+                                        <p:attrNameLst>
+                                          <p:attrName>style.visibility</p:attrName>
+                                        </p:attrNameLst>
+                                      </p:cBhvr>
+                                      <p:to>
+                                        <p:strVal val="visible"/>
+                                      </p:to>
+                                    </p:set>
+                                  </p:childTnLst>
+                                </p:cTn>
+                              </p:par>
+                              <p:par>
+                                <p:cTn id="53" presetID="1" presetClass="entr" presetSubtype="0" fill="hold" grpId="2" nodeType="withEffect">
+                                  <p:stCondLst>
+                                    <p:cond delay="0"/>
+                                  </p:stCondLst>
+                                  <p:childTnLst>
+                                    <p:set>
+                                      <p:cBhvr>
+                                        <p:cTn id="54" dur="1" fill="hold">
+                                          <p:stCondLst>
+                                            <p:cond delay="0"/>
+                                          </p:stCondLst>
+                                        </p:cTn>
+                                        <p:tgtEl>
+                                          <p:spTgt spid="59"/>
+                                        </p:tgtEl>
+                                        <p:attrNameLst>
+                                          <p:attrName>style.visibility</p:attrName>
+                                        </p:attrNameLst>
+                                      </p:cBhvr>
+                                      <p:to>
+                                        <p:strVal val="visible"/>
+                                      </p:to>
+                                    </p:set>
+                                  </p:childTnLst>
+                                </p:cTn>
+                              </p:par>
+                              <p:par>
+                                <p:cTn id="55" presetID="1" presetClass="entr" presetSubtype="0" fill="hold" grpId="0" nodeType="withEffect">
+                                  <p:stCondLst>
+                                    <p:cond delay="0"/>
+                                  </p:stCondLst>
+                                  <p:childTnLst>
+                                    <p:set>
+                                      <p:cBhvr>
+                                        <p:cTn id="56" dur="1" fill="hold">
+                                          <p:stCondLst>
+                                            <p:cond delay="0"/>
+                                          </p:stCondLst>
+                                        </p:cTn>
+                                        <p:tgtEl>
                                           <p:spTgt spid="15"/>
                                         </p:tgtEl>
                                         <p:attrNameLst>
@@ -16462,186 +16433,6 @@
                                   </p:childTnLst>
                                 </p:cTn>
                               </p:par>
-                            </p:childTnLst>
-                          </p:cTn>
-                        </p:par>
-                      </p:childTnLst>
-                    </p:cTn>
-                  </p:par>
-                  <p:par>
-                    <p:cTn id="43" fill="hold">
-                      <p:stCondLst>
-                        <p:cond delay="indefinite"/>
-                      </p:stCondLst>
-                      <p:childTnLst>
-                        <p:par>
-                          <p:cTn id="44" fill="hold">
-                            <p:stCondLst>
-                              <p:cond delay="0"/>
-                            </p:stCondLst>
-                            <p:childTnLst>
-                              <p:par>
-                                <p:cTn id="45" presetID="1" presetClass="entr" presetSubtype="0" fill="hold" nodeType="clickEffect">
-                                  <p:stCondLst>
-                                    <p:cond delay="0"/>
-                                  </p:stCondLst>
-                                  <p:childTnLst>
-                                    <p:set>
-                                      <p:cBhvr>
-                                        <p:cTn id="46" dur="1" fill="hold">
-                                          <p:stCondLst>
-                                            <p:cond delay="0"/>
-                                          </p:stCondLst>
-                                        </p:cTn>
-                                        <p:tgtEl>
-                                          <p:spTgt spid="166"/>
-                                        </p:tgtEl>
-                                        <p:attrNameLst>
-                                          <p:attrName>style.visibility</p:attrName>
-                                        </p:attrNameLst>
-                                      </p:cBhvr>
-                                      <p:to>
-                                        <p:strVal val="visible"/>
-                                      </p:to>
-                                    </p:set>
-                                  </p:childTnLst>
-                                </p:cTn>
-                              </p:par>
-                              <p:par>
-                                <p:cTn id="47" presetID="1" presetClass="entr" presetSubtype="0" fill="hold" nodeType="withEffect">
-                                  <p:stCondLst>
-                                    <p:cond delay="0"/>
-                                  </p:stCondLst>
-                                  <p:childTnLst>
-                                    <p:set>
-                                      <p:cBhvr>
-                                        <p:cTn id="48" dur="1" fill="hold">
-                                          <p:stCondLst>
-                                            <p:cond delay="0"/>
-                                          </p:stCondLst>
-                                        </p:cTn>
-                                        <p:tgtEl>
-                                          <p:spTgt spid="149"/>
-                                        </p:tgtEl>
-                                        <p:attrNameLst>
-                                          <p:attrName>style.visibility</p:attrName>
-                                        </p:attrNameLst>
-                                      </p:cBhvr>
-                                      <p:to>
-                                        <p:strVal val="visible"/>
-                                      </p:to>
-                                    </p:set>
-                                  </p:childTnLst>
-                                </p:cTn>
-                              </p:par>
-                              <p:par>
-                                <p:cTn id="49" presetID="1" presetClass="entr" presetSubtype="0" fill="hold" nodeType="withEffect">
-                                  <p:stCondLst>
-                                    <p:cond delay="0"/>
-                                  </p:stCondLst>
-                                  <p:childTnLst>
-                                    <p:set>
-                                      <p:cBhvr>
-                                        <p:cTn id="50" dur="1" fill="hold">
-                                          <p:stCondLst>
-                                            <p:cond delay="0"/>
-                                          </p:stCondLst>
-                                        </p:cTn>
-                                        <p:tgtEl>
-                                          <p:spTgt spid="169"/>
-                                        </p:tgtEl>
-                                        <p:attrNameLst>
-                                          <p:attrName>style.visibility</p:attrName>
-                                        </p:attrNameLst>
-                                      </p:cBhvr>
-                                      <p:to>
-                                        <p:strVal val="visible"/>
-                                      </p:to>
-                                    </p:set>
-                                  </p:childTnLst>
-                                </p:cTn>
-                              </p:par>
-                              <p:par>
-                                <p:cTn id="51" presetID="1" presetClass="entr" presetSubtype="0" fill="hold" nodeType="withEffect">
-                                  <p:stCondLst>
-                                    <p:cond delay="0"/>
-                                  </p:stCondLst>
-                                  <p:childTnLst>
-                                    <p:set>
-                                      <p:cBhvr>
-                                        <p:cTn id="52" dur="1" fill="hold">
-                                          <p:stCondLst>
-                                            <p:cond delay="0"/>
-                                          </p:stCondLst>
-                                        </p:cTn>
-                                        <p:tgtEl>
-                                          <p:spTgt spid="180"/>
-                                        </p:tgtEl>
-                                        <p:attrNameLst>
-                                          <p:attrName>style.visibility</p:attrName>
-                                        </p:attrNameLst>
-                                      </p:cBhvr>
-                                      <p:to>
-                                        <p:strVal val="visible"/>
-                                      </p:to>
-                                    </p:set>
-                                  </p:childTnLst>
-                                </p:cTn>
-                              </p:par>
-                              <p:par>
-                                <p:cTn id="53" presetID="1" presetClass="entr" presetSubtype="0" fill="hold" nodeType="withEffect">
-                                  <p:stCondLst>
-                                    <p:cond delay="0"/>
-                                  </p:stCondLst>
-                                  <p:childTnLst>
-                                    <p:set>
-                                      <p:cBhvr>
-                                        <p:cTn id="54" dur="1" fill="hold">
-                                          <p:stCondLst>
-                                            <p:cond delay="0"/>
-                                          </p:stCondLst>
-                                        </p:cTn>
-                                        <p:tgtEl>
-                                          <p:spTgt spid="178"/>
-                                        </p:tgtEl>
-                                        <p:attrNameLst>
-                                          <p:attrName>style.visibility</p:attrName>
-                                        </p:attrNameLst>
-                                      </p:cBhvr>
-                                      <p:to>
-                                        <p:strVal val="visible"/>
-                                      </p:to>
-                                    </p:set>
-                                  </p:childTnLst>
-                                </p:cTn>
-                              </p:par>
-                              <p:par>
-                                <p:cTn id="55" presetID="1" presetClass="entr" presetSubtype="0" fill="hold" grpId="0" nodeType="withEffect">
-                                  <p:stCondLst>
-                                    <p:cond delay="0"/>
-                                  </p:stCondLst>
-                                  <p:childTnLst>
-                                    <p:set>
-                                      <p:cBhvr>
-                                        <p:cTn id="56" dur="1" fill="hold">
-                                          <p:stCondLst>
-                                            <p:cond delay="0"/>
-                                          </p:stCondLst>
-                                        </p:cTn>
-                                        <p:tgtEl>
-                                          <p:spTgt spid="62"/>
-                                        </p:tgtEl>
-                                        <p:attrNameLst>
-                                          <p:attrName>style.visibility</p:attrName>
-                                        </p:attrNameLst>
-                                      </p:cBhvr>
-                                      <p:to>
-                                        <p:strVal val="visible"/>
-                                      </p:to>
-                                    </p:set>
-                                  </p:childTnLst>
-                                </p:cTn>
-                              </p:par>
                               <p:par>
                                 <p:cTn id="57" presetID="1" presetClass="entr" presetSubtype="0" fill="hold" grpId="0" nodeType="withEffect">
                                   <p:stCondLst>
@@ -16656,7 +16447,7 @@
                                           </p:stCondLst>
                                         </p:cTn>
                                         <p:tgtEl>
-                                          <p:spTgt spid="61"/>
+                                          <p:spTgt spid="84"/>
                                         </p:tgtEl>
                                         <p:attrNameLst>
                                           <p:attrName>style.visibility</p:attrName>
@@ -16701,7 +16492,7 @@
                                           </p:stCondLst>
                                         </p:cTn>
                                         <p:tgtEl>
-                                          <p:spTgt spid="190"/>
+                                          <p:spTgt spid="166"/>
                                         </p:tgtEl>
                                         <p:attrNameLst>
                                           <p:attrName>style.visibility</p:attrName>
@@ -16728,7 +16519,7 @@
                                           </p:stCondLst>
                                         </p:cTn>
                                         <p:tgtEl>
-                                          <p:spTgt spid="150"/>
+                                          <p:spTgt spid="149"/>
                                         </p:tgtEl>
                                         <p:attrNameLst>
                                           <p:attrName>style.visibility</p:attrName>
@@ -16755,7 +16546,7 @@
                                           </p:stCondLst>
                                         </p:cTn>
                                         <p:tgtEl>
-                                          <p:spTgt spid="194"/>
+                                          <p:spTgt spid="169"/>
                                         </p:tgtEl>
                                         <p:attrNameLst>
                                           <p:attrName>style.visibility</p:attrName>
@@ -16782,7 +16573,7 @@
                                           </p:stCondLst>
                                         </p:cTn>
                                         <p:tgtEl>
-                                          <p:spTgt spid="184"/>
+                                          <p:spTgt spid="180"/>
                                         </p:tgtEl>
                                         <p:attrNameLst>
                                           <p:attrName>style.visibility</p:attrName>
@@ -16809,21 +16600,21 @@
                                           </p:stCondLst>
                                         </p:cTn>
                                         <p:tgtEl>
-                                          <p:spTgt spid="157"/>
-                                        </p:tgtEl>
-                                        <p:attrNameLst>
-                                          <p:attrName>style.visibility</p:attrName>
-                                        </p:attrNameLst>
-                                      </p:cBhvr>
-                                      <p:to>
-                                        <p:strVal val="visible"/>
-                                      </p:to>
-                                    </p:set>
-                                  </p:childTnLst>
-                                </p:cTn>
-                              </p:par>
-                              <p:par>
-                                <p:cTn id="71" presetID="1" presetClass="entr" presetSubtype="0" fill="hold" nodeType="withEffect">
+                                          <p:spTgt spid="178"/>
+                                        </p:tgtEl>
+                                        <p:attrNameLst>
+                                          <p:attrName>style.visibility</p:attrName>
+                                        </p:attrNameLst>
+                                      </p:cBhvr>
+                                      <p:to>
+                                        <p:strVal val="visible"/>
+                                      </p:to>
+                                    </p:set>
+                                  </p:childTnLst>
+                                </p:cTn>
+                              </p:par>
+                              <p:par>
+                                <p:cTn id="71" presetID="1" presetClass="entr" presetSubtype="0" fill="hold" grpId="0" nodeType="withEffect">
                                   <p:stCondLst>
                                     <p:cond delay="0"/>
                                   </p:stCondLst>
@@ -16836,7 +16627,7 @@
                                           </p:stCondLst>
                                         </p:cTn>
                                         <p:tgtEl>
-                                          <p:spTgt spid="188"/>
+                                          <p:spTgt spid="62"/>
                                         </p:tgtEl>
                                         <p:attrNameLst>
                                           <p:attrName>style.visibility</p:attrName>
@@ -16863,34 +16654,7 @@
                                           </p:stCondLst>
                                         </p:cTn>
                                         <p:tgtEl>
-                                          <p:spTgt spid="64"/>
-                                        </p:tgtEl>
-                                        <p:attrNameLst>
-                                          <p:attrName>style.visibility</p:attrName>
-                                        </p:attrNameLst>
-                                      </p:cBhvr>
-                                      <p:to>
-                                        <p:strVal val="visible"/>
-                                      </p:to>
-                                    </p:set>
-                                  </p:childTnLst>
-                                </p:cTn>
-                              </p:par>
-                              <p:par>
-                                <p:cTn id="75" presetID="1" presetClass="entr" presetSubtype="0" fill="hold" grpId="0" nodeType="withEffect">
-                                  <p:stCondLst>
-                                    <p:cond delay="0"/>
-                                  </p:stCondLst>
-                                  <p:childTnLst>
-                                    <p:set>
-                                      <p:cBhvr>
-                                        <p:cTn id="76" dur="1" fill="hold">
-                                          <p:stCondLst>
-                                            <p:cond delay="0"/>
-                                          </p:stCondLst>
-                                        </p:cTn>
-                                        <p:tgtEl>
-                                          <p:spTgt spid="63"/>
+                                          <p:spTgt spid="61"/>
                                         </p:tgtEl>
                                         <p:attrNameLst>
                                           <p:attrName>style.visibility</p:attrName>
@@ -16910,19 +16674,46 @@
                     </p:cTn>
                   </p:par>
                   <p:par>
-                    <p:cTn id="77" fill="hold">
+                    <p:cTn id="75" fill="hold">
                       <p:stCondLst>
                         <p:cond delay="indefinite"/>
                       </p:stCondLst>
                       <p:childTnLst>
                         <p:par>
-                          <p:cTn id="78" fill="hold">
+                          <p:cTn id="76" fill="hold">
                             <p:stCondLst>
                               <p:cond delay="0"/>
                             </p:stCondLst>
                             <p:childTnLst>
                               <p:par>
-                                <p:cTn id="79" presetID="1" presetClass="entr" presetSubtype="0" fill="hold" nodeType="clickEffect">
+                                <p:cTn id="77" presetID="1" presetClass="entr" presetSubtype="0" fill="hold" nodeType="clickEffect">
+                                  <p:stCondLst>
+                                    <p:cond delay="0"/>
+                                  </p:stCondLst>
+                                  <p:childTnLst>
+                                    <p:set>
+                                      <p:cBhvr>
+                                        <p:cTn id="78" dur="1" fill="hold">
+                                          <p:stCondLst>
+                                            <p:cond delay="0"/>
+                                          </p:stCondLst>
+                                        </p:cTn>
+                                        <p:tgtEl>
+                                          <p:spTgt spid="190"/>
+                                        </p:tgtEl>
+                                        <p:attrNameLst>
+                                          <p:attrName>style.visibility</p:attrName>
+                                        </p:attrNameLst>
+                                      </p:cBhvr>
+                                      <p:to>
+                                        <p:strVal val="visible"/>
+                                      </p:to>
+                                    </p:set>
+                                  </p:childTnLst>
+                                </p:cTn>
+                              </p:par>
+                              <p:par>
+                                <p:cTn id="79" presetID="1" presetClass="entr" presetSubtype="0" fill="hold" nodeType="withEffect">
                                   <p:stCondLst>
                                     <p:cond delay="0"/>
                                   </p:stCondLst>
@@ -16935,7 +16726,7 @@
                                           </p:stCondLst>
                                         </p:cTn>
                                         <p:tgtEl>
-                                          <p:spTgt spid="199"/>
+                                          <p:spTgt spid="150"/>
                                         </p:tgtEl>
                                         <p:attrNameLst>
                                           <p:attrName>style.visibility</p:attrName>
@@ -16962,7 +16753,7 @@
                                           </p:stCondLst>
                                         </p:cTn>
                                         <p:tgtEl>
-                                          <p:spTgt spid="151"/>
+                                          <p:spTgt spid="194"/>
                                         </p:tgtEl>
                                         <p:attrNameLst>
                                           <p:attrName>style.visibility</p:attrName>
@@ -16989,7 +16780,7 @@
                                           </p:stCondLst>
                                         </p:cTn>
                                         <p:tgtEl>
-                                          <p:spTgt spid="201"/>
+                                          <p:spTgt spid="184"/>
                                         </p:tgtEl>
                                         <p:attrNameLst>
                                           <p:attrName>style.visibility</p:attrName>
@@ -17016,7 +16807,7 @@
                                           </p:stCondLst>
                                         </p:cTn>
                                         <p:tgtEl>
-                                          <p:spTgt spid="218"/>
+                                          <p:spTgt spid="157"/>
                                         </p:tgtEl>
                                         <p:attrNameLst>
                                           <p:attrName>style.visibility</p:attrName>
@@ -17043,21 +16834,21 @@
                                           </p:stCondLst>
                                         </p:cTn>
                                         <p:tgtEl>
-                                          <p:spTgt spid="158"/>
-                                        </p:tgtEl>
-                                        <p:attrNameLst>
-                                          <p:attrName>style.visibility</p:attrName>
-                                        </p:attrNameLst>
-                                      </p:cBhvr>
-                                      <p:to>
-                                        <p:strVal val="visible"/>
-                                      </p:to>
-                                    </p:set>
-                                  </p:childTnLst>
-                                </p:cTn>
-                              </p:par>
-                              <p:par>
-                                <p:cTn id="89" presetID="1" presetClass="entr" presetSubtype="0" fill="hold" nodeType="withEffect">
+                                          <p:spTgt spid="188"/>
+                                        </p:tgtEl>
+                                        <p:attrNameLst>
+                                          <p:attrName>style.visibility</p:attrName>
+                                        </p:attrNameLst>
+                                      </p:cBhvr>
+                                      <p:to>
+                                        <p:strVal val="visible"/>
+                                      </p:to>
+                                    </p:set>
+                                  </p:childTnLst>
+                                </p:cTn>
+                              </p:par>
+                              <p:par>
+                                <p:cTn id="89" presetID="1" presetClass="entr" presetSubtype="0" fill="hold" grpId="0" nodeType="withEffect">
                                   <p:stCondLst>
                                     <p:cond delay="0"/>
                                   </p:stCondLst>
@@ -17070,7 +16861,7 @@
                                           </p:stCondLst>
                                         </p:cTn>
                                         <p:tgtEl>
-                                          <p:spTgt spid="222"/>
+                                          <p:spTgt spid="64"/>
                                         </p:tgtEl>
                                         <p:attrNameLst>
                                           <p:attrName>style.visibility</p:attrName>
@@ -17097,34 +16888,7 @@
                                           </p:stCondLst>
                                         </p:cTn>
                                         <p:tgtEl>
-                                          <p:spTgt spid="66"/>
-                                        </p:tgtEl>
-                                        <p:attrNameLst>
-                                          <p:attrName>style.visibility</p:attrName>
-                                        </p:attrNameLst>
-                                      </p:cBhvr>
-                                      <p:to>
-                                        <p:strVal val="visible"/>
-                                      </p:to>
-                                    </p:set>
-                                  </p:childTnLst>
-                                </p:cTn>
-                              </p:par>
-                              <p:par>
-                                <p:cTn id="93" presetID="1" presetClass="entr" presetSubtype="0" fill="hold" grpId="0" nodeType="withEffect">
-                                  <p:stCondLst>
-                                    <p:cond delay="0"/>
-                                  </p:stCondLst>
-                                  <p:childTnLst>
-                                    <p:set>
-                                      <p:cBhvr>
-                                        <p:cTn id="94" dur="1" fill="hold">
-                                          <p:stCondLst>
-                                            <p:cond delay="0"/>
-                                          </p:stCondLst>
-                                        </p:cTn>
-                                        <p:tgtEl>
-                                          <p:spTgt spid="65"/>
+                                          <p:spTgt spid="63"/>
                                         </p:tgtEl>
                                         <p:attrNameLst>
                                           <p:attrName>style.visibility</p:attrName>
@@ -17144,19 +16908,46 @@
                     </p:cTn>
                   </p:par>
                   <p:par>
-                    <p:cTn id="95" fill="hold">
+                    <p:cTn id="93" fill="hold">
                       <p:stCondLst>
                         <p:cond delay="indefinite"/>
                       </p:stCondLst>
                       <p:childTnLst>
                         <p:par>
-                          <p:cTn id="96" fill="hold">
+                          <p:cTn id="94" fill="hold">
                             <p:stCondLst>
                               <p:cond delay="0"/>
                             </p:stCondLst>
                             <p:childTnLst>
                               <p:par>
-                                <p:cTn id="97" presetID="1" presetClass="entr" presetSubtype="0" fill="hold" nodeType="clickEffect">
+                                <p:cTn id="95" presetID="1" presetClass="entr" presetSubtype="0" fill="hold" nodeType="clickEffect">
+                                  <p:stCondLst>
+                                    <p:cond delay="0"/>
+                                  </p:stCondLst>
+                                  <p:childTnLst>
+                                    <p:set>
+                                      <p:cBhvr>
+                                        <p:cTn id="96" dur="1" fill="hold">
+                                          <p:stCondLst>
+                                            <p:cond delay="0"/>
+                                          </p:stCondLst>
+                                        </p:cTn>
+                                        <p:tgtEl>
+                                          <p:spTgt spid="199"/>
+                                        </p:tgtEl>
+                                        <p:attrNameLst>
+                                          <p:attrName>style.visibility</p:attrName>
+                                        </p:attrNameLst>
+                                      </p:cBhvr>
+                                      <p:to>
+                                        <p:strVal val="visible"/>
+                                      </p:to>
+                                    </p:set>
+                                  </p:childTnLst>
+                                </p:cTn>
+                              </p:par>
+                              <p:par>
+                                <p:cTn id="97" presetID="1" presetClass="entr" presetSubtype="0" fill="hold" nodeType="withEffect">
                                   <p:stCondLst>
                                     <p:cond delay="0"/>
                                   </p:stCondLst>
@@ -17169,7 +16960,7 @@
                                           </p:stCondLst>
                                         </p:cTn>
                                         <p:tgtEl>
-                                          <p:spTgt spid="204"/>
+                                          <p:spTgt spid="151"/>
                                         </p:tgtEl>
                                         <p:attrNameLst>
                                           <p:attrName>style.visibility</p:attrName>
@@ -17196,7 +16987,7 @@
                                           </p:stCondLst>
                                         </p:cTn>
                                         <p:tgtEl>
-                                          <p:spTgt spid="152"/>
+                                          <p:spTgt spid="201"/>
                                         </p:tgtEl>
                                         <p:attrNameLst>
                                           <p:attrName>style.visibility</p:attrName>
@@ -17223,7 +17014,7 @@
                                           </p:stCondLst>
                                         </p:cTn>
                                         <p:tgtEl>
-                                          <p:spTgt spid="206"/>
+                                          <p:spTgt spid="218"/>
                                         </p:tgtEl>
                                         <p:attrNameLst>
                                           <p:attrName>style.visibility</p:attrName>
@@ -17250,7 +17041,7 @@
                                           </p:stCondLst>
                                         </p:cTn>
                                         <p:tgtEl>
-                                          <p:spTgt spid="228"/>
+                                          <p:spTgt spid="158"/>
                                         </p:tgtEl>
                                         <p:attrNameLst>
                                           <p:attrName>style.visibility</p:attrName>
@@ -17277,21 +17068,21 @@
                                           </p:stCondLst>
                                         </p:cTn>
                                         <p:tgtEl>
-                                          <p:spTgt spid="159"/>
-                                        </p:tgtEl>
-                                        <p:attrNameLst>
-                                          <p:attrName>style.visibility</p:attrName>
-                                        </p:attrNameLst>
-                                      </p:cBhvr>
-                                      <p:to>
-                                        <p:strVal val="visible"/>
-                                      </p:to>
-                                    </p:set>
-                                  </p:childTnLst>
-                                </p:cTn>
-                              </p:par>
-                              <p:par>
-                                <p:cTn id="107" presetID="1" presetClass="entr" presetSubtype="0" fill="hold" nodeType="withEffect">
+                                          <p:spTgt spid="222"/>
+                                        </p:tgtEl>
+                                        <p:attrNameLst>
+                                          <p:attrName>style.visibility</p:attrName>
+                                        </p:attrNameLst>
+                                      </p:cBhvr>
+                                      <p:to>
+                                        <p:strVal val="visible"/>
+                                      </p:to>
+                                    </p:set>
+                                  </p:childTnLst>
+                                </p:cTn>
+                              </p:par>
+                              <p:par>
+                                <p:cTn id="107" presetID="1" presetClass="entr" presetSubtype="0" fill="hold" grpId="0" nodeType="withEffect">
                                   <p:stCondLst>
                                     <p:cond delay="0"/>
                                   </p:stCondLst>
@@ -17304,7 +17095,7 @@
                                           </p:stCondLst>
                                         </p:cTn>
                                         <p:tgtEl>
-                                          <p:spTgt spid="225"/>
+                                          <p:spTgt spid="66"/>
                                         </p:tgtEl>
                                         <p:attrNameLst>
                                           <p:attrName>style.visibility</p:attrName>
@@ -17331,34 +17122,7 @@
                                           </p:stCondLst>
                                         </p:cTn>
                                         <p:tgtEl>
-                                          <p:spTgt spid="68"/>
-                                        </p:tgtEl>
-                                        <p:attrNameLst>
-                                          <p:attrName>style.visibility</p:attrName>
-                                        </p:attrNameLst>
-                                      </p:cBhvr>
-                                      <p:to>
-                                        <p:strVal val="visible"/>
-                                      </p:to>
-                                    </p:set>
-                                  </p:childTnLst>
-                                </p:cTn>
-                              </p:par>
-                              <p:par>
-                                <p:cTn id="111" presetID="1" presetClass="entr" presetSubtype="0" fill="hold" grpId="0" nodeType="withEffect">
-                                  <p:stCondLst>
-                                    <p:cond delay="0"/>
-                                  </p:stCondLst>
-                                  <p:childTnLst>
-                                    <p:set>
-                                      <p:cBhvr>
-                                        <p:cTn id="112" dur="1" fill="hold">
-                                          <p:stCondLst>
-                                            <p:cond delay="0"/>
-                                          </p:stCondLst>
-                                        </p:cTn>
-                                        <p:tgtEl>
-                                          <p:spTgt spid="67"/>
+                                          <p:spTgt spid="65"/>
                                         </p:tgtEl>
                                         <p:attrNameLst>
                                           <p:attrName>style.visibility</p:attrName>
@@ -17378,19 +17142,46 @@
                     </p:cTn>
                   </p:par>
                   <p:par>
-                    <p:cTn id="113" fill="hold">
+                    <p:cTn id="111" fill="hold">
                       <p:stCondLst>
                         <p:cond delay="indefinite"/>
                       </p:stCondLst>
                       <p:childTnLst>
                         <p:par>
-                          <p:cTn id="114" fill="hold">
+                          <p:cTn id="112" fill="hold">
                             <p:stCondLst>
                               <p:cond delay="0"/>
                             </p:stCondLst>
                             <p:childTnLst>
                               <p:par>
-                                <p:cTn id="115" presetID="1" presetClass="entr" presetSubtype="0" fill="hold" nodeType="clickEffect">
+                                <p:cTn id="113" presetID="1" presetClass="entr" presetSubtype="0" fill="hold" nodeType="clickEffect">
+                                  <p:stCondLst>
+                                    <p:cond delay="0"/>
+                                  </p:stCondLst>
+                                  <p:childTnLst>
+                                    <p:set>
+                                      <p:cBhvr>
+                                        <p:cTn id="114" dur="1" fill="hold">
+                                          <p:stCondLst>
+                                            <p:cond delay="0"/>
+                                          </p:stCondLst>
+                                        </p:cTn>
+                                        <p:tgtEl>
+                                          <p:spTgt spid="204"/>
+                                        </p:tgtEl>
+                                        <p:attrNameLst>
+                                          <p:attrName>style.visibility</p:attrName>
+                                        </p:attrNameLst>
+                                      </p:cBhvr>
+                                      <p:to>
+                                        <p:strVal val="visible"/>
+                                      </p:to>
+                                    </p:set>
+                                  </p:childTnLst>
+                                </p:cTn>
+                              </p:par>
+                              <p:par>
+                                <p:cTn id="115" presetID="1" presetClass="entr" presetSubtype="0" fill="hold" nodeType="withEffect">
                                   <p:stCondLst>
                                     <p:cond delay="0"/>
                                   </p:stCondLst>
@@ -17403,6 +17194,258 @@
                                           </p:stCondLst>
                                         </p:cTn>
                                         <p:tgtEl>
+                                          <p:spTgt spid="152"/>
+                                        </p:tgtEl>
+                                        <p:attrNameLst>
+                                          <p:attrName>style.visibility</p:attrName>
+                                        </p:attrNameLst>
+                                      </p:cBhvr>
+                                      <p:to>
+                                        <p:strVal val="visible"/>
+                                      </p:to>
+                                    </p:set>
+                                  </p:childTnLst>
+                                </p:cTn>
+                              </p:par>
+                              <p:par>
+                                <p:cTn id="117" presetID="1" presetClass="entr" presetSubtype="0" fill="hold" nodeType="withEffect">
+                                  <p:stCondLst>
+                                    <p:cond delay="0"/>
+                                  </p:stCondLst>
+                                  <p:childTnLst>
+                                    <p:set>
+                                      <p:cBhvr>
+                                        <p:cTn id="118" dur="1" fill="hold">
+                                          <p:stCondLst>
+                                            <p:cond delay="0"/>
+                                          </p:stCondLst>
+                                        </p:cTn>
+                                        <p:tgtEl>
+                                          <p:spTgt spid="206"/>
+                                        </p:tgtEl>
+                                        <p:attrNameLst>
+                                          <p:attrName>style.visibility</p:attrName>
+                                        </p:attrNameLst>
+                                      </p:cBhvr>
+                                      <p:to>
+                                        <p:strVal val="visible"/>
+                                      </p:to>
+                                    </p:set>
+                                  </p:childTnLst>
+                                </p:cTn>
+                              </p:par>
+                            </p:childTnLst>
+                          </p:cTn>
+                        </p:par>
+                      </p:childTnLst>
+                    </p:cTn>
+                  </p:par>
+                  <p:par>
+                    <p:cTn id="119" fill="hold">
+                      <p:stCondLst>
+                        <p:cond delay="indefinite"/>
+                      </p:stCondLst>
+                      <p:childTnLst>
+                        <p:par>
+                          <p:cTn id="120" fill="hold">
+                            <p:stCondLst>
+                              <p:cond delay="0"/>
+                            </p:stCondLst>
+                            <p:childTnLst>
+                              <p:par>
+                                <p:cTn id="121" presetID="1" presetClass="entr" presetSubtype="0" fill="hold" nodeType="clickEffect">
+                                  <p:stCondLst>
+                                    <p:cond delay="0"/>
+                                  </p:stCondLst>
+                                  <p:childTnLst>
+                                    <p:set>
+                                      <p:cBhvr>
+                                        <p:cTn id="122" dur="1" fill="hold">
+                                          <p:stCondLst>
+                                            <p:cond delay="0"/>
+                                          </p:stCondLst>
+                                        </p:cTn>
+                                        <p:tgtEl>
+                                          <p:spTgt spid="147"/>
+                                        </p:tgtEl>
+                                        <p:attrNameLst>
+                                          <p:attrName>style.visibility</p:attrName>
+                                        </p:attrNameLst>
+                                      </p:cBhvr>
+                                      <p:to>
+                                        <p:strVal val="visible"/>
+                                      </p:to>
+                                    </p:set>
+                                  </p:childTnLst>
+                                </p:cTn>
+                              </p:par>
+                              <p:par>
+                                <p:cTn id="123" presetID="1" presetClass="entr" presetSubtype="0" fill="hold" nodeType="withEffect">
+                                  <p:stCondLst>
+                                    <p:cond delay="0"/>
+                                  </p:stCondLst>
+                                  <p:childTnLst>
+                                    <p:set>
+                                      <p:cBhvr>
+                                        <p:cTn id="124" dur="1" fill="hold">
+                                          <p:stCondLst>
+                                            <p:cond delay="0"/>
+                                          </p:stCondLst>
+                                        </p:cTn>
+                                        <p:tgtEl>
+                                          <p:spTgt spid="228"/>
+                                        </p:tgtEl>
+                                        <p:attrNameLst>
+                                          <p:attrName>style.visibility</p:attrName>
+                                        </p:attrNameLst>
+                                      </p:cBhvr>
+                                      <p:to>
+                                        <p:strVal val="visible"/>
+                                      </p:to>
+                                    </p:set>
+                                  </p:childTnLst>
+                                </p:cTn>
+                              </p:par>
+                              <p:par>
+                                <p:cTn id="125" presetID="1" presetClass="entr" presetSubtype="0" fill="hold" nodeType="withEffect">
+                                  <p:stCondLst>
+                                    <p:cond delay="0"/>
+                                  </p:stCondLst>
+                                  <p:childTnLst>
+                                    <p:set>
+                                      <p:cBhvr>
+                                        <p:cTn id="126" dur="1" fill="hold">
+                                          <p:stCondLst>
+                                            <p:cond delay="0"/>
+                                          </p:stCondLst>
+                                        </p:cTn>
+                                        <p:tgtEl>
+                                          <p:spTgt spid="159"/>
+                                        </p:tgtEl>
+                                        <p:attrNameLst>
+                                          <p:attrName>style.visibility</p:attrName>
+                                        </p:attrNameLst>
+                                      </p:cBhvr>
+                                      <p:to>
+                                        <p:strVal val="visible"/>
+                                      </p:to>
+                                    </p:set>
+                                  </p:childTnLst>
+                                </p:cTn>
+                              </p:par>
+                              <p:par>
+                                <p:cTn id="127" presetID="1" presetClass="entr" presetSubtype="0" fill="hold" nodeType="withEffect">
+                                  <p:stCondLst>
+                                    <p:cond delay="0"/>
+                                  </p:stCondLst>
+                                  <p:childTnLst>
+                                    <p:set>
+                                      <p:cBhvr>
+                                        <p:cTn id="128" dur="1" fill="hold">
+                                          <p:stCondLst>
+                                            <p:cond delay="0"/>
+                                          </p:stCondLst>
+                                        </p:cTn>
+                                        <p:tgtEl>
+                                          <p:spTgt spid="225"/>
+                                        </p:tgtEl>
+                                        <p:attrNameLst>
+                                          <p:attrName>style.visibility</p:attrName>
+                                        </p:attrNameLst>
+                                      </p:cBhvr>
+                                      <p:to>
+                                        <p:strVal val="visible"/>
+                                      </p:to>
+                                    </p:set>
+                                  </p:childTnLst>
+                                </p:cTn>
+                              </p:par>
+                              <p:par>
+                                <p:cTn id="129" presetID="1" presetClass="entr" presetSubtype="0" fill="hold" grpId="0" nodeType="withEffect">
+                                  <p:stCondLst>
+                                    <p:cond delay="0"/>
+                                  </p:stCondLst>
+                                  <p:childTnLst>
+                                    <p:set>
+                                      <p:cBhvr>
+                                        <p:cTn id="130" dur="1" fill="hold">
+                                          <p:stCondLst>
+                                            <p:cond delay="0"/>
+                                          </p:stCondLst>
+                                        </p:cTn>
+                                        <p:tgtEl>
+                                          <p:spTgt spid="68"/>
+                                        </p:tgtEl>
+                                        <p:attrNameLst>
+                                          <p:attrName>style.visibility</p:attrName>
+                                        </p:attrNameLst>
+                                      </p:cBhvr>
+                                      <p:to>
+                                        <p:strVal val="visible"/>
+                                      </p:to>
+                                    </p:set>
+                                  </p:childTnLst>
+                                </p:cTn>
+                              </p:par>
+                              <p:par>
+                                <p:cTn id="131" presetID="1" presetClass="entr" presetSubtype="0" fill="hold" grpId="0" nodeType="withEffect">
+                                  <p:stCondLst>
+                                    <p:cond delay="0"/>
+                                  </p:stCondLst>
+                                  <p:childTnLst>
+                                    <p:set>
+                                      <p:cBhvr>
+                                        <p:cTn id="132" dur="1" fill="hold">
+                                          <p:stCondLst>
+                                            <p:cond delay="0"/>
+                                          </p:stCondLst>
+                                        </p:cTn>
+                                        <p:tgtEl>
+                                          <p:spTgt spid="67"/>
+                                        </p:tgtEl>
+                                        <p:attrNameLst>
+                                          <p:attrName>style.visibility</p:attrName>
+                                        </p:attrNameLst>
+                                      </p:cBhvr>
+                                      <p:to>
+                                        <p:strVal val="visible"/>
+                                      </p:to>
+                                    </p:set>
+                                  </p:childTnLst>
+                                </p:cTn>
+                              </p:par>
+                            </p:childTnLst>
+                          </p:cTn>
+                        </p:par>
+                      </p:childTnLst>
+                    </p:cTn>
+                  </p:par>
+                  <p:par>
+                    <p:cTn id="133" fill="hold">
+                      <p:stCondLst>
+                        <p:cond delay="indefinite"/>
+                      </p:stCondLst>
+                      <p:childTnLst>
+                        <p:par>
+                          <p:cTn id="134" fill="hold">
+                            <p:stCondLst>
+                              <p:cond delay="0"/>
+                            </p:stCondLst>
+                            <p:childTnLst>
+                              <p:par>
+                                <p:cTn id="135" presetID="1" presetClass="entr" presetSubtype="0" fill="hold" nodeType="clickEffect">
+                                  <p:stCondLst>
+                                    <p:cond delay="0"/>
+                                  </p:stCondLst>
+                                  <p:childTnLst>
+                                    <p:set>
+                                      <p:cBhvr>
+                                        <p:cTn id="136" dur="1" fill="hold">
+                                          <p:stCondLst>
+                                            <p:cond delay="0"/>
+                                          </p:stCondLst>
+                                        </p:cTn>
+                                        <p:tgtEl>
                                           <p:spTgt spid="213"/>
                                         </p:tgtEl>
                                         <p:attrNameLst>
@@ -17417,14 +17460,14 @@
                                 </p:cTn>
                               </p:par>
                               <p:par>
-                                <p:cTn id="117" presetID="1" presetClass="entr" presetSubtype="0" fill="hold" nodeType="withEffect">
-                                  <p:stCondLst>
-                                    <p:cond delay="0"/>
-                                  </p:stCondLst>
-                                  <p:childTnLst>
-                                    <p:set>
-                                      <p:cBhvr>
-                                        <p:cTn id="118" dur="1" fill="hold">
+                                <p:cTn id="137" presetID="1" presetClass="entr" presetSubtype="0" fill="hold" nodeType="withEffect">
+                                  <p:stCondLst>
+                                    <p:cond delay="0"/>
+                                  </p:stCondLst>
+                                  <p:childTnLst>
+                                    <p:set>
+                                      <p:cBhvr>
+                                        <p:cTn id="138" dur="1" fill="hold">
                                           <p:stCondLst>
                                             <p:cond delay="0"/>
                                           </p:stCondLst>
@@ -17444,14 +17487,14 @@
                                 </p:cTn>
                               </p:par>
                               <p:par>
-                                <p:cTn id="119" presetID="1" presetClass="entr" presetSubtype="0" fill="hold" nodeType="withEffect">
-                                  <p:stCondLst>
-                                    <p:cond delay="0"/>
-                                  </p:stCondLst>
-                                  <p:childTnLst>
-                                    <p:set>
-                                      <p:cBhvr>
-                                        <p:cTn id="120" dur="1" fill="hold">
+                                <p:cTn id="139" presetID="1" presetClass="entr" presetSubtype="0" fill="hold" nodeType="withEffect">
+                                  <p:stCondLst>
+                                    <p:cond delay="0"/>
+                                  </p:stCondLst>
+                                  <p:childTnLst>
+                                    <p:set>
+                                      <p:cBhvr>
+                                        <p:cTn id="140" dur="1" fill="hold">
                                           <p:stCondLst>
                                             <p:cond delay="0"/>
                                           </p:stCondLst>
@@ -17471,14 +17514,14 @@
                                 </p:cTn>
                               </p:par>
                               <p:par>
-                                <p:cTn id="121" presetID="1" presetClass="entr" presetSubtype="0" fill="hold" nodeType="withEffect">
-                                  <p:stCondLst>
-                                    <p:cond delay="0"/>
-                                  </p:stCondLst>
-                                  <p:childTnLst>
-                                    <p:set>
-                                      <p:cBhvr>
-                                        <p:cTn id="122" dur="1" fill="hold">
+                                <p:cTn id="141" presetID="1" presetClass="entr" presetSubtype="0" fill="hold" nodeType="withEffect">
+                                  <p:stCondLst>
+                                    <p:cond delay="0"/>
+                                  </p:stCondLst>
+                                  <p:childTnLst>
+                                    <p:set>
+                                      <p:cBhvr>
+                                        <p:cTn id="142" dur="1" fill="hold">
                                           <p:stCondLst>
                                             <p:cond delay="0"/>
                                           </p:stCondLst>
@@ -17498,14 +17541,14 @@
                                 </p:cTn>
                               </p:par>
                               <p:par>
-                                <p:cTn id="123" presetID="1" presetClass="entr" presetSubtype="0" fill="hold" nodeType="withEffect">
-                                  <p:stCondLst>
-                                    <p:cond delay="0"/>
-                                  </p:stCondLst>
-                                  <p:childTnLst>
-                                    <p:set>
-                                      <p:cBhvr>
-                                        <p:cTn id="124" dur="1" fill="hold">
+                                <p:cTn id="143" presetID="1" presetClass="entr" presetSubtype="0" fill="hold" nodeType="withEffect">
+                                  <p:stCondLst>
+                                    <p:cond delay="0"/>
+                                  </p:stCondLst>
+                                  <p:childTnLst>
+                                    <p:set>
+                                      <p:cBhvr>
+                                        <p:cTn id="144" dur="1" fill="hold">
                                           <p:stCondLst>
                                             <p:cond delay="0"/>
                                           </p:stCondLst>
@@ -17525,14 +17568,14 @@
                                 </p:cTn>
                               </p:par>
                               <p:par>
-                                <p:cTn id="125" presetID="1" presetClass="entr" presetSubtype="0" fill="hold" nodeType="withEffect">
-                                  <p:stCondLst>
-                                    <p:cond delay="0"/>
-                                  </p:stCondLst>
-                                  <p:childTnLst>
-                                    <p:set>
-                                      <p:cBhvr>
-                                        <p:cTn id="126" dur="1" fill="hold">
+                                <p:cTn id="145" presetID="1" presetClass="entr" presetSubtype="0" fill="hold" nodeType="withEffect">
+                                  <p:stCondLst>
+                                    <p:cond delay="0"/>
+                                  </p:stCondLst>
+                                  <p:childTnLst>
+                                    <p:set>
+                                      <p:cBhvr>
+                                        <p:cTn id="146" dur="1" fill="hold">
                                           <p:stCondLst>
                                             <p:cond delay="0"/>
                                           </p:stCondLst>
@@ -17552,14 +17595,14 @@
                                 </p:cTn>
                               </p:par>
                               <p:par>
-                                <p:cTn id="127" presetID="1" presetClass="entr" presetSubtype="0" fill="hold" grpId="0" nodeType="withEffect">
-                                  <p:stCondLst>
-                                    <p:cond delay="0"/>
-                                  </p:stCondLst>
-                                  <p:childTnLst>
-                                    <p:set>
-                                      <p:cBhvr>
-                                        <p:cTn id="128" dur="1" fill="hold">
+                                <p:cTn id="147" presetID="1" presetClass="entr" presetSubtype="0" fill="hold" grpId="0" nodeType="withEffect">
+                                  <p:stCondLst>
+                                    <p:cond delay="0"/>
+                                  </p:stCondLst>
+                                  <p:childTnLst>
+                                    <p:set>
+                                      <p:cBhvr>
+                                        <p:cTn id="148" dur="1" fill="hold">
                                           <p:stCondLst>
                                             <p:cond delay="0"/>
                                           </p:stCondLst>
@@ -17579,14 +17622,14 @@
                                 </p:cTn>
                               </p:par>
                               <p:par>
-                                <p:cTn id="129" presetID="1" presetClass="entr" presetSubtype="0" fill="hold" grpId="0" nodeType="withEffect">
-                                  <p:stCondLst>
-                                    <p:cond delay="0"/>
-                                  </p:stCondLst>
-                                  <p:childTnLst>
-                                    <p:set>
-                                      <p:cBhvr>
-                                        <p:cTn id="130" dur="1" fill="hold">
+                                <p:cTn id="149" presetID="1" presetClass="entr" presetSubtype="0" fill="hold" grpId="0" nodeType="withEffect">
+                                  <p:stCondLst>
+                                    <p:cond delay="0"/>
+                                  </p:stCondLst>
+                                  <p:childTnLst>
+                                    <p:set>
+                                      <p:cBhvr>
+                                        <p:cTn id="150" dur="1" fill="hold">
                                           <p:stCondLst>
                                             <p:cond delay="0"/>
                                           </p:stCondLst>
@@ -17606,14 +17649,14 @@
                                 </p:cTn>
                               </p:par>
                               <p:par>
-                                <p:cTn id="131" presetID="1" presetClass="entr" presetSubtype="0" fill="hold" grpId="0" nodeType="withEffect">
-                                  <p:stCondLst>
-                                    <p:cond delay="0"/>
-                                  </p:stCondLst>
-                                  <p:childTnLst>
-                                    <p:set>
-                                      <p:cBhvr>
-                                        <p:cTn id="132" dur="1" fill="hold">
+                                <p:cTn id="151" presetID="1" presetClass="entr" presetSubtype="0" fill="hold" grpId="0" nodeType="withEffect">
+                                  <p:stCondLst>
+                                    <p:cond delay="0"/>
+                                  </p:stCondLst>
+                                  <p:childTnLst>
+                                    <p:set>
+                                      <p:cBhvr>
+                                        <p:cTn id="152" dur="1" fill="hold">
                                           <p:stCondLst>
                                             <p:cond delay="0"/>
                                           </p:stCondLst>
@@ -17633,14 +17676,14 @@
                                 </p:cTn>
                               </p:par>
                               <p:par>
-                                <p:cTn id="133" presetID="1" presetClass="entr" presetSubtype="0" fill="hold" grpId="0" nodeType="withEffect">
-                                  <p:stCondLst>
-                                    <p:cond delay="0"/>
-                                  </p:stCondLst>
-                                  <p:childTnLst>
-                                    <p:set>
-                                      <p:cBhvr>
-                                        <p:cTn id="134" dur="1" fill="hold">
+                                <p:cTn id="153" presetID="1" presetClass="entr" presetSubtype="0" fill="hold" grpId="0" nodeType="withEffect">
+                                  <p:stCondLst>
+                                    <p:cond delay="0"/>
+                                  </p:stCondLst>
+                                  <p:childTnLst>
+                                    <p:set>
+                                      <p:cBhvr>
+                                        <p:cTn id="154" dur="1" fill="hold">
                                           <p:stCondLst>
                                             <p:cond delay="0"/>
                                           </p:stCondLst>
@@ -17660,20 +17703,1964 @@
                                 </p:cTn>
                               </p:par>
                               <p:par>
-                                <p:cTn id="135" presetID="1" presetClass="entr" presetSubtype="0" fill="hold" nodeType="withEffect">
-                                  <p:stCondLst>
-                                    <p:cond delay="0"/>
-                                  </p:stCondLst>
-                                  <p:childTnLst>
-                                    <p:set>
-                                      <p:cBhvr>
-                                        <p:cTn id="136" dur="1" fill="hold">
-                                          <p:stCondLst>
-                                            <p:cond delay="0"/>
-                                          </p:stCondLst>
-                                        </p:cTn>
-                                        <p:tgtEl>
-                                          <p:spTgt spid="51"/>
+                                <p:cTn id="155" presetID="1" presetClass="entr" presetSubtype="0" fill="hold" grpId="0" nodeType="withEffect">
+                                  <p:stCondLst>
+                                    <p:cond delay="0"/>
+                                  </p:stCondLst>
+                                  <p:childTnLst>
+                                    <p:set>
+                                      <p:cBhvr>
+                                        <p:cTn id="156" dur="1" fill="hold">
+                                          <p:stCondLst>
+                                            <p:cond delay="0"/>
+                                          </p:stCondLst>
+                                        </p:cTn>
+                                        <p:tgtEl>
+                                          <p:spTgt spid="59"/>
+                                        </p:tgtEl>
+                                        <p:attrNameLst>
+                                          <p:attrName>style.visibility</p:attrName>
+                                        </p:attrNameLst>
+                                      </p:cBhvr>
+                                      <p:to>
+                                        <p:strVal val="visible"/>
+                                      </p:to>
+                                    </p:set>
+                                  </p:childTnLst>
+                                </p:cTn>
+                              </p:par>
+                            </p:childTnLst>
+                          </p:cTn>
+                        </p:par>
+                      </p:childTnLst>
+                    </p:cTn>
+                  </p:par>
+                  <p:par>
+                    <p:cTn id="157" fill="hold">
+                      <p:stCondLst>
+                        <p:cond delay="indefinite"/>
+                      </p:stCondLst>
+                      <p:childTnLst>
+                        <p:par>
+                          <p:cTn id="158" fill="hold">
+                            <p:stCondLst>
+                              <p:cond delay="0"/>
+                            </p:stCondLst>
+                            <p:childTnLst>
+                              <p:par>
+                                <p:cTn id="159" presetID="1" presetClass="entr" presetSubtype="0" fill="hold" grpId="1" nodeType="clickEffect">
+                                  <p:stCondLst>
+                                    <p:cond delay="0"/>
+                                  </p:stCondLst>
+                                  <p:childTnLst>
+                                    <p:set>
+                                      <p:cBhvr>
+                                        <p:cTn id="160" dur="1" fill="hold">
+                                          <p:stCondLst>
+                                            <p:cond delay="0"/>
+                                          </p:stCondLst>
+                                        </p:cTn>
+                                        <p:tgtEl>
+                                          <p:spTgt spid="59"/>
+                                        </p:tgtEl>
+                                        <p:attrNameLst>
+                                          <p:attrName>style.visibility</p:attrName>
+                                        </p:attrNameLst>
+                                      </p:cBhvr>
+                                      <p:to>
+                                        <p:strVal val="visible"/>
+                                      </p:to>
+                                    </p:set>
+                                  </p:childTnLst>
+                                </p:cTn>
+                              </p:par>
+                              <p:par>
+                                <p:cTn id="161" presetID="1" presetClass="entr" presetSubtype="0" fill="hold" nodeType="withEffect">
+                                  <p:stCondLst>
+                                    <p:cond delay="0"/>
+                                  </p:stCondLst>
+                                  <p:childTnLst>
+                                    <p:set>
+                                      <p:cBhvr>
+                                        <p:cTn id="162" dur="1" fill="hold">
+                                          <p:stCondLst>
+                                            <p:cond delay="0"/>
+                                          </p:stCondLst>
+                                        </p:cTn>
+                                        <p:tgtEl>
+                                          <p:spTgt spid="166"/>
+                                        </p:tgtEl>
+                                        <p:attrNameLst>
+                                          <p:attrName>style.visibility</p:attrName>
+                                        </p:attrNameLst>
+                                      </p:cBhvr>
+                                      <p:to>
+                                        <p:strVal val="visible"/>
+                                      </p:to>
+                                    </p:set>
+                                  </p:childTnLst>
+                                </p:cTn>
+                              </p:par>
+                              <p:par>
+                                <p:cTn id="163" presetID="1" presetClass="entr" presetSubtype="0" fill="hold" nodeType="withEffect">
+                                  <p:stCondLst>
+                                    <p:cond delay="0"/>
+                                  </p:stCondLst>
+                                  <p:childTnLst>
+                                    <p:set>
+                                      <p:cBhvr>
+                                        <p:cTn id="164" dur="1" fill="hold">
+                                          <p:stCondLst>
+                                            <p:cond delay="0"/>
+                                          </p:stCondLst>
+                                        </p:cTn>
+                                        <p:tgtEl>
+                                          <p:spTgt spid="149"/>
+                                        </p:tgtEl>
+                                        <p:attrNameLst>
+                                          <p:attrName>style.visibility</p:attrName>
+                                        </p:attrNameLst>
+                                      </p:cBhvr>
+                                      <p:to>
+                                        <p:strVal val="visible"/>
+                                      </p:to>
+                                    </p:set>
+                                  </p:childTnLst>
+                                </p:cTn>
+                              </p:par>
+                              <p:par>
+                                <p:cTn id="165" presetID="1" presetClass="entr" presetSubtype="0" fill="hold" nodeType="withEffect">
+                                  <p:stCondLst>
+                                    <p:cond delay="0"/>
+                                  </p:stCondLst>
+                                  <p:childTnLst>
+                                    <p:set>
+                                      <p:cBhvr>
+                                        <p:cTn id="166" dur="1" fill="hold">
+                                          <p:stCondLst>
+                                            <p:cond delay="0"/>
+                                          </p:stCondLst>
+                                        </p:cTn>
+                                        <p:tgtEl>
+                                          <p:spTgt spid="169"/>
+                                        </p:tgtEl>
+                                        <p:attrNameLst>
+                                          <p:attrName>style.visibility</p:attrName>
+                                        </p:attrNameLst>
+                                      </p:cBhvr>
+                                      <p:to>
+                                        <p:strVal val="visible"/>
+                                      </p:to>
+                                    </p:set>
+                                  </p:childTnLst>
+                                </p:cTn>
+                              </p:par>
+                              <p:par>
+                                <p:cTn id="167" presetID="1" presetClass="entr" presetSubtype="0" fill="hold" nodeType="withEffect">
+                                  <p:stCondLst>
+                                    <p:cond delay="0"/>
+                                  </p:stCondLst>
+                                  <p:childTnLst>
+                                    <p:set>
+                                      <p:cBhvr>
+                                        <p:cTn id="168" dur="1" fill="hold">
+                                          <p:stCondLst>
+                                            <p:cond delay="0"/>
+                                          </p:stCondLst>
+                                        </p:cTn>
+                                        <p:tgtEl>
+                                          <p:spTgt spid="180"/>
+                                        </p:tgtEl>
+                                        <p:attrNameLst>
+                                          <p:attrName>style.visibility</p:attrName>
+                                        </p:attrNameLst>
+                                      </p:cBhvr>
+                                      <p:to>
+                                        <p:strVal val="visible"/>
+                                      </p:to>
+                                    </p:set>
+                                  </p:childTnLst>
+                                </p:cTn>
+                              </p:par>
+                              <p:par>
+                                <p:cTn id="169" presetID="1" presetClass="entr" presetSubtype="0" fill="hold" grpId="1" nodeType="withEffect">
+                                  <p:stCondLst>
+                                    <p:cond delay="0"/>
+                                  </p:stCondLst>
+                                  <p:childTnLst>
+                                    <p:set>
+                                      <p:cBhvr>
+                                        <p:cTn id="170" dur="1" fill="hold">
+                                          <p:stCondLst>
+                                            <p:cond delay="0"/>
+                                          </p:stCondLst>
+                                        </p:cTn>
+                                        <p:tgtEl>
+                                          <p:spTgt spid="61"/>
+                                        </p:tgtEl>
+                                        <p:attrNameLst>
+                                          <p:attrName>style.visibility</p:attrName>
+                                        </p:attrNameLst>
+                                      </p:cBhvr>
+                                      <p:to>
+                                        <p:strVal val="visible"/>
+                                      </p:to>
+                                    </p:set>
+                                  </p:childTnLst>
+                                </p:cTn>
+                              </p:par>
+                              <p:par>
+                                <p:cTn id="171" presetID="1" presetClass="entr" presetSubtype="0" fill="hold" grpId="1" nodeType="withEffect">
+                                  <p:stCondLst>
+                                    <p:cond delay="0"/>
+                                  </p:stCondLst>
+                                  <p:childTnLst>
+                                    <p:set>
+                                      <p:cBhvr>
+                                        <p:cTn id="172" dur="1" fill="hold">
+                                          <p:stCondLst>
+                                            <p:cond delay="0"/>
+                                          </p:stCondLst>
+                                        </p:cTn>
+                                        <p:tgtEl>
+                                          <p:spTgt spid="62"/>
+                                        </p:tgtEl>
+                                        <p:attrNameLst>
+                                          <p:attrName>style.visibility</p:attrName>
+                                        </p:attrNameLst>
+                                      </p:cBhvr>
+                                      <p:to>
+                                        <p:strVal val="visible"/>
+                                      </p:to>
+                                    </p:set>
+                                  </p:childTnLst>
+                                </p:cTn>
+                              </p:par>
+                              <p:par>
+                                <p:cTn id="173" presetID="1" presetClass="entr" presetSubtype="0" fill="hold" grpId="1" nodeType="withEffect">
+                                  <p:stCondLst>
+                                    <p:cond delay="0"/>
+                                  </p:stCondLst>
+                                  <p:childTnLst>
+                                    <p:set>
+                                      <p:cBhvr>
+                                        <p:cTn id="174" dur="1" fill="hold">
+                                          <p:stCondLst>
+                                            <p:cond delay="0"/>
+                                          </p:stCondLst>
+                                        </p:cTn>
+                                        <p:tgtEl>
+                                          <p:spTgt spid="234"/>
+                                        </p:tgtEl>
+                                        <p:attrNameLst>
+                                          <p:attrName>style.visibility</p:attrName>
+                                        </p:attrNameLst>
+                                      </p:cBhvr>
+                                      <p:to>
+                                        <p:strVal val="visible"/>
+                                      </p:to>
+                                    </p:set>
+                                  </p:childTnLst>
+                                </p:cTn>
+                              </p:par>
+                              <p:par>
+                                <p:cTn id="175" presetID="1" presetClass="entr" presetSubtype="0" fill="hold" grpId="1" nodeType="withEffect">
+                                  <p:stCondLst>
+                                    <p:cond delay="0"/>
+                                  </p:stCondLst>
+                                  <p:childTnLst>
+                                    <p:set>
+                                      <p:cBhvr>
+                                        <p:cTn id="176" dur="1" fill="hold">
+                                          <p:stCondLst>
+                                            <p:cond delay="0"/>
+                                          </p:stCondLst>
+                                        </p:cTn>
+                                        <p:tgtEl>
+                                          <p:spTgt spid="233"/>
+                                        </p:tgtEl>
+                                        <p:attrNameLst>
+                                          <p:attrName>style.visibility</p:attrName>
+                                        </p:attrNameLst>
+                                      </p:cBhvr>
+                                      <p:to>
+                                        <p:strVal val="visible"/>
+                                      </p:to>
+                                    </p:set>
+                                  </p:childTnLst>
+                                </p:cTn>
+                              </p:par>
+                              <p:par>
+                                <p:cTn id="177" presetID="1" presetClass="entr" presetSubtype="0" fill="hold" grpId="1" nodeType="withEffect">
+                                  <p:stCondLst>
+                                    <p:cond delay="0"/>
+                                  </p:stCondLst>
+                                  <p:childTnLst>
+                                    <p:set>
+                                      <p:cBhvr>
+                                        <p:cTn id="178" dur="1" fill="hold">
+                                          <p:stCondLst>
+                                            <p:cond delay="0"/>
+                                          </p:stCondLst>
+                                        </p:cTn>
+                                        <p:tgtEl>
+                                          <p:spTgt spid="11"/>
+                                        </p:tgtEl>
+                                        <p:attrNameLst>
+                                          <p:attrName>style.visibility</p:attrName>
+                                        </p:attrNameLst>
+                                      </p:cBhvr>
+                                      <p:to>
+                                        <p:strVal val="visible"/>
+                                      </p:to>
+                                    </p:set>
+                                  </p:childTnLst>
+                                </p:cTn>
+                              </p:par>
+                              <p:par>
+                                <p:cTn id="179" presetID="1" presetClass="entr" presetSubtype="0" fill="hold" nodeType="withEffect">
+                                  <p:stCondLst>
+                                    <p:cond delay="0"/>
+                                  </p:stCondLst>
+                                  <p:childTnLst>
+                                    <p:set>
+                                      <p:cBhvr>
+                                        <p:cTn id="180" dur="1" fill="hold">
+                                          <p:stCondLst>
+                                            <p:cond delay="0"/>
+                                          </p:stCondLst>
+                                        </p:cTn>
+                                        <p:tgtEl>
+                                          <p:spTgt spid="178"/>
+                                        </p:tgtEl>
+                                        <p:attrNameLst>
+                                          <p:attrName>style.visibility</p:attrName>
+                                        </p:attrNameLst>
+                                      </p:cBhvr>
+                                      <p:to>
+                                        <p:strVal val="visible"/>
+                                      </p:to>
+                                    </p:set>
+                                  </p:childTnLst>
+                                </p:cTn>
+                              </p:par>
+                              <p:par>
+                                <p:cTn id="181" presetID="1" presetClass="entr" presetSubtype="0" fill="hold" nodeType="withEffect">
+                                  <p:stCondLst>
+                                    <p:cond delay="0"/>
+                                  </p:stCondLst>
+                                  <p:childTnLst>
+                                    <p:set>
+                                      <p:cBhvr>
+                                        <p:cTn id="182" dur="1" fill="hold">
+                                          <p:stCondLst>
+                                            <p:cond delay="0"/>
+                                          </p:stCondLst>
+                                        </p:cTn>
+                                        <p:tgtEl>
+                                          <p:spTgt spid="147"/>
+                                        </p:tgtEl>
+                                        <p:attrNameLst>
+                                          <p:attrName>style.visibility</p:attrName>
+                                        </p:attrNameLst>
+                                      </p:cBhvr>
+                                      <p:to>
+                                        <p:strVal val="visible"/>
+                                      </p:to>
+                                    </p:set>
+                                  </p:childTnLst>
+                                </p:cTn>
+                              </p:par>
+                              <p:par>
+                                <p:cTn id="183" presetID="1" presetClass="entr" presetSubtype="0" fill="hold" nodeType="withEffect">
+                                  <p:stCondLst>
+                                    <p:cond delay="0"/>
+                                  </p:stCondLst>
+                                  <p:childTnLst>
+                                    <p:set>
+                                      <p:cBhvr>
+                                        <p:cTn id="184" dur="1" fill="hold">
+                                          <p:stCondLst>
+                                            <p:cond delay="0"/>
+                                          </p:stCondLst>
+                                        </p:cTn>
+                                        <p:tgtEl>
+                                          <p:spTgt spid="157"/>
+                                        </p:tgtEl>
+                                        <p:attrNameLst>
+                                          <p:attrName>style.visibility</p:attrName>
+                                        </p:attrNameLst>
+                                      </p:cBhvr>
+                                      <p:to>
+                                        <p:strVal val="visible"/>
+                                      </p:to>
+                                    </p:set>
+                                  </p:childTnLst>
+                                </p:cTn>
+                              </p:par>
+                              <p:par>
+                                <p:cTn id="185" presetID="1" presetClass="entr" presetSubtype="0" fill="hold" nodeType="withEffect">
+                                  <p:stCondLst>
+                                    <p:cond delay="0"/>
+                                  </p:stCondLst>
+                                  <p:childTnLst>
+                                    <p:set>
+                                      <p:cBhvr>
+                                        <p:cTn id="186" dur="1" fill="hold">
+                                          <p:stCondLst>
+                                            <p:cond delay="0"/>
+                                          </p:stCondLst>
+                                        </p:cTn>
+                                        <p:tgtEl>
+                                          <p:spTgt spid="184"/>
+                                        </p:tgtEl>
+                                        <p:attrNameLst>
+                                          <p:attrName>style.visibility</p:attrName>
+                                        </p:attrNameLst>
+                                      </p:cBhvr>
+                                      <p:to>
+                                        <p:strVal val="visible"/>
+                                      </p:to>
+                                    </p:set>
+                                  </p:childTnLst>
+                                </p:cTn>
+                              </p:par>
+                              <p:par>
+                                <p:cTn id="187" presetID="1" presetClass="entr" presetSubtype="0" fill="hold" nodeType="withEffect">
+                                  <p:stCondLst>
+                                    <p:cond delay="0"/>
+                                  </p:stCondLst>
+                                  <p:childTnLst>
+                                    <p:set>
+                                      <p:cBhvr>
+                                        <p:cTn id="188" dur="1" fill="hold">
+                                          <p:stCondLst>
+                                            <p:cond delay="0"/>
+                                          </p:stCondLst>
+                                        </p:cTn>
+                                        <p:tgtEl>
+                                          <p:spTgt spid="194"/>
+                                        </p:tgtEl>
+                                        <p:attrNameLst>
+                                          <p:attrName>style.visibility</p:attrName>
+                                        </p:attrNameLst>
+                                      </p:cBhvr>
+                                      <p:to>
+                                        <p:strVal val="visible"/>
+                                      </p:to>
+                                    </p:set>
+                                  </p:childTnLst>
+                                </p:cTn>
+                              </p:par>
+                              <p:par>
+                                <p:cTn id="189" presetID="1" presetClass="entr" presetSubtype="0" fill="hold" nodeType="withEffect">
+                                  <p:stCondLst>
+                                    <p:cond delay="0"/>
+                                  </p:stCondLst>
+                                  <p:childTnLst>
+                                    <p:set>
+                                      <p:cBhvr>
+                                        <p:cTn id="190" dur="1" fill="hold">
+                                          <p:stCondLst>
+                                            <p:cond delay="0"/>
+                                          </p:stCondLst>
+                                        </p:cTn>
+                                        <p:tgtEl>
+                                          <p:spTgt spid="150"/>
+                                        </p:tgtEl>
+                                        <p:attrNameLst>
+                                          <p:attrName>style.visibility</p:attrName>
+                                        </p:attrNameLst>
+                                      </p:cBhvr>
+                                      <p:to>
+                                        <p:strVal val="visible"/>
+                                      </p:to>
+                                    </p:set>
+                                  </p:childTnLst>
+                                </p:cTn>
+                              </p:par>
+                              <p:par>
+                                <p:cTn id="191" presetID="1" presetClass="entr" presetSubtype="0" fill="hold" nodeType="withEffect">
+                                  <p:stCondLst>
+                                    <p:cond delay="0"/>
+                                  </p:stCondLst>
+                                  <p:childTnLst>
+                                    <p:set>
+                                      <p:cBhvr>
+                                        <p:cTn id="192" dur="1" fill="hold">
+                                          <p:stCondLst>
+                                            <p:cond delay="0"/>
+                                          </p:stCondLst>
+                                        </p:cTn>
+                                        <p:tgtEl>
+                                          <p:spTgt spid="190"/>
+                                        </p:tgtEl>
+                                        <p:attrNameLst>
+                                          <p:attrName>style.visibility</p:attrName>
+                                        </p:attrNameLst>
+                                      </p:cBhvr>
+                                      <p:to>
+                                        <p:strVal val="visible"/>
+                                      </p:to>
+                                    </p:set>
+                                  </p:childTnLst>
+                                </p:cTn>
+                              </p:par>
+                              <p:par>
+                                <p:cTn id="193" presetID="1" presetClass="entr" presetSubtype="0" fill="hold" grpId="1" nodeType="withEffect">
+                                  <p:stCondLst>
+                                    <p:cond delay="0"/>
+                                  </p:stCondLst>
+                                  <p:childTnLst>
+                                    <p:set>
+                                      <p:cBhvr>
+                                        <p:cTn id="194" dur="1" fill="hold">
+                                          <p:stCondLst>
+                                            <p:cond delay="0"/>
+                                          </p:stCondLst>
+                                        </p:cTn>
+                                        <p:tgtEl>
+                                          <p:spTgt spid="236"/>
+                                        </p:tgtEl>
+                                        <p:attrNameLst>
+                                          <p:attrName>style.visibility</p:attrName>
+                                        </p:attrNameLst>
+                                      </p:cBhvr>
+                                      <p:to>
+                                        <p:strVal val="visible"/>
+                                      </p:to>
+                                    </p:set>
+                                  </p:childTnLst>
+                                </p:cTn>
+                              </p:par>
+                              <p:par>
+                                <p:cTn id="195" presetID="1" presetClass="entr" presetSubtype="0" fill="hold" grpId="1" nodeType="withEffect">
+                                  <p:stCondLst>
+                                    <p:cond delay="0"/>
+                                  </p:stCondLst>
+                                  <p:childTnLst>
+                                    <p:set>
+                                      <p:cBhvr>
+                                        <p:cTn id="196" dur="1" fill="hold">
+                                          <p:stCondLst>
+                                            <p:cond delay="0"/>
+                                          </p:stCondLst>
+                                        </p:cTn>
+                                        <p:tgtEl>
+                                          <p:spTgt spid="237"/>
+                                        </p:tgtEl>
+                                        <p:attrNameLst>
+                                          <p:attrName>style.visibility</p:attrName>
+                                        </p:attrNameLst>
+                                      </p:cBhvr>
+                                      <p:to>
+                                        <p:strVal val="visible"/>
+                                      </p:to>
+                                    </p:set>
+                                  </p:childTnLst>
+                                </p:cTn>
+                              </p:par>
+                              <p:par>
+                                <p:cTn id="197" presetID="1" presetClass="entr" presetSubtype="0" fill="hold" grpId="1" nodeType="withEffect">
+                                  <p:stCondLst>
+                                    <p:cond delay="0"/>
+                                  </p:stCondLst>
+                                  <p:childTnLst>
+                                    <p:set>
+                                      <p:cBhvr>
+                                        <p:cTn id="198" dur="1" fill="hold">
+                                          <p:stCondLst>
+                                            <p:cond delay="0"/>
+                                          </p:stCondLst>
+                                        </p:cTn>
+                                        <p:tgtEl>
+                                          <p:spTgt spid="64"/>
+                                        </p:tgtEl>
+                                        <p:attrNameLst>
+                                          <p:attrName>style.visibility</p:attrName>
+                                        </p:attrNameLst>
+                                      </p:cBhvr>
+                                      <p:to>
+                                        <p:strVal val="visible"/>
+                                      </p:to>
+                                    </p:set>
+                                  </p:childTnLst>
+                                </p:cTn>
+                              </p:par>
+                              <p:par>
+                                <p:cTn id="199" presetID="1" presetClass="entr" presetSubtype="0" fill="hold" grpId="1" nodeType="withEffect">
+                                  <p:stCondLst>
+                                    <p:cond delay="0"/>
+                                  </p:stCondLst>
+                                  <p:childTnLst>
+                                    <p:set>
+                                      <p:cBhvr>
+                                        <p:cTn id="200" dur="1" fill="hold">
+                                          <p:stCondLst>
+                                            <p:cond delay="0"/>
+                                          </p:stCondLst>
+                                        </p:cTn>
+                                        <p:tgtEl>
+                                          <p:spTgt spid="63"/>
+                                        </p:tgtEl>
+                                        <p:attrNameLst>
+                                          <p:attrName>style.visibility</p:attrName>
+                                        </p:attrNameLst>
+                                      </p:cBhvr>
+                                      <p:to>
+                                        <p:strVal val="visible"/>
+                                      </p:to>
+                                    </p:set>
+                                  </p:childTnLst>
+                                </p:cTn>
+                              </p:par>
+                              <p:par>
+                                <p:cTn id="201" presetID="1" presetClass="entr" presetSubtype="0" fill="hold" grpId="1" nodeType="withEffect">
+                                  <p:stCondLst>
+                                    <p:cond delay="0"/>
+                                  </p:stCondLst>
+                                  <p:childTnLst>
+                                    <p:set>
+                                      <p:cBhvr>
+                                        <p:cTn id="202" dur="1" fill="hold">
+                                          <p:stCondLst>
+                                            <p:cond delay="0"/>
+                                          </p:stCondLst>
+                                        </p:cTn>
+                                        <p:tgtEl>
+                                          <p:spTgt spid="12"/>
+                                        </p:tgtEl>
+                                        <p:attrNameLst>
+                                          <p:attrName>style.visibility</p:attrName>
+                                        </p:attrNameLst>
+                                      </p:cBhvr>
+                                      <p:to>
+                                        <p:strVal val="visible"/>
+                                      </p:to>
+                                    </p:set>
+                                  </p:childTnLst>
+                                </p:cTn>
+                              </p:par>
+                              <p:par>
+                                <p:cTn id="203" presetID="1" presetClass="entr" presetSubtype="0" fill="hold" nodeType="withEffect">
+                                  <p:stCondLst>
+                                    <p:cond delay="0"/>
+                                  </p:stCondLst>
+                                  <p:childTnLst>
+                                    <p:set>
+                                      <p:cBhvr>
+                                        <p:cTn id="204" dur="1" fill="hold">
+                                          <p:stCondLst>
+                                            <p:cond delay="0"/>
+                                          </p:stCondLst>
+                                        </p:cTn>
+                                        <p:tgtEl>
+                                          <p:spTgt spid="158"/>
+                                        </p:tgtEl>
+                                        <p:attrNameLst>
+                                          <p:attrName>style.visibility</p:attrName>
+                                        </p:attrNameLst>
+                                      </p:cBhvr>
+                                      <p:to>
+                                        <p:strVal val="visible"/>
+                                      </p:to>
+                                    </p:set>
+                                  </p:childTnLst>
+                                </p:cTn>
+                              </p:par>
+                              <p:par>
+                                <p:cTn id="205" presetID="1" presetClass="entr" presetSubtype="0" fill="hold" nodeType="withEffect">
+                                  <p:stCondLst>
+                                    <p:cond delay="0"/>
+                                  </p:stCondLst>
+                                  <p:childTnLst>
+                                    <p:set>
+                                      <p:cBhvr>
+                                        <p:cTn id="206" dur="1" fill="hold">
+                                          <p:stCondLst>
+                                            <p:cond delay="0"/>
+                                          </p:stCondLst>
+                                        </p:cTn>
+                                        <p:tgtEl>
+                                          <p:spTgt spid="218"/>
+                                        </p:tgtEl>
+                                        <p:attrNameLst>
+                                          <p:attrName>style.visibility</p:attrName>
+                                        </p:attrNameLst>
+                                      </p:cBhvr>
+                                      <p:to>
+                                        <p:strVal val="visible"/>
+                                      </p:to>
+                                    </p:set>
+                                  </p:childTnLst>
+                                </p:cTn>
+                              </p:par>
+                              <p:par>
+                                <p:cTn id="207" presetID="1" presetClass="entr" presetSubtype="0" fill="hold" nodeType="withEffect">
+                                  <p:stCondLst>
+                                    <p:cond delay="0"/>
+                                  </p:stCondLst>
+                                  <p:childTnLst>
+                                    <p:set>
+                                      <p:cBhvr>
+                                        <p:cTn id="208" dur="1" fill="hold">
+                                          <p:stCondLst>
+                                            <p:cond delay="0"/>
+                                          </p:stCondLst>
+                                        </p:cTn>
+                                        <p:tgtEl>
+                                          <p:spTgt spid="222"/>
+                                        </p:tgtEl>
+                                        <p:attrNameLst>
+                                          <p:attrName>style.visibility</p:attrName>
+                                        </p:attrNameLst>
+                                      </p:cBhvr>
+                                      <p:to>
+                                        <p:strVal val="visible"/>
+                                      </p:to>
+                                    </p:set>
+                                  </p:childTnLst>
+                                </p:cTn>
+                              </p:par>
+                              <p:par>
+                                <p:cTn id="209" presetID="1" presetClass="entr" presetSubtype="0" fill="hold" nodeType="withEffect">
+                                  <p:stCondLst>
+                                    <p:cond delay="0"/>
+                                  </p:stCondLst>
+                                  <p:childTnLst>
+                                    <p:set>
+                                      <p:cBhvr>
+                                        <p:cTn id="210" dur="1" fill="hold">
+                                          <p:stCondLst>
+                                            <p:cond delay="0"/>
+                                          </p:stCondLst>
+                                        </p:cTn>
+                                        <p:tgtEl>
+                                          <p:spTgt spid="201"/>
+                                        </p:tgtEl>
+                                        <p:attrNameLst>
+                                          <p:attrName>style.visibility</p:attrName>
+                                        </p:attrNameLst>
+                                      </p:cBhvr>
+                                      <p:to>
+                                        <p:strVal val="visible"/>
+                                      </p:to>
+                                    </p:set>
+                                  </p:childTnLst>
+                                </p:cTn>
+                              </p:par>
+                              <p:par>
+                                <p:cTn id="211" presetID="1" presetClass="entr" presetSubtype="0" fill="hold" nodeType="withEffect">
+                                  <p:stCondLst>
+                                    <p:cond delay="0"/>
+                                  </p:stCondLst>
+                                  <p:childTnLst>
+                                    <p:set>
+                                      <p:cBhvr>
+                                        <p:cTn id="212" dur="1" fill="hold">
+                                          <p:stCondLst>
+                                            <p:cond delay="0"/>
+                                          </p:stCondLst>
+                                        </p:cTn>
+                                        <p:tgtEl>
+                                          <p:spTgt spid="151"/>
+                                        </p:tgtEl>
+                                        <p:attrNameLst>
+                                          <p:attrName>style.visibility</p:attrName>
+                                        </p:attrNameLst>
+                                      </p:cBhvr>
+                                      <p:to>
+                                        <p:strVal val="visible"/>
+                                      </p:to>
+                                    </p:set>
+                                  </p:childTnLst>
+                                </p:cTn>
+                              </p:par>
+                              <p:par>
+                                <p:cTn id="213" presetID="1" presetClass="entr" presetSubtype="0" fill="hold" nodeType="withEffect">
+                                  <p:stCondLst>
+                                    <p:cond delay="0"/>
+                                  </p:stCondLst>
+                                  <p:childTnLst>
+                                    <p:set>
+                                      <p:cBhvr>
+                                        <p:cTn id="214" dur="1" fill="hold">
+                                          <p:stCondLst>
+                                            <p:cond delay="0"/>
+                                          </p:stCondLst>
+                                        </p:cTn>
+                                        <p:tgtEl>
+                                          <p:spTgt spid="199"/>
+                                        </p:tgtEl>
+                                        <p:attrNameLst>
+                                          <p:attrName>style.visibility</p:attrName>
+                                        </p:attrNameLst>
+                                      </p:cBhvr>
+                                      <p:to>
+                                        <p:strVal val="visible"/>
+                                      </p:to>
+                                    </p:set>
+                                  </p:childTnLst>
+                                </p:cTn>
+                              </p:par>
+                              <p:par>
+                                <p:cTn id="215" presetID="1" presetClass="entr" presetSubtype="0" fill="hold" nodeType="withEffect">
+                                  <p:stCondLst>
+                                    <p:cond delay="0"/>
+                                  </p:stCondLst>
+                                  <p:childTnLst>
+                                    <p:set>
+                                      <p:cBhvr>
+                                        <p:cTn id="216" dur="1" fill="hold">
+                                          <p:stCondLst>
+                                            <p:cond delay="0"/>
+                                          </p:stCondLst>
+                                        </p:cTn>
+                                        <p:tgtEl>
+                                          <p:spTgt spid="204"/>
+                                        </p:tgtEl>
+                                        <p:attrNameLst>
+                                          <p:attrName>style.visibility</p:attrName>
+                                        </p:attrNameLst>
+                                      </p:cBhvr>
+                                      <p:to>
+                                        <p:strVal val="visible"/>
+                                      </p:to>
+                                    </p:set>
+                                  </p:childTnLst>
+                                </p:cTn>
+                              </p:par>
+                              <p:par>
+                                <p:cTn id="217" presetID="1" presetClass="entr" presetSubtype="0" fill="hold" nodeType="withEffect">
+                                  <p:stCondLst>
+                                    <p:cond delay="0"/>
+                                  </p:stCondLst>
+                                  <p:childTnLst>
+                                    <p:set>
+                                      <p:cBhvr>
+                                        <p:cTn id="218" dur="1" fill="hold">
+                                          <p:stCondLst>
+                                            <p:cond delay="0"/>
+                                          </p:stCondLst>
+                                        </p:cTn>
+                                        <p:tgtEl>
+                                          <p:spTgt spid="213"/>
+                                        </p:tgtEl>
+                                        <p:attrNameLst>
+                                          <p:attrName>style.visibility</p:attrName>
+                                        </p:attrNameLst>
+                                      </p:cBhvr>
+                                      <p:to>
+                                        <p:strVal val="visible"/>
+                                      </p:to>
+                                    </p:set>
+                                  </p:childTnLst>
+                                </p:cTn>
+                              </p:par>
+                              <p:par>
+                                <p:cTn id="219" presetID="1" presetClass="entr" presetSubtype="0" fill="hold" grpId="1" nodeType="withEffect">
+                                  <p:stCondLst>
+                                    <p:cond delay="0"/>
+                                  </p:stCondLst>
+                                  <p:childTnLst>
+                                    <p:set>
+                                      <p:cBhvr>
+                                        <p:cTn id="220" dur="1" fill="hold">
+                                          <p:stCondLst>
+                                            <p:cond delay="0"/>
+                                          </p:stCondLst>
+                                        </p:cTn>
+                                        <p:tgtEl>
+                                          <p:spTgt spid="240"/>
+                                        </p:tgtEl>
+                                        <p:attrNameLst>
+                                          <p:attrName>style.visibility</p:attrName>
+                                        </p:attrNameLst>
+                                      </p:cBhvr>
+                                      <p:to>
+                                        <p:strVal val="visible"/>
+                                      </p:to>
+                                    </p:set>
+                                  </p:childTnLst>
+                                </p:cTn>
+                              </p:par>
+                              <p:par>
+                                <p:cTn id="221" presetID="1" presetClass="entr" presetSubtype="0" fill="hold" grpId="1" nodeType="withEffect">
+                                  <p:stCondLst>
+                                    <p:cond delay="0"/>
+                                  </p:stCondLst>
+                                  <p:childTnLst>
+                                    <p:set>
+                                      <p:cBhvr>
+                                        <p:cTn id="222" dur="1" fill="hold">
+                                          <p:stCondLst>
+                                            <p:cond delay="0"/>
+                                          </p:stCondLst>
+                                        </p:cTn>
+                                        <p:tgtEl>
+                                          <p:spTgt spid="239"/>
+                                        </p:tgtEl>
+                                        <p:attrNameLst>
+                                          <p:attrName>style.visibility</p:attrName>
+                                        </p:attrNameLst>
+                                      </p:cBhvr>
+                                      <p:to>
+                                        <p:strVal val="visible"/>
+                                      </p:to>
+                                    </p:set>
+                                  </p:childTnLst>
+                                </p:cTn>
+                              </p:par>
+                              <p:par>
+                                <p:cTn id="223" presetID="1" presetClass="entr" presetSubtype="0" fill="hold" grpId="1" nodeType="withEffect">
+                                  <p:stCondLst>
+                                    <p:cond delay="0"/>
+                                  </p:stCondLst>
+                                  <p:childTnLst>
+                                    <p:set>
+                                      <p:cBhvr>
+                                        <p:cTn id="224" dur="1" fill="hold">
+                                          <p:stCondLst>
+                                            <p:cond delay="0"/>
+                                          </p:stCondLst>
+                                        </p:cTn>
+                                        <p:tgtEl>
+                                          <p:spTgt spid="13"/>
+                                        </p:tgtEl>
+                                        <p:attrNameLst>
+                                          <p:attrName>style.visibility</p:attrName>
+                                        </p:attrNameLst>
+                                      </p:cBhvr>
+                                      <p:to>
+                                        <p:strVal val="visible"/>
+                                      </p:to>
+                                    </p:set>
+                                  </p:childTnLst>
+                                </p:cTn>
+                              </p:par>
+                              <p:par>
+                                <p:cTn id="225" presetID="1" presetClass="entr" presetSubtype="0" fill="hold" grpId="1" nodeType="withEffect">
+                                  <p:stCondLst>
+                                    <p:cond delay="0"/>
+                                  </p:stCondLst>
+                                  <p:childTnLst>
+                                    <p:set>
+                                      <p:cBhvr>
+                                        <p:cTn id="226" dur="1" fill="hold">
+                                          <p:stCondLst>
+                                            <p:cond delay="0"/>
+                                          </p:stCondLst>
+                                        </p:cTn>
+                                        <p:tgtEl>
+                                          <p:spTgt spid="66"/>
+                                        </p:tgtEl>
+                                        <p:attrNameLst>
+                                          <p:attrName>style.visibility</p:attrName>
+                                        </p:attrNameLst>
+                                      </p:cBhvr>
+                                      <p:to>
+                                        <p:strVal val="visible"/>
+                                      </p:to>
+                                    </p:set>
+                                  </p:childTnLst>
+                                </p:cTn>
+                              </p:par>
+                              <p:par>
+                                <p:cTn id="227" presetID="1" presetClass="entr" presetSubtype="0" fill="hold" grpId="1" nodeType="withEffect">
+                                  <p:stCondLst>
+                                    <p:cond delay="0"/>
+                                  </p:stCondLst>
+                                  <p:childTnLst>
+                                    <p:set>
+                                      <p:cBhvr>
+                                        <p:cTn id="228" dur="1" fill="hold">
+                                          <p:stCondLst>
+                                            <p:cond delay="0"/>
+                                          </p:stCondLst>
+                                        </p:cTn>
+                                        <p:tgtEl>
+                                          <p:spTgt spid="65"/>
+                                        </p:tgtEl>
+                                        <p:attrNameLst>
+                                          <p:attrName>style.visibility</p:attrName>
+                                        </p:attrNameLst>
+                                      </p:cBhvr>
+                                      <p:to>
+                                        <p:strVal val="visible"/>
+                                      </p:to>
+                                    </p:set>
+                                  </p:childTnLst>
+                                </p:cTn>
+                              </p:par>
+                              <p:par>
+                                <p:cTn id="229" presetID="1" presetClass="entr" presetSubtype="0" fill="hold" nodeType="withEffect">
+                                  <p:stCondLst>
+                                    <p:cond delay="0"/>
+                                  </p:stCondLst>
+                                  <p:childTnLst>
+                                    <p:set>
+                                      <p:cBhvr>
+                                        <p:cTn id="230" dur="1" fill="hold">
+                                          <p:stCondLst>
+                                            <p:cond delay="0"/>
+                                          </p:stCondLst>
+                                        </p:cTn>
+                                        <p:tgtEl>
+                                          <p:spTgt spid="225"/>
+                                        </p:tgtEl>
+                                        <p:attrNameLst>
+                                          <p:attrName>style.visibility</p:attrName>
+                                        </p:attrNameLst>
+                                      </p:cBhvr>
+                                      <p:to>
+                                        <p:strVal val="visible"/>
+                                      </p:to>
+                                    </p:set>
+                                  </p:childTnLst>
+                                </p:cTn>
+                              </p:par>
+                              <p:par>
+                                <p:cTn id="231" presetID="1" presetClass="entr" presetSubtype="0" fill="hold" nodeType="withEffect">
+                                  <p:stCondLst>
+                                    <p:cond delay="0"/>
+                                  </p:stCondLst>
+                                  <p:childTnLst>
+                                    <p:set>
+                                      <p:cBhvr>
+                                        <p:cTn id="232" dur="1" fill="hold">
+                                          <p:stCondLst>
+                                            <p:cond delay="0"/>
+                                          </p:stCondLst>
+                                        </p:cTn>
+                                        <p:tgtEl>
+                                          <p:spTgt spid="228"/>
+                                        </p:tgtEl>
+                                        <p:attrNameLst>
+                                          <p:attrName>style.visibility</p:attrName>
+                                        </p:attrNameLst>
+                                      </p:cBhvr>
+                                      <p:to>
+                                        <p:strVal val="visible"/>
+                                      </p:to>
+                                    </p:set>
+                                  </p:childTnLst>
+                                </p:cTn>
+                              </p:par>
+                              <p:par>
+                                <p:cTn id="233" presetID="1" presetClass="entr" presetSubtype="0" fill="hold" nodeType="withEffect">
+                                  <p:stCondLst>
+                                    <p:cond delay="0"/>
+                                  </p:stCondLst>
+                                  <p:childTnLst>
+                                    <p:set>
+                                      <p:cBhvr>
+                                        <p:cTn id="234" dur="1" fill="hold">
+                                          <p:stCondLst>
+                                            <p:cond delay="0"/>
+                                          </p:stCondLst>
+                                        </p:cTn>
+                                        <p:tgtEl>
+                                          <p:spTgt spid="159"/>
+                                        </p:tgtEl>
+                                        <p:attrNameLst>
+                                          <p:attrName>style.visibility</p:attrName>
+                                        </p:attrNameLst>
+                                      </p:cBhvr>
+                                      <p:to>
+                                        <p:strVal val="visible"/>
+                                      </p:to>
+                                    </p:set>
+                                  </p:childTnLst>
+                                </p:cTn>
+                              </p:par>
+                              <p:par>
+                                <p:cTn id="235" presetID="1" presetClass="entr" presetSubtype="0" fill="hold" nodeType="withEffect">
+                                  <p:stCondLst>
+                                    <p:cond delay="0"/>
+                                  </p:stCondLst>
+                                  <p:childTnLst>
+                                    <p:set>
+                                      <p:cBhvr>
+                                        <p:cTn id="236" dur="1" fill="hold">
+                                          <p:stCondLst>
+                                            <p:cond delay="0"/>
+                                          </p:stCondLst>
+                                        </p:cTn>
+                                        <p:tgtEl>
+                                          <p:spTgt spid="206"/>
+                                        </p:tgtEl>
+                                        <p:attrNameLst>
+                                          <p:attrName>style.visibility</p:attrName>
+                                        </p:attrNameLst>
+                                      </p:cBhvr>
+                                      <p:to>
+                                        <p:strVal val="visible"/>
+                                      </p:to>
+                                    </p:set>
+                                  </p:childTnLst>
+                                </p:cTn>
+                              </p:par>
+                              <p:par>
+                                <p:cTn id="237" presetID="1" presetClass="entr" presetSubtype="0" fill="hold" nodeType="withEffect">
+                                  <p:stCondLst>
+                                    <p:cond delay="0"/>
+                                  </p:stCondLst>
+                                  <p:childTnLst>
+                                    <p:set>
+                                      <p:cBhvr>
+                                        <p:cTn id="238" dur="1" fill="hold">
+                                          <p:stCondLst>
+                                            <p:cond delay="0"/>
+                                          </p:stCondLst>
+                                        </p:cTn>
+                                        <p:tgtEl>
+                                          <p:spTgt spid="152"/>
+                                        </p:tgtEl>
+                                        <p:attrNameLst>
+                                          <p:attrName>style.visibility</p:attrName>
+                                        </p:attrNameLst>
+                                      </p:cBhvr>
+                                      <p:to>
+                                        <p:strVal val="visible"/>
+                                      </p:to>
+                                    </p:set>
+                                  </p:childTnLst>
+                                </p:cTn>
+                              </p:par>
+                              <p:par>
+                                <p:cTn id="239" presetID="1" presetClass="entr" presetSubtype="0" fill="hold" grpId="1" nodeType="withEffect">
+                                  <p:stCondLst>
+                                    <p:cond delay="0"/>
+                                  </p:stCondLst>
+                                  <p:childTnLst>
+                                    <p:set>
+                                      <p:cBhvr>
+                                        <p:cTn id="240" dur="1" fill="hold">
+                                          <p:stCondLst>
+                                            <p:cond delay="0"/>
+                                          </p:stCondLst>
+                                        </p:cTn>
+                                        <p:tgtEl>
+                                          <p:spTgt spid="241"/>
+                                        </p:tgtEl>
+                                        <p:attrNameLst>
+                                          <p:attrName>style.visibility</p:attrName>
+                                        </p:attrNameLst>
+                                      </p:cBhvr>
+                                      <p:to>
+                                        <p:strVal val="visible"/>
+                                      </p:to>
+                                    </p:set>
+                                  </p:childTnLst>
+                                </p:cTn>
+                              </p:par>
+                              <p:par>
+                                <p:cTn id="241" presetID="1" presetClass="entr" presetSubtype="0" fill="hold" grpId="1" nodeType="withEffect">
+                                  <p:stCondLst>
+                                    <p:cond delay="0"/>
+                                  </p:stCondLst>
+                                  <p:childTnLst>
+                                    <p:set>
+                                      <p:cBhvr>
+                                        <p:cTn id="242" dur="1" fill="hold">
+                                          <p:stCondLst>
+                                            <p:cond delay="0"/>
+                                          </p:stCondLst>
+                                        </p:cTn>
+                                        <p:tgtEl>
+                                          <p:spTgt spid="242"/>
+                                        </p:tgtEl>
+                                        <p:attrNameLst>
+                                          <p:attrName>style.visibility</p:attrName>
+                                        </p:attrNameLst>
+                                      </p:cBhvr>
+                                      <p:to>
+                                        <p:strVal val="visible"/>
+                                      </p:to>
+                                    </p:set>
+                                  </p:childTnLst>
+                                </p:cTn>
+                              </p:par>
+                              <p:par>
+                                <p:cTn id="243" presetID="1" presetClass="entr" presetSubtype="0" fill="hold" grpId="1" nodeType="withEffect">
+                                  <p:stCondLst>
+                                    <p:cond delay="0"/>
+                                  </p:stCondLst>
+                                  <p:childTnLst>
+                                    <p:set>
+                                      <p:cBhvr>
+                                        <p:cTn id="244" dur="1" fill="hold">
+                                          <p:stCondLst>
+                                            <p:cond delay="0"/>
+                                          </p:stCondLst>
+                                        </p:cTn>
+                                        <p:tgtEl>
+                                          <p:spTgt spid="68"/>
+                                        </p:tgtEl>
+                                        <p:attrNameLst>
+                                          <p:attrName>style.visibility</p:attrName>
+                                        </p:attrNameLst>
+                                      </p:cBhvr>
+                                      <p:to>
+                                        <p:strVal val="visible"/>
+                                      </p:to>
+                                    </p:set>
+                                  </p:childTnLst>
+                                </p:cTn>
+                              </p:par>
+                              <p:par>
+                                <p:cTn id="245" presetID="1" presetClass="entr" presetSubtype="0" fill="hold" grpId="1" nodeType="withEffect">
+                                  <p:stCondLst>
+                                    <p:cond delay="0"/>
+                                  </p:stCondLst>
+                                  <p:childTnLst>
+                                    <p:set>
+                                      <p:cBhvr>
+                                        <p:cTn id="246" dur="1" fill="hold">
+                                          <p:stCondLst>
+                                            <p:cond delay="0"/>
+                                          </p:stCondLst>
+                                        </p:cTn>
+                                        <p:tgtEl>
+                                          <p:spTgt spid="67"/>
+                                        </p:tgtEl>
+                                        <p:attrNameLst>
+                                          <p:attrName>style.visibility</p:attrName>
+                                        </p:attrNameLst>
+                                      </p:cBhvr>
+                                      <p:to>
+                                        <p:strVal val="visible"/>
+                                      </p:to>
+                                    </p:set>
+                                  </p:childTnLst>
+                                </p:cTn>
+                              </p:par>
+                              <p:par>
+                                <p:cTn id="247" presetID="1" presetClass="entr" presetSubtype="0" fill="hold" grpId="1" nodeType="withEffect">
+                                  <p:stCondLst>
+                                    <p:cond delay="0"/>
+                                  </p:stCondLst>
+                                  <p:childTnLst>
+                                    <p:set>
+                                      <p:cBhvr>
+                                        <p:cTn id="248" dur="1" fill="hold">
+                                          <p:stCondLst>
+                                            <p:cond delay="0"/>
+                                          </p:stCondLst>
+                                        </p:cTn>
+                                        <p:tgtEl>
+                                          <p:spTgt spid="14"/>
+                                        </p:tgtEl>
+                                        <p:attrNameLst>
+                                          <p:attrName>style.visibility</p:attrName>
+                                        </p:attrNameLst>
+                                      </p:cBhvr>
+                                      <p:to>
+                                        <p:strVal val="visible"/>
+                                      </p:to>
+                                    </p:set>
+                                  </p:childTnLst>
+                                </p:cTn>
+                              </p:par>
+                              <p:par>
+                                <p:cTn id="249" presetID="1" presetClass="entr" presetSubtype="0" fill="hold" nodeType="withEffect">
+                                  <p:stCondLst>
+                                    <p:cond delay="0"/>
+                                  </p:stCondLst>
+                                  <p:childTnLst>
+                                    <p:set>
+                                      <p:cBhvr>
+                                        <p:cTn id="250" dur="1" fill="hold">
+                                          <p:stCondLst>
+                                            <p:cond delay="0"/>
+                                          </p:stCondLst>
+                                        </p:cTn>
+                                        <p:tgtEl>
+                                          <p:spTgt spid="160"/>
+                                        </p:tgtEl>
+                                        <p:attrNameLst>
+                                          <p:attrName>style.visibility</p:attrName>
+                                        </p:attrNameLst>
+                                      </p:cBhvr>
+                                      <p:to>
+                                        <p:strVal val="visible"/>
+                                      </p:to>
+                                    </p:set>
+                                  </p:childTnLst>
+                                </p:cTn>
+                              </p:par>
+                              <p:par>
+                                <p:cTn id="251" presetID="1" presetClass="entr" presetSubtype="0" fill="hold" nodeType="withEffect">
+                                  <p:stCondLst>
+                                    <p:cond delay="0"/>
+                                  </p:stCondLst>
+                                  <p:childTnLst>
+                                    <p:set>
+                                      <p:cBhvr>
+                                        <p:cTn id="252" dur="1" fill="hold">
+                                          <p:stCondLst>
+                                            <p:cond delay="0"/>
+                                          </p:stCondLst>
+                                        </p:cTn>
+                                        <p:tgtEl>
+                                          <p:spTgt spid="232"/>
+                                        </p:tgtEl>
+                                        <p:attrNameLst>
+                                          <p:attrName>style.visibility</p:attrName>
+                                        </p:attrNameLst>
+                                      </p:cBhvr>
+                                      <p:to>
+                                        <p:strVal val="visible"/>
+                                      </p:to>
+                                    </p:set>
+                                  </p:childTnLst>
+                                </p:cTn>
+                              </p:par>
+                              <p:par>
+                                <p:cTn id="253" presetID="1" presetClass="entr" presetSubtype="0" fill="hold" nodeType="withEffect">
+                                  <p:stCondLst>
+                                    <p:cond delay="0"/>
+                                  </p:stCondLst>
+                                  <p:childTnLst>
+                                    <p:set>
+                                      <p:cBhvr>
+                                        <p:cTn id="254" dur="1" fill="hold">
+                                          <p:stCondLst>
+                                            <p:cond delay="0"/>
+                                          </p:stCondLst>
+                                        </p:cTn>
+                                        <p:tgtEl>
+                                          <p:spTgt spid="230"/>
+                                        </p:tgtEl>
+                                        <p:attrNameLst>
+                                          <p:attrName>style.visibility</p:attrName>
+                                        </p:attrNameLst>
+                                      </p:cBhvr>
+                                      <p:to>
+                                        <p:strVal val="visible"/>
+                                      </p:to>
+                                    </p:set>
+                                  </p:childTnLst>
+                                </p:cTn>
+                              </p:par>
+                              <p:par>
+                                <p:cTn id="255" presetID="1" presetClass="entr" presetSubtype="0" fill="hold" nodeType="withEffect">
+                                  <p:stCondLst>
+                                    <p:cond delay="0"/>
+                                  </p:stCondLst>
+                                  <p:childTnLst>
+                                    <p:set>
+                                      <p:cBhvr>
+                                        <p:cTn id="256" dur="1" fill="hold">
+                                          <p:stCondLst>
+                                            <p:cond delay="0"/>
+                                          </p:stCondLst>
+                                        </p:cTn>
+                                        <p:tgtEl>
+                                          <p:spTgt spid="215"/>
+                                        </p:tgtEl>
+                                        <p:attrNameLst>
+                                          <p:attrName>style.visibility</p:attrName>
+                                        </p:attrNameLst>
+                                      </p:cBhvr>
+                                      <p:to>
+                                        <p:strVal val="visible"/>
+                                      </p:to>
+                                    </p:set>
+                                  </p:childTnLst>
+                                </p:cTn>
+                              </p:par>
+                              <p:par>
+                                <p:cTn id="257" presetID="1" presetClass="entr" presetSubtype="0" fill="hold" nodeType="withEffect">
+                                  <p:stCondLst>
+                                    <p:cond delay="0"/>
+                                  </p:stCondLst>
+                                  <p:childTnLst>
+                                    <p:set>
+                                      <p:cBhvr>
+                                        <p:cTn id="258" dur="1" fill="hold">
+                                          <p:stCondLst>
+                                            <p:cond delay="0"/>
+                                          </p:stCondLst>
+                                        </p:cTn>
+                                        <p:tgtEl>
+                                          <p:spTgt spid="155"/>
+                                        </p:tgtEl>
+                                        <p:attrNameLst>
+                                          <p:attrName>style.visibility</p:attrName>
+                                        </p:attrNameLst>
+                                      </p:cBhvr>
+                                      <p:to>
+                                        <p:strVal val="visible"/>
+                                      </p:to>
+                                    </p:set>
+                                  </p:childTnLst>
+                                </p:cTn>
+                              </p:par>
+                              <p:par>
+                                <p:cTn id="259" presetID="1" presetClass="entr" presetSubtype="0" fill="hold" grpId="1" nodeType="withEffect">
+                                  <p:stCondLst>
+                                    <p:cond delay="0"/>
+                                  </p:stCondLst>
+                                  <p:childTnLst>
+                                    <p:set>
+                                      <p:cBhvr>
+                                        <p:cTn id="260" dur="1" fill="hold">
+                                          <p:stCondLst>
+                                            <p:cond delay="0"/>
+                                          </p:stCondLst>
+                                        </p:cTn>
+                                        <p:tgtEl>
+                                          <p:spTgt spid="244"/>
+                                        </p:tgtEl>
+                                        <p:attrNameLst>
+                                          <p:attrName>style.visibility</p:attrName>
+                                        </p:attrNameLst>
+                                      </p:cBhvr>
+                                      <p:to>
+                                        <p:strVal val="visible"/>
+                                      </p:to>
+                                    </p:set>
+                                  </p:childTnLst>
+                                </p:cTn>
+                              </p:par>
+                              <p:par>
+                                <p:cTn id="261" presetID="1" presetClass="entr" presetSubtype="0" fill="hold" grpId="1" nodeType="withEffect">
+                                  <p:stCondLst>
+                                    <p:cond delay="0"/>
+                                  </p:stCondLst>
+                                  <p:childTnLst>
+                                    <p:set>
+                                      <p:cBhvr>
+                                        <p:cTn id="262" dur="1" fill="hold">
+                                          <p:stCondLst>
+                                            <p:cond delay="0"/>
+                                          </p:stCondLst>
+                                        </p:cTn>
+                                        <p:tgtEl>
+                                          <p:spTgt spid="243"/>
+                                        </p:tgtEl>
+                                        <p:attrNameLst>
+                                          <p:attrName>style.visibility</p:attrName>
+                                        </p:attrNameLst>
+                                      </p:cBhvr>
+                                      <p:to>
+                                        <p:strVal val="visible"/>
+                                      </p:to>
+                                    </p:set>
+                                  </p:childTnLst>
+                                </p:cTn>
+                              </p:par>
+                              <p:par>
+                                <p:cTn id="263" presetID="1" presetClass="entr" presetSubtype="0" fill="hold" grpId="1" nodeType="withEffect">
+                                  <p:stCondLst>
+                                    <p:cond delay="0"/>
+                                  </p:stCondLst>
+                                  <p:childTnLst>
+                                    <p:set>
+                                      <p:cBhvr>
+                                        <p:cTn id="264" dur="1" fill="hold">
+                                          <p:stCondLst>
+                                            <p:cond delay="0"/>
+                                          </p:stCondLst>
+                                        </p:cTn>
+                                        <p:tgtEl>
+                                          <p:spTgt spid="70"/>
+                                        </p:tgtEl>
+                                        <p:attrNameLst>
+                                          <p:attrName>style.visibility</p:attrName>
+                                        </p:attrNameLst>
+                                      </p:cBhvr>
+                                      <p:to>
+                                        <p:strVal val="visible"/>
+                                      </p:to>
+                                    </p:set>
+                                  </p:childTnLst>
+                                </p:cTn>
+                              </p:par>
+                              <p:par>
+                                <p:cTn id="265" presetID="1" presetClass="entr" presetSubtype="0" fill="hold" grpId="1" nodeType="withEffect">
+                                  <p:stCondLst>
+                                    <p:cond delay="0"/>
+                                  </p:stCondLst>
+                                  <p:childTnLst>
+                                    <p:set>
+                                      <p:cBhvr>
+                                        <p:cTn id="266" dur="1" fill="hold">
+                                          <p:stCondLst>
+                                            <p:cond delay="0"/>
+                                          </p:stCondLst>
+                                        </p:cTn>
+                                        <p:tgtEl>
+                                          <p:spTgt spid="69"/>
+                                        </p:tgtEl>
+                                        <p:attrNameLst>
+                                          <p:attrName>style.visibility</p:attrName>
+                                        </p:attrNameLst>
+                                      </p:cBhvr>
+                                      <p:to>
+                                        <p:strVal val="visible"/>
+                                      </p:to>
+                                    </p:set>
+                                  </p:childTnLst>
+                                </p:cTn>
+                              </p:par>
+                              <p:par>
+                                <p:cTn id="267" presetID="1" presetClass="entr" presetSubtype="0" fill="hold" grpId="1" nodeType="withEffect">
+                                  <p:stCondLst>
+                                    <p:cond delay="0"/>
+                                  </p:stCondLst>
+                                  <p:childTnLst>
+                                    <p:set>
+                                      <p:cBhvr>
+                                        <p:cTn id="268" dur="1" fill="hold">
+                                          <p:stCondLst>
+                                            <p:cond delay="0"/>
+                                          </p:stCondLst>
+                                        </p:cTn>
+                                        <p:tgtEl>
+                                          <p:spTgt spid="15"/>
+                                        </p:tgtEl>
+                                        <p:attrNameLst>
+                                          <p:attrName>style.visibility</p:attrName>
+                                        </p:attrNameLst>
+                                      </p:cBhvr>
+                                      <p:to>
+                                        <p:strVal val="visible"/>
+                                      </p:to>
+                                    </p:set>
+                                  </p:childTnLst>
+                                </p:cTn>
+                              </p:par>
+                              <p:par>
+                                <p:cTn id="269" presetID="1" presetClass="entr" presetSubtype="0" fill="hold" nodeType="withEffect">
+                                  <p:stCondLst>
+                                    <p:cond delay="0"/>
+                                  </p:stCondLst>
+                                  <p:childTnLst>
+                                    <p:set>
+                                      <p:cBhvr>
+                                        <p:cTn id="270" dur="1" fill="hold">
+                                          <p:stCondLst>
+                                            <p:cond delay="0"/>
+                                          </p:stCondLst>
+                                        </p:cTn>
+                                        <p:tgtEl>
+                                          <p:spTgt spid="29"/>
+                                        </p:tgtEl>
+                                        <p:attrNameLst>
+                                          <p:attrName>style.visibility</p:attrName>
+                                        </p:attrNameLst>
+                                      </p:cBhvr>
+                                      <p:to>
+                                        <p:strVal val="visible"/>
+                                      </p:to>
+                                    </p:set>
+                                  </p:childTnLst>
+                                </p:cTn>
+                              </p:par>
+                              <p:par>
+                                <p:cTn id="271" presetID="1" presetClass="entr" presetSubtype="0" fill="hold" nodeType="withEffect">
+                                  <p:stCondLst>
+                                    <p:cond delay="0"/>
+                                  </p:stCondLst>
+                                  <p:childTnLst>
+                                    <p:set>
+                                      <p:cBhvr>
+                                        <p:cTn id="272" dur="1" fill="hold">
+                                          <p:stCondLst>
+                                            <p:cond delay="0"/>
+                                          </p:stCondLst>
+                                        </p:cTn>
+                                        <p:tgtEl>
+                                          <p:spTgt spid="35"/>
+                                        </p:tgtEl>
+                                        <p:attrNameLst>
+                                          <p:attrName>style.visibility</p:attrName>
+                                        </p:attrNameLst>
+                                      </p:cBhvr>
+                                      <p:to>
+                                        <p:strVal val="visible"/>
+                                      </p:to>
+                                    </p:set>
+                                  </p:childTnLst>
+                                </p:cTn>
+                              </p:par>
+                              <p:par>
+                                <p:cTn id="273" presetID="1" presetClass="entr" presetSubtype="0" fill="hold" grpId="0" nodeType="withEffect">
+                                  <p:stCondLst>
+                                    <p:cond delay="0"/>
+                                  </p:stCondLst>
+                                  <p:childTnLst>
+                                    <p:set>
+                                      <p:cBhvr>
+                                        <p:cTn id="274" dur="1" fill="hold">
+                                          <p:stCondLst>
+                                            <p:cond delay="0"/>
+                                          </p:stCondLst>
+                                        </p:cTn>
+                                        <p:tgtEl>
+                                          <p:spTgt spid="23"/>
+                                        </p:tgtEl>
+                                        <p:attrNameLst>
+                                          <p:attrName>style.visibility</p:attrName>
+                                        </p:attrNameLst>
+                                      </p:cBhvr>
+                                      <p:to>
+                                        <p:strVal val="visible"/>
+                                      </p:to>
+                                    </p:set>
+                                  </p:childTnLst>
+                                </p:cTn>
+                              </p:par>
+                              <p:par>
+                                <p:cTn id="275" presetID="1" presetClass="entr" presetSubtype="0" fill="hold" grpId="0" nodeType="withEffect">
+                                  <p:stCondLst>
+                                    <p:cond delay="0"/>
+                                  </p:stCondLst>
+                                  <p:childTnLst>
+                                    <p:set>
+                                      <p:cBhvr>
+                                        <p:cTn id="276" dur="1" fill="hold">
+                                          <p:stCondLst>
+                                            <p:cond delay="0"/>
+                                          </p:stCondLst>
+                                        </p:cTn>
+                                        <p:tgtEl>
+                                          <p:spTgt spid="43"/>
+                                        </p:tgtEl>
+                                        <p:attrNameLst>
+                                          <p:attrName>style.visibility</p:attrName>
+                                        </p:attrNameLst>
+                                      </p:cBhvr>
+                                      <p:to>
+                                        <p:strVal val="visible"/>
+                                      </p:to>
+                                    </p:set>
+                                  </p:childTnLst>
+                                </p:cTn>
+                              </p:par>
+                              <p:par>
+                                <p:cTn id="277" presetID="1" presetClass="entr" presetSubtype="0" fill="hold" grpId="1" nodeType="withEffect">
+                                  <p:stCondLst>
+                                    <p:cond delay="0"/>
+                                  </p:stCondLst>
+                                  <p:childTnLst>
+                                    <p:set>
+                                      <p:cBhvr>
+                                        <p:cTn id="278" dur="1" fill="hold">
+                                          <p:stCondLst>
+                                            <p:cond delay="0"/>
+                                          </p:stCondLst>
+                                        </p:cTn>
+                                        <p:tgtEl>
+                                          <p:spTgt spid="7"/>
+                                        </p:tgtEl>
+                                        <p:attrNameLst>
+                                          <p:attrName>style.visibility</p:attrName>
+                                        </p:attrNameLst>
+                                      </p:cBhvr>
+                                      <p:to>
+                                        <p:strVal val="visible"/>
+                                      </p:to>
+                                    </p:set>
+                                  </p:childTnLst>
+                                </p:cTn>
+                              </p:par>
+                              <p:par>
+                                <p:cTn id="279" presetID="1" presetClass="entr" presetSubtype="0" fill="hold" grpId="1" nodeType="withEffect">
+                                  <p:stCondLst>
+                                    <p:cond delay="0"/>
+                                  </p:stCondLst>
+                                  <p:childTnLst>
+                                    <p:set>
+                                      <p:cBhvr>
+                                        <p:cTn id="280" dur="1" fill="hold">
+                                          <p:stCondLst>
+                                            <p:cond delay="0"/>
+                                          </p:stCondLst>
+                                        </p:cTn>
+                                        <p:tgtEl>
+                                          <p:spTgt spid="5"/>
+                                        </p:tgtEl>
+                                        <p:attrNameLst>
+                                          <p:attrName>style.visibility</p:attrName>
+                                        </p:attrNameLst>
+                                      </p:cBhvr>
+                                      <p:to>
+                                        <p:strVal val="visible"/>
+                                      </p:to>
+                                    </p:set>
+                                  </p:childTnLst>
+                                </p:cTn>
+                              </p:par>
+                              <p:par>
+                                <p:cTn id="281" presetID="1" presetClass="entr" presetSubtype="0" fill="hold" grpId="0" nodeType="withEffect">
+                                  <p:stCondLst>
+                                    <p:cond delay="0"/>
+                                  </p:stCondLst>
+                                  <p:childTnLst>
+                                    <p:set>
+                                      <p:cBhvr>
+                                        <p:cTn id="282" dur="1" fill="hold">
+                                          <p:stCondLst>
+                                            <p:cond delay="0"/>
+                                          </p:stCondLst>
+                                        </p:cTn>
+                                        <p:tgtEl>
+                                          <p:spTgt spid="79"/>
+                                        </p:tgtEl>
+                                        <p:attrNameLst>
+                                          <p:attrName>style.visibility</p:attrName>
+                                        </p:attrNameLst>
+                                      </p:cBhvr>
+                                      <p:to>
+                                        <p:strVal val="visible"/>
+                                      </p:to>
+                                    </p:set>
+                                  </p:childTnLst>
+                                </p:cTn>
+                              </p:par>
+                            </p:childTnLst>
+                          </p:cTn>
+                        </p:par>
+                      </p:childTnLst>
+                    </p:cTn>
+                  </p:par>
+                  <p:par>
+                    <p:cTn id="283" fill="hold">
+                      <p:stCondLst>
+                        <p:cond delay="indefinite"/>
+                      </p:stCondLst>
+                      <p:childTnLst>
+                        <p:par>
+                          <p:cTn id="284" fill="hold">
+                            <p:stCondLst>
+                              <p:cond delay="0"/>
+                            </p:stCondLst>
+                            <p:childTnLst>
+                              <p:par>
+                                <p:cTn id="285" presetID="1" presetClass="entr" presetSubtype="0" fill="hold" grpId="1" nodeType="clickEffect">
+                                  <p:stCondLst>
+                                    <p:cond delay="0"/>
+                                  </p:stCondLst>
+                                  <p:childTnLst>
+                                    <p:set>
+                                      <p:cBhvr>
+                                        <p:cTn id="286" dur="1" fill="hold">
+                                          <p:stCondLst>
+                                            <p:cond delay="0"/>
+                                          </p:stCondLst>
+                                        </p:cTn>
+                                        <p:tgtEl>
+                                          <p:spTgt spid="79"/>
+                                        </p:tgtEl>
+                                        <p:attrNameLst>
+                                          <p:attrName>style.visibility</p:attrName>
+                                        </p:attrNameLst>
+                                      </p:cBhvr>
+                                      <p:to>
+                                        <p:strVal val="visible"/>
+                                      </p:to>
+                                    </p:set>
+                                  </p:childTnLst>
+                                </p:cTn>
+                              </p:par>
+                            </p:childTnLst>
+                          </p:cTn>
+                        </p:par>
+                      </p:childTnLst>
+                    </p:cTn>
+                  </p:par>
+                  <p:par>
+                    <p:cTn id="287" fill="hold">
+                      <p:stCondLst>
+                        <p:cond delay="indefinite"/>
+                      </p:stCondLst>
+                      <p:childTnLst>
+                        <p:par>
+                          <p:cTn id="288" fill="hold">
+                            <p:stCondLst>
+                              <p:cond delay="0"/>
+                            </p:stCondLst>
+                            <p:childTnLst>
+                              <p:par>
+                                <p:cTn id="289" presetID="1" presetClass="entr" presetSubtype="0" fill="hold" grpId="3" nodeType="clickEffect">
+                                  <p:stCondLst>
+                                    <p:cond delay="0"/>
+                                  </p:stCondLst>
+                                  <p:childTnLst>
+                                    <p:set>
+                                      <p:cBhvr>
+                                        <p:cTn id="290" dur="1" fill="hold">
+                                          <p:stCondLst>
+                                            <p:cond delay="0"/>
+                                          </p:stCondLst>
+                                        </p:cTn>
+                                        <p:tgtEl>
+                                          <p:spTgt spid="59"/>
+                                        </p:tgtEl>
+                                        <p:attrNameLst>
+                                          <p:attrName>style.visibility</p:attrName>
+                                        </p:attrNameLst>
+                                      </p:cBhvr>
+                                      <p:to>
+                                        <p:strVal val="visible"/>
+                                      </p:to>
+                                    </p:set>
+                                  </p:childTnLst>
+                                </p:cTn>
+                              </p:par>
+                              <p:par>
+                                <p:cTn id="291" presetID="1" presetClass="entr" presetSubtype="0" fill="hold" grpId="0" nodeType="withEffect">
+                                  <p:stCondLst>
+                                    <p:cond delay="0"/>
+                                  </p:stCondLst>
+                                  <p:childTnLst>
+                                    <p:set>
+                                      <p:cBhvr>
+                                        <p:cTn id="292" dur="1" fill="hold">
+                                          <p:stCondLst>
+                                            <p:cond delay="0"/>
+                                          </p:stCondLst>
+                                        </p:cTn>
+                                        <p:tgtEl>
+                                          <p:spTgt spid="94"/>
+                                        </p:tgtEl>
+                                        <p:attrNameLst>
+                                          <p:attrName>style.visibility</p:attrName>
+                                        </p:attrNameLst>
+                                      </p:cBhvr>
+                                      <p:to>
+                                        <p:strVal val="visible"/>
+                                      </p:to>
+                                    </p:set>
+                                  </p:childTnLst>
+                                </p:cTn>
+                              </p:par>
+                              <p:par>
+                                <p:cTn id="293" presetID="1" presetClass="entr" presetSubtype="0" fill="hold" grpId="0" nodeType="withEffect">
+                                  <p:stCondLst>
+                                    <p:cond delay="0"/>
+                                  </p:stCondLst>
+                                  <p:childTnLst>
+                                    <p:set>
+                                      <p:cBhvr>
+                                        <p:cTn id="294" dur="1" fill="hold">
+                                          <p:stCondLst>
+                                            <p:cond delay="0"/>
+                                          </p:stCondLst>
+                                        </p:cTn>
+                                        <p:tgtEl>
+                                          <p:spTgt spid="95"/>
+                                        </p:tgtEl>
+                                        <p:attrNameLst>
+                                          <p:attrName>style.visibility</p:attrName>
+                                        </p:attrNameLst>
+                                      </p:cBhvr>
+                                      <p:to>
+                                        <p:strVal val="visible"/>
+                                      </p:to>
+                                    </p:set>
+                                  </p:childTnLst>
+                                </p:cTn>
+                              </p:par>
+                              <p:par>
+                                <p:cTn id="295" presetID="1" presetClass="entr" presetSubtype="0" fill="hold" grpId="1" nodeType="withEffect">
+                                  <p:stCondLst>
+                                    <p:cond delay="0"/>
+                                  </p:stCondLst>
+                                  <p:childTnLst>
+                                    <p:set>
+                                      <p:cBhvr>
+                                        <p:cTn id="296" dur="1" fill="hold">
+                                          <p:stCondLst>
+                                            <p:cond delay="0"/>
+                                          </p:stCondLst>
+                                        </p:cTn>
+                                        <p:tgtEl>
+                                          <p:spTgt spid="95"/>
+                                        </p:tgtEl>
+                                        <p:attrNameLst>
+                                          <p:attrName>style.visibility</p:attrName>
+                                        </p:attrNameLst>
+                                      </p:cBhvr>
+                                      <p:to>
+                                        <p:strVal val="visible"/>
+                                      </p:to>
+                                    </p:set>
+                                  </p:childTnLst>
+                                </p:cTn>
+                              </p:par>
+                              <p:par>
+                                <p:cTn id="297" presetID="1" presetClass="entr" presetSubtype="0" fill="hold" grpId="1" nodeType="withEffect">
+                                  <p:stCondLst>
+                                    <p:cond delay="0"/>
+                                  </p:stCondLst>
+                                  <p:childTnLst>
+                                    <p:set>
+                                      <p:cBhvr>
+                                        <p:cTn id="298" dur="1" fill="hold">
+                                          <p:stCondLst>
+                                            <p:cond delay="0"/>
+                                          </p:stCondLst>
+                                        </p:cTn>
+                                        <p:tgtEl>
+                                          <p:spTgt spid="94"/>
+                                        </p:tgtEl>
+                                        <p:attrNameLst>
+                                          <p:attrName>style.visibility</p:attrName>
+                                        </p:attrNameLst>
+                                      </p:cBhvr>
+                                      <p:to>
+                                        <p:strVal val="visible"/>
+                                      </p:to>
+                                    </p:set>
+                                  </p:childTnLst>
+                                </p:cTn>
+                              </p:par>
+                              <p:par>
+                                <p:cTn id="299" presetID="1" presetClass="entr" presetSubtype="0" fill="hold" grpId="0" nodeType="withEffect">
+                                  <p:stCondLst>
+                                    <p:cond delay="0"/>
+                                  </p:stCondLst>
+                                  <p:childTnLst>
+                                    <p:set>
+                                      <p:cBhvr>
+                                        <p:cTn id="300" dur="1" fill="hold">
+                                          <p:stCondLst>
+                                            <p:cond delay="0"/>
+                                          </p:stCondLst>
+                                        </p:cTn>
+                                        <p:tgtEl>
+                                          <p:spTgt spid="110"/>
+                                        </p:tgtEl>
+                                        <p:attrNameLst>
+                                          <p:attrName>style.visibility</p:attrName>
+                                        </p:attrNameLst>
+                                      </p:cBhvr>
+                                      <p:to>
+                                        <p:strVal val="visible"/>
+                                      </p:to>
+                                    </p:set>
+                                  </p:childTnLst>
+                                </p:cTn>
+                              </p:par>
+                              <p:par>
+                                <p:cTn id="301" presetID="1" presetClass="entr" presetSubtype="0" fill="hold" grpId="1" nodeType="withEffect">
+                                  <p:stCondLst>
+                                    <p:cond delay="0"/>
+                                  </p:stCondLst>
+                                  <p:childTnLst>
+                                    <p:set>
+                                      <p:cBhvr>
+                                        <p:cTn id="302" dur="1" fill="hold">
+                                          <p:stCondLst>
+                                            <p:cond delay="0"/>
+                                          </p:stCondLst>
+                                        </p:cTn>
+                                        <p:tgtEl>
+                                          <p:spTgt spid="110"/>
                                         </p:tgtEl>
                                         <p:attrNameLst>
                                           <p:attrName>style.visibility</p:attrName>
@@ -17714,41 +19701,90 @@
       </p:par>
     </p:tnLst>
     <p:bldLst>
+      <p:bldP spid="43" grpId="0" animBg="1"/>
       <p:bldP spid="11" grpId="0" animBg="1"/>
+      <p:bldP spid="11" grpId="1" animBg="1"/>
       <p:bldP spid="12" grpId="0" animBg="1"/>
+      <p:bldP spid="12" grpId="1" animBg="1"/>
       <p:bldP spid="13" grpId="0" animBg="1"/>
+      <p:bldP spid="13" grpId="1" animBg="1"/>
       <p:bldP spid="14" grpId="0" animBg="1"/>
+      <p:bldP spid="14" grpId="1" animBg="1"/>
       <p:bldP spid="15" grpId="0" animBg="1"/>
+      <p:bldP spid="15" grpId="1" animBg="1"/>
       <p:bldP spid="61" grpId="0" animBg="1"/>
+      <p:bldP spid="61" grpId="1" animBg="1"/>
       <p:bldP spid="62" grpId="0"/>
+      <p:bldP spid="62" grpId="1"/>
       <p:bldP spid="63" grpId="0" animBg="1"/>
+      <p:bldP spid="63" grpId="1" animBg="1"/>
       <p:bldP spid="64" grpId="0"/>
+      <p:bldP spid="64" grpId="1"/>
       <p:bldP spid="65" grpId="0" animBg="1"/>
+      <p:bldP spid="65" grpId="1" animBg="1"/>
       <p:bldP spid="66" grpId="0"/>
+      <p:bldP spid="66" grpId="1"/>
       <p:bldP spid="67" grpId="0" animBg="1"/>
+      <p:bldP spid="67" grpId="1" animBg="1"/>
       <p:bldP spid="68" grpId="0"/>
+      <p:bldP spid="68" grpId="1"/>
       <p:bldP spid="69" grpId="0" animBg="1"/>
+      <p:bldP spid="69" grpId="1" animBg="1"/>
       <p:bldP spid="70" grpId="0"/>
+      <p:bldP spid="70" grpId="1"/>
       <p:bldP spid="233" grpId="0" animBg="1"/>
+      <p:bldP spid="233" grpId="1" animBg="1"/>
       <p:bldP spid="234" grpId="0"/>
+      <p:bldP spid="234" grpId="1"/>
       <p:bldP spid="236" grpId="0" animBg="1"/>
+      <p:bldP spid="236" grpId="1" animBg="1"/>
       <p:bldP spid="237" grpId="0"/>
+      <p:bldP spid="237" grpId="1"/>
       <p:bldP spid="239" grpId="0" animBg="1"/>
+      <p:bldP spid="239" grpId="1" animBg="1"/>
       <p:bldP spid="240" grpId="0"/>
+      <p:bldP spid="240" grpId="1"/>
       <p:bldP spid="241" grpId="0" animBg="1"/>
+      <p:bldP spid="241" grpId="1" animBg="1"/>
       <p:bldP spid="242" grpId="0"/>
+      <p:bldP spid="242" grpId="1"/>
       <p:bldP spid="243" grpId="0" animBg="1"/>
+      <p:bldP spid="243" grpId="1" animBg="1"/>
       <p:bldP spid="244" grpId="0"/>
+      <p:bldP spid="244" grpId="1"/>
       <p:bldP spid="4" grpId="0" animBg="1"/>
       <p:bldP spid="5" grpId="0" animBg="1"/>
+      <p:bldP spid="5" grpId="1" animBg="1"/>
       <p:bldP spid="6" grpId="0"/>
       <p:bldP spid="7" grpId="0"/>
+      <p:bldP spid="7" grpId="1"/>
+      <p:bldP spid="23" grpId="0" animBg="1"/>
+      <p:bldP spid="59" grpId="0" animBg="1"/>
+      <p:bldP spid="59" grpId="1" animBg="1"/>
+      <p:bldP spid="59" grpId="2" animBg="1"/>
+      <p:bldP spid="59" grpId="3" animBg="1"/>
+      <p:bldP spid="77" grpId="1"/>
+      <p:bldP spid="79" grpId="0" animBg="1"/>
+      <p:bldP spid="79" grpId="1" animBg="1"/>
+      <p:bldP spid="79" grpId="2" animBg="1"/>
+      <p:bldP spid="80" grpId="0"/>
+      <p:bldP spid="81" grpId="1" animBg="1"/>
+      <p:bldP spid="81" grpId="2" animBg="1"/>
+      <p:bldP spid="82" grpId="0"/>
+      <p:bldP spid="83" grpId="0"/>
+      <p:bldP spid="84" grpId="0"/>
+      <p:bldP spid="94" grpId="0" animBg="1"/>
+      <p:bldP spid="94" grpId="1" animBg="1"/>
+      <p:bldP spid="95" grpId="0"/>
+      <p:bldP spid="95" grpId="1"/>
+      <p:bldP spid="110" grpId="0"/>
+      <p:bldP spid="110" grpId="1"/>
     </p:bldLst>
   </p:timing>
 </p:sld>
 </file>
 
-<file path=ppt/slides/slide17.xml><?xml version="1.0" encoding="utf-8"?>
+<file path=ppt/slides/slide16.xml><?xml version="1.0" encoding="utf-8"?>
 <p:sld xmlns:a="http://schemas.openxmlformats.org/drawingml/2006/main" xmlns:r="http://schemas.openxmlformats.org/officeDocument/2006/relationships" xmlns:p="http://schemas.openxmlformats.org/presentationml/2006/main">
   <p:cSld>
     <p:spTree>
@@ -19634,7 +21670,7 @@
 </p:sld>
 </file>
 
-<file path=ppt/slides/slide18.xml><?xml version="1.0" encoding="utf-8"?>
+<file path=ppt/slides/slide17.xml><?xml version="1.0" encoding="utf-8"?>
 <p:sld xmlns:a="http://schemas.openxmlformats.org/drawingml/2006/main" xmlns:r="http://schemas.openxmlformats.org/officeDocument/2006/relationships" xmlns:p="http://schemas.openxmlformats.org/presentationml/2006/main">
   <p:cSld>
     <p:spTree>
@@ -19974,6 +22010,93 @@
       </p:par>
     </p:tnLst>
   </p:timing>
+</p:sld>
+</file>
+
+<file path=ppt/slides/slide18.xml><?xml version="1.0" encoding="utf-8"?>
+<p:sld xmlns:a="http://schemas.openxmlformats.org/drawingml/2006/main" xmlns:r="http://schemas.openxmlformats.org/officeDocument/2006/relationships" xmlns:p="http://schemas.openxmlformats.org/presentationml/2006/main">
+  <p:cSld>
+    <p:spTree>
+      <p:nvGrpSpPr>
+        <p:cNvPr id="1" name=""/>
+        <p:cNvGrpSpPr/>
+        <p:nvPr/>
+      </p:nvGrpSpPr>
+      <p:grpSpPr>
+        <a:xfrm>
+          <a:off x="0" y="0"/>
+          <a:ext cx="0" cy="0"/>
+          <a:chOff x="0" y="0"/>
+          <a:chExt cx="0" cy="0"/>
+        </a:xfrm>
+      </p:grpSpPr>
+      <p:sp>
+        <p:nvSpPr>
+          <p:cNvPr id="2" name="Title 1">
+            <a:extLst>
+              <a:ext uri="{FF2B5EF4-FFF2-40B4-BE49-F238E27FC236}">
+                <a16:creationId xmlns:a16="http://schemas.microsoft.com/office/drawing/2014/main" id="{566E69D9-B265-9AEC-9A84-CAEF9BC70450}"/>
+              </a:ext>
+            </a:extLst>
+          </p:cNvPr>
+          <p:cNvSpPr>
+            <a:spLocks noGrp="1"/>
+          </p:cNvSpPr>
+          <p:nvPr>
+            <p:ph type="title"/>
+          </p:nvPr>
+        </p:nvSpPr>
+        <p:spPr/>
+        <p:txBody>
+          <a:bodyPr/>
+          <a:lstStyle/>
+          <a:p>
+            <a:r>
+              <a:rPr lang="en-US" dirty="0"/>
+              <a:t>Pure Facts on Address Space</a:t>
+            </a:r>
+          </a:p>
+        </p:txBody>
+      </p:sp>
+      <p:pic>
+        <p:nvPicPr>
+          <p:cNvPr id="13" name="Content Placeholder 12" descr="Text&#10;&#10;Description automatically generated">
+            <a:extLst>
+              <a:ext uri="{FF2B5EF4-FFF2-40B4-BE49-F238E27FC236}">
+                <a16:creationId xmlns:a16="http://schemas.microsoft.com/office/drawing/2014/main" id="{FBB50F9B-B6D3-1FE7-EE96-20C52ADCBA67}"/>
+              </a:ext>
+            </a:extLst>
+          </p:cNvPr>
+          <p:cNvPicPr>
+            <a:picLocks noGrp="1" noChangeAspect="1"/>
+          </p:cNvPicPr>
+          <p:nvPr>
+            <p:ph idx="1"/>
+          </p:nvPr>
+        </p:nvPicPr>
+        <p:blipFill>
+          <a:blip r:embed="rId3"/>
+          <a:stretch>
+            <a:fillRect/>
+          </a:stretch>
+        </p:blipFill>
+        <p:spPr>
+          <a:xfrm>
+            <a:off x="1693418" y="2272062"/>
+            <a:ext cx="8293100" cy="2032000"/>
+          </a:xfrm>
+        </p:spPr>
+      </p:pic>
+    </p:spTree>
+    <p:extLst>
+      <p:ext uri="{BB962C8B-B14F-4D97-AF65-F5344CB8AC3E}">
+        <p14:creationId xmlns:p14="http://schemas.microsoft.com/office/powerpoint/2010/main" val="2838407754"/>
+      </p:ext>
+    </p:extLst>
+  </p:cSld>
+  <p:clrMapOvr>
+    <a:masterClrMapping/>
+  </p:clrMapOvr>
 </p:sld>
 </file>
 
@@ -24399,10 +26522,162 @@
       </p:grpSpPr>
       <p:sp>
         <p:nvSpPr>
+          <p:cNvPr id="3" name="Content Placeholder 2">
+            <a:extLst>
+              <a:ext uri="{FF2B5EF4-FFF2-40B4-BE49-F238E27FC236}">
+                <a16:creationId xmlns:a16="http://schemas.microsoft.com/office/drawing/2014/main" id="{927E2B42-CF82-8BD2-7EC7-01092839E6FC}"/>
+              </a:ext>
+            </a:extLst>
+          </p:cNvPr>
+          <p:cNvSpPr>
+            <a:spLocks noGrp="1"/>
+          </p:cNvSpPr>
+          <p:nvPr>
+            <p:ph idx="1"/>
+          </p:nvPr>
+        </p:nvSpPr>
+        <p:spPr/>
+        <p:txBody>
+          <a:bodyPr>
+            <a:normAutofit/>
+          </a:bodyPr>
+          <a:lstStyle/>
+          <a:p>
+            <a:r>
+              <a:rPr lang="en-US" dirty="0"/>
+              <a:t>In terms of each physical points-to for a Page-Table</a:t>
+            </a:r>
+          </a:p>
+          <a:p>
+            <a:pPr marL="0" indent="0">
+              <a:buNone/>
+            </a:pPr>
+            <a:endParaRPr lang="en-US" dirty="0"/>
+          </a:p>
+          <a:p>
+            <a:pPr marL="0" indent="0">
+              <a:buNone/>
+            </a:pPr>
+            <a:r>
+              <a:rPr lang="en-US" dirty="0"/>
+              <a:t>where </a:t>
+            </a:r>
+            <a:r>
+              <a:rPr lang="en-US" i="1" dirty="0"/>
+              <a:t>physical</a:t>
+            </a:r>
+            <a:r>
+              <a:rPr lang="en-US" dirty="0"/>
+              <a:t> L4_L1 page-table walk</a:t>
+            </a:r>
+          </a:p>
+          <a:p>
+            <a:pPr marL="0" indent="0">
+              <a:buNone/>
+            </a:pPr>
+            <a:endParaRPr lang="en-US" dirty="0"/>
+          </a:p>
+          <a:p>
+            <a:pPr marL="0" indent="0">
+              <a:buNone/>
+            </a:pPr>
+            <a:r>
+              <a:rPr lang="en-US" dirty="0"/>
+              <a:t>                                                                                             </a:t>
+            </a:r>
+          </a:p>
+          <a:p>
+            <a:pPr marL="0" indent="0">
+              <a:buNone/>
+            </a:pPr>
+            <a:endParaRPr lang="en-US" dirty="0"/>
+          </a:p>
+          <a:p>
+            <a:pPr marL="0" indent="0">
+              <a:buNone/>
+            </a:pPr>
+            <a:endParaRPr lang="en-US" dirty="0"/>
+          </a:p>
+          <a:p>
+            <a:pPr marL="0" indent="0">
+              <a:buNone/>
+            </a:pPr>
+            <a:endParaRPr lang="en-US" dirty="0"/>
+          </a:p>
+          <a:p>
+            <a:pPr marL="0" indent="0">
+              <a:buNone/>
+            </a:pPr>
+            <a:endParaRPr lang="en-US" dirty="0"/>
+          </a:p>
+        </p:txBody>
+      </p:sp>
+      <p:pic>
+        <p:nvPicPr>
+          <p:cNvPr id="7" name="Picture 6" descr="A picture containing text, font, white, algebra&#10;&#10;Description automatically generated">
+            <a:extLst>
+              <a:ext uri="{FF2B5EF4-FFF2-40B4-BE49-F238E27FC236}">
+                <a16:creationId xmlns:a16="http://schemas.microsoft.com/office/drawing/2014/main" id="{F799785E-5E7D-1A00-C5B5-60AA0BC4BDA6}"/>
+              </a:ext>
+            </a:extLst>
+          </p:cNvPr>
+          <p:cNvPicPr>
+            <a:picLocks noChangeAspect="1"/>
+          </p:cNvPicPr>
+          <p:nvPr/>
+        </p:nvPicPr>
+        <p:blipFill>
+          <a:blip r:embed="rId3"/>
+          <a:stretch>
+            <a:fillRect/>
+          </a:stretch>
+        </p:blipFill>
+        <p:spPr>
+          <a:xfrm>
+            <a:off x="957773" y="3708239"/>
+            <a:ext cx="8621608" cy="1466380"/>
+          </a:xfrm>
+          <a:prstGeom prst="rect">
+            <a:avLst/>
+          </a:prstGeom>
+        </p:spPr>
+      </p:pic>
+      <p:pic>
+        <p:nvPicPr>
+          <p:cNvPr id="5" name="Picture 4">
+            <a:extLst>
+              <a:ext uri="{FF2B5EF4-FFF2-40B4-BE49-F238E27FC236}">
+                <a16:creationId xmlns:a16="http://schemas.microsoft.com/office/drawing/2014/main" id="{1DF22A7A-3621-ECEE-DC75-0C23853DC037}"/>
+              </a:ext>
+            </a:extLst>
+          </p:cNvPr>
+          <p:cNvPicPr>
+            <a:picLocks noChangeAspect="1"/>
+          </p:cNvPicPr>
+          <p:nvPr/>
+        </p:nvPicPr>
+        <p:blipFill>
+          <a:blip r:embed="rId4"/>
+          <a:stretch>
+            <a:fillRect/>
+          </a:stretch>
+        </p:blipFill>
+        <p:spPr>
+          <a:xfrm>
+            <a:off x="857987" y="2224250"/>
+            <a:ext cx="9032623" cy="631022"/>
+          </a:xfrm>
+          <a:prstGeom prst="rect">
+            <a:avLst/>
+          </a:prstGeom>
+        </p:spPr>
+      </p:pic>
+      <p:sp>
+        <p:nvSpPr>
           <p:cNvPr id="2" name="Title 1">
             <a:extLst>
               <a:ext uri="{FF2B5EF4-FFF2-40B4-BE49-F238E27FC236}">
-                <a16:creationId xmlns:a16="http://schemas.microsoft.com/office/drawing/2014/main" id="{566E69D9-B265-9AEC-9A84-CAEF9BC70450}"/>
+                <a16:creationId xmlns:a16="http://schemas.microsoft.com/office/drawing/2014/main" id="{8ED86DD7-9D9C-E2DD-2652-0961CEEBBAA9}"/>
               </a:ext>
             </a:extLst>
           </p:cNvPr>
@@ -24420,50 +26695,737 @@
           <a:p>
             <a:r>
               <a:rPr lang="en-US" dirty="0"/>
-              <a:t>Pure Facts on Address Space</a:t>
+              <a:t>Program Logic: Defining Virtual Points-to </a:t>
             </a:r>
           </a:p>
         </p:txBody>
       </p:sp>
       <p:pic>
         <p:nvPicPr>
-          <p:cNvPr id="13" name="Content Placeholder 12" descr="Text&#10;&#10;Description automatically generated">
-            <a:extLst>
-              <a:ext uri="{FF2B5EF4-FFF2-40B4-BE49-F238E27FC236}">
-                <a16:creationId xmlns:a16="http://schemas.microsoft.com/office/drawing/2014/main" id="{FBB50F9B-B6D3-1FE7-EE96-20C52ADCBA67}"/>
+          <p:cNvPr id="16" name="Picture 15">
+            <a:extLst>
+              <a:ext uri="{FF2B5EF4-FFF2-40B4-BE49-F238E27FC236}">
+                <a16:creationId xmlns:a16="http://schemas.microsoft.com/office/drawing/2014/main" id="{2C6B7276-678D-1E8B-51A4-6438E4D76CC3}"/>
               </a:ext>
             </a:extLst>
           </p:cNvPr>
           <p:cNvPicPr>
-            <a:picLocks noGrp="1" noChangeAspect="1"/>
+            <a:picLocks noChangeAspect="1"/>
           </p:cNvPicPr>
-          <p:nvPr>
-            <p:ph idx="1"/>
-          </p:nvPr>
+          <p:nvPr/>
         </p:nvPicPr>
         <p:blipFill>
-          <a:blip r:embed="rId3"/>
+          <a:blip r:embed="rId5"/>
           <a:stretch>
             <a:fillRect/>
           </a:stretch>
         </p:blipFill>
         <p:spPr>
           <a:xfrm>
-            <a:off x="1693418" y="2272062"/>
-            <a:ext cx="8293100" cy="2032000"/>
-          </a:xfrm>
+            <a:off x="838200" y="3365404"/>
+            <a:ext cx="6291063" cy="304800"/>
+          </a:xfrm>
+          <a:prstGeom prst="rect">
+            <a:avLst/>
+          </a:prstGeom>
+        </p:spPr>
+      </p:pic>
+      <p:pic>
+        <p:nvPicPr>
+          <p:cNvPr id="19" name="Picture 18">
+            <a:extLst>
+              <a:ext uri="{FF2B5EF4-FFF2-40B4-BE49-F238E27FC236}">
+                <a16:creationId xmlns:a16="http://schemas.microsoft.com/office/drawing/2014/main" id="{B335163A-4DC9-AA79-FE91-AAE096420272}"/>
+              </a:ext>
+            </a:extLst>
+          </p:cNvPr>
+          <p:cNvPicPr>
+            <a:picLocks noChangeAspect="1"/>
+          </p:cNvPicPr>
+          <p:nvPr/>
+        </p:nvPicPr>
+        <p:blipFill>
+          <a:blip r:embed="rId6"/>
+          <a:stretch>
+            <a:fillRect/>
+          </a:stretch>
+        </p:blipFill>
+        <p:spPr>
+          <a:xfrm>
+            <a:off x="7002263" y="3335971"/>
+            <a:ext cx="254000" cy="304800"/>
+          </a:xfrm>
+          <a:prstGeom prst="rect">
+            <a:avLst/>
+          </a:prstGeom>
+        </p:spPr>
+      </p:pic>
+      <p:sp>
+        <p:nvSpPr>
+          <p:cNvPr id="28" name="Right Brace 27">
+            <a:extLst>
+              <a:ext uri="{FF2B5EF4-FFF2-40B4-BE49-F238E27FC236}">
+                <a16:creationId xmlns:a16="http://schemas.microsoft.com/office/drawing/2014/main" id="{0D712138-AC12-CEF9-28B2-6F6A9BB3B59E}"/>
+              </a:ext>
+            </a:extLst>
+          </p:cNvPr>
+          <p:cNvSpPr/>
+          <p:nvPr/>
+        </p:nvSpPr>
+        <p:spPr>
+          <a:xfrm rot="5400000">
+            <a:off x="1686660" y="4580650"/>
+            <a:ext cx="362488" cy="1661494"/>
+          </a:xfrm>
+          <a:prstGeom prst="rightBrace">
+            <a:avLst>
+              <a:gd name="adj1" fmla="val 19808"/>
+              <a:gd name="adj2" fmla="val 50000"/>
+            </a:avLst>
+          </a:prstGeom>
+        </p:spPr>
+        <p:style>
+          <a:lnRef idx="1">
+            <a:schemeClr val="accent1"/>
+          </a:lnRef>
+          <a:fillRef idx="0">
+            <a:schemeClr val="accent1"/>
+          </a:fillRef>
+          <a:effectRef idx="0">
+            <a:schemeClr val="accent1"/>
+          </a:effectRef>
+          <a:fontRef idx="minor">
+            <a:schemeClr val="tx1"/>
+          </a:fontRef>
+        </p:style>
+        <p:txBody>
+          <a:bodyPr rtlCol="0" anchor="ctr"/>
+          <a:lstStyle/>
+          <a:p>
+            <a:pPr algn="ctr"/>
+            <a:endParaRPr lang="en-US"/>
+          </a:p>
+        </p:txBody>
+      </p:sp>
+      <p:sp>
+        <p:nvSpPr>
+          <p:cNvPr id="29" name="Right Brace 28">
+            <a:extLst>
+              <a:ext uri="{FF2B5EF4-FFF2-40B4-BE49-F238E27FC236}">
+                <a16:creationId xmlns:a16="http://schemas.microsoft.com/office/drawing/2014/main" id="{F9A784BA-6BB9-1CCB-D08F-7085DBBBE31F}"/>
+              </a:ext>
+            </a:extLst>
+          </p:cNvPr>
+          <p:cNvSpPr/>
+          <p:nvPr/>
+        </p:nvSpPr>
+        <p:spPr>
+          <a:xfrm rot="5400000">
+            <a:off x="3695451" y="4588699"/>
+            <a:ext cx="362488" cy="1661494"/>
+          </a:xfrm>
+          <a:prstGeom prst="rightBrace">
+            <a:avLst>
+              <a:gd name="adj1" fmla="val 19808"/>
+              <a:gd name="adj2" fmla="val 50000"/>
+            </a:avLst>
+          </a:prstGeom>
+        </p:spPr>
+        <p:style>
+          <a:lnRef idx="1">
+            <a:schemeClr val="accent1"/>
+          </a:lnRef>
+          <a:fillRef idx="0">
+            <a:schemeClr val="accent1"/>
+          </a:fillRef>
+          <a:effectRef idx="0">
+            <a:schemeClr val="accent1"/>
+          </a:effectRef>
+          <a:fontRef idx="minor">
+            <a:schemeClr val="tx1"/>
+          </a:fontRef>
+        </p:style>
+        <p:txBody>
+          <a:bodyPr rtlCol="0" anchor="ctr"/>
+          <a:lstStyle/>
+          <a:p>
+            <a:pPr algn="ctr"/>
+            <a:endParaRPr lang="en-US"/>
+          </a:p>
+        </p:txBody>
+      </p:sp>
+      <p:sp>
+        <p:nvSpPr>
+          <p:cNvPr id="30" name="TextBox 29">
+            <a:extLst>
+              <a:ext uri="{FF2B5EF4-FFF2-40B4-BE49-F238E27FC236}">
+                <a16:creationId xmlns:a16="http://schemas.microsoft.com/office/drawing/2014/main" id="{3B5C320B-3F36-D667-438F-1CB198A3D733}"/>
+              </a:ext>
+            </a:extLst>
+          </p:cNvPr>
+          <p:cNvSpPr txBox="1"/>
+          <p:nvPr/>
+        </p:nvSpPr>
+        <p:spPr>
+          <a:xfrm>
+            <a:off x="1148524" y="5702114"/>
+            <a:ext cx="1661494" cy="369332"/>
+          </a:xfrm>
+          <a:prstGeom prst="rect">
+            <a:avLst/>
+          </a:prstGeom>
+          <a:noFill/>
+        </p:spPr>
+        <p:txBody>
+          <a:bodyPr wrap="square" rtlCol="0">
+            <a:spAutoFit/>
+          </a:bodyPr>
+          <a:lstStyle/>
+          <a:p>
+            <a:r>
+              <a:rPr lang="en-US" b="1" dirty="0"/>
+              <a:t>Table Address</a:t>
+            </a:r>
+          </a:p>
+        </p:txBody>
+      </p:sp>
+      <p:sp>
+        <p:nvSpPr>
+          <p:cNvPr id="31" name="TextBox 30">
+            <a:extLst>
+              <a:ext uri="{FF2B5EF4-FFF2-40B4-BE49-F238E27FC236}">
+                <a16:creationId xmlns:a16="http://schemas.microsoft.com/office/drawing/2014/main" id="{EE3074FA-945F-0B3C-AFC9-98346E3A297B}"/>
+              </a:ext>
+            </a:extLst>
+          </p:cNvPr>
+          <p:cNvSpPr txBox="1"/>
+          <p:nvPr/>
+        </p:nvSpPr>
+        <p:spPr>
+          <a:xfrm>
+            <a:off x="3045948" y="5702114"/>
+            <a:ext cx="1661494" cy="369332"/>
+          </a:xfrm>
+          <a:prstGeom prst="rect">
+            <a:avLst/>
+          </a:prstGeom>
+          <a:noFill/>
+        </p:spPr>
+        <p:txBody>
+          <a:bodyPr wrap="square" rtlCol="0">
+            <a:spAutoFit/>
+          </a:bodyPr>
+          <a:lstStyle/>
+          <a:p>
+            <a:r>
+              <a:rPr lang="en-US" b="1" dirty="0"/>
+              <a:t>Entry Offset</a:t>
+            </a:r>
+          </a:p>
+        </p:txBody>
+      </p:sp>
+      <p:sp>
+        <p:nvSpPr>
+          <p:cNvPr id="37" name="Oval 36">
+            <a:extLst>
+              <a:ext uri="{FF2B5EF4-FFF2-40B4-BE49-F238E27FC236}">
+                <a16:creationId xmlns:a16="http://schemas.microsoft.com/office/drawing/2014/main" id="{EA240FDD-06C5-F3FB-AB40-0210C3537DA3}"/>
+              </a:ext>
+            </a:extLst>
+          </p:cNvPr>
+          <p:cNvSpPr/>
+          <p:nvPr/>
+        </p:nvSpPr>
+        <p:spPr>
+          <a:xfrm>
+            <a:off x="3775577" y="2400700"/>
+            <a:ext cx="4210059" cy="518945"/>
+          </a:xfrm>
+          <a:prstGeom prst="ellipse">
+            <a:avLst/>
+          </a:prstGeom>
+          <a:noFill/>
+          <a:ln w="22225"/>
+        </p:spPr>
+        <p:style>
+          <a:lnRef idx="2">
+            <a:schemeClr val="accent1">
+              <a:shade val="50000"/>
+            </a:schemeClr>
+          </a:lnRef>
+          <a:fillRef idx="1">
+            <a:schemeClr val="accent1"/>
+          </a:fillRef>
+          <a:effectRef idx="0">
+            <a:schemeClr val="accent1"/>
+          </a:effectRef>
+          <a:fontRef idx="minor">
+            <a:schemeClr val="lt1"/>
+          </a:fontRef>
+        </p:style>
+        <p:txBody>
+          <a:bodyPr rtlCol="0" anchor="ctr"/>
+          <a:lstStyle/>
+          <a:p>
+            <a:pPr algn="ctr"/>
+            <a:endParaRPr lang="en-US"/>
+          </a:p>
+        </p:txBody>
+      </p:sp>
+      <p:pic>
+        <p:nvPicPr>
+          <p:cNvPr id="9" name="Picture 8">
+            <a:extLst>
+              <a:ext uri="{FF2B5EF4-FFF2-40B4-BE49-F238E27FC236}">
+                <a16:creationId xmlns:a16="http://schemas.microsoft.com/office/drawing/2014/main" id="{AE685497-8A8D-8F19-4EE1-CE050979BE5E}"/>
+              </a:ext>
+            </a:extLst>
+          </p:cNvPr>
+          <p:cNvPicPr>
+            <a:picLocks noChangeAspect="1"/>
+          </p:cNvPicPr>
+          <p:nvPr/>
+        </p:nvPicPr>
+        <p:blipFill>
+          <a:blip r:embed="rId7"/>
+          <a:stretch>
+            <a:fillRect/>
+          </a:stretch>
+        </p:blipFill>
+        <p:spPr>
+          <a:xfrm>
+            <a:off x="7288052" y="3347217"/>
+            <a:ext cx="1107745" cy="327288"/>
+          </a:xfrm>
+          <a:prstGeom prst="rect">
+            <a:avLst/>
+          </a:prstGeom>
         </p:spPr>
       </p:pic>
     </p:spTree>
     <p:extLst>
       <p:ext uri="{BB962C8B-B14F-4D97-AF65-F5344CB8AC3E}">
-        <p14:creationId xmlns:p14="http://schemas.microsoft.com/office/powerpoint/2010/main" val="4068022583"/>
+        <p14:creationId xmlns:p14="http://schemas.microsoft.com/office/powerpoint/2010/main" val="2616719573"/>
       </p:ext>
     </p:extLst>
   </p:cSld>
   <p:clrMapOvr>
     <a:masterClrMapping/>
   </p:clrMapOvr>
+  <p:timing>
+    <p:tnLst>
+      <p:par>
+        <p:cTn id="1" dur="indefinite" restart="never" nodeType="tmRoot">
+          <p:childTnLst>
+            <p:seq concurrent="1" nextAc="seek">
+              <p:cTn id="2" dur="indefinite" nodeType="mainSeq">
+                <p:childTnLst>
+                  <p:par>
+                    <p:cTn id="3" fill="hold">
+                      <p:stCondLst>
+                        <p:cond delay="indefinite"/>
+                      </p:stCondLst>
+                      <p:childTnLst>
+                        <p:par>
+                          <p:cTn id="4" fill="hold">
+                            <p:stCondLst>
+                              <p:cond delay="0"/>
+                            </p:stCondLst>
+                            <p:childTnLst>
+                              <p:par>
+                                <p:cTn id="5" presetID="1" presetClass="entr" presetSubtype="0" fill="hold" grpId="0" nodeType="clickEffect">
+                                  <p:stCondLst>
+                                    <p:cond delay="0"/>
+                                  </p:stCondLst>
+                                  <p:childTnLst>
+                                    <p:set>
+                                      <p:cBhvr>
+                                        <p:cTn id="6" dur="1" fill="hold">
+                                          <p:stCondLst>
+                                            <p:cond delay="0"/>
+                                          </p:stCondLst>
+                                        </p:cTn>
+                                        <p:tgtEl>
+                                          <p:spTgt spid="37"/>
+                                        </p:tgtEl>
+                                        <p:attrNameLst>
+                                          <p:attrName>style.visibility</p:attrName>
+                                        </p:attrNameLst>
+                                      </p:cBhvr>
+                                      <p:to>
+                                        <p:strVal val="visible"/>
+                                      </p:to>
+                                    </p:set>
+                                  </p:childTnLst>
+                                </p:cTn>
+                              </p:par>
+                              <p:par>
+                                <p:cTn id="7" presetID="1" presetClass="entr" presetSubtype="0" fill="hold" nodeType="withEffect">
+                                  <p:stCondLst>
+                                    <p:cond delay="0"/>
+                                  </p:stCondLst>
+                                  <p:childTnLst>
+                                    <p:set>
+                                      <p:cBhvr>
+                                        <p:cTn id="8" dur="1" fill="hold">
+                                          <p:stCondLst>
+                                            <p:cond delay="0"/>
+                                          </p:stCondLst>
+                                        </p:cTn>
+                                        <p:tgtEl>
+                                          <p:spTgt spid="3">
+                                            <p:txEl>
+                                              <p:pRg st="0" end="0"/>
+                                            </p:txEl>
+                                          </p:spTgt>
+                                        </p:tgtEl>
+                                        <p:attrNameLst>
+                                          <p:attrName>style.visibility</p:attrName>
+                                        </p:attrNameLst>
+                                      </p:cBhvr>
+                                      <p:to>
+                                        <p:strVal val="visible"/>
+                                      </p:to>
+                                    </p:set>
+                                  </p:childTnLst>
+                                </p:cTn>
+                              </p:par>
+                            </p:childTnLst>
+                          </p:cTn>
+                        </p:par>
+                      </p:childTnLst>
+                    </p:cTn>
+                  </p:par>
+                  <p:par>
+                    <p:cTn id="9" fill="hold">
+                      <p:stCondLst>
+                        <p:cond delay="indefinite"/>
+                      </p:stCondLst>
+                      <p:childTnLst>
+                        <p:par>
+                          <p:cTn id="10" fill="hold">
+                            <p:stCondLst>
+                              <p:cond delay="0"/>
+                            </p:stCondLst>
+                            <p:childTnLst>
+                              <p:par>
+                                <p:cTn id="11" presetID="1" presetClass="entr" presetSubtype="0" fill="hold" nodeType="clickEffect">
+                                  <p:stCondLst>
+                                    <p:cond delay="0"/>
+                                  </p:stCondLst>
+                                  <p:childTnLst>
+                                    <p:set>
+                                      <p:cBhvr>
+                                        <p:cTn id="12" dur="1" fill="hold">
+                                          <p:stCondLst>
+                                            <p:cond delay="0"/>
+                                          </p:stCondLst>
+                                        </p:cTn>
+                                        <p:tgtEl>
+                                          <p:spTgt spid="16"/>
+                                        </p:tgtEl>
+                                        <p:attrNameLst>
+                                          <p:attrName>style.visibility</p:attrName>
+                                        </p:attrNameLst>
+                                      </p:cBhvr>
+                                      <p:to>
+                                        <p:strVal val="visible"/>
+                                      </p:to>
+                                    </p:set>
+                                  </p:childTnLst>
+                                </p:cTn>
+                              </p:par>
+                              <p:par>
+                                <p:cTn id="13" presetID="1" presetClass="entr" presetSubtype="0" fill="hold" nodeType="withEffect">
+                                  <p:stCondLst>
+                                    <p:cond delay="0"/>
+                                  </p:stCondLst>
+                                  <p:childTnLst>
+                                    <p:set>
+                                      <p:cBhvr>
+                                        <p:cTn id="14" dur="1" fill="hold">
+                                          <p:stCondLst>
+                                            <p:cond delay="0"/>
+                                          </p:stCondLst>
+                                        </p:cTn>
+                                        <p:tgtEl>
+                                          <p:spTgt spid="19"/>
+                                        </p:tgtEl>
+                                        <p:attrNameLst>
+                                          <p:attrName>style.visibility</p:attrName>
+                                        </p:attrNameLst>
+                                      </p:cBhvr>
+                                      <p:to>
+                                        <p:strVal val="visible"/>
+                                      </p:to>
+                                    </p:set>
+                                  </p:childTnLst>
+                                </p:cTn>
+                              </p:par>
+                              <p:par>
+                                <p:cTn id="15" presetID="1" presetClass="entr" presetSubtype="0" fill="hold" nodeType="withEffect">
+                                  <p:stCondLst>
+                                    <p:cond delay="0"/>
+                                  </p:stCondLst>
+                                  <p:childTnLst>
+                                    <p:set>
+                                      <p:cBhvr>
+                                        <p:cTn id="16" dur="1" fill="hold">
+                                          <p:stCondLst>
+                                            <p:cond delay="0"/>
+                                          </p:stCondLst>
+                                        </p:cTn>
+                                        <p:tgtEl>
+                                          <p:spTgt spid="3">
+                                            <p:txEl>
+                                              <p:pRg st="2" end="2"/>
+                                            </p:txEl>
+                                          </p:spTgt>
+                                        </p:tgtEl>
+                                        <p:attrNameLst>
+                                          <p:attrName>style.visibility</p:attrName>
+                                        </p:attrNameLst>
+                                      </p:cBhvr>
+                                      <p:to>
+                                        <p:strVal val="visible"/>
+                                      </p:to>
+                                    </p:set>
+                                  </p:childTnLst>
+                                </p:cTn>
+                              </p:par>
+                              <p:par>
+                                <p:cTn id="17" presetID="1" presetClass="entr" presetSubtype="0" fill="hold" nodeType="withEffect">
+                                  <p:stCondLst>
+                                    <p:cond delay="0"/>
+                                  </p:stCondLst>
+                                  <p:childTnLst>
+                                    <p:set>
+                                      <p:cBhvr>
+                                        <p:cTn id="18" dur="1" fill="hold">
+                                          <p:stCondLst>
+                                            <p:cond delay="0"/>
+                                          </p:stCondLst>
+                                        </p:cTn>
+                                        <p:tgtEl>
+                                          <p:spTgt spid="7"/>
+                                        </p:tgtEl>
+                                        <p:attrNameLst>
+                                          <p:attrName>style.visibility</p:attrName>
+                                        </p:attrNameLst>
+                                      </p:cBhvr>
+                                      <p:to>
+                                        <p:strVal val="visible"/>
+                                      </p:to>
+                                    </p:set>
+                                  </p:childTnLst>
+                                </p:cTn>
+                              </p:par>
+                              <p:par>
+                                <p:cTn id="19" presetID="1" presetClass="entr" presetSubtype="0" fill="hold" nodeType="withEffect">
+                                  <p:stCondLst>
+                                    <p:cond delay="0"/>
+                                  </p:stCondLst>
+                                  <p:childTnLst>
+                                    <p:set>
+                                      <p:cBhvr>
+                                        <p:cTn id="20" dur="1" fill="hold">
+                                          <p:stCondLst>
+                                            <p:cond delay="0"/>
+                                          </p:stCondLst>
+                                        </p:cTn>
+                                        <p:tgtEl>
+                                          <p:spTgt spid="9"/>
+                                        </p:tgtEl>
+                                        <p:attrNameLst>
+                                          <p:attrName>style.visibility</p:attrName>
+                                        </p:attrNameLst>
+                                      </p:cBhvr>
+                                      <p:to>
+                                        <p:strVal val="visible"/>
+                                      </p:to>
+                                    </p:set>
+                                  </p:childTnLst>
+                                </p:cTn>
+                              </p:par>
+                            </p:childTnLst>
+                          </p:cTn>
+                        </p:par>
+                      </p:childTnLst>
+                    </p:cTn>
+                  </p:par>
+                  <p:par>
+                    <p:cTn id="21" fill="hold">
+                      <p:stCondLst>
+                        <p:cond delay="indefinite"/>
+                      </p:stCondLst>
+                      <p:childTnLst>
+                        <p:par>
+                          <p:cTn id="22" fill="hold">
+                            <p:stCondLst>
+                              <p:cond delay="0"/>
+                            </p:stCondLst>
+                            <p:childTnLst>
+                              <p:par>
+                                <p:cTn id="23" presetID="1" presetClass="entr" presetSubtype="0" fill="hold" grpId="0" nodeType="clickEffect">
+                                  <p:stCondLst>
+                                    <p:cond delay="0"/>
+                                  </p:stCondLst>
+                                  <p:childTnLst>
+                                    <p:set>
+                                      <p:cBhvr>
+                                        <p:cTn id="24" dur="1" fill="hold">
+                                          <p:stCondLst>
+                                            <p:cond delay="0"/>
+                                          </p:stCondLst>
+                                        </p:cTn>
+                                        <p:tgtEl>
+                                          <p:spTgt spid="28"/>
+                                        </p:tgtEl>
+                                        <p:attrNameLst>
+                                          <p:attrName>style.visibility</p:attrName>
+                                        </p:attrNameLst>
+                                      </p:cBhvr>
+                                      <p:to>
+                                        <p:strVal val="visible"/>
+                                      </p:to>
+                                    </p:set>
+                                  </p:childTnLst>
+                                </p:cTn>
+                              </p:par>
+                              <p:par>
+                                <p:cTn id="25" presetID="1" presetClass="entr" presetSubtype="0" fill="hold" grpId="0" nodeType="withEffect">
+                                  <p:stCondLst>
+                                    <p:cond delay="0"/>
+                                  </p:stCondLst>
+                                  <p:childTnLst>
+                                    <p:set>
+                                      <p:cBhvr>
+                                        <p:cTn id="26" dur="1" fill="hold">
+                                          <p:stCondLst>
+                                            <p:cond delay="0"/>
+                                          </p:stCondLst>
+                                        </p:cTn>
+                                        <p:tgtEl>
+                                          <p:spTgt spid="30"/>
+                                        </p:tgtEl>
+                                        <p:attrNameLst>
+                                          <p:attrName>style.visibility</p:attrName>
+                                        </p:attrNameLst>
+                                      </p:cBhvr>
+                                      <p:to>
+                                        <p:strVal val="visible"/>
+                                      </p:to>
+                                    </p:set>
+                                  </p:childTnLst>
+                                </p:cTn>
+                              </p:par>
+                            </p:childTnLst>
+                          </p:cTn>
+                        </p:par>
+                      </p:childTnLst>
+                    </p:cTn>
+                  </p:par>
+                  <p:par>
+                    <p:cTn id="27" fill="hold">
+                      <p:stCondLst>
+                        <p:cond delay="indefinite"/>
+                      </p:stCondLst>
+                      <p:childTnLst>
+                        <p:par>
+                          <p:cTn id="28" fill="hold">
+                            <p:stCondLst>
+                              <p:cond delay="0"/>
+                            </p:stCondLst>
+                            <p:childTnLst>
+                              <p:par>
+                                <p:cTn id="29" presetID="1" presetClass="entr" presetSubtype="0" fill="hold" grpId="0" nodeType="clickEffect">
+                                  <p:stCondLst>
+                                    <p:cond delay="0"/>
+                                  </p:stCondLst>
+                                  <p:childTnLst>
+                                    <p:set>
+                                      <p:cBhvr>
+                                        <p:cTn id="30" dur="1" fill="hold">
+                                          <p:stCondLst>
+                                            <p:cond delay="0"/>
+                                          </p:stCondLst>
+                                        </p:cTn>
+                                        <p:tgtEl>
+                                          <p:spTgt spid="29"/>
+                                        </p:tgtEl>
+                                        <p:attrNameLst>
+                                          <p:attrName>style.visibility</p:attrName>
+                                        </p:attrNameLst>
+                                      </p:cBhvr>
+                                      <p:to>
+                                        <p:strVal val="visible"/>
+                                      </p:to>
+                                    </p:set>
+                                  </p:childTnLst>
+                                </p:cTn>
+                              </p:par>
+                              <p:par>
+                                <p:cTn id="31" presetID="1" presetClass="entr" presetSubtype="0" fill="hold" grpId="0" nodeType="withEffect">
+                                  <p:stCondLst>
+                                    <p:cond delay="0"/>
+                                  </p:stCondLst>
+                                  <p:childTnLst>
+                                    <p:set>
+                                      <p:cBhvr>
+                                        <p:cTn id="32" dur="1" fill="hold">
+                                          <p:stCondLst>
+                                            <p:cond delay="0"/>
+                                          </p:stCondLst>
+                                        </p:cTn>
+                                        <p:tgtEl>
+                                          <p:spTgt spid="31"/>
+                                        </p:tgtEl>
+                                        <p:attrNameLst>
+                                          <p:attrName>style.visibility</p:attrName>
+                                        </p:attrNameLst>
+                                      </p:cBhvr>
+                                      <p:to>
+                                        <p:strVal val="visible"/>
+                                      </p:to>
+                                    </p:set>
+                                  </p:childTnLst>
+                                </p:cTn>
+                              </p:par>
+                            </p:childTnLst>
+                          </p:cTn>
+                        </p:par>
+                      </p:childTnLst>
+                    </p:cTn>
+                  </p:par>
+                </p:childTnLst>
+              </p:cTn>
+              <p:prevCondLst>
+                <p:cond evt="onPrev" delay="0">
+                  <p:tgtEl>
+                    <p:sldTgt/>
+                  </p:tgtEl>
+                </p:cond>
+              </p:prevCondLst>
+              <p:nextCondLst>
+                <p:cond evt="onNext" delay="0">
+                  <p:tgtEl>
+                    <p:sldTgt/>
+                  </p:tgtEl>
+                </p:cond>
+              </p:nextCondLst>
+            </p:seq>
+          </p:childTnLst>
+        </p:cTn>
+      </p:par>
+    </p:tnLst>
+    <p:bldLst>
+      <p:bldP spid="28" grpId="0" animBg="1"/>
+      <p:bldP spid="29" grpId="0" animBg="1"/>
+      <p:bldP spid="30" grpId="0"/>
+      <p:bldP spid="31" grpId="0"/>
+      <p:bldP spid="37" grpId="0" animBg="1"/>
+    </p:bldLst>
+  </p:timing>
 </p:sld>
 </file>
 
@@ -24878,11 +27840,11 @@
           <a:lstStyle/>
           <a:p>
             <a:r>
-              <a:rPr lang="en-US" dirty="0"/>
-              <a:t>v</a:t>
-            </a:r>
-            <a:r>
-              <a:rPr lang="en-US" baseline="-25000" dirty="0"/>
+              <a:rPr lang="en-US" dirty="0" err="1"/>
+              <a:t>va</a:t>
+            </a:r>
+            <a:r>
+              <a:rPr lang="en-US" baseline="-25000" dirty="0" err="1"/>
               <a:t>i</a:t>
             </a:r>
             <a:endParaRPr lang="en-US" dirty="0"/>
@@ -24919,7 +27881,7 @@
           <a:p>
             <a:r>
               <a:rPr lang="en-US" dirty="0"/>
-              <a:t>v</a:t>
+              <a:t>va</a:t>
             </a:r>
             <a:r>
               <a:rPr lang="en-US" baseline="-25000" dirty="0"/>
@@ -24943,8 +27905,8 @@
         </p:nvSpPr>
         <p:spPr>
           <a:xfrm>
-            <a:off x="4070954" y="5048409"/>
-            <a:ext cx="457199" cy="369332"/>
+            <a:off x="4047213" y="5048409"/>
+            <a:ext cx="560452" cy="369332"/>
           </a:xfrm>
           <a:prstGeom prst="rect">
             <a:avLst/>
@@ -24958,11 +27920,11 @@
           <a:lstStyle/>
           <a:p>
             <a:r>
-              <a:rPr lang="en-US" dirty="0" err="1"/>
-              <a:t>v</a:t>
-            </a:r>
-            <a:r>
-              <a:rPr lang="en-US" baseline="-25000" dirty="0" err="1"/>
+              <a:rPr lang="en-US" dirty="0"/>
+              <a:t>va</a:t>
+            </a:r>
+            <a:r>
+              <a:rPr lang="en-US" baseline="-25000" dirty="0"/>
               <a:t>n</a:t>
             </a:r>
             <a:endParaRPr lang="en-US" dirty="0"/>
@@ -25019,7 +27981,7 @@
         <p:spPr>
           <a:xfrm>
             <a:off x="6407729" y="3852657"/>
-            <a:ext cx="457199" cy="369332"/>
+            <a:ext cx="549017" cy="369332"/>
           </a:xfrm>
           <a:prstGeom prst="rect">
             <a:avLst/>
@@ -25034,7 +27996,7 @@
           <a:p>
             <a:r>
               <a:rPr lang="en-US" dirty="0"/>
-              <a:t>p</a:t>
+              <a:t>pa</a:t>
             </a:r>
             <a:r>
               <a:rPr lang="en-US" baseline="-25000" dirty="0"/>
@@ -25074,7 +28036,7 @@
           <a:p>
             <a:r>
               <a:rPr lang="en-US" dirty="0"/>
-              <a:t>P</a:t>
+              <a:t>pa</a:t>
             </a:r>
             <a:r>
               <a:rPr lang="en-US" baseline="-25000" dirty="0"/>
@@ -25099,7 +28061,7 @@
         <p:spPr>
           <a:xfrm>
             <a:off x="6407729" y="5061031"/>
-            <a:ext cx="457199" cy="369332"/>
+            <a:ext cx="549017" cy="369332"/>
           </a:xfrm>
           <a:prstGeom prst="rect">
             <a:avLst/>
@@ -25114,7 +28076,7 @@
           <a:p>
             <a:r>
               <a:rPr lang="en-US" dirty="0"/>
-              <a:t>p</a:t>
+              <a:t>pa</a:t>
             </a:r>
             <a:r>
               <a:rPr lang="en-US" baseline="-25000" dirty="0"/>
@@ -25138,8 +28100,8 @@
         </p:nvSpPr>
         <p:spPr>
           <a:xfrm rot="16200000" flipV="1">
-            <a:off x="6377531" y="4209620"/>
-            <a:ext cx="441751" cy="369332"/>
+            <a:off x="6458747" y="4128404"/>
+            <a:ext cx="279319" cy="369332"/>
           </a:xfrm>
           <a:prstGeom prst="rect">
             <a:avLst/>
@@ -25922,11 +28884,11 @@
           <a:lstStyle/>
           <a:p>
             <a:r>
-              <a:rPr lang="en-US" dirty="0"/>
-              <a:t>v</a:t>
-            </a:r>
-            <a:r>
-              <a:rPr lang="en-US" baseline="-25000" dirty="0"/>
+              <a:rPr lang="en-US" dirty="0" err="1"/>
+              <a:t>va</a:t>
+            </a:r>
+            <a:r>
+              <a:rPr lang="en-US" baseline="-25000" dirty="0" err="1"/>
               <a:t>i</a:t>
             </a:r>
             <a:endParaRPr lang="en-US" dirty="0"/>
@@ -25963,7 +28925,7 @@
           <a:p>
             <a:r>
               <a:rPr lang="en-US" dirty="0"/>
-              <a:t>v</a:t>
+              <a:t>va</a:t>
             </a:r>
             <a:r>
               <a:rPr lang="en-US" baseline="-25000" dirty="0"/>
@@ -25988,7 +28950,7 @@
         <p:spPr>
           <a:xfrm>
             <a:off x="4070954" y="5048409"/>
-            <a:ext cx="457199" cy="369332"/>
+            <a:ext cx="494382" cy="369332"/>
           </a:xfrm>
           <a:prstGeom prst="rect">
             <a:avLst/>
@@ -26002,11 +28964,11 @@
           <a:lstStyle/>
           <a:p>
             <a:r>
-              <a:rPr lang="en-US" dirty="0" err="1"/>
-              <a:t>v</a:t>
-            </a:r>
-            <a:r>
-              <a:rPr lang="en-US" baseline="-25000" dirty="0" err="1"/>
+              <a:rPr lang="en-US" dirty="0"/>
+              <a:t>va</a:t>
+            </a:r>
+            <a:r>
+              <a:rPr lang="en-US" baseline="-25000" dirty="0"/>
               <a:t>n</a:t>
             </a:r>
             <a:endParaRPr lang="en-US" dirty="0"/>
@@ -26063,7 +29025,7 @@
         <p:spPr>
           <a:xfrm>
             <a:off x="6407729" y="3852657"/>
-            <a:ext cx="457199" cy="369332"/>
+            <a:ext cx="549017" cy="369332"/>
           </a:xfrm>
           <a:prstGeom prst="rect">
             <a:avLst/>
@@ -26078,7 +29040,7 @@
           <a:p>
             <a:r>
               <a:rPr lang="en-US" dirty="0"/>
-              <a:t>p</a:t>
+              <a:t>pa</a:t>
             </a:r>
             <a:r>
               <a:rPr lang="en-US" baseline="-25000" dirty="0"/>
@@ -26103,7 +29065,7 @@
         <p:spPr>
           <a:xfrm>
             <a:off x="6407729" y="5061031"/>
-            <a:ext cx="457199" cy="369332"/>
+            <a:ext cx="549017" cy="369332"/>
           </a:xfrm>
           <a:prstGeom prst="rect">
             <a:avLst/>
@@ -26118,7 +29080,7 @@
           <a:p>
             <a:r>
               <a:rPr lang="en-US" dirty="0"/>
-              <a:t>p</a:t>
+              <a:t>pa</a:t>
             </a:r>
             <a:r>
               <a:rPr lang="en-US" baseline="-25000" dirty="0"/>
@@ -26480,7 +29442,7 @@
           <a:p>
             <a:r>
               <a:rPr lang="en-US" dirty="0"/>
-              <a:t>P</a:t>
+              <a:t>pa</a:t>
             </a:r>
             <a:r>
               <a:rPr lang="en-US" baseline="-25000" dirty="0"/>
@@ -26954,11 +29916,11 @@
           <a:lstStyle/>
           <a:p>
             <a:r>
-              <a:rPr lang="en-US" dirty="0"/>
-              <a:t>v</a:t>
-            </a:r>
-            <a:r>
-              <a:rPr lang="en-US" baseline="-25000" dirty="0"/>
+              <a:rPr lang="en-US" dirty="0" err="1"/>
+              <a:t>va</a:t>
+            </a:r>
+            <a:r>
+              <a:rPr lang="en-US" baseline="-25000" dirty="0" err="1"/>
               <a:t>i</a:t>
             </a:r>
             <a:endParaRPr lang="en-US" dirty="0"/>
@@ -26995,7 +29957,7 @@
           <a:p>
             <a:r>
               <a:rPr lang="en-US" dirty="0"/>
-              <a:t>v</a:t>
+              <a:t>va</a:t>
             </a:r>
             <a:r>
               <a:rPr lang="en-US" baseline="-25000" dirty="0"/>
@@ -27020,7 +29982,7 @@
         <p:spPr>
           <a:xfrm>
             <a:off x="2907170" y="5412094"/>
-            <a:ext cx="457199" cy="369332"/>
+            <a:ext cx="494382" cy="369332"/>
           </a:xfrm>
           <a:prstGeom prst="rect">
             <a:avLst/>
@@ -27034,11 +29996,11 @@
           <a:lstStyle/>
           <a:p>
             <a:r>
-              <a:rPr lang="en-US" dirty="0" err="1"/>
-              <a:t>v</a:t>
-            </a:r>
-            <a:r>
-              <a:rPr lang="en-US" baseline="-25000" dirty="0" err="1"/>
+              <a:rPr lang="en-US" dirty="0"/>
+              <a:t>va</a:t>
+            </a:r>
+            <a:r>
+              <a:rPr lang="en-US" baseline="-25000" dirty="0"/>
               <a:t>n</a:t>
             </a:r>
             <a:endParaRPr lang="en-US" dirty="0"/>
@@ -27095,7 +30057,7 @@
         <p:spPr>
           <a:xfrm>
             <a:off x="9072788" y="3757709"/>
-            <a:ext cx="457199" cy="369332"/>
+            <a:ext cx="522571" cy="369332"/>
           </a:xfrm>
           <a:prstGeom prst="rect">
             <a:avLst/>
@@ -27110,7 +30072,7 @@
           <a:p>
             <a:r>
               <a:rPr lang="en-US" dirty="0"/>
-              <a:t>p</a:t>
+              <a:t>pa</a:t>
             </a:r>
             <a:r>
               <a:rPr lang="en-US" baseline="-25000" dirty="0"/>
@@ -27134,8 +30096,8 @@
         </p:nvSpPr>
         <p:spPr>
           <a:xfrm>
-            <a:off x="9023181" y="5853774"/>
-            <a:ext cx="457199" cy="369332"/>
+            <a:off x="8929315" y="5853774"/>
+            <a:ext cx="551065" cy="369332"/>
           </a:xfrm>
           <a:prstGeom prst="rect">
             <a:avLst/>
@@ -27150,7 +30112,7 @@
           <a:p>
             <a:r>
               <a:rPr lang="en-US" dirty="0"/>
-              <a:t>p</a:t>
+              <a:t>pa</a:t>
             </a:r>
             <a:r>
               <a:rPr lang="en-US" baseline="-25000" dirty="0"/>
@@ -32598,7 +35560,7 @@
           <a:p>
             <a:r>
               <a:rPr lang="en-US" dirty="0"/>
-              <a:t>v</a:t>
+              <a:t>va</a:t>
             </a:r>
             <a:r>
               <a:rPr lang="en-US" baseline="-25000" dirty="0"/>
@@ -32637,11 +35599,11 @@
           <a:lstStyle/>
           <a:p>
             <a:r>
-              <a:rPr lang="en-US" dirty="0"/>
-              <a:t>v</a:t>
-            </a:r>
-            <a:r>
-              <a:rPr lang="en-US" baseline="-25000" dirty="0"/>
+              <a:rPr lang="en-US" dirty="0" err="1"/>
+              <a:t>va</a:t>
+            </a:r>
+            <a:r>
+              <a:rPr lang="en-US" baseline="-25000" dirty="0" err="1"/>
               <a:t>i</a:t>
             </a:r>
             <a:endParaRPr lang="en-US" dirty="0"/>
@@ -32677,11 +35639,11 @@
           <a:lstStyle/>
           <a:p>
             <a:r>
-              <a:rPr lang="en-US" dirty="0" err="1"/>
-              <a:t>v</a:t>
-            </a:r>
-            <a:r>
-              <a:rPr lang="en-US" baseline="-25000" dirty="0" err="1"/>
+              <a:rPr lang="en-US" dirty="0"/>
+              <a:t>va</a:t>
+            </a:r>
+            <a:r>
+              <a:rPr lang="en-US" baseline="-25000" dirty="0"/>
               <a:t>n</a:t>
             </a:r>
             <a:endParaRPr lang="en-US" dirty="0"/>
@@ -33016,10 +35978,9 @@
           <a:lstStyle/>
           <a:p>
             <a:r>
-              <a:rPr lang="en-US" dirty="0" err="1"/>
-              <a:t>pg</a:t>
-            </a:r>
-            <a:endParaRPr lang="en-US" dirty="0"/>
+              <a:rPr lang="en-US" dirty="0"/>
+              <a:t>pa</a:t>
+            </a:r>
           </a:p>
         </p:txBody>
       </p:sp>
@@ -33052,10 +36013,9 @@
           <a:lstStyle/>
           <a:p>
             <a:r>
-              <a:rPr lang="en-US" dirty="0" err="1"/>
-              <a:t>pg</a:t>
-            </a:r>
-            <a:endParaRPr lang="en-US" dirty="0"/>
+              <a:rPr lang="en-US" dirty="0"/>
+              <a:t>pa</a:t>
+            </a:r>
           </a:p>
         </p:txBody>
       </p:sp>
@@ -33088,10 +36048,9 @@
           <a:lstStyle/>
           <a:p>
             <a:r>
-              <a:rPr lang="en-US" dirty="0" err="1"/>
-              <a:t>pg</a:t>
-            </a:r>
-            <a:endParaRPr lang="en-US" dirty="0"/>
+              <a:rPr lang="en-US" dirty="0"/>
+              <a:t>pa</a:t>
+            </a:r>
           </a:p>
         </p:txBody>
       </p:sp>
@@ -33643,7 +36602,7 @@
           <a:p>
             <a:r>
               <a:rPr lang="en-US" dirty="0"/>
-              <a:t>v</a:t>
+              <a:t>va</a:t>
             </a:r>
             <a:r>
               <a:rPr lang="en-US" baseline="-25000" dirty="0"/>
@@ -33682,11 +36641,11 @@
           <a:lstStyle/>
           <a:p>
             <a:r>
-              <a:rPr lang="en-US" dirty="0"/>
-              <a:t>v</a:t>
-            </a:r>
-            <a:r>
-              <a:rPr lang="en-US" baseline="-25000" dirty="0"/>
+              <a:rPr lang="en-US" dirty="0" err="1"/>
+              <a:t>va</a:t>
+            </a:r>
+            <a:r>
+              <a:rPr lang="en-US" baseline="-25000" dirty="0" err="1"/>
               <a:t>i</a:t>
             </a:r>
             <a:endParaRPr lang="en-US" dirty="0"/>
@@ -33722,11 +36681,11 @@
           <a:lstStyle/>
           <a:p>
             <a:r>
-              <a:rPr lang="en-US" dirty="0" err="1"/>
-              <a:t>v</a:t>
-            </a:r>
-            <a:r>
-              <a:rPr lang="en-US" baseline="-25000" dirty="0" err="1"/>
+              <a:rPr lang="en-US" dirty="0"/>
+              <a:t>va</a:t>
+            </a:r>
+            <a:r>
+              <a:rPr lang="en-US" baseline="-25000" dirty="0"/>
               <a:t>n</a:t>
             </a:r>
             <a:endParaRPr lang="en-US" dirty="0"/>
@@ -34061,10 +37020,9 @@
           <a:lstStyle/>
           <a:p>
             <a:r>
-              <a:rPr lang="en-US" dirty="0" err="1"/>
-              <a:t>pg</a:t>
-            </a:r>
-            <a:endParaRPr lang="en-US" dirty="0"/>
+              <a:rPr lang="en-US" dirty="0"/>
+              <a:t>pa</a:t>
+            </a:r>
           </a:p>
         </p:txBody>
       </p:sp>
@@ -34097,10 +37055,9 @@
           <a:lstStyle/>
           <a:p>
             <a:r>
-              <a:rPr lang="en-US" dirty="0" err="1"/>
-              <a:t>pg</a:t>
-            </a:r>
-            <a:endParaRPr lang="en-US" dirty="0"/>
+              <a:rPr lang="en-US" dirty="0"/>
+              <a:t>pa</a:t>
+            </a:r>
           </a:p>
         </p:txBody>
       </p:sp>
@@ -34133,10 +37090,9 @@
           <a:lstStyle/>
           <a:p>
             <a:r>
-              <a:rPr lang="en-US" dirty="0" err="1"/>
-              <a:t>pg</a:t>
-            </a:r>
-            <a:endParaRPr lang="en-US" dirty="0"/>
+              <a:rPr lang="en-US" dirty="0"/>
+              <a:t>pa</a:t>
+            </a:r>
           </a:p>
         </p:txBody>
       </p:sp>

--- a/uc_april_19/proposal.pptx
+++ b/uc_april_19/proposal.pptx
@@ -14662,13 +14662,13 @@
         </p:nvSpPr>
         <p:spPr>
           <a:xfrm>
-            <a:off x="4172254" y="5377631"/>
+            <a:off x="6588228" y="5110904"/>
             <a:ext cx="4902806" cy="1660717"/>
           </a:xfrm>
           <a:prstGeom prst="wedgeEllipseCallout">
             <a:avLst>
-              <a:gd name="adj1" fmla="val 71133"/>
-              <a:gd name="adj2" fmla="val -180842"/>
+              <a:gd name="adj1" fmla="val 26534"/>
+              <a:gd name="adj2" fmla="val -162648"/>
             </a:avLst>
           </a:prstGeom>
           <a:noFill/>
@@ -14771,7 +14771,7 @@
         </p:nvSpPr>
         <p:spPr>
           <a:xfrm>
-            <a:off x="4726272" y="5621170"/>
+            <a:off x="7289352" y="5307516"/>
             <a:ext cx="3996884" cy="1200329"/>
           </a:xfrm>
           <a:prstGeom prst="rect">
@@ -17608,114 +17608,6 @@
                                           </p:stCondLst>
                                         </p:cTn>
                                         <p:tgtEl>
-                                          <p:spTgt spid="6"/>
-                                        </p:tgtEl>
-                                        <p:attrNameLst>
-                                          <p:attrName>style.visibility</p:attrName>
-                                        </p:attrNameLst>
-                                      </p:cBhvr>
-                                      <p:to>
-                                        <p:strVal val="visible"/>
-                                      </p:to>
-                                    </p:set>
-                                  </p:childTnLst>
-                                </p:cTn>
-                              </p:par>
-                              <p:par>
-                                <p:cTn id="149" presetID="1" presetClass="entr" presetSubtype="0" fill="hold" grpId="0" nodeType="withEffect">
-                                  <p:stCondLst>
-                                    <p:cond delay="0"/>
-                                  </p:stCondLst>
-                                  <p:childTnLst>
-                                    <p:set>
-                                      <p:cBhvr>
-                                        <p:cTn id="150" dur="1" fill="hold">
-                                          <p:stCondLst>
-                                            <p:cond delay="0"/>
-                                          </p:stCondLst>
-                                        </p:cTn>
-                                        <p:tgtEl>
-                                          <p:spTgt spid="4"/>
-                                        </p:tgtEl>
-                                        <p:attrNameLst>
-                                          <p:attrName>style.visibility</p:attrName>
-                                        </p:attrNameLst>
-                                      </p:cBhvr>
-                                      <p:to>
-                                        <p:strVal val="visible"/>
-                                      </p:to>
-                                    </p:set>
-                                  </p:childTnLst>
-                                </p:cTn>
-                              </p:par>
-                              <p:par>
-                                <p:cTn id="151" presetID="1" presetClass="entr" presetSubtype="0" fill="hold" grpId="0" nodeType="withEffect">
-                                  <p:stCondLst>
-                                    <p:cond delay="0"/>
-                                  </p:stCondLst>
-                                  <p:childTnLst>
-                                    <p:set>
-                                      <p:cBhvr>
-                                        <p:cTn id="152" dur="1" fill="hold">
-                                          <p:stCondLst>
-                                            <p:cond delay="0"/>
-                                          </p:stCondLst>
-                                        </p:cTn>
-                                        <p:tgtEl>
-                                          <p:spTgt spid="5"/>
-                                        </p:tgtEl>
-                                        <p:attrNameLst>
-                                          <p:attrName>style.visibility</p:attrName>
-                                        </p:attrNameLst>
-                                      </p:cBhvr>
-                                      <p:to>
-                                        <p:strVal val="visible"/>
-                                      </p:to>
-                                    </p:set>
-                                  </p:childTnLst>
-                                </p:cTn>
-                              </p:par>
-                              <p:par>
-                                <p:cTn id="153" presetID="1" presetClass="entr" presetSubtype="0" fill="hold" grpId="0" nodeType="withEffect">
-                                  <p:stCondLst>
-                                    <p:cond delay="0"/>
-                                  </p:stCondLst>
-                                  <p:childTnLst>
-                                    <p:set>
-                                      <p:cBhvr>
-                                        <p:cTn id="154" dur="1" fill="hold">
-                                          <p:stCondLst>
-                                            <p:cond delay="0"/>
-                                          </p:stCondLst>
-                                        </p:cTn>
-                                        <p:tgtEl>
-                                          <p:spTgt spid="7"/>
-                                        </p:tgtEl>
-                                        <p:attrNameLst>
-                                          <p:attrName>style.visibility</p:attrName>
-                                        </p:attrNameLst>
-                                      </p:cBhvr>
-                                      <p:to>
-                                        <p:strVal val="visible"/>
-                                      </p:to>
-                                    </p:set>
-                                  </p:childTnLst>
-                                </p:cTn>
-                              </p:par>
-                              <p:par>
-                                <p:cTn id="155" presetID="1" presetClass="entr" presetSubtype="0" fill="hold" grpId="0" nodeType="withEffect">
-                                  <p:stCondLst>
-                                    <p:cond delay="0"/>
-                                  </p:stCondLst>
-                                  <p:childTnLst>
-                                    <p:set>
-                                      <p:cBhvr>
-                                        <p:cTn id="156" dur="1" fill="hold">
-                                          <p:stCondLst>
-                                            <p:cond delay="0"/>
-                                          </p:stCondLst>
-                                        </p:cTn>
-                                        <p:tgtEl>
                                           <p:spTgt spid="59"/>
                                         </p:tgtEl>
                                         <p:attrNameLst>
@@ -17736,19 +17628,127 @@
                     </p:cTn>
                   </p:par>
                   <p:par>
-                    <p:cTn id="157" fill="hold">
+                    <p:cTn id="149" fill="hold">
                       <p:stCondLst>
                         <p:cond delay="indefinite"/>
                       </p:stCondLst>
                       <p:childTnLst>
                         <p:par>
-                          <p:cTn id="158" fill="hold">
+                          <p:cTn id="150" fill="hold">
                             <p:stCondLst>
                               <p:cond delay="0"/>
                             </p:stCondLst>
                             <p:childTnLst>
                               <p:par>
-                                <p:cTn id="159" presetID="1" presetClass="entr" presetSubtype="0" fill="hold" grpId="1" nodeType="clickEffect">
+                                <p:cTn id="151" presetID="1" presetClass="entr" presetSubtype="0" fill="hold" grpId="1" nodeType="clickEffect">
+                                  <p:stCondLst>
+                                    <p:cond delay="0"/>
+                                  </p:stCondLst>
+                                  <p:childTnLst>
+                                    <p:set>
+                                      <p:cBhvr>
+                                        <p:cTn id="152" dur="1" fill="hold">
+                                          <p:stCondLst>
+                                            <p:cond delay="0"/>
+                                          </p:stCondLst>
+                                        </p:cTn>
+                                        <p:tgtEl>
+                                          <p:spTgt spid="59"/>
+                                        </p:tgtEl>
+                                        <p:attrNameLst>
+                                          <p:attrName>style.visibility</p:attrName>
+                                        </p:attrNameLst>
+                                      </p:cBhvr>
+                                      <p:to>
+                                        <p:strVal val="visible"/>
+                                      </p:to>
+                                    </p:set>
+                                  </p:childTnLst>
+                                </p:cTn>
+                              </p:par>
+                              <p:par>
+                                <p:cTn id="153" presetID="1" presetClass="entr" presetSubtype="0" fill="hold" nodeType="withEffect">
+                                  <p:stCondLst>
+                                    <p:cond delay="0"/>
+                                  </p:stCondLst>
+                                  <p:childTnLst>
+                                    <p:set>
+                                      <p:cBhvr>
+                                        <p:cTn id="154" dur="1" fill="hold">
+                                          <p:stCondLst>
+                                            <p:cond delay="0"/>
+                                          </p:stCondLst>
+                                        </p:cTn>
+                                        <p:tgtEl>
+                                          <p:spTgt spid="166"/>
+                                        </p:tgtEl>
+                                        <p:attrNameLst>
+                                          <p:attrName>style.visibility</p:attrName>
+                                        </p:attrNameLst>
+                                      </p:cBhvr>
+                                      <p:to>
+                                        <p:strVal val="visible"/>
+                                      </p:to>
+                                    </p:set>
+                                  </p:childTnLst>
+                                </p:cTn>
+                              </p:par>
+                              <p:par>
+                                <p:cTn id="155" presetID="1" presetClass="entr" presetSubtype="0" fill="hold" nodeType="withEffect">
+                                  <p:stCondLst>
+                                    <p:cond delay="0"/>
+                                  </p:stCondLst>
+                                  <p:childTnLst>
+                                    <p:set>
+                                      <p:cBhvr>
+                                        <p:cTn id="156" dur="1" fill="hold">
+                                          <p:stCondLst>
+                                            <p:cond delay="0"/>
+                                          </p:stCondLst>
+                                        </p:cTn>
+                                        <p:tgtEl>
+                                          <p:spTgt spid="149"/>
+                                        </p:tgtEl>
+                                        <p:attrNameLst>
+                                          <p:attrName>style.visibility</p:attrName>
+                                        </p:attrNameLst>
+                                      </p:cBhvr>
+                                      <p:to>
+                                        <p:strVal val="visible"/>
+                                      </p:to>
+                                    </p:set>
+                                  </p:childTnLst>
+                                </p:cTn>
+                              </p:par>
+                              <p:par>
+                                <p:cTn id="157" presetID="1" presetClass="entr" presetSubtype="0" fill="hold" nodeType="withEffect">
+                                  <p:stCondLst>
+                                    <p:cond delay="0"/>
+                                  </p:stCondLst>
+                                  <p:childTnLst>
+                                    <p:set>
+                                      <p:cBhvr>
+                                        <p:cTn id="158" dur="1" fill="hold">
+                                          <p:stCondLst>
+                                            <p:cond delay="0"/>
+                                          </p:stCondLst>
+                                        </p:cTn>
+                                        <p:tgtEl>
+                                          <p:spTgt spid="169"/>
+                                        </p:tgtEl>
+                                        <p:attrNameLst>
+                                          <p:attrName>style.visibility</p:attrName>
+                                        </p:attrNameLst>
+                                      </p:cBhvr>
+                                      <p:to>
+                                        <p:strVal val="visible"/>
+                                      </p:to>
+                                    </p:set>
+                                  </p:childTnLst>
+                                </p:cTn>
+                              </p:par>
+                              <p:par>
+                                <p:cTn id="159" presetID="1" presetClass="entr" presetSubtype="0" fill="hold" nodeType="withEffect">
                                   <p:stCondLst>
                                     <p:cond delay="0"/>
                                   </p:stCondLst>
@@ -17761,21 +17761,21 @@
                                           </p:stCondLst>
                                         </p:cTn>
                                         <p:tgtEl>
-                                          <p:spTgt spid="59"/>
-                                        </p:tgtEl>
-                                        <p:attrNameLst>
-                                          <p:attrName>style.visibility</p:attrName>
-                                        </p:attrNameLst>
-                                      </p:cBhvr>
-                                      <p:to>
-                                        <p:strVal val="visible"/>
-                                      </p:to>
-                                    </p:set>
-                                  </p:childTnLst>
-                                </p:cTn>
-                              </p:par>
-                              <p:par>
-                                <p:cTn id="161" presetID="1" presetClass="entr" presetSubtype="0" fill="hold" nodeType="withEffect">
+                                          <p:spTgt spid="180"/>
+                                        </p:tgtEl>
+                                        <p:attrNameLst>
+                                          <p:attrName>style.visibility</p:attrName>
+                                        </p:attrNameLst>
+                                      </p:cBhvr>
+                                      <p:to>
+                                        <p:strVal val="visible"/>
+                                      </p:to>
+                                    </p:set>
+                                  </p:childTnLst>
+                                </p:cTn>
+                              </p:par>
+                              <p:par>
+                                <p:cTn id="161" presetID="1" presetClass="entr" presetSubtype="0" fill="hold" grpId="1" nodeType="withEffect">
                                   <p:stCondLst>
                                     <p:cond delay="0"/>
                                   </p:stCondLst>
@@ -17788,21 +17788,21 @@
                                           </p:stCondLst>
                                         </p:cTn>
                                         <p:tgtEl>
-                                          <p:spTgt spid="166"/>
-                                        </p:tgtEl>
-                                        <p:attrNameLst>
-                                          <p:attrName>style.visibility</p:attrName>
-                                        </p:attrNameLst>
-                                      </p:cBhvr>
-                                      <p:to>
-                                        <p:strVal val="visible"/>
-                                      </p:to>
-                                    </p:set>
-                                  </p:childTnLst>
-                                </p:cTn>
-                              </p:par>
-                              <p:par>
-                                <p:cTn id="163" presetID="1" presetClass="entr" presetSubtype="0" fill="hold" nodeType="withEffect">
+                                          <p:spTgt spid="61"/>
+                                        </p:tgtEl>
+                                        <p:attrNameLst>
+                                          <p:attrName>style.visibility</p:attrName>
+                                        </p:attrNameLst>
+                                      </p:cBhvr>
+                                      <p:to>
+                                        <p:strVal val="visible"/>
+                                      </p:to>
+                                    </p:set>
+                                  </p:childTnLst>
+                                </p:cTn>
+                              </p:par>
+                              <p:par>
+                                <p:cTn id="163" presetID="1" presetClass="entr" presetSubtype="0" fill="hold" grpId="1" nodeType="withEffect">
                                   <p:stCondLst>
                                     <p:cond delay="0"/>
                                   </p:stCondLst>
@@ -17815,21 +17815,21 @@
                                           </p:stCondLst>
                                         </p:cTn>
                                         <p:tgtEl>
-                                          <p:spTgt spid="149"/>
-                                        </p:tgtEl>
-                                        <p:attrNameLst>
-                                          <p:attrName>style.visibility</p:attrName>
-                                        </p:attrNameLst>
-                                      </p:cBhvr>
-                                      <p:to>
-                                        <p:strVal val="visible"/>
-                                      </p:to>
-                                    </p:set>
-                                  </p:childTnLst>
-                                </p:cTn>
-                              </p:par>
-                              <p:par>
-                                <p:cTn id="165" presetID="1" presetClass="entr" presetSubtype="0" fill="hold" nodeType="withEffect">
+                                          <p:spTgt spid="62"/>
+                                        </p:tgtEl>
+                                        <p:attrNameLst>
+                                          <p:attrName>style.visibility</p:attrName>
+                                        </p:attrNameLst>
+                                      </p:cBhvr>
+                                      <p:to>
+                                        <p:strVal val="visible"/>
+                                      </p:to>
+                                    </p:set>
+                                  </p:childTnLst>
+                                </p:cTn>
+                              </p:par>
+                              <p:par>
+                                <p:cTn id="165" presetID="1" presetClass="entr" presetSubtype="0" fill="hold" grpId="1" nodeType="withEffect">
                                   <p:stCondLst>
                                     <p:cond delay="0"/>
                                   </p:stCondLst>
@@ -17842,21 +17842,21 @@
                                           </p:stCondLst>
                                         </p:cTn>
                                         <p:tgtEl>
-                                          <p:spTgt spid="169"/>
-                                        </p:tgtEl>
-                                        <p:attrNameLst>
-                                          <p:attrName>style.visibility</p:attrName>
-                                        </p:attrNameLst>
-                                      </p:cBhvr>
-                                      <p:to>
-                                        <p:strVal val="visible"/>
-                                      </p:to>
-                                    </p:set>
-                                  </p:childTnLst>
-                                </p:cTn>
-                              </p:par>
-                              <p:par>
-                                <p:cTn id="167" presetID="1" presetClass="entr" presetSubtype="0" fill="hold" nodeType="withEffect">
+                                          <p:spTgt spid="234"/>
+                                        </p:tgtEl>
+                                        <p:attrNameLst>
+                                          <p:attrName>style.visibility</p:attrName>
+                                        </p:attrNameLst>
+                                      </p:cBhvr>
+                                      <p:to>
+                                        <p:strVal val="visible"/>
+                                      </p:to>
+                                    </p:set>
+                                  </p:childTnLst>
+                                </p:cTn>
+                              </p:par>
+                              <p:par>
+                                <p:cTn id="167" presetID="1" presetClass="entr" presetSubtype="0" fill="hold" grpId="1" nodeType="withEffect">
                                   <p:stCondLst>
                                     <p:cond delay="0"/>
                                   </p:stCondLst>
@@ -17869,7 +17869,7 @@
                                           </p:stCondLst>
                                         </p:cTn>
                                         <p:tgtEl>
-                                          <p:spTgt spid="180"/>
+                                          <p:spTgt spid="233"/>
                                         </p:tgtEl>
                                         <p:attrNameLst>
                                           <p:attrName>style.visibility</p:attrName>
@@ -17896,21 +17896,21 @@
                                           </p:stCondLst>
                                         </p:cTn>
                                         <p:tgtEl>
-                                          <p:spTgt spid="61"/>
-                                        </p:tgtEl>
-                                        <p:attrNameLst>
-                                          <p:attrName>style.visibility</p:attrName>
-                                        </p:attrNameLst>
-                                      </p:cBhvr>
-                                      <p:to>
-                                        <p:strVal val="visible"/>
-                                      </p:to>
-                                    </p:set>
-                                  </p:childTnLst>
-                                </p:cTn>
-                              </p:par>
-                              <p:par>
-                                <p:cTn id="171" presetID="1" presetClass="entr" presetSubtype="0" fill="hold" grpId="1" nodeType="withEffect">
+                                          <p:spTgt spid="11"/>
+                                        </p:tgtEl>
+                                        <p:attrNameLst>
+                                          <p:attrName>style.visibility</p:attrName>
+                                        </p:attrNameLst>
+                                      </p:cBhvr>
+                                      <p:to>
+                                        <p:strVal val="visible"/>
+                                      </p:to>
+                                    </p:set>
+                                  </p:childTnLst>
+                                </p:cTn>
+                              </p:par>
+                              <p:par>
+                                <p:cTn id="171" presetID="1" presetClass="entr" presetSubtype="0" fill="hold" nodeType="withEffect">
                                   <p:stCondLst>
                                     <p:cond delay="0"/>
                                   </p:stCondLst>
@@ -17923,21 +17923,21 @@
                                           </p:stCondLst>
                                         </p:cTn>
                                         <p:tgtEl>
-                                          <p:spTgt spid="62"/>
-                                        </p:tgtEl>
-                                        <p:attrNameLst>
-                                          <p:attrName>style.visibility</p:attrName>
-                                        </p:attrNameLst>
-                                      </p:cBhvr>
-                                      <p:to>
-                                        <p:strVal val="visible"/>
-                                      </p:to>
-                                    </p:set>
-                                  </p:childTnLst>
-                                </p:cTn>
-                              </p:par>
-                              <p:par>
-                                <p:cTn id="173" presetID="1" presetClass="entr" presetSubtype="0" fill="hold" grpId="1" nodeType="withEffect">
+                                          <p:spTgt spid="178"/>
+                                        </p:tgtEl>
+                                        <p:attrNameLst>
+                                          <p:attrName>style.visibility</p:attrName>
+                                        </p:attrNameLst>
+                                      </p:cBhvr>
+                                      <p:to>
+                                        <p:strVal val="visible"/>
+                                      </p:to>
+                                    </p:set>
+                                  </p:childTnLst>
+                                </p:cTn>
+                              </p:par>
+                              <p:par>
+                                <p:cTn id="173" presetID="1" presetClass="entr" presetSubtype="0" fill="hold" nodeType="withEffect">
                                   <p:stCondLst>
                                     <p:cond delay="0"/>
                                   </p:stCondLst>
@@ -17950,21 +17950,21 @@
                                           </p:stCondLst>
                                         </p:cTn>
                                         <p:tgtEl>
-                                          <p:spTgt spid="234"/>
-                                        </p:tgtEl>
-                                        <p:attrNameLst>
-                                          <p:attrName>style.visibility</p:attrName>
-                                        </p:attrNameLst>
-                                      </p:cBhvr>
-                                      <p:to>
-                                        <p:strVal val="visible"/>
-                                      </p:to>
-                                    </p:set>
-                                  </p:childTnLst>
-                                </p:cTn>
-                              </p:par>
-                              <p:par>
-                                <p:cTn id="175" presetID="1" presetClass="entr" presetSubtype="0" fill="hold" grpId="1" nodeType="withEffect">
+                                          <p:spTgt spid="147"/>
+                                        </p:tgtEl>
+                                        <p:attrNameLst>
+                                          <p:attrName>style.visibility</p:attrName>
+                                        </p:attrNameLst>
+                                      </p:cBhvr>
+                                      <p:to>
+                                        <p:strVal val="visible"/>
+                                      </p:to>
+                                    </p:set>
+                                  </p:childTnLst>
+                                </p:cTn>
+                              </p:par>
+                              <p:par>
+                                <p:cTn id="175" presetID="1" presetClass="entr" presetSubtype="0" fill="hold" nodeType="withEffect">
                                   <p:stCondLst>
                                     <p:cond delay="0"/>
                                   </p:stCondLst>
@@ -17977,21 +17977,21 @@
                                           </p:stCondLst>
                                         </p:cTn>
                                         <p:tgtEl>
-                                          <p:spTgt spid="233"/>
-                                        </p:tgtEl>
-                                        <p:attrNameLst>
-                                          <p:attrName>style.visibility</p:attrName>
-                                        </p:attrNameLst>
-                                      </p:cBhvr>
-                                      <p:to>
-                                        <p:strVal val="visible"/>
-                                      </p:to>
-                                    </p:set>
-                                  </p:childTnLst>
-                                </p:cTn>
-                              </p:par>
-                              <p:par>
-                                <p:cTn id="177" presetID="1" presetClass="entr" presetSubtype="0" fill="hold" grpId="1" nodeType="withEffect">
+                                          <p:spTgt spid="157"/>
+                                        </p:tgtEl>
+                                        <p:attrNameLst>
+                                          <p:attrName>style.visibility</p:attrName>
+                                        </p:attrNameLst>
+                                      </p:cBhvr>
+                                      <p:to>
+                                        <p:strVal val="visible"/>
+                                      </p:to>
+                                    </p:set>
+                                  </p:childTnLst>
+                                </p:cTn>
+                              </p:par>
+                              <p:par>
+                                <p:cTn id="177" presetID="1" presetClass="entr" presetSubtype="0" fill="hold" nodeType="withEffect">
                                   <p:stCondLst>
                                     <p:cond delay="0"/>
                                   </p:stCondLst>
@@ -18004,7 +18004,7 @@
                                           </p:stCondLst>
                                         </p:cTn>
                                         <p:tgtEl>
-                                          <p:spTgt spid="11"/>
+                                          <p:spTgt spid="184"/>
                                         </p:tgtEl>
                                         <p:attrNameLst>
                                           <p:attrName>style.visibility</p:attrName>
@@ -18031,7 +18031,7 @@
                                           </p:stCondLst>
                                         </p:cTn>
                                         <p:tgtEl>
-                                          <p:spTgt spid="178"/>
+                                          <p:spTgt spid="194"/>
                                         </p:tgtEl>
                                         <p:attrNameLst>
                                           <p:attrName>style.visibility</p:attrName>
@@ -18058,7 +18058,7 @@
                                           </p:stCondLst>
                                         </p:cTn>
                                         <p:tgtEl>
-                                          <p:spTgt spid="147"/>
+                                          <p:spTgt spid="150"/>
                                         </p:tgtEl>
                                         <p:attrNameLst>
                                           <p:attrName>style.visibility</p:attrName>
@@ -18085,21 +18085,21 @@
                                           </p:stCondLst>
                                         </p:cTn>
                                         <p:tgtEl>
-                                          <p:spTgt spid="157"/>
-                                        </p:tgtEl>
-                                        <p:attrNameLst>
-                                          <p:attrName>style.visibility</p:attrName>
-                                        </p:attrNameLst>
-                                      </p:cBhvr>
-                                      <p:to>
-                                        <p:strVal val="visible"/>
-                                      </p:to>
-                                    </p:set>
-                                  </p:childTnLst>
-                                </p:cTn>
-                              </p:par>
-                              <p:par>
-                                <p:cTn id="185" presetID="1" presetClass="entr" presetSubtype="0" fill="hold" nodeType="withEffect">
+                                          <p:spTgt spid="190"/>
+                                        </p:tgtEl>
+                                        <p:attrNameLst>
+                                          <p:attrName>style.visibility</p:attrName>
+                                        </p:attrNameLst>
+                                      </p:cBhvr>
+                                      <p:to>
+                                        <p:strVal val="visible"/>
+                                      </p:to>
+                                    </p:set>
+                                  </p:childTnLst>
+                                </p:cTn>
+                              </p:par>
+                              <p:par>
+                                <p:cTn id="185" presetID="1" presetClass="entr" presetSubtype="0" fill="hold" grpId="1" nodeType="withEffect">
                                   <p:stCondLst>
                                     <p:cond delay="0"/>
                                   </p:stCondLst>
@@ -18112,21 +18112,21 @@
                                           </p:stCondLst>
                                         </p:cTn>
                                         <p:tgtEl>
-                                          <p:spTgt spid="184"/>
-                                        </p:tgtEl>
-                                        <p:attrNameLst>
-                                          <p:attrName>style.visibility</p:attrName>
-                                        </p:attrNameLst>
-                                      </p:cBhvr>
-                                      <p:to>
-                                        <p:strVal val="visible"/>
-                                      </p:to>
-                                    </p:set>
-                                  </p:childTnLst>
-                                </p:cTn>
-                              </p:par>
-                              <p:par>
-                                <p:cTn id="187" presetID="1" presetClass="entr" presetSubtype="0" fill="hold" nodeType="withEffect">
+                                          <p:spTgt spid="236"/>
+                                        </p:tgtEl>
+                                        <p:attrNameLst>
+                                          <p:attrName>style.visibility</p:attrName>
+                                        </p:attrNameLst>
+                                      </p:cBhvr>
+                                      <p:to>
+                                        <p:strVal val="visible"/>
+                                      </p:to>
+                                    </p:set>
+                                  </p:childTnLst>
+                                </p:cTn>
+                              </p:par>
+                              <p:par>
+                                <p:cTn id="187" presetID="1" presetClass="entr" presetSubtype="0" fill="hold" grpId="1" nodeType="withEffect">
                                   <p:stCondLst>
                                     <p:cond delay="0"/>
                                   </p:stCondLst>
@@ -18139,21 +18139,21 @@
                                           </p:stCondLst>
                                         </p:cTn>
                                         <p:tgtEl>
-                                          <p:spTgt spid="194"/>
-                                        </p:tgtEl>
-                                        <p:attrNameLst>
-                                          <p:attrName>style.visibility</p:attrName>
-                                        </p:attrNameLst>
-                                      </p:cBhvr>
-                                      <p:to>
-                                        <p:strVal val="visible"/>
-                                      </p:to>
-                                    </p:set>
-                                  </p:childTnLst>
-                                </p:cTn>
-                              </p:par>
-                              <p:par>
-                                <p:cTn id="189" presetID="1" presetClass="entr" presetSubtype="0" fill="hold" nodeType="withEffect">
+                                          <p:spTgt spid="237"/>
+                                        </p:tgtEl>
+                                        <p:attrNameLst>
+                                          <p:attrName>style.visibility</p:attrName>
+                                        </p:attrNameLst>
+                                      </p:cBhvr>
+                                      <p:to>
+                                        <p:strVal val="visible"/>
+                                      </p:to>
+                                    </p:set>
+                                  </p:childTnLst>
+                                </p:cTn>
+                              </p:par>
+                              <p:par>
+                                <p:cTn id="189" presetID="1" presetClass="entr" presetSubtype="0" fill="hold" grpId="1" nodeType="withEffect">
                                   <p:stCondLst>
                                     <p:cond delay="0"/>
                                   </p:stCondLst>
@@ -18166,21 +18166,21 @@
                                           </p:stCondLst>
                                         </p:cTn>
                                         <p:tgtEl>
-                                          <p:spTgt spid="150"/>
-                                        </p:tgtEl>
-                                        <p:attrNameLst>
-                                          <p:attrName>style.visibility</p:attrName>
-                                        </p:attrNameLst>
-                                      </p:cBhvr>
-                                      <p:to>
-                                        <p:strVal val="visible"/>
-                                      </p:to>
-                                    </p:set>
-                                  </p:childTnLst>
-                                </p:cTn>
-                              </p:par>
-                              <p:par>
-                                <p:cTn id="191" presetID="1" presetClass="entr" presetSubtype="0" fill="hold" nodeType="withEffect">
+                                          <p:spTgt spid="64"/>
+                                        </p:tgtEl>
+                                        <p:attrNameLst>
+                                          <p:attrName>style.visibility</p:attrName>
+                                        </p:attrNameLst>
+                                      </p:cBhvr>
+                                      <p:to>
+                                        <p:strVal val="visible"/>
+                                      </p:to>
+                                    </p:set>
+                                  </p:childTnLst>
+                                </p:cTn>
+                              </p:par>
+                              <p:par>
+                                <p:cTn id="191" presetID="1" presetClass="entr" presetSubtype="0" fill="hold" grpId="1" nodeType="withEffect">
                                   <p:stCondLst>
                                     <p:cond delay="0"/>
                                   </p:stCondLst>
@@ -18193,7 +18193,7 @@
                                           </p:stCondLst>
                                         </p:cTn>
                                         <p:tgtEl>
-                                          <p:spTgt spid="190"/>
+                                          <p:spTgt spid="63"/>
                                         </p:tgtEl>
                                         <p:attrNameLst>
                                           <p:attrName>style.visibility</p:attrName>
@@ -18220,21 +18220,21 @@
                                           </p:stCondLst>
                                         </p:cTn>
                                         <p:tgtEl>
-                                          <p:spTgt spid="236"/>
-                                        </p:tgtEl>
-                                        <p:attrNameLst>
-                                          <p:attrName>style.visibility</p:attrName>
-                                        </p:attrNameLst>
-                                      </p:cBhvr>
-                                      <p:to>
-                                        <p:strVal val="visible"/>
-                                      </p:to>
-                                    </p:set>
-                                  </p:childTnLst>
-                                </p:cTn>
-                              </p:par>
-                              <p:par>
-                                <p:cTn id="195" presetID="1" presetClass="entr" presetSubtype="0" fill="hold" grpId="1" nodeType="withEffect">
+                                          <p:spTgt spid="12"/>
+                                        </p:tgtEl>
+                                        <p:attrNameLst>
+                                          <p:attrName>style.visibility</p:attrName>
+                                        </p:attrNameLst>
+                                      </p:cBhvr>
+                                      <p:to>
+                                        <p:strVal val="visible"/>
+                                      </p:to>
+                                    </p:set>
+                                  </p:childTnLst>
+                                </p:cTn>
+                              </p:par>
+                              <p:par>
+                                <p:cTn id="195" presetID="1" presetClass="entr" presetSubtype="0" fill="hold" nodeType="withEffect">
                                   <p:stCondLst>
                                     <p:cond delay="0"/>
                                   </p:stCondLst>
@@ -18247,21 +18247,21 @@
                                           </p:stCondLst>
                                         </p:cTn>
                                         <p:tgtEl>
-                                          <p:spTgt spid="237"/>
-                                        </p:tgtEl>
-                                        <p:attrNameLst>
-                                          <p:attrName>style.visibility</p:attrName>
-                                        </p:attrNameLst>
-                                      </p:cBhvr>
-                                      <p:to>
-                                        <p:strVal val="visible"/>
-                                      </p:to>
-                                    </p:set>
-                                  </p:childTnLst>
-                                </p:cTn>
-                              </p:par>
-                              <p:par>
-                                <p:cTn id="197" presetID="1" presetClass="entr" presetSubtype="0" fill="hold" grpId="1" nodeType="withEffect">
+                                          <p:spTgt spid="158"/>
+                                        </p:tgtEl>
+                                        <p:attrNameLst>
+                                          <p:attrName>style.visibility</p:attrName>
+                                        </p:attrNameLst>
+                                      </p:cBhvr>
+                                      <p:to>
+                                        <p:strVal val="visible"/>
+                                      </p:to>
+                                    </p:set>
+                                  </p:childTnLst>
+                                </p:cTn>
+                              </p:par>
+                              <p:par>
+                                <p:cTn id="197" presetID="1" presetClass="entr" presetSubtype="0" fill="hold" nodeType="withEffect">
                                   <p:stCondLst>
                                     <p:cond delay="0"/>
                                   </p:stCondLst>
@@ -18274,21 +18274,21 @@
                                           </p:stCondLst>
                                         </p:cTn>
                                         <p:tgtEl>
-                                          <p:spTgt spid="64"/>
-                                        </p:tgtEl>
-                                        <p:attrNameLst>
-                                          <p:attrName>style.visibility</p:attrName>
-                                        </p:attrNameLst>
-                                      </p:cBhvr>
-                                      <p:to>
-                                        <p:strVal val="visible"/>
-                                      </p:to>
-                                    </p:set>
-                                  </p:childTnLst>
-                                </p:cTn>
-                              </p:par>
-                              <p:par>
-                                <p:cTn id="199" presetID="1" presetClass="entr" presetSubtype="0" fill="hold" grpId="1" nodeType="withEffect">
+                                          <p:spTgt spid="218"/>
+                                        </p:tgtEl>
+                                        <p:attrNameLst>
+                                          <p:attrName>style.visibility</p:attrName>
+                                        </p:attrNameLst>
+                                      </p:cBhvr>
+                                      <p:to>
+                                        <p:strVal val="visible"/>
+                                      </p:to>
+                                    </p:set>
+                                  </p:childTnLst>
+                                </p:cTn>
+                              </p:par>
+                              <p:par>
+                                <p:cTn id="199" presetID="1" presetClass="entr" presetSubtype="0" fill="hold" nodeType="withEffect">
                                   <p:stCondLst>
                                     <p:cond delay="0"/>
                                   </p:stCondLst>
@@ -18301,21 +18301,21 @@
                                           </p:stCondLst>
                                         </p:cTn>
                                         <p:tgtEl>
-                                          <p:spTgt spid="63"/>
-                                        </p:tgtEl>
-                                        <p:attrNameLst>
-                                          <p:attrName>style.visibility</p:attrName>
-                                        </p:attrNameLst>
-                                      </p:cBhvr>
-                                      <p:to>
-                                        <p:strVal val="visible"/>
-                                      </p:to>
-                                    </p:set>
-                                  </p:childTnLst>
-                                </p:cTn>
-                              </p:par>
-                              <p:par>
-                                <p:cTn id="201" presetID="1" presetClass="entr" presetSubtype="0" fill="hold" grpId="1" nodeType="withEffect">
+                                          <p:spTgt spid="222"/>
+                                        </p:tgtEl>
+                                        <p:attrNameLst>
+                                          <p:attrName>style.visibility</p:attrName>
+                                        </p:attrNameLst>
+                                      </p:cBhvr>
+                                      <p:to>
+                                        <p:strVal val="visible"/>
+                                      </p:to>
+                                    </p:set>
+                                  </p:childTnLst>
+                                </p:cTn>
+                              </p:par>
+                              <p:par>
+                                <p:cTn id="201" presetID="1" presetClass="entr" presetSubtype="0" fill="hold" nodeType="withEffect">
                                   <p:stCondLst>
                                     <p:cond delay="0"/>
                                   </p:stCondLst>
@@ -18328,7 +18328,7 @@
                                           </p:stCondLst>
                                         </p:cTn>
                                         <p:tgtEl>
-                                          <p:spTgt spid="12"/>
+                                          <p:spTgt spid="201"/>
                                         </p:tgtEl>
                                         <p:attrNameLst>
                                           <p:attrName>style.visibility</p:attrName>
@@ -18355,7 +18355,7 @@
                                           </p:stCondLst>
                                         </p:cTn>
                                         <p:tgtEl>
-                                          <p:spTgt spid="158"/>
+                                          <p:spTgt spid="151"/>
                                         </p:tgtEl>
                                         <p:attrNameLst>
                                           <p:attrName>style.visibility</p:attrName>
@@ -18382,7 +18382,7 @@
                                           </p:stCondLst>
                                         </p:cTn>
                                         <p:tgtEl>
-                                          <p:spTgt spid="218"/>
+                                          <p:spTgt spid="199"/>
                                         </p:tgtEl>
                                         <p:attrNameLst>
                                           <p:attrName>style.visibility</p:attrName>
@@ -18409,7 +18409,7 @@
                                           </p:stCondLst>
                                         </p:cTn>
                                         <p:tgtEl>
-                                          <p:spTgt spid="222"/>
+                                          <p:spTgt spid="204"/>
                                         </p:tgtEl>
                                         <p:attrNameLst>
                                           <p:attrName>style.visibility</p:attrName>
@@ -18436,21 +18436,21 @@
                                           </p:stCondLst>
                                         </p:cTn>
                                         <p:tgtEl>
-                                          <p:spTgt spid="201"/>
-                                        </p:tgtEl>
-                                        <p:attrNameLst>
-                                          <p:attrName>style.visibility</p:attrName>
-                                        </p:attrNameLst>
-                                      </p:cBhvr>
-                                      <p:to>
-                                        <p:strVal val="visible"/>
-                                      </p:to>
-                                    </p:set>
-                                  </p:childTnLst>
-                                </p:cTn>
-                              </p:par>
-                              <p:par>
-                                <p:cTn id="211" presetID="1" presetClass="entr" presetSubtype="0" fill="hold" nodeType="withEffect">
+                                          <p:spTgt spid="213"/>
+                                        </p:tgtEl>
+                                        <p:attrNameLst>
+                                          <p:attrName>style.visibility</p:attrName>
+                                        </p:attrNameLst>
+                                      </p:cBhvr>
+                                      <p:to>
+                                        <p:strVal val="visible"/>
+                                      </p:to>
+                                    </p:set>
+                                  </p:childTnLst>
+                                </p:cTn>
+                              </p:par>
+                              <p:par>
+                                <p:cTn id="211" presetID="1" presetClass="entr" presetSubtype="0" fill="hold" grpId="1" nodeType="withEffect">
                                   <p:stCondLst>
                                     <p:cond delay="0"/>
                                   </p:stCondLst>
@@ -18463,21 +18463,21 @@
                                           </p:stCondLst>
                                         </p:cTn>
                                         <p:tgtEl>
-                                          <p:spTgt spid="151"/>
-                                        </p:tgtEl>
-                                        <p:attrNameLst>
-                                          <p:attrName>style.visibility</p:attrName>
-                                        </p:attrNameLst>
-                                      </p:cBhvr>
-                                      <p:to>
-                                        <p:strVal val="visible"/>
-                                      </p:to>
-                                    </p:set>
-                                  </p:childTnLst>
-                                </p:cTn>
-                              </p:par>
-                              <p:par>
-                                <p:cTn id="213" presetID="1" presetClass="entr" presetSubtype="0" fill="hold" nodeType="withEffect">
+                                          <p:spTgt spid="240"/>
+                                        </p:tgtEl>
+                                        <p:attrNameLst>
+                                          <p:attrName>style.visibility</p:attrName>
+                                        </p:attrNameLst>
+                                      </p:cBhvr>
+                                      <p:to>
+                                        <p:strVal val="visible"/>
+                                      </p:to>
+                                    </p:set>
+                                  </p:childTnLst>
+                                </p:cTn>
+                              </p:par>
+                              <p:par>
+                                <p:cTn id="213" presetID="1" presetClass="entr" presetSubtype="0" fill="hold" grpId="1" nodeType="withEffect">
                                   <p:stCondLst>
                                     <p:cond delay="0"/>
                                   </p:stCondLst>
@@ -18490,21 +18490,21 @@
                                           </p:stCondLst>
                                         </p:cTn>
                                         <p:tgtEl>
-                                          <p:spTgt spid="199"/>
-                                        </p:tgtEl>
-                                        <p:attrNameLst>
-                                          <p:attrName>style.visibility</p:attrName>
-                                        </p:attrNameLst>
-                                      </p:cBhvr>
-                                      <p:to>
-                                        <p:strVal val="visible"/>
-                                      </p:to>
-                                    </p:set>
-                                  </p:childTnLst>
-                                </p:cTn>
-                              </p:par>
-                              <p:par>
-                                <p:cTn id="215" presetID="1" presetClass="entr" presetSubtype="0" fill="hold" nodeType="withEffect">
+                                          <p:spTgt spid="239"/>
+                                        </p:tgtEl>
+                                        <p:attrNameLst>
+                                          <p:attrName>style.visibility</p:attrName>
+                                        </p:attrNameLst>
+                                      </p:cBhvr>
+                                      <p:to>
+                                        <p:strVal val="visible"/>
+                                      </p:to>
+                                    </p:set>
+                                  </p:childTnLst>
+                                </p:cTn>
+                              </p:par>
+                              <p:par>
+                                <p:cTn id="215" presetID="1" presetClass="entr" presetSubtype="0" fill="hold" grpId="1" nodeType="withEffect">
                                   <p:stCondLst>
                                     <p:cond delay="0"/>
                                   </p:stCondLst>
@@ -18517,21 +18517,21 @@
                                           </p:stCondLst>
                                         </p:cTn>
                                         <p:tgtEl>
-                                          <p:spTgt spid="204"/>
-                                        </p:tgtEl>
-                                        <p:attrNameLst>
-                                          <p:attrName>style.visibility</p:attrName>
-                                        </p:attrNameLst>
-                                      </p:cBhvr>
-                                      <p:to>
-                                        <p:strVal val="visible"/>
-                                      </p:to>
-                                    </p:set>
-                                  </p:childTnLst>
-                                </p:cTn>
-                              </p:par>
-                              <p:par>
-                                <p:cTn id="217" presetID="1" presetClass="entr" presetSubtype="0" fill="hold" nodeType="withEffect">
+                                          <p:spTgt spid="13"/>
+                                        </p:tgtEl>
+                                        <p:attrNameLst>
+                                          <p:attrName>style.visibility</p:attrName>
+                                        </p:attrNameLst>
+                                      </p:cBhvr>
+                                      <p:to>
+                                        <p:strVal val="visible"/>
+                                      </p:to>
+                                    </p:set>
+                                  </p:childTnLst>
+                                </p:cTn>
+                              </p:par>
+                              <p:par>
+                                <p:cTn id="217" presetID="1" presetClass="entr" presetSubtype="0" fill="hold" grpId="1" nodeType="withEffect">
                                   <p:stCondLst>
                                     <p:cond delay="0"/>
                                   </p:stCondLst>
@@ -18544,7 +18544,7 @@
                                           </p:stCondLst>
                                         </p:cTn>
                                         <p:tgtEl>
-                                          <p:spTgt spid="213"/>
+                                          <p:spTgt spid="66"/>
                                         </p:tgtEl>
                                         <p:attrNameLst>
                                           <p:attrName>style.visibility</p:attrName>
@@ -18571,21 +18571,21 @@
                                           </p:stCondLst>
                                         </p:cTn>
                                         <p:tgtEl>
-                                          <p:spTgt spid="240"/>
-                                        </p:tgtEl>
-                                        <p:attrNameLst>
-                                          <p:attrName>style.visibility</p:attrName>
-                                        </p:attrNameLst>
-                                      </p:cBhvr>
-                                      <p:to>
-                                        <p:strVal val="visible"/>
-                                      </p:to>
-                                    </p:set>
-                                  </p:childTnLst>
-                                </p:cTn>
-                              </p:par>
-                              <p:par>
-                                <p:cTn id="221" presetID="1" presetClass="entr" presetSubtype="0" fill="hold" grpId="1" nodeType="withEffect">
+                                          <p:spTgt spid="65"/>
+                                        </p:tgtEl>
+                                        <p:attrNameLst>
+                                          <p:attrName>style.visibility</p:attrName>
+                                        </p:attrNameLst>
+                                      </p:cBhvr>
+                                      <p:to>
+                                        <p:strVal val="visible"/>
+                                      </p:to>
+                                    </p:set>
+                                  </p:childTnLst>
+                                </p:cTn>
+                              </p:par>
+                              <p:par>
+                                <p:cTn id="221" presetID="1" presetClass="entr" presetSubtype="0" fill="hold" nodeType="withEffect">
                                   <p:stCondLst>
                                     <p:cond delay="0"/>
                                   </p:stCondLst>
@@ -18598,21 +18598,21 @@
                                           </p:stCondLst>
                                         </p:cTn>
                                         <p:tgtEl>
-                                          <p:spTgt spid="239"/>
-                                        </p:tgtEl>
-                                        <p:attrNameLst>
-                                          <p:attrName>style.visibility</p:attrName>
-                                        </p:attrNameLst>
-                                      </p:cBhvr>
-                                      <p:to>
-                                        <p:strVal val="visible"/>
-                                      </p:to>
-                                    </p:set>
-                                  </p:childTnLst>
-                                </p:cTn>
-                              </p:par>
-                              <p:par>
-                                <p:cTn id="223" presetID="1" presetClass="entr" presetSubtype="0" fill="hold" grpId="1" nodeType="withEffect">
+                                          <p:spTgt spid="225"/>
+                                        </p:tgtEl>
+                                        <p:attrNameLst>
+                                          <p:attrName>style.visibility</p:attrName>
+                                        </p:attrNameLst>
+                                      </p:cBhvr>
+                                      <p:to>
+                                        <p:strVal val="visible"/>
+                                      </p:to>
+                                    </p:set>
+                                  </p:childTnLst>
+                                </p:cTn>
+                              </p:par>
+                              <p:par>
+                                <p:cTn id="223" presetID="1" presetClass="entr" presetSubtype="0" fill="hold" nodeType="withEffect">
                                   <p:stCondLst>
                                     <p:cond delay="0"/>
                                   </p:stCondLst>
@@ -18625,21 +18625,21 @@
                                           </p:stCondLst>
                                         </p:cTn>
                                         <p:tgtEl>
-                                          <p:spTgt spid="13"/>
-                                        </p:tgtEl>
-                                        <p:attrNameLst>
-                                          <p:attrName>style.visibility</p:attrName>
-                                        </p:attrNameLst>
-                                      </p:cBhvr>
-                                      <p:to>
-                                        <p:strVal val="visible"/>
-                                      </p:to>
-                                    </p:set>
-                                  </p:childTnLst>
-                                </p:cTn>
-                              </p:par>
-                              <p:par>
-                                <p:cTn id="225" presetID="1" presetClass="entr" presetSubtype="0" fill="hold" grpId="1" nodeType="withEffect">
+                                          <p:spTgt spid="228"/>
+                                        </p:tgtEl>
+                                        <p:attrNameLst>
+                                          <p:attrName>style.visibility</p:attrName>
+                                        </p:attrNameLst>
+                                      </p:cBhvr>
+                                      <p:to>
+                                        <p:strVal val="visible"/>
+                                      </p:to>
+                                    </p:set>
+                                  </p:childTnLst>
+                                </p:cTn>
+                              </p:par>
+                              <p:par>
+                                <p:cTn id="225" presetID="1" presetClass="entr" presetSubtype="0" fill="hold" nodeType="withEffect">
                                   <p:stCondLst>
                                     <p:cond delay="0"/>
                                   </p:stCondLst>
@@ -18652,21 +18652,21 @@
                                           </p:stCondLst>
                                         </p:cTn>
                                         <p:tgtEl>
-                                          <p:spTgt spid="66"/>
-                                        </p:tgtEl>
-                                        <p:attrNameLst>
-                                          <p:attrName>style.visibility</p:attrName>
-                                        </p:attrNameLst>
-                                      </p:cBhvr>
-                                      <p:to>
-                                        <p:strVal val="visible"/>
-                                      </p:to>
-                                    </p:set>
-                                  </p:childTnLst>
-                                </p:cTn>
-                              </p:par>
-                              <p:par>
-                                <p:cTn id="227" presetID="1" presetClass="entr" presetSubtype="0" fill="hold" grpId="1" nodeType="withEffect">
+                                          <p:spTgt spid="159"/>
+                                        </p:tgtEl>
+                                        <p:attrNameLst>
+                                          <p:attrName>style.visibility</p:attrName>
+                                        </p:attrNameLst>
+                                      </p:cBhvr>
+                                      <p:to>
+                                        <p:strVal val="visible"/>
+                                      </p:to>
+                                    </p:set>
+                                  </p:childTnLst>
+                                </p:cTn>
+                              </p:par>
+                              <p:par>
+                                <p:cTn id="227" presetID="1" presetClass="entr" presetSubtype="0" fill="hold" nodeType="withEffect">
                                   <p:stCondLst>
                                     <p:cond delay="0"/>
                                   </p:stCondLst>
@@ -18679,7 +18679,7 @@
                                           </p:stCondLst>
                                         </p:cTn>
                                         <p:tgtEl>
-                                          <p:spTgt spid="65"/>
+                                          <p:spTgt spid="206"/>
                                         </p:tgtEl>
                                         <p:attrNameLst>
                                           <p:attrName>style.visibility</p:attrName>
@@ -18706,21 +18706,21 @@
                                           </p:stCondLst>
                                         </p:cTn>
                                         <p:tgtEl>
-                                          <p:spTgt spid="225"/>
-                                        </p:tgtEl>
-                                        <p:attrNameLst>
-                                          <p:attrName>style.visibility</p:attrName>
-                                        </p:attrNameLst>
-                                      </p:cBhvr>
-                                      <p:to>
-                                        <p:strVal val="visible"/>
-                                      </p:to>
-                                    </p:set>
-                                  </p:childTnLst>
-                                </p:cTn>
-                              </p:par>
-                              <p:par>
-                                <p:cTn id="231" presetID="1" presetClass="entr" presetSubtype="0" fill="hold" nodeType="withEffect">
+                                          <p:spTgt spid="152"/>
+                                        </p:tgtEl>
+                                        <p:attrNameLst>
+                                          <p:attrName>style.visibility</p:attrName>
+                                        </p:attrNameLst>
+                                      </p:cBhvr>
+                                      <p:to>
+                                        <p:strVal val="visible"/>
+                                      </p:to>
+                                    </p:set>
+                                  </p:childTnLst>
+                                </p:cTn>
+                              </p:par>
+                              <p:par>
+                                <p:cTn id="231" presetID="1" presetClass="entr" presetSubtype="0" fill="hold" grpId="1" nodeType="withEffect">
                                   <p:stCondLst>
                                     <p:cond delay="0"/>
                                   </p:stCondLst>
@@ -18733,21 +18733,21 @@
                                           </p:stCondLst>
                                         </p:cTn>
                                         <p:tgtEl>
-                                          <p:spTgt spid="228"/>
-                                        </p:tgtEl>
-                                        <p:attrNameLst>
-                                          <p:attrName>style.visibility</p:attrName>
-                                        </p:attrNameLst>
-                                      </p:cBhvr>
-                                      <p:to>
-                                        <p:strVal val="visible"/>
-                                      </p:to>
-                                    </p:set>
-                                  </p:childTnLst>
-                                </p:cTn>
-                              </p:par>
-                              <p:par>
-                                <p:cTn id="233" presetID="1" presetClass="entr" presetSubtype="0" fill="hold" nodeType="withEffect">
+                                          <p:spTgt spid="241"/>
+                                        </p:tgtEl>
+                                        <p:attrNameLst>
+                                          <p:attrName>style.visibility</p:attrName>
+                                        </p:attrNameLst>
+                                      </p:cBhvr>
+                                      <p:to>
+                                        <p:strVal val="visible"/>
+                                      </p:to>
+                                    </p:set>
+                                  </p:childTnLst>
+                                </p:cTn>
+                              </p:par>
+                              <p:par>
+                                <p:cTn id="233" presetID="1" presetClass="entr" presetSubtype="0" fill="hold" grpId="1" nodeType="withEffect">
                                   <p:stCondLst>
                                     <p:cond delay="0"/>
                                   </p:stCondLst>
@@ -18760,21 +18760,21 @@
                                           </p:stCondLst>
                                         </p:cTn>
                                         <p:tgtEl>
-                                          <p:spTgt spid="159"/>
-                                        </p:tgtEl>
-                                        <p:attrNameLst>
-                                          <p:attrName>style.visibility</p:attrName>
-                                        </p:attrNameLst>
-                                      </p:cBhvr>
-                                      <p:to>
-                                        <p:strVal val="visible"/>
-                                      </p:to>
-                                    </p:set>
-                                  </p:childTnLst>
-                                </p:cTn>
-                              </p:par>
-                              <p:par>
-                                <p:cTn id="235" presetID="1" presetClass="entr" presetSubtype="0" fill="hold" nodeType="withEffect">
+                                          <p:spTgt spid="242"/>
+                                        </p:tgtEl>
+                                        <p:attrNameLst>
+                                          <p:attrName>style.visibility</p:attrName>
+                                        </p:attrNameLst>
+                                      </p:cBhvr>
+                                      <p:to>
+                                        <p:strVal val="visible"/>
+                                      </p:to>
+                                    </p:set>
+                                  </p:childTnLst>
+                                </p:cTn>
+                              </p:par>
+                              <p:par>
+                                <p:cTn id="235" presetID="1" presetClass="entr" presetSubtype="0" fill="hold" grpId="1" nodeType="withEffect">
                                   <p:stCondLst>
                                     <p:cond delay="0"/>
                                   </p:stCondLst>
@@ -18787,21 +18787,21 @@
                                           </p:stCondLst>
                                         </p:cTn>
                                         <p:tgtEl>
-                                          <p:spTgt spid="206"/>
-                                        </p:tgtEl>
-                                        <p:attrNameLst>
-                                          <p:attrName>style.visibility</p:attrName>
-                                        </p:attrNameLst>
-                                      </p:cBhvr>
-                                      <p:to>
-                                        <p:strVal val="visible"/>
-                                      </p:to>
-                                    </p:set>
-                                  </p:childTnLst>
-                                </p:cTn>
-                              </p:par>
-                              <p:par>
-                                <p:cTn id="237" presetID="1" presetClass="entr" presetSubtype="0" fill="hold" nodeType="withEffect">
+                                          <p:spTgt spid="68"/>
+                                        </p:tgtEl>
+                                        <p:attrNameLst>
+                                          <p:attrName>style.visibility</p:attrName>
+                                        </p:attrNameLst>
+                                      </p:cBhvr>
+                                      <p:to>
+                                        <p:strVal val="visible"/>
+                                      </p:to>
+                                    </p:set>
+                                  </p:childTnLst>
+                                </p:cTn>
+                              </p:par>
+                              <p:par>
+                                <p:cTn id="237" presetID="1" presetClass="entr" presetSubtype="0" fill="hold" grpId="1" nodeType="withEffect">
                                   <p:stCondLst>
                                     <p:cond delay="0"/>
                                   </p:stCondLst>
@@ -18814,7 +18814,7 @@
                                           </p:stCondLst>
                                         </p:cTn>
                                         <p:tgtEl>
-                                          <p:spTgt spid="152"/>
+                                          <p:spTgt spid="67"/>
                                         </p:tgtEl>
                                         <p:attrNameLst>
                                           <p:attrName>style.visibility</p:attrName>
@@ -18841,21 +18841,21 @@
                                           </p:stCondLst>
                                         </p:cTn>
                                         <p:tgtEl>
-                                          <p:spTgt spid="241"/>
-                                        </p:tgtEl>
-                                        <p:attrNameLst>
-                                          <p:attrName>style.visibility</p:attrName>
-                                        </p:attrNameLst>
-                                      </p:cBhvr>
-                                      <p:to>
-                                        <p:strVal val="visible"/>
-                                      </p:to>
-                                    </p:set>
-                                  </p:childTnLst>
-                                </p:cTn>
-                              </p:par>
-                              <p:par>
-                                <p:cTn id="241" presetID="1" presetClass="entr" presetSubtype="0" fill="hold" grpId="1" nodeType="withEffect">
+                                          <p:spTgt spid="14"/>
+                                        </p:tgtEl>
+                                        <p:attrNameLst>
+                                          <p:attrName>style.visibility</p:attrName>
+                                        </p:attrNameLst>
+                                      </p:cBhvr>
+                                      <p:to>
+                                        <p:strVal val="visible"/>
+                                      </p:to>
+                                    </p:set>
+                                  </p:childTnLst>
+                                </p:cTn>
+                              </p:par>
+                              <p:par>
+                                <p:cTn id="241" presetID="1" presetClass="entr" presetSubtype="0" fill="hold" nodeType="withEffect">
                                   <p:stCondLst>
                                     <p:cond delay="0"/>
                                   </p:stCondLst>
@@ -18868,21 +18868,21 @@
                                           </p:stCondLst>
                                         </p:cTn>
                                         <p:tgtEl>
-                                          <p:spTgt spid="242"/>
-                                        </p:tgtEl>
-                                        <p:attrNameLst>
-                                          <p:attrName>style.visibility</p:attrName>
-                                        </p:attrNameLst>
-                                      </p:cBhvr>
-                                      <p:to>
-                                        <p:strVal val="visible"/>
-                                      </p:to>
-                                    </p:set>
-                                  </p:childTnLst>
-                                </p:cTn>
-                              </p:par>
-                              <p:par>
-                                <p:cTn id="243" presetID="1" presetClass="entr" presetSubtype="0" fill="hold" grpId="1" nodeType="withEffect">
+                                          <p:spTgt spid="160"/>
+                                        </p:tgtEl>
+                                        <p:attrNameLst>
+                                          <p:attrName>style.visibility</p:attrName>
+                                        </p:attrNameLst>
+                                      </p:cBhvr>
+                                      <p:to>
+                                        <p:strVal val="visible"/>
+                                      </p:to>
+                                    </p:set>
+                                  </p:childTnLst>
+                                </p:cTn>
+                              </p:par>
+                              <p:par>
+                                <p:cTn id="243" presetID="1" presetClass="entr" presetSubtype="0" fill="hold" nodeType="withEffect">
                                   <p:stCondLst>
                                     <p:cond delay="0"/>
                                   </p:stCondLst>
@@ -18895,21 +18895,21 @@
                                           </p:stCondLst>
                                         </p:cTn>
                                         <p:tgtEl>
-                                          <p:spTgt spid="68"/>
-                                        </p:tgtEl>
-                                        <p:attrNameLst>
-                                          <p:attrName>style.visibility</p:attrName>
-                                        </p:attrNameLst>
-                                      </p:cBhvr>
-                                      <p:to>
-                                        <p:strVal val="visible"/>
-                                      </p:to>
-                                    </p:set>
-                                  </p:childTnLst>
-                                </p:cTn>
-                              </p:par>
-                              <p:par>
-                                <p:cTn id="245" presetID="1" presetClass="entr" presetSubtype="0" fill="hold" grpId="1" nodeType="withEffect">
+                                          <p:spTgt spid="232"/>
+                                        </p:tgtEl>
+                                        <p:attrNameLst>
+                                          <p:attrName>style.visibility</p:attrName>
+                                        </p:attrNameLst>
+                                      </p:cBhvr>
+                                      <p:to>
+                                        <p:strVal val="visible"/>
+                                      </p:to>
+                                    </p:set>
+                                  </p:childTnLst>
+                                </p:cTn>
+                              </p:par>
+                              <p:par>
+                                <p:cTn id="245" presetID="1" presetClass="entr" presetSubtype="0" fill="hold" nodeType="withEffect">
                                   <p:stCondLst>
                                     <p:cond delay="0"/>
                                   </p:stCondLst>
@@ -18922,21 +18922,21 @@
                                           </p:stCondLst>
                                         </p:cTn>
                                         <p:tgtEl>
-                                          <p:spTgt spid="67"/>
-                                        </p:tgtEl>
-                                        <p:attrNameLst>
-                                          <p:attrName>style.visibility</p:attrName>
-                                        </p:attrNameLst>
-                                      </p:cBhvr>
-                                      <p:to>
-                                        <p:strVal val="visible"/>
-                                      </p:to>
-                                    </p:set>
-                                  </p:childTnLst>
-                                </p:cTn>
-                              </p:par>
-                              <p:par>
-                                <p:cTn id="247" presetID="1" presetClass="entr" presetSubtype="0" fill="hold" grpId="1" nodeType="withEffect">
+                                          <p:spTgt spid="230"/>
+                                        </p:tgtEl>
+                                        <p:attrNameLst>
+                                          <p:attrName>style.visibility</p:attrName>
+                                        </p:attrNameLst>
+                                      </p:cBhvr>
+                                      <p:to>
+                                        <p:strVal val="visible"/>
+                                      </p:to>
+                                    </p:set>
+                                  </p:childTnLst>
+                                </p:cTn>
+                              </p:par>
+                              <p:par>
+                                <p:cTn id="247" presetID="1" presetClass="entr" presetSubtype="0" fill="hold" nodeType="withEffect">
                                   <p:stCondLst>
                                     <p:cond delay="0"/>
                                   </p:stCondLst>
@@ -18949,7 +18949,7 @@
                                           </p:stCondLst>
                                         </p:cTn>
                                         <p:tgtEl>
-                                          <p:spTgt spid="14"/>
+                                          <p:spTgt spid="215"/>
                                         </p:tgtEl>
                                         <p:attrNameLst>
                                           <p:attrName>style.visibility</p:attrName>
@@ -18976,21 +18976,21 @@
                                           </p:stCondLst>
                                         </p:cTn>
                                         <p:tgtEl>
-                                          <p:spTgt spid="160"/>
-                                        </p:tgtEl>
-                                        <p:attrNameLst>
-                                          <p:attrName>style.visibility</p:attrName>
-                                        </p:attrNameLst>
-                                      </p:cBhvr>
-                                      <p:to>
-                                        <p:strVal val="visible"/>
-                                      </p:to>
-                                    </p:set>
-                                  </p:childTnLst>
-                                </p:cTn>
-                              </p:par>
-                              <p:par>
-                                <p:cTn id="251" presetID="1" presetClass="entr" presetSubtype="0" fill="hold" nodeType="withEffect">
+                                          <p:spTgt spid="155"/>
+                                        </p:tgtEl>
+                                        <p:attrNameLst>
+                                          <p:attrName>style.visibility</p:attrName>
+                                        </p:attrNameLst>
+                                      </p:cBhvr>
+                                      <p:to>
+                                        <p:strVal val="visible"/>
+                                      </p:to>
+                                    </p:set>
+                                  </p:childTnLst>
+                                </p:cTn>
+                              </p:par>
+                              <p:par>
+                                <p:cTn id="251" presetID="1" presetClass="entr" presetSubtype="0" fill="hold" grpId="1" nodeType="withEffect">
                                   <p:stCondLst>
                                     <p:cond delay="0"/>
                                   </p:stCondLst>
@@ -19003,21 +19003,21 @@
                                           </p:stCondLst>
                                         </p:cTn>
                                         <p:tgtEl>
-                                          <p:spTgt spid="232"/>
-                                        </p:tgtEl>
-                                        <p:attrNameLst>
-                                          <p:attrName>style.visibility</p:attrName>
-                                        </p:attrNameLst>
-                                      </p:cBhvr>
-                                      <p:to>
-                                        <p:strVal val="visible"/>
-                                      </p:to>
-                                    </p:set>
-                                  </p:childTnLst>
-                                </p:cTn>
-                              </p:par>
-                              <p:par>
-                                <p:cTn id="253" presetID="1" presetClass="entr" presetSubtype="0" fill="hold" nodeType="withEffect">
+                                          <p:spTgt spid="244"/>
+                                        </p:tgtEl>
+                                        <p:attrNameLst>
+                                          <p:attrName>style.visibility</p:attrName>
+                                        </p:attrNameLst>
+                                      </p:cBhvr>
+                                      <p:to>
+                                        <p:strVal val="visible"/>
+                                      </p:to>
+                                    </p:set>
+                                  </p:childTnLst>
+                                </p:cTn>
+                              </p:par>
+                              <p:par>
+                                <p:cTn id="253" presetID="1" presetClass="entr" presetSubtype="0" fill="hold" grpId="1" nodeType="withEffect">
                                   <p:stCondLst>
                                     <p:cond delay="0"/>
                                   </p:stCondLst>
@@ -19030,21 +19030,21 @@
                                           </p:stCondLst>
                                         </p:cTn>
                                         <p:tgtEl>
-                                          <p:spTgt spid="230"/>
-                                        </p:tgtEl>
-                                        <p:attrNameLst>
-                                          <p:attrName>style.visibility</p:attrName>
-                                        </p:attrNameLst>
-                                      </p:cBhvr>
-                                      <p:to>
-                                        <p:strVal val="visible"/>
-                                      </p:to>
-                                    </p:set>
-                                  </p:childTnLst>
-                                </p:cTn>
-                              </p:par>
-                              <p:par>
-                                <p:cTn id="255" presetID="1" presetClass="entr" presetSubtype="0" fill="hold" nodeType="withEffect">
+                                          <p:spTgt spid="243"/>
+                                        </p:tgtEl>
+                                        <p:attrNameLst>
+                                          <p:attrName>style.visibility</p:attrName>
+                                        </p:attrNameLst>
+                                      </p:cBhvr>
+                                      <p:to>
+                                        <p:strVal val="visible"/>
+                                      </p:to>
+                                    </p:set>
+                                  </p:childTnLst>
+                                </p:cTn>
+                              </p:par>
+                              <p:par>
+                                <p:cTn id="255" presetID="1" presetClass="entr" presetSubtype="0" fill="hold" grpId="1" nodeType="withEffect">
                                   <p:stCondLst>
                                     <p:cond delay="0"/>
                                   </p:stCondLst>
@@ -19057,21 +19057,21 @@
                                           </p:stCondLst>
                                         </p:cTn>
                                         <p:tgtEl>
-                                          <p:spTgt spid="215"/>
-                                        </p:tgtEl>
-                                        <p:attrNameLst>
-                                          <p:attrName>style.visibility</p:attrName>
-                                        </p:attrNameLst>
-                                      </p:cBhvr>
-                                      <p:to>
-                                        <p:strVal val="visible"/>
-                                      </p:to>
-                                    </p:set>
-                                  </p:childTnLst>
-                                </p:cTn>
-                              </p:par>
-                              <p:par>
-                                <p:cTn id="257" presetID="1" presetClass="entr" presetSubtype="0" fill="hold" nodeType="withEffect">
+                                          <p:spTgt spid="70"/>
+                                        </p:tgtEl>
+                                        <p:attrNameLst>
+                                          <p:attrName>style.visibility</p:attrName>
+                                        </p:attrNameLst>
+                                      </p:cBhvr>
+                                      <p:to>
+                                        <p:strVal val="visible"/>
+                                      </p:to>
+                                    </p:set>
+                                  </p:childTnLst>
+                                </p:cTn>
+                              </p:par>
+                              <p:par>
+                                <p:cTn id="257" presetID="1" presetClass="entr" presetSubtype="0" fill="hold" grpId="1" nodeType="withEffect">
                                   <p:stCondLst>
                                     <p:cond delay="0"/>
                                   </p:stCondLst>
@@ -19084,7 +19084,7 @@
                                           </p:stCondLst>
                                         </p:cTn>
                                         <p:tgtEl>
-                                          <p:spTgt spid="155"/>
+                                          <p:spTgt spid="69"/>
                                         </p:tgtEl>
                                         <p:attrNameLst>
                                           <p:attrName>style.visibility</p:attrName>
@@ -19111,21 +19111,21 @@
                                           </p:stCondLst>
                                         </p:cTn>
                                         <p:tgtEl>
-                                          <p:spTgt spid="244"/>
-                                        </p:tgtEl>
-                                        <p:attrNameLst>
-                                          <p:attrName>style.visibility</p:attrName>
-                                        </p:attrNameLst>
-                                      </p:cBhvr>
-                                      <p:to>
-                                        <p:strVal val="visible"/>
-                                      </p:to>
-                                    </p:set>
-                                  </p:childTnLst>
-                                </p:cTn>
-                              </p:par>
-                              <p:par>
-                                <p:cTn id="261" presetID="1" presetClass="entr" presetSubtype="0" fill="hold" grpId="1" nodeType="withEffect">
+                                          <p:spTgt spid="15"/>
+                                        </p:tgtEl>
+                                        <p:attrNameLst>
+                                          <p:attrName>style.visibility</p:attrName>
+                                        </p:attrNameLst>
+                                      </p:cBhvr>
+                                      <p:to>
+                                        <p:strVal val="visible"/>
+                                      </p:to>
+                                    </p:set>
+                                  </p:childTnLst>
+                                </p:cTn>
+                              </p:par>
+                              <p:par>
+                                <p:cTn id="261" presetID="1" presetClass="entr" presetSubtype="0" fill="hold" nodeType="withEffect">
                                   <p:stCondLst>
                                     <p:cond delay="0"/>
                                   </p:stCondLst>
@@ -19138,21 +19138,21 @@
                                           </p:stCondLst>
                                         </p:cTn>
                                         <p:tgtEl>
-                                          <p:spTgt spid="243"/>
-                                        </p:tgtEl>
-                                        <p:attrNameLst>
-                                          <p:attrName>style.visibility</p:attrName>
-                                        </p:attrNameLst>
-                                      </p:cBhvr>
-                                      <p:to>
-                                        <p:strVal val="visible"/>
-                                      </p:to>
-                                    </p:set>
-                                  </p:childTnLst>
-                                </p:cTn>
-                              </p:par>
-                              <p:par>
-                                <p:cTn id="263" presetID="1" presetClass="entr" presetSubtype="0" fill="hold" grpId="1" nodeType="withEffect">
+                                          <p:spTgt spid="29"/>
+                                        </p:tgtEl>
+                                        <p:attrNameLst>
+                                          <p:attrName>style.visibility</p:attrName>
+                                        </p:attrNameLst>
+                                      </p:cBhvr>
+                                      <p:to>
+                                        <p:strVal val="visible"/>
+                                      </p:to>
+                                    </p:set>
+                                  </p:childTnLst>
+                                </p:cTn>
+                              </p:par>
+                              <p:par>
+                                <p:cTn id="263" presetID="1" presetClass="entr" presetSubtype="0" fill="hold" nodeType="withEffect">
                                   <p:stCondLst>
                                     <p:cond delay="0"/>
                                   </p:stCondLst>
@@ -19165,21 +19165,21 @@
                                           </p:stCondLst>
                                         </p:cTn>
                                         <p:tgtEl>
-                                          <p:spTgt spid="70"/>
-                                        </p:tgtEl>
-                                        <p:attrNameLst>
-                                          <p:attrName>style.visibility</p:attrName>
-                                        </p:attrNameLst>
-                                      </p:cBhvr>
-                                      <p:to>
-                                        <p:strVal val="visible"/>
-                                      </p:to>
-                                    </p:set>
-                                  </p:childTnLst>
-                                </p:cTn>
-                              </p:par>
-                              <p:par>
-                                <p:cTn id="265" presetID="1" presetClass="entr" presetSubtype="0" fill="hold" grpId="1" nodeType="withEffect">
+                                          <p:spTgt spid="35"/>
+                                        </p:tgtEl>
+                                        <p:attrNameLst>
+                                          <p:attrName>style.visibility</p:attrName>
+                                        </p:attrNameLst>
+                                      </p:cBhvr>
+                                      <p:to>
+                                        <p:strVal val="visible"/>
+                                      </p:to>
+                                    </p:set>
+                                  </p:childTnLst>
+                                </p:cTn>
+                              </p:par>
+                              <p:par>
+                                <p:cTn id="265" presetID="1" presetClass="entr" presetSubtype="0" fill="hold" grpId="0" nodeType="withEffect">
                                   <p:stCondLst>
                                     <p:cond delay="0"/>
                                   </p:stCondLst>
@@ -19192,21 +19192,21 @@
                                           </p:stCondLst>
                                         </p:cTn>
                                         <p:tgtEl>
-                                          <p:spTgt spid="69"/>
-                                        </p:tgtEl>
-                                        <p:attrNameLst>
-                                          <p:attrName>style.visibility</p:attrName>
-                                        </p:attrNameLst>
-                                      </p:cBhvr>
-                                      <p:to>
-                                        <p:strVal val="visible"/>
-                                      </p:to>
-                                    </p:set>
-                                  </p:childTnLst>
-                                </p:cTn>
-                              </p:par>
-                              <p:par>
-                                <p:cTn id="267" presetID="1" presetClass="entr" presetSubtype="0" fill="hold" grpId="1" nodeType="withEffect">
+                                          <p:spTgt spid="23"/>
+                                        </p:tgtEl>
+                                        <p:attrNameLst>
+                                          <p:attrName>style.visibility</p:attrName>
+                                        </p:attrNameLst>
+                                      </p:cBhvr>
+                                      <p:to>
+                                        <p:strVal val="visible"/>
+                                      </p:to>
+                                    </p:set>
+                                  </p:childTnLst>
+                                </p:cTn>
+                              </p:par>
+                              <p:par>
+                                <p:cTn id="267" presetID="1" presetClass="entr" presetSubtype="0" fill="hold" grpId="0" nodeType="withEffect">
                                   <p:stCondLst>
                                     <p:cond delay="0"/>
                                   </p:stCondLst>
@@ -19219,196 +19219,7 @@
                                           </p:stCondLst>
                                         </p:cTn>
                                         <p:tgtEl>
-                                          <p:spTgt spid="15"/>
-                                        </p:tgtEl>
-                                        <p:attrNameLst>
-                                          <p:attrName>style.visibility</p:attrName>
-                                        </p:attrNameLst>
-                                      </p:cBhvr>
-                                      <p:to>
-                                        <p:strVal val="visible"/>
-                                      </p:to>
-                                    </p:set>
-                                  </p:childTnLst>
-                                </p:cTn>
-                              </p:par>
-                              <p:par>
-                                <p:cTn id="269" presetID="1" presetClass="entr" presetSubtype="0" fill="hold" nodeType="withEffect">
-                                  <p:stCondLst>
-                                    <p:cond delay="0"/>
-                                  </p:stCondLst>
-                                  <p:childTnLst>
-                                    <p:set>
-                                      <p:cBhvr>
-                                        <p:cTn id="270" dur="1" fill="hold">
-                                          <p:stCondLst>
-                                            <p:cond delay="0"/>
-                                          </p:stCondLst>
-                                        </p:cTn>
-                                        <p:tgtEl>
-                                          <p:spTgt spid="29"/>
-                                        </p:tgtEl>
-                                        <p:attrNameLst>
-                                          <p:attrName>style.visibility</p:attrName>
-                                        </p:attrNameLst>
-                                      </p:cBhvr>
-                                      <p:to>
-                                        <p:strVal val="visible"/>
-                                      </p:to>
-                                    </p:set>
-                                  </p:childTnLst>
-                                </p:cTn>
-                              </p:par>
-                              <p:par>
-                                <p:cTn id="271" presetID="1" presetClass="entr" presetSubtype="0" fill="hold" nodeType="withEffect">
-                                  <p:stCondLst>
-                                    <p:cond delay="0"/>
-                                  </p:stCondLst>
-                                  <p:childTnLst>
-                                    <p:set>
-                                      <p:cBhvr>
-                                        <p:cTn id="272" dur="1" fill="hold">
-                                          <p:stCondLst>
-                                            <p:cond delay="0"/>
-                                          </p:stCondLst>
-                                        </p:cTn>
-                                        <p:tgtEl>
-                                          <p:spTgt spid="35"/>
-                                        </p:tgtEl>
-                                        <p:attrNameLst>
-                                          <p:attrName>style.visibility</p:attrName>
-                                        </p:attrNameLst>
-                                      </p:cBhvr>
-                                      <p:to>
-                                        <p:strVal val="visible"/>
-                                      </p:to>
-                                    </p:set>
-                                  </p:childTnLst>
-                                </p:cTn>
-                              </p:par>
-                              <p:par>
-                                <p:cTn id="273" presetID="1" presetClass="entr" presetSubtype="0" fill="hold" grpId="0" nodeType="withEffect">
-                                  <p:stCondLst>
-                                    <p:cond delay="0"/>
-                                  </p:stCondLst>
-                                  <p:childTnLst>
-                                    <p:set>
-                                      <p:cBhvr>
-                                        <p:cTn id="274" dur="1" fill="hold">
-                                          <p:stCondLst>
-                                            <p:cond delay="0"/>
-                                          </p:stCondLst>
-                                        </p:cTn>
-                                        <p:tgtEl>
-                                          <p:spTgt spid="23"/>
-                                        </p:tgtEl>
-                                        <p:attrNameLst>
-                                          <p:attrName>style.visibility</p:attrName>
-                                        </p:attrNameLst>
-                                      </p:cBhvr>
-                                      <p:to>
-                                        <p:strVal val="visible"/>
-                                      </p:to>
-                                    </p:set>
-                                  </p:childTnLst>
-                                </p:cTn>
-                              </p:par>
-                              <p:par>
-                                <p:cTn id="275" presetID="1" presetClass="entr" presetSubtype="0" fill="hold" grpId="0" nodeType="withEffect">
-                                  <p:stCondLst>
-                                    <p:cond delay="0"/>
-                                  </p:stCondLst>
-                                  <p:childTnLst>
-                                    <p:set>
-                                      <p:cBhvr>
-                                        <p:cTn id="276" dur="1" fill="hold">
-                                          <p:stCondLst>
-                                            <p:cond delay="0"/>
-                                          </p:stCondLst>
-                                        </p:cTn>
-                                        <p:tgtEl>
                                           <p:spTgt spid="43"/>
-                                        </p:tgtEl>
-                                        <p:attrNameLst>
-                                          <p:attrName>style.visibility</p:attrName>
-                                        </p:attrNameLst>
-                                      </p:cBhvr>
-                                      <p:to>
-                                        <p:strVal val="visible"/>
-                                      </p:to>
-                                    </p:set>
-                                  </p:childTnLst>
-                                </p:cTn>
-                              </p:par>
-                              <p:par>
-                                <p:cTn id="277" presetID="1" presetClass="entr" presetSubtype="0" fill="hold" grpId="1" nodeType="withEffect">
-                                  <p:stCondLst>
-                                    <p:cond delay="0"/>
-                                  </p:stCondLst>
-                                  <p:childTnLst>
-                                    <p:set>
-                                      <p:cBhvr>
-                                        <p:cTn id="278" dur="1" fill="hold">
-                                          <p:stCondLst>
-                                            <p:cond delay="0"/>
-                                          </p:stCondLst>
-                                        </p:cTn>
-                                        <p:tgtEl>
-                                          <p:spTgt spid="7"/>
-                                        </p:tgtEl>
-                                        <p:attrNameLst>
-                                          <p:attrName>style.visibility</p:attrName>
-                                        </p:attrNameLst>
-                                      </p:cBhvr>
-                                      <p:to>
-                                        <p:strVal val="visible"/>
-                                      </p:to>
-                                    </p:set>
-                                  </p:childTnLst>
-                                </p:cTn>
-                              </p:par>
-                              <p:par>
-                                <p:cTn id="279" presetID="1" presetClass="entr" presetSubtype="0" fill="hold" grpId="1" nodeType="withEffect">
-                                  <p:stCondLst>
-                                    <p:cond delay="0"/>
-                                  </p:stCondLst>
-                                  <p:childTnLst>
-                                    <p:set>
-                                      <p:cBhvr>
-                                        <p:cTn id="280" dur="1" fill="hold">
-                                          <p:stCondLst>
-                                            <p:cond delay="0"/>
-                                          </p:stCondLst>
-                                        </p:cTn>
-                                        <p:tgtEl>
-                                          <p:spTgt spid="5"/>
-                                        </p:tgtEl>
-                                        <p:attrNameLst>
-                                          <p:attrName>style.visibility</p:attrName>
-                                        </p:attrNameLst>
-                                      </p:cBhvr>
-                                      <p:to>
-                                        <p:strVal val="visible"/>
-                                      </p:to>
-                                    </p:set>
-                                  </p:childTnLst>
-                                </p:cTn>
-                              </p:par>
-                              <p:par>
-                                <p:cTn id="281" presetID="1" presetClass="entr" presetSubtype="0" fill="hold" grpId="0" nodeType="withEffect">
-                                  <p:stCondLst>
-                                    <p:cond delay="0"/>
-                                  </p:stCondLst>
-                                  <p:childTnLst>
-                                    <p:set>
-                                      <p:cBhvr>
-                                        <p:cTn id="282" dur="1" fill="hold">
-                                          <p:stCondLst>
-                                            <p:cond delay="0"/>
-                                          </p:stCondLst>
-                                        </p:cTn>
-                                        <p:tgtEl>
-                                          <p:spTgt spid="79"/>
                                         </p:tgtEl>
                                         <p:attrNameLst>
                                           <p:attrName>style.visibility</p:attrName>
@@ -19428,26 +19239,26 @@
                     </p:cTn>
                   </p:par>
                   <p:par>
-                    <p:cTn id="283" fill="hold">
+                    <p:cTn id="269" fill="hold">
                       <p:stCondLst>
                         <p:cond delay="indefinite"/>
                       </p:stCondLst>
                       <p:childTnLst>
                         <p:par>
-                          <p:cTn id="284" fill="hold">
+                          <p:cTn id="270" fill="hold">
                             <p:stCondLst>
                               <p:cond delay="0"/>
                             </p:stCondLst>
                             <p:childTnLst>
                               <p:par>
-                                <p:cTn id="285" presetID="1" presetClass="entr" presetSubtype="0" fill="hold" grpId="1" nodeType="clickEffect">
-                                  <p:stCondLst>
-                                    <p:cond delay="0"/>
-                                  </p:stCondLst>
-                                  <p:childTnLst>
-                                    <p:set>
-                                      <p:cBhvr>
-                                        <p:cTn id="286" dur="1" fill="hold">
+                                <p:cTn id="271" presetID="1" presetClass="entr" presetSubtype="0" fill="hold" grpId="1" nodeType="clickEffect">
+                                  <p:stCondLst>
+                                    <p:cond delay="0"/>
+                                  </p:stCondLst>
+                                  <p:childTnLst>
+                                    <p:set>
+                                      <p:cBhvr>
+                                        <p:cTn id="272" dur="1" fill="hold">
                                           <p:stCondLst>
                                             <p:cond delay="0"/>
                                           </p:stCondLst>
@@ -19473,19 +19284,199 @@
                     </p:cTn>
                   </p:par>
                   <p:par>
-                    <p:cTn id="287" fill="hold">
+                    <p:cTn id="273" fill="hold">
                       <p:stCondLst>
                         <p:cond delay="indefinite"/>
                       </p:stCondLst>
                       <p:childTnLst>
                         <p:par>
-                          <p:cTn id="288" fill="hold">
+                          <p:cTn id="274" fill="hold">
                             <p:stCondLst>
                               <p:cond delay="0"/>
                             </p:stCondLst>
                             <p:childTnLst>
                               <p:par>
-                                <p:cTn id="289" presetID="1" presetClass="entr" presetSubtype="0" fill="hold" grpId="3" nodeType="clickEffect">
+                                <p:cTn id="275" presetID="1" presetClass="entr" presetSubtype="0" fill="hold" grpId="1" nodeType="clickEffect">
+                                  <p:stCondLst>
+                                    <p:cond delay="0"/>
+                                  </p:stCondLst>
+                                  <p:childTnLst>
+                                    <p:set>
+                                      <p:cBhvr>
+                                        <p:cTn id="276" dur="1" fill="hold">
+                                          <p:stCondLst>
+                                            <p:cond delay="0"/>
+                                          </p:stCondLst>
+                                        </p:cTn>
+                                        <p:tgtEl>
+                                          <p:spTgt spid="7"/>
+                                        </p:tgtEl>
+                                        <p:attrNameLst>
+                                          <p:attrName>style.visibility</p:attrName>
+                                        </p:attrNameLst>
+                                      </p:cBhvr>
+                                      <p:to>
+                                        <p:strVal val="visible"/>
+                                      </p:to>
+                                    </p:set>
+                                  </p:childTnLst>
+                                </p:cTn>
+                              </p:par>
+                              <p:par>
+                                <p:cTn id="277" presetID="1" presetClass="entr" presetSubtype="0" fill="hold" grpId="1" nodeType="withEffect">
+                                  <p:stCondLst>
+                                    <p:cond delay="0"/>
+                                  </p:stCondLst>
+                                  <p:childTnLst>
+                                    <p:set>
+                                      <p:cBhvr>
+                                        <p:cTn id="278" dur="1" fill="hold">
+                                          <p:stCondLst>
+                                            <p:cond delay="0"/>
+                                          </p:stCondLst>
+                                        </p:cTn>
+                                        <p:tgtEl>
+                                          <p:spTgt spid="5"/>
+                                        </p:tgtEl>
+                                        <p:attrNameLst>
+                                          <p:attrName>style.visibility</p:attrName>
+                                        </p:attrNameLst>
+                                      </p:cBhvr>
+                                      <p:to>
+                                        <p:strVal val="visible"/>
+                                      </p:to>
+                                    </p:set>
+                                  </p:childTnLst>
+                                </p:cTn>
+                              </p:par>
+                            </p:childTnLst>
+                          </p:cTn>
+                        </p:par>
+                      </p:childTnLst>
+                    </p:cTn>
+                  </p:par>
+                  <p:par>
+                    <p:cTn id="279" fill="hold">
+                      <p:stCondLst>
+                        <p:cond delay="indefinite"/>
+                      </p:stCondLst>
+                      <p:childTnLst>
+                        <p:par>
+                          <p:cTn id="280" fill="hold">
+                            <p:stCondLst>
+                              <p:cond delay="0"/>
+                            </p:stCondLst>
+                            <p:childTnLst>
+                              <p:par>
+                                <p:cTn id="281" presetID="1" presetClass="entr" presetSubtype="0" fill="hold" grpId="3" nodeType="clickEffect">
+                                  <p:stCondLst>
+                                    <p:cond delay="0"/>
+                                  </p:stCondLst>
+                                  <p:childTnLst>
+                                    <p:set>
+                                      <p:cBhvr>
+                                        <p:cTn id="282" dur="1" fill="hold">
+                                          <p:stCondLst>
+                                            <p:cond delay="0"/>
+                                          </p:stCondLst>
+                                        </p:cTn>
+                                        <p:tgtEl>
+                                          <p:spTgt spid="59"/>
+                                        </p:tgtEl>
+                                        <p:attrNameLst>
+                                          <p:attrName>style.visibility</p:attrName>
+                                        </p:attrNameLst>
+                                      </p:cBhvr>
+                                      <p:to>
+                                        <p:strVal val="visible"/>
+                                      </p:to>
+                                    </p:set>
+                                  </p:childTnLst>
+                                </p:cTn>
+                              </p:par>
+                              <p:par>
+                                <p:cTn id="283" presetID="1" presetClass="entr" presetSubtype="0" fill="hold" grpId="0" nodeType="withEffect">
+                                  <p:stCondLst>
+                                    <p:cond delay="0"/>
+                                  </p:stCondLst>
+                                  <p:childTnLst>
+                                    <p:set>
+                                      <p:cBhvr>
+                                        <p:cTn id="284" dur="1" fill="hold">
+                                          <p:stCondLst>
+                                            <p:cond delay="0"/>
+                                          </p:stCondLst>
+                                        </p:cTn>
+                                        <p:tgtEl>
+                                          <p:spTgt spid="94"/>
+                                        </p:tgtEl>
+                                        <p:attrNameLst>
+                                          <p:attrName>style.visibility</p:attrName>
+                                        </p:attrNameLst>
+                                      </p:cBhvr>
+                                      <p:to>
+                                        <p:strVal val="visible"/>
+                                      </p:to>
+                                    </p:set>
+                                  </p:childTnLst>
+                                </p:cTn>
+                              </p:par>
+                              <p:par>
+                                <p:cTn id="285" presetID="1" presetClass="entr" presetSubtype="0" fill="hold" grpId="0" nodeType="withEffect">
+                                  <p:stCondLst>
+                                    <p:cond delay="0"/>
+                                  </p:stCondLst>
+                                  <p:childTnLst>
+                                    <p:set>
+                                      <p:cBhvr>
+                                        <p:cTn id="286" dur="1" fill="hold">
+                                          <p:stCondLst>
+                                            <p:cond delay="0"/>
+                                          </p:stCondLst>
+                                        </p:cTn>
+                                        <p:tgtEl>
+                                          <p:spTgt spid="95"/>
+                                        </p:tgtEl>
+                                        <p:attrNameLst>
+                                          <p:attrName>style.visibility</p:attrName>
+                                        </p:attrNameLst>
+                                      </p:cBhvr>
+                                      <p:to>
+                                        <p:strVal val="visible"/>
+                                      </p:to>
+                                    </p:set>
+                                  </p:childTnLst>
+                                </p:cTn>
+                              </p:par>
+                              <p:par>
+                                <p:cTn id="287" presetID="1" presetClass="entr" presetSubtype="0" fill="hold" grpId="0" nodeType="withEffect">
+                                  <p:stCondLst>
+                                    <p:cond delay="0"/>
+                                  </p:stCondLst>
+                                  <p:childTnLst>
+                                    <p:set>
+                                      <p:cBhvr>
+                                        <p:cTn id="288" dur="1" fill="hold">
+                                          <p:stCondLst>
+                                            <p:cond delay="0"/>
+                                          </p:stCondLst>
+                                        </p:cTn>
+                                        <p:tgtEl>
+                                          <p:spTgt spid="110"/>
+                                        </p:tgtEl>
+                                        <p:attrNameLst>
+                                          <p:attrName>style.visibility</p:attrName>
+                                        </p:attrNameLst>
+                                      </p:cBhvr>
+                                      <p:to>
+                                        <p:strVal val="visible"/>
+                                      </p:to>
+                                    </p:set>
+                                  </p:childTnLst>
+                                </p:cTn>
+                              </p:par>
+                              <p:par>
+                                <p:cTn id="289" presetID="1" presetClass="entr" presetSubtype="0" fill="hold" grpId="0" nodeType="withEffect">
                                   <p:stCondLst>
                                     <p:cond delay="0"/>
                                   </p:stCondLst>
@@ -19498,7 +19489,7 @@
                                           </p:stCondLst>
                                         </p:cTn>
                                         <p:tgtEl>
-                                          <p:spTgt spid="59"/>
+                                          <p:spTgt spid="48"/>
                                         </p:tgtEl>
                                         <p:attrNameLst>
                                           <p:attrName>style.visibility</p:attrName>
@@ -19525,7 +19516,7 @@
                                           </p:stCondLst>
                                         </p:cTn>
                                         <p:tgtEl>
-                                          <p:spTgt spid="94"/>
+                                          <p:spTgt spid="108"/>
                                         </p:tgtEl>
                                         <p:attrNameLst>
                                           <p:attrName>style.visibility</p:attrName>
@@ -19552,48 +19543,39 @@
                                           </p:stCondLst>
                                         </p:cTn>
                                         <p:tgtEl>
-                                          <p:spTgt spid="95"/>
-                                        </p:tgtEl>
-                                        <p:attrNameLst>
-                                          <p:attrName>style.visibility</p:attrName>
-                                        </p:attrNameLst>
-                                      </p:cBhvr>
-                                      <p:to>
-                                        <p:strVal val="visible"/>
-                                      </p:to>
-                                    </p:set>
-                                  </p:childTnLst>
-                                </p:cTn>
-                              </p:par>
-                              <p:par>
-                                <p:cTn id="295" presetID="1" presetClass="entr" presetSubtype="0" fill="hold" grpId="1" nodeType="withEffect">
-                                  <p:stCondLst>
-                                    <p:cond delay="0"/>
-                                  </p:stCondLst>
-                                  <p:childTnLst>
-                                    <p:set>
-                                      <p:cBhvr>
-                                        <p:cTn id="296" dur="1" fill="hold">
-                                          <p:stCondLst>
-                                            <p:cond delay="0"/>
-                                          </p:stCondLst>
-                                        </p:cTn>
-                                        <p:tgtEl>
-                                          <p:spTgt spid="95"/>
-                                        </p:tgtEl>
-                                        <p:attrNameLst>
-                                          <p:attrName>style.visibility</p:attrName>
-                                        </p:attrNameLst>
-                                      </p:cBhvr>
-                                      <p:to>
-                                        <p:strVal val="visible"/>
-                                      </p:to>
-                                    </p:set>
-                                  </p:childTnLst>
-                                </p:cTn>
-                              </p:par>
-                              <p:par>
-                                <p:cTn id="297" presetID="1" presetClass="entr" presetSubtype="0" fill="hold" grpId="1" nodeType="withEffect">
+                                          <p:spTgt spid="106"/>
+                                        </p:tgtEl>
+                                        <p:attrNameLst>
+                                          <p:attrName>style.visibility</p:attrName>
+                                        </p:attrNameLst>
+                                      </p:cBhvr>
+                                      <p:to>
+                                        <p:strVal val="visible"/>
+                                      </p:to>
+                                    </p:set>
+                                  </p:childTnLst>
+                                </p:cTn>
+                              </p:par>
+                            </p:childTnLst>
+                          </p:cTn>
+                        </p:par>
+                      </p:childTnLst>
+                    </p:cTn>
+                  </p:par>
+                  <p:par>
+                    <p:cTn id="295" fill="hold">
+                      <p:stCondLst>
+                        <p:cond delay="indefinite"/>
+                      </p:stCondLst>
+                      <p:childTnLst>
+                        <p:par>
+                          <p:cTn id="296" fill="hold">
+                            <p:stCondLst>
+                              <p:cond delay="0"/>
+                            </p:stCondLst>
+                            <p:childTnLst>
+                              <p:par>
+                                <p:cTn id="297" presetID="1" presetClass="entr" presetSubtype="0" fill="hold" grpId="0" nodeType="clickEffect">
                                   <p:stCondLst>
                                     <p:cond delay="0"/>
                                   </p:stCondLst>
@@ -19606,7 +19588,7 @@
                                           </p:stCondLst>
                                         </p:cTn>
                                         <p:tgtEl>
-                                          <p:spTgt spid="94"/>
+                                          <p:spTgt spid="6"/>
                                         </p:tgtEl>
                                         <p:attrNameLst>
                                           <p:attrName>style.visibility</p:attrName>
@@ -19633,34 +19615,7 @@
                                           </p:stCondLst>
                                         </p:cTn>
                                         <p:tgtEl>
-                                          <p:spTgt spid="110"/>
-                                        </p:tgtEl>
-                                        <p:attrNameLst>
-                                          <p:attrName>style.visibility</p:attrName>
-                                        </p:attrNameLst>
-                                      </p:cBhvr>
-                                      <p:to>
-                                        <p:strVal val="visible"/>
-                                      </p:to>
-                                    </p:set>
-                                  </p:childTnLst>
-                                </p:cTn>
-                              </p:par>
-                              <p:par>
-                                <p:cTn id="301" presetID="1" presetClass="entr" presetSubtype="0" fill="hold" grpId="1" nodeType="withEffect">
-                                  <p:stCondLst>
-                                    <p:cond delay="0"/>
-                                  </p:stCondLst>
-                                  <p:childTnLst>
-                                    <p:set>
-                                      <p:cBhvr>
-                                        <p:cTn id="302" dur="1" fill="hold">
-                                          <p:stCondLst>
-                                            <p:cond delay="0"/>
-                                          </p:stCondLst>
-                                        </p:cTn>
-                                        <p:tgtEl>
-                                          <p:spTgt spid="110"/>
+                                          <p:spTgt spid="4"/>
                                         </p:tgtEl>
                                         <p:attrNameLst>
                                           <p:attrName>style.visibility</p:attrName>
@@ -19753,18 +19708,16 @@
       <p:bldP spid="244" grpId="0"/>
       <p:bldP spid="244" grpId="1"/>
       <p:bldP spid="4" grpId="0" animBg="1"/>
-      <p:bldP spid="5" grpId="0" animBg="1"/>
       <p:bldP spid="5" grpId="1" animBg="1"/>
       <p:bldP spid="6" grpId="0"/>
-      <p:bldP spid="7" grpId="0"/>
       <p:bldP spid="7" grpId="1"/>
       <p:bldP spid="23" grpId="0" animBg="1"/>
+      <p:bldP spid="48" grpId="0" animBg="1"/>
       <p:bldP spid="59" grpId="0" animBg="1"/>
       <p:bldP spid="59" grpId="1" animBg="1"/>
       <p:bldP spid="59" grpId="2" animBg="1"/>
       <p:bldP spid="59" grpId="3" animBg="1"/>
       <p:bldP spid="77" grpId="1"/>
-      <p:bldP spid="79" grpId="0" animBg="1"/>
       <p:bldP spid="79" grpId="1" animBg="1"/>
       <p:bldP spid="79" grpId="2" animBg="1"/>
       <p:bldP spid="80" grpId="0"/>
@@ -19774,11 +19727,10 @@
       <p:bldP spid="83" grpId="0"/>
       <p:bldP spid="84" grpId="0"/>
       <p:bldP spid="94" grpId="0" animBg="1"/>
-      <p:bldP spid="94" grpId="1" animBg="1"/>
       <p:bldP spid="95" grpId="0"/>
-      <p:bldP spid="95" grpId="1"/>
+      <p:bldP spid="106" grpId="0"/>
+      <p:bldP spid="108" grpId="0"/>
       <p:bldP spid="110" grpId="0"/>
-      <p:bldP spid="110" grpId="1"/>
     </p:bldLst>
   </p:timing>
 </p:sld>

--- a/uc_april_19/proposal.pptx
+++ b/uc_april_19/proposal.pptx
@@ -10,13 +10,13 @@
   <p:sldIdLst>
     <p:sldId id="256" r:id="rId2"/>
     <p:sldId id="300" r:id="rId3"/>
-    <p:sldId id="278" r:id="rId4"/>
-    <p:sldId id="277" r:id="rId5"/>
-    <p:sldId id="314" r:id="rId6"/>
-    <p:sldId id="315" r:id="rId7"/>
-    <p:sldId id="260" r:id="rId8"/>
-    <p:sldId id="273" r:id="rId9"/>
-    <p:sldId id="272" r:id="rId10"/>
+    <p:sldId id="272" r:id="rId4"/>
+    <p:sldId id="278" r:id="rId5"/>
+    <p:sldId id="277" r:id="rId6"/>
+    <p:sldId id="314" r:id="rId7"/>
+    <p:sldId id="315" r:id="rId8"/>
+    <p:sldId id="260" r:id="rId9"/>
+    <p:sldId id="273" r:id="rId10"/>
     <p:sldId id="279" r:id="rId11"/>
     <p:sldId id="283" r:id="rId12"/>
     <p:sldId id="291" r:id="rId13"/>
@@ -436,7 +436,7 @@
           <a:p>
             <a:fld id="{F46D3AF7-5EDA-3B4A-97E0-315D431B4E03}" type="datetimeFigureOut">
               <a:rPr lang="en-US" smtClean="0"/>
-              <a:t>4/12/24</a:t>
+              <a:t>4/16/24</a:t>
             </a:fld>
             <a:endParaRPr lang="en-US"/>
           </a:p>
@@ -747,7 +747,34 @@
           <a:bodyPr/>
           <a:lstStyle/>
           <a:p>
-            <a:endParaRPr lang="en-US"/>
+            <a:r>
+              <a:rPr lang="en-US" dirty="0"/>
+              <a:t>Hello </a:t>
+            </a:r>
+            <a:r>
+              <a:rPr lang="en-US" dirty="0" err="1"/>
+              <a:t>everyone,I</a:t>
+            </a:r>
+            <a:r>
+              <a:rPr lang="en-US" dirty="0"/>
+              <a:t> am Ismail Kuru a </a:t>
+            </a:r>
+            <a:r>
+              <a:rPr lang="en-US" dirty="0" err="1"/>
+              <a:t>Phd</a:t>
+            </a:r>
+            <a:r>
+              <a:rPr lang="en-US" dirty="0"/>
+              <a:t> student working on systems verification and logic. Today I am going to present you a chapter of my thesis, which are basically a set of reasoning principles for a critical piece of general purpose </a:t>
+            </a:r>
+            <a:r>
+              <a:rPr lang="en-US" dirty="0" err="1"/>
+              <a:t>os</a:t>
+            </a:r>
+            <a:r>
+              <a:rPr lang="en-US" dirty="0"/>
+              <a:t> kernels. </a:t>
+            </a:r>
           </a:p>
         </p:txBody>
       </p:sp>
@@ -852,7 +879,7 @@
           <a:p>
             <a:fld id="{180B0F4F-C4CA-F945-8BD8-C2A10415F31A}" type="slidenum">
               <a:rPr lang="en-US" smtClean="0"/>
-              <a:t>14</a:t>
+              <a:t>13</a:t>
             </a:fld>
             <a:endParaRPr lang="en-US"/>
           </a:p>
@@ -861,7 +888,7 @@
     </p:spTree>
     <p:extLst>
       <p:ext uri="{BB962C8B-B14F-4D97-AF65-F5344CB8AC3E}">
-        <p14:creationId xmlns:p14="http://schemas.microsoft.com/office/powerpoint/2010/main" val="1051985353"/>
+        <p14:creationId xmlns:p14="http://schemas.microsoft.com/office/powerpoint/2010/main" val="2207898864"/>
       </p:ext>
     </p:extLst>
   </p:cSld>
@@ -936,7 +963,7 @@
           <a:p>
             <a:fld id="{180B0F4F-C4CA-F945-8BD8-C2A10415F31A}" type="slidenum">
               <a:rPr lang="en-US" smtClean="0"/>
-              <a:t>15</a:t>
+              <a:t>14</a:t>
             </a:fld>
             <a:endParaRPr lang="en-US"/>
           </a:p>
@@ -945,7 +972,7 @@
     </p:spTree>
     <p:extLst>
       <p:ext uri="{BB962C8B-B14F-4D97-AF65-F5344CB8AC3E}">
-        <p14:creationId xmlns:p14="http://schemas.microsoft.com/office/powerpoint/2010/main" val="2809951184"/>
+        <p14:creationId xmlns:p14="http://schemas.microsoft.com/office/powerpoint/2010/main" val="1051985353"/>
       </p:ext>
     </p:extLst>
   </p:cSld>
@@ -999,7 +1026,7 @@
           <a:bodyPr/>
           <a:lstStyle/>
           <a:p>
-            <a:endParaRPr lang="en-US" dirty="0"/>
+            <a:endParaRPr lang="en-US"/>
           </a:p>
         </p:txBody>
       </p:sp>
@@ -1020,7 +1047,7 @@
           <a:p>
             <a:fld id="{180B0F4F-C4CA-F945-8BD8-C2A10415F31A}" type="slidenum">
               <a:rPr lang="en-US" smtClean="0"/>
-              <a:t>17</a:t>
+              <a:t>15</a:t>
             </a:fld>
             <a:endParaRPr lang="en-US"/>
           </a:p>
@@ -1029,7 +1056,7 @@
     </p:spTree>
     <p:extLst>
       <p:ext uri="{BB962C8B-B14F-4D97-AF65-F5344CB8AC3E}">
-        <p14:creationId xmlns:p14="http://schemas.microsoft.com/office/powerpoint/2010/main" val="2295082353"/>
+        <p14:creationId xmlns:p14="http://schemas.microsoft.com/office/powerpoint/2010/main" val="2809951184"/>
       </p:ext>
     </p:extLst>
   </p:cSld>
@@ -1083,10 +1110,7 @@
           <a:bodyPr/>
           <a:lstStyle/>
           <a:p>
-            <a:r>
-              <a:rPr lang="en-US" dirty="0"/>
-              <a:t>As backup slide.</a:t>
-            </a:r>
+            <a:endParaRPr lang="en-US" dirty="0"/>
           </a:p>
         </p:txBody>
       </p:sp>
@@ -1107,7 +1131,7 @@
           <a:p>
             <a:fld id="{180B0F4F-C4CA-F945-8BD8-C2A10415F31A}" type="slidenum">
               <a:rPr lang="en-US" smtClean="0"/>
-              <a:t>18</a:t>
+              <a:t>17</a:t>
             </a:fld>
             <a:endParaRPr lang="en-US"/>
           </a:p>
@@ -1116,7 +1140,7 @@
     </p:spTree>
     <p:extLst>
       <p:ext uri="{BB962C8B-B14F-4D97-AF65-F5344CB8AC3E}">
-        <p14:creationId xmlns:p14="http://schemas.microsoft.com/office/powerpoint/2010/main" val="3468275522"/>
+        <p14:creationId xmlns:p14="http://schemas.microsoft.com/office/powerpoint/2010/main" val="2295082353"/>
       </p:ext>
     </p:extLst>
   </p:cSld>
@@ -1170,7 +1194,10 @@
           <a:bodyPr/>
           <a:lstStyle/>
           <a:p>
-            <a:endParaRPr lang="en-US" dirty="0"/>
+            <a:r>
+              <a:rPr lang="en-US" dirty="0"/>
+              <a:t>As backup slide.</a:t>
+            </a:r>
           </a:p>
         </p:txBody>
       </p:sp>
@@ -1191,7 +1218,7 @@
           <a:p>
             <a:fld id="{180B0F4F-C4CA-F945-8BD8-C2A10415F31A}" type="slidenum">
               <a:rPr lang="en-US" smtClean="0"/>
-              <a:t>19</a:t>
+              <a:t>18</a:t>
             </a:fld>
             <a:endParaRPr lang="en-US"/>
           </a:p>
@@ -1200,7 +1227,7 @@
     </p:spTree>
     <p:extLst>
       <p:ext uri="{BB962C8B-B14F-4D97-AF65-F5344CB8AC3E}">
-        <p14:creationId xmlns:p14="http://schemas.microsoft.com/office/powerpoint/2010/main" val="3232203025"/>
+        <p14:creationId xmlns:p14="http://schemas.microsoft.com/office/powerpoint/2010/main" val="3468275522"/>
       </p:ext>
     </p:extLst>
   </p:cSld>
@@ -1275,7 +1302,7 @@
           <a:p>
             <a:fld id="{180B0F4F-C4CA-F945-8BD8-C2A10415F31A}" type="slidenum">
               <a:rPr lang="en-US" smtClean="0"/>
-              <a:t>20</a:t>
+              <a:t>19</a:t>
             </a:fld>
             <a:endParaRPr lang="en-US"/>
           </a:p>
@@ -1284,7 +1311,7 @@
     </p:spTree>
     <p:extLst>
       <p:ext uri="{BB962C8B-B14F-4D97-AF65-F5344CB8AC3E}">
-        <p14:creationId xmlns:p14="http://schemas.microsoft.com/office/powerpoint/2010/main" val="180261347"/>
+        <p14:creationId xmlns:p14="http://schemas.microsoft.com/office/powerpoint/2010/main" val="3232203025"/>
       </p:ext>
     </p:extLst>
   </p:cSld>
@@ -1359,7 +1386,7 @@
           <a:p>
             <a:fld id="{180B0F4F-C4CA-F945-8BD8-C2A10415F31A}" type="slidenum">
               <a:rPr lang="en-US" smtClean="0"/>
-              <a:t>21</a:t>
+              <a:t>20</a:t>
             </a:fld>
             <a:endParaRPr lang="en-US"/>
           </a:p>
@@ -1368,7 +1395,7 @@
     </p:spTree>
     <p:extLst>
       <p:ext uri="{BB962C8B-B14F-4D97-AF65-F5344CB8AC3E}">
-        <p14:creationId xmlns:p14="http://schemas.microsoft.com/office/powerpoint/2010/main" val="412603178"/>
+        <p14:creationId xmlns:p14="http://schemas.microsoft.com/office/powerpoint/2010/main" val="180261347"/>
       </p:ext>
     </p:extLst>
   </p:cSld>
@@ -1443,6 +1470,90 @@
           <a:p>
             <a:fld id="{180B0F4F-C4CA-F945-8BD8-C2A10415F31A}" type="slidenum">
               <a:rPr lang="en-US" smtClean="0"/>
+              <a:t>21</a:t>
+            </a:fld>
+            <a:endParaRPr lang="en-US"/>
+          </a:p>
+        </p:txBody>
+      </p:sp>
+    </p:spTree>
+    <p:extLst>
+      <p:ext uri="{BB962C8B-B14F-4D97-AF65-F5344CB8AC3E}">
+        <p14:creationId xmlns:p14="http://schemas.microsoft.com/office/powerpoint/2010/main" val="412603178"/>
+      </p:ext>
+    </p:extLst>
+  </p:cSld>
+  <p:clrMapOvr>
+    <a:masterClrMapping/>
+  </p:clrMapOvr>
+</p:notes>
+</file>
+
+<file path=ppt/notesSlides/notesSlide18.xml><?xml version="1.0" encoding="utf-8"?>
+<p:notes xmlns:a="http://schemas.openxmlformats.org/drawingml/2006/main" xmlns:r="http://schemas.openxmlformats.org/officeDocument/2006/relationships" xmlns:p="http://schemas.openxmlformats.org/presentationml/2006/main">
+  <p:cSld>
+    <p:spTree>
+      <p:nvGrpSpPr>
+        <p:cNvPr id="1" name=""/>
+        <p:cNvGrpSpPr/>
+        <p:nvPr/>
+      </p:nvGrpSpPr>
+      <p:grpSpPr>
+        <a:xfrm>
+          <a:off x="0" y="0"/>
+          <a:ext cx="0" cy="0"/>
+          <a:chOff x="0" y="0"/>
+          <a:chExt cx="0" cy="0"/>
+        </a:xfrm>
+      </p:grpSpPr>
+      <p:sp>
+        <p:nvSpPr>
+          <p:cNvPr id="2" name="Slide Image Placeholder 1"/>
+          <p:cNvSpPr>
+            <a:spLocks noGrp="1" noRot="1" noChangeAspect="1"/>
+          </p:cNvSpPr>
+          <p:nvPr>
+            <p:ph type="sldImg"/>
+          </p:nvPr>
+        </p:nvSpPr>
+        <p:spPr/>
+      </p:sp>
+      <p:sp>
+        <p:nvSpPr>
+          <p:cNvPr id="3" name="Notes Placeholder 2"/>
+          <p:cNvSpPr>
+            <a:spLocks noGrp="1"/>
+          </p:cNvSpPr>
+          <p:nvPr>
+            <p:ph type="body" idx="1"/>
+          </p:nvPr>
+        </p:nvSpPr>
+        <p:spPr/>
+        <p:txBody>
+          <a:bodyPr/>
+          <a:lstStyle/>
+          <a:p>
+            <a:endParaRPr lang="en-US" dirty="0"/>
+          </a:p>
+        </p:txBody>
+      </p:sp>
+      <p:sp>
+        <p:nvSpPr>
+          <p:cNvPr id="4" name="Slide Number Placeholder 3"/>
+          <p:cNvSpPr>
+            <a:spLocks noGrp="1"/>
+          </p:cNvSpPr>
+          <p:nvPr>
+            <p:ph type="sldNum" sz="quarter" idx="5"/>
+          </p:nvPr>
+        </p:nvSpPr>
+        <p:spPr/>
+        <p:txBody>
+          <a:bodyPr/>
+          <a:lstStyle/>
+          <a:p>
+            <a:fld id="{180B0F4F-C4CA-F945-8BD8-C2A10415F31A}" type="slidenum">
+              <a:rPr lang="en-US" smtClean="0"/>
               <a:t>22</a:t>
             </a:fld>
             <a:endParaRPr lang="en-US"/>
@@ -1462,7 +1573,7 @@
 </p:notes>
 </file>
 
-<file path=ppt/notesSlides/notesSlide18.xml><?xml version="1.0" encoding="utf-8"?>
+<file path=ppt/notesSlides/notesSlide19.xml><?xml version="1.0" encoding="utf-8"?>
 <p:notes xmlns:a="http://schemas.openxmlformats.org/drawingml/2006/main" xmlns:r="http://schemas.openxmlformats.org/officeDocument/2006/relationships" xmlns:p="http://schemas.openxmlformats.org/presentationml/2006/main">
   <p:cSld>
     <p:spTree>
@@ -1590,7 +1701,10 @@
           <a:bodyPr/>
           <a:lstStyle/>
           <a:p>
-            <a:endParaRPr lang="en-US" dirty="0"/>
+            <a:r>
+              <a:rPr lang="en-US" dirty="0"/>
+              <a:t>We start with a high level understanding of what a </a:t>
+            </a:r>
           </a:p>
         </p:txBody>
       </p:sp>
@@ -1611,7 +1725,7 @@
           <a:p>
             <a:fld id="{180B0F4F-C4CA-F945-8BD8-C2A10415F31A}" type="slidenum">
               <a:rPr lang="en-US" smtClean="0"/>
-              <a:t>4</a:t>
+              <a:t>2</a:t>
             </a:fld>
             <a:endParaRPr lang="en-US"/>
           </a:p>
@@ -1620,7 +1734,7 @@
     </p:spTree>
     <p:extLst>
       <p:ext uri="{BB962C8B-B14F-4D97-AF65-F5344CB8AC3E}">
-        <p14:creationId xmlns:p14="http://schemas.microsoft.com/office/powerpoint/2010/main" val="2791394585"/>
+        <p14:creationId xmlns:p14="http://schemas.microsoft.com/office/powerpoint/2010/main" val="484495317"/>
       </p:ext>
     </p:extLst>
   </p:cSld>
@@ -1674,7 +1788,7 @@
           <a:bodyPr/>
           <a:lstStyle/>
           <a:p>
-            <a:endParaRPr lang="en-US" dirty="0"/>
+            <a:endParaRPr lang="en-US"/>
           </a:p>
         </p:txBody>
       </p:sp>
@@ -1695,7 +1809,7 @@
           <a:p>
             <a:fld id="{180B0F4F-C4CA-F945-8BD8-C2A10415F31A}" type="slidenum">
               <a:rPr lang="en-US" smtClean="0"/>
-              <a:t>5</a:t>
+              <a:t>3</a:t>
             </a:fld>
             <a:endParaRPr lang="en-US"/>
           </a:p>
@@ -1704,7 +1818,7 @@
     </p:spTree>
     <p:extLst>
       <p:ext uri="{BB962C8B-B14F-4D97-AF65-F5344CB8AC3E}">
-        <p14:creationId xmlns:p14="http://schemas.microsoft.com/office/powerpoint/2010/main" val="2512312712"/>
+        <p14:creationId xmlns:p14="http://schemas.microsoft.com/office/powerpoint/2010/main" val="1471488681"/>
       </p:ext>
     </p:extLst>
   </p:cSld>
@@ -1758,7 +1872,7 @@
           <a:bodyPr/>
           <a:lstStyle/>
           <a:p>
-            <a:endParaRPr lang="en-US"/>
+            <a:endParaRPr lang="en-US" dirty="0"/>
           </a:p>
         </p:txBody>
       </p:sp>
@@ -1779,7 +1893,7 @@
           <a:p>
             <a:fld id="{180B0F4F-C4CA-F945-8BD8-C2A10415F31A}" type="slidenum">
               <a:rPr lang="en-US" smtClean="0"/>
-              <a:t>7</a:t>
+              <a:t>5</a:t>
             </a:fld>
             <a:endParaRPr lang="en-US"/>
           </a:p>
@@ -1788,7 +1902,7 @@
     </p:spTree>
     <p:extLst>
       <p:ext uri="{BB962C8B-B14F-4D97-AF65-F5344CB8AC3E}">
-        <p14:creationId xmlns:p14="http://schemas.microsoft.com/office/powerpoint/2010/main" val="4175223098"/>
+        <p14:creationId xmlns:p14="http://schemas.microsoft.com/office/powerpoint/2010/main" val="2791394585"/>
       </p:ext>
     </p:extLst>
   </p:cSld>
@@ -1863,7 +1977,7 @@
           <a:p>
             <a:fld id="{180B0F4F-C4CA-F945-8BD8-C2A10415F31A}" type="slidenum">
               <a:rPr lang="en-US" smtClean="0"/>
-              <a:t>8</a:t>
+              <a:t>6</a:t>
             </a:fld>
             <a:endParaRPr lang="en-US"/>
           </a:p>
@@ -1872,7 +1986,7 @@
     </p:spTree>
     <p:extLst>
       <p:ext uri="{BB962C8B-B14F-4D97-AF65-F5344CB8AC3E}">
-        <p14:creationId xmlns:p14="http://schemas.microsoft.com/office/powerpoint/2010/main" val="2075521826"/>
+        <p14:creationId xmlns:p14="http://schemas.microsoft.com/office/powerpoint/2010/main" val="2512312712"/>
       </p:ext>
     </p:extLst>
   </p:cSld>
@@ -1947,7 +2061,7 @@
           <a:p>
             <a:fld id="{180B0F4F-C4CA-F945-8BD8-C2A10415F31A}" type="slidenum">
               <a:rPr lang="en-US" smtClean="0"/>
-              <a:t>9</a:t>
+              <a:t>8</a:t>
             </a:fld>
             <a:endParaRPr lang="en-US"/>
           </a:p>
@@ -1956,7 +2070,7 @@
     </p:spTree>
     <p:extLst>
       <p:ext uri="{BB962C8B-B14F-4D97-AF65-F5344CB8AC3E}">
-        <p14:creationId xmlns:p14="http://schemas.microsoft.com/office/powerpoint/2010/main" val="1471488681"/>
+        <p14:creationId xmlns:p14="http://schemas.microsoft.com/office/powerpoint/2010/main" val="4175223098"/>
       </p:ext>
     </p:extLst>
   </p:cSld>
@@ -2010,36 +2124,6 @@
           <a:bodyPr/>
           <a:lstStyle/>
           <a:p>
-            <a:r>
-              <a:rPr lang="en-US" dirty="0">
-                <a:solidFill>
-                  <a:srgbClr val="FF0000"/>
-                </a:solidFill>
-              </a:rPr>
-              <a:t>A logic of resources obtained by a proper treatment on the Hoare Logic</a:t>
-            </a:r>
-          </a:p>
-          <a:p>
-            <a:r>
-              <a:rPr lang="en-US" dirty="0">
-                <a:solidFill>
-                  <a:srgbClr val="FF0000"/>
-                </a:solidFill>
-              </a:rPr>
-              <a:t>What I mean by treatment is basically introducing logical operators and proof rules that allows enforcing proper usage of resource, in its very raw form complete separation (isolation) </a:t>
-            </a:r>
-          </a:p>
-          <a:p>
-            <a:r>
-              <a:rPr lang="en-US" dirty="0">
-                <a:solidFill>
-                  <a:srgbClr val="FF0000"/>
-                </a:solidFill>
-              </a:rPr>
-              <a:t> Here we see the most famous rule frame rule utilizing a logical operator called separation conj. </a:t>
-            </a:r>
-          </a:p>
-          <a:p>
             <a:endParaRPr lang="en-US" dirty="0"/>
           </a:p>
         </p:txBody>
@@ -2061,7 +2145,7 @@
           <a:p>
             <a:fld id="{180B0F4F-C4CA-F945-8BD8-C2A10415F31A}" type="slidenum">
               <a:rPr lang="en-US" smtClean="0"/>
-              <a:t>11</a:t>
+              <a:t>9</a:t>
             </a:fld>
             <a:endParaRPr lang="en-US"/>
           </a:p>
@@ -2070,7 +2154,7 @@
     </p:spTree>
     <p:extLst>
       <p:ext uri="{BB962C8B-B14F-4D97-AF65-F5344CB8AC3E}">
-        <p14:creationId xmlns:p14="http://schemas.microsoft.com/office/powerpoint/2010/main" val="3450142368"/>
+        <p14:creationId xmlns:p14="http://schemas.microsoft.com/office/powerpoint/2010/main" val="2075521826"/>
       </p:ext>
     </p:extLst>
   </p:cSld>
@@ -2130,7 +2214,7 @@
                   <a:srgbClr val="FF0000"/>
                 </a:solidFill>
               </a:rPr>
-              <a:t>Contingency</a:t>
+              <a:t>A logic of resources obtained by a proper treatment on the Hoare Logic</a:t>
             </a:r>
           </a:p>
           <a:p>
@@ -2140,120 +2224,17 @@
                   <a:srgbClr val="FF0000"/>
                 </a:solidFill>
               </a:rPr>
-              <a:t>The modals we are interested in this paper are shaped around </a:t>
-            </a:r>
-          </a:p>
-          <a:p>
-            <a:pPr lvl="1"/>
+              <a:t>What I mean by treatment is basically introducing logical operators and proof rules that allows enforcing proper usage of resource, in its very raw form complete separation (isolation) </a:t>
+            </a:r>
+          </a:p>
+          <a:p>
             <a:r>
               <a:rPr lang="en-US" dirty="0">
                 <a:solidFill>
                   <a:srgbClr val="FF0000"/>
                 </a:solidFill>
               </a:rPr>
-              <a:t>Hybrid logic style understanding of </a:t>
-            </a:r>
-          </a:p>
-          <a:p>
-            <a:pPr lvl="2"/>
-            <a:r>
-              <a:rPr lang="en-US" dirty="0">
-                <a:solidFill>
-                  <a:srgbClr val="FF0000"/>
-                </a:solidFill>
-              </a:rPr>
-              <a:t>[] satisfaction </a:t>
-            </a:r>
-            <a:r>
-              <a:rPr lang="en-US" dirty="0" err="1">
-                <a:solidFill>
-                  <a:srgbClr val="FF0000"/>
-                </a:solidFill>
-              </a:rPr>
-              <a:t>operatos</a:t>
-            </a:r>
-            <a:endParaRPr lang="en-US" dirty="0">
-              <a:solidFill>
-                <a:srgbClr val="FF0000"/>
-              </a:solidFill>
-            </a:endParaRPr>
-          </a:p>
-          <a:p>
-            <a:pPr lvl="3"/>
-            <a:r>
-              <a:rPr lang="en-US" dirty="0">
-                <a:solidFill>
-                  <a:srgbClr val="FF0000"/>
-                </a:solidFill>
-              </a:rPr>
-              <a:t>Unknown of other world</a:t>
-            </a:r>
-          </a:p>
-          <a:p>
-            <a:pPr lvl="2"/>
-            <a:r>
-              <a:rPr lang="en-US" dirty="0">
-                <a:solidFill>
-                  <a:srgbClr val="FF0000"/>
-                </a:solidFill>
-              </a:rPr>
-              <a:t>Interpreting </a:t>
-            </a:r>
-            <a:r>
-              <a:rPr lang="en-US" dirty="0" err="1">
-                <a:solidFill>
-                  <a:srgbClr val="FF0000"/>
-                </a:solidFill>
-              </a:rPr>
-              <a:t>Kripke</a:t>
-            </a:r>
-            <a:r>
-              <a:rPr lang="en-US" dirty="0">
-                <a:solidFill>
-                  <a:srgbClr val="FF0000"/>
-                </a:solidFill>
-              </a:rPr>
-              <a:t> models as </a:t>
-            </a:r>
-            <a:r>
-              <a:rPr lang="en-US" dirty="0" err="1">
-                <a:solidFill>
-                  <a:srgbClr val="FF0000"/>
-                </a:solidFill>
-              </a:rPr>
-              <a:t>stses</a:t>
-            </a:r>
-            <a:endParaRPr lang="en-US" dirty="0">
-              <a:solidFill>
-                <a:srgbClr val="FF0000"/>
-              </a:solidFill>
-            </a:endParaRPr>
-          </a:p>
-          <a:p>
-            <a:pPr lvl="3"/>
-            <a:r>
-              <a:rPr lang="en-US" dirty="0">
-                <a:solidFill>
-                  <a:srgbClr val="FF0000"/>
-                </a:solidFill>
-              </a:rPr>
-              <a:t>Multiple generated </a:t>
-            </a:r>
-            <a:r>
-              <a:rPr lang="en-US" dirty="0" err="1">
-                <a:solidFill>
-                  <a:srgbClr val="FF0000"/>
-                </a:solidFill>
-              </a:rPr>
-              <a:t>submodels</a:t>
-            </a:r>
-            <a:r>
-              <a:rPr lang="en-US" dirty="0">
-                <a:solidFill>
-                  <a:srgbClr val="FF0000"/>
-                </a:solidFill>
-              </a:rPr>
-              <a:t> </a:t>
+              <a:t> Here we see the most famous rule frame rule utilizing a logical operator called separation conj. </a:t>
             </a:r>
           </a:p>
           <a:p>
@@ -2278,7 +2259,7 @@
           <a:p>
             <a:fld id="{180B0F4F-C4CA-F945-8BD8-C2A10415F31A}" type="slidenum">
               <a:rPr lang="en-US" smtClean="0"/>
-              <a:t>12</a:t>
+              <a:t>11</a:t>
             </a:fld>
             <a:endParaRPr lang="en-US"/>
           </a:p>
@@ -2287,7 +2268,7 @@
     </p:spTree>
     <p:extLst>
       <p:ext uri="{BB962C8B-B14F-4D97-AF65-F5344CB8AC3E}">
-        <p14:creationId xmlns:p14="http://schemas.microsoft.com/office/powerpoint/2010/main" val="2484277137"/>
+        <p14:creationId xmlns:p14="http://schemas.microsoft.com/office/powerpoint/2010/main" val="3450142368"/>
       </p:ext>
     </p:extLst>
   </p:cSld>
@@ -2341,7 +2322,140 @@
           <a:bodyPr/>
           <a:lstStyle/>
           <a:p>
-            <a:endParaRPr lang="en-US"/>
+            <a:r>
+              <a:rPr lang="en-US" dirty="0">
+                <a:solidFill>
+                  <a:srgbClr val="FF0000"/>
+                </a:solidFill>
+              </a:rPr>
+              <a:t>Contingency</a:t>
+            </a:r>
+          </a:p>
+          <a:p>
+            <a:r>
+              <a:rPr lang="en-US" dirty="0">
+                <a:solidFill>
+                  <a:srgbClr val="FF0000"/>
+                </a:solidFill>
+              </a:rPr>
+              <a:t>The modals we are interested in this paper are shaped around </a:t>
+            </a:r>
+          </a:p>
+          <a:p>
+            <a:pPr lvl="1"/>
+            <a:r>
+              <a:rPr lang="en-US" dirty="0">
+                <a:solidFill>
+                  <a:srgbClr val="FF0000"/>
+                </a:solidFill>
+              </a:rPr>
+              <a:t>Hybrid logic style understanding of </a:t>
+            </a:r>
+          </a:p>
+          <a:p>
+            <a:pPr lvl="2"/>
+            <a:r>
+              <a:rPr lang="en-US" dirty="0">
+                <a:solidFill>
+                  <a:srgbClr val="FF0000"/>
+                </a:solidFill>
+              </a:rPr>
+              <a:t>[] satisfaction </a:t>
+            </a:r>
+            <a:r>
+              <a:rPr lang="en-US" dirty="0" err="1">
+                <a:solidFill>
+                  <a:srgbClr val="FF0000"/>
+                </a:solidFill>
+              </a:rPr>
+              <a:t>operatos</a:t>
+            </a:r>
+            <a:endParaRPr lang="en-US" dirty="0">
+              <a:solidFill>
+                <a:srgbClr val="FF0000"/>
+              </a:solidFill>
+            </a:endParaRPr>
+          </a:p>
+          <a:p>
+            <a:pPr lvl="3"/>
+            <a:r>
+              <a:rPr lang="en-US" dirty="0">
+                <a:solidFill>
+                  <a:srgbClr val="FF0000"/>
+                </a:solidFill>
+              </a:rPr>
+              <a:t>Unknown of other world</a:t>
+            </a:r>
+          </a:p>
+          <a:p>
+            <a:pPr lvl="2"/>
+            <a:r>
+              <a:rPr lang="en-US" dirty="0">
+                <a:solidFill>
+                  <a:srgbClr val="FF0000"/>
+                </a:solidFill>
+              </a:rPr>
+              <a:t>Interpreting </a:t>
+            </a:r>
+            <a:r>
+              <a:rPr lang="en-US" dirty="0" err="1">
+                <a:solidFill>
+                  <a:srgbClr val="FF0000"/>
+                </a:solidFill>
+              </a:rPr>
+              <a:t>Kripke</a:t>
+            </a:r>
+            <a:r>
+              <a:rPr lang="en-US" dirty="0">
+                <a:solidFill>
+                  <a:srgbClr val="FF0000"/>
+                </a:solidFill>
+              </a:rPr>
+              <a:t> models as </a:t>
+            </a:r>
+            <a:r>
+              <a:rPr lang="en-US" dirty="0" err="1">
+                <a:solidFill>
+                  <a:srgbClr val="FF0000"/>
+                </a:solidFill>
+              </a:rPr>
+              <a:t>stses</a:t>
+            </a:r>
+            <a:endParaRPr lang="en-US" dirty="0">
+              <a:solidFill>
+                <a:srgbClr val="FF0000"/>
+              </a:solidFill>
+            </a:endParaRPr>
+          </a:p>
+          <a:p>
+            <a:pPr lvl="3"/>
+            <a:r>
+              <a:rPr lang="en-US" dirty="0">
+                <a:solidFill>
+                  <a:srgbClr val="FF0000"/>
+                </a:solidFill>
+              </a:rPr>
+              <a:t>Multiple generated </a:t>
+            </a:r>
+            <a:r>
+              <a:rPr lang="en-US" dirty="0" err="1">
+                <a:solidFill>
+                  <a:srgbClr val="FF0000"/>
+                </a:solidFill>
+              </a:rPr>
+              <a:t>submodels</a:t>
+            </a:r>
+            <a:r>
+              <a:rPr lang="en-US" dirty="0">
+                <a:solidFill>
+                  <a:srgbClr val="FF0000"/>
+                </a:solidFill>
+              </a:rPr>
+              <a:t> </a:t>
+            </a:r>
+          </a:p>
+          <a:p>
+            <a:endParaRPr lang="en-US" dirty="0"/>
           </a:p>
         </p:txBody>
       </p:sp>
@@ -2362,7 +2476,7 @@
           <a:p>
             <a:fld id="{180B0F4F-C4CA-F945-8BD8-C2A10415F31A}" type="slidenum">
               <a:rPr lang="en-US" smtClean="0"/>
-              <a:t>13</a:t>
+              <a:t>12</a:t>
             </a:fld>
             <a:endParaRPr lang="en-US"/>
           </a:p>
@@ -2371,7 +2485,7 @@
     </p:spTree>
     <p:extLst>
       <p:ext uri="{BB962C8B-B14F-4D97-AF65-F5344CB8AC3E}">
-        <p14:creationId xmlns:p14="http://schemas.microsoft.com/office/powerpoint/2010/main" val="2207898864"/>
+        <p14:creationId xmlns:p14="http://schemas.microsoft.com/office/powerpoint/2010/main" val="2484277137"/>
       </p:ext>
     </p:extLst>
   </p:cSld>
@@ -2528,7 +2642,7 @@
           <a:p>
             <a:fld id="{1906170E-F9C0-7E4B-9B19-8BE5F5704E4E}" type="datetimeFigureOut">
               <a:rPr lang="en-US" smtClean="0"/>
-              <a:t>4/12/24</a:t>
+              <a:t>4/16/24</a:t>
             </a:fld>
             <a:endParaRPr lang="en-US"/>
           </a:p>
@@ -2726,7 +2840,7 @@
           <a:p>
             <a:fld id="{1906170E-F9C0-7E4B-9B19-8BE5F5704E4E}" type="datetimeFigureOut">
               <a:rPr lang="en-US" smtClean="0"/>
-              <a:t>4/12/24</a:t>
+              <a:t>4/16/24</a:t>
             </a:fld>
             <a:endParaRPr lang="en-US"/>
           </a:p>
@@ -2934,7 +3048,7 @@
           <a:p>
             <a:fld id="{1906170E-F9C0-7E4B-9B19-8BE5F5704E4E}" type="datetimeFigureOut">
               <a:rPr lang="en-US" smtClean="0"/>
-              <a:t>4/12/24</a:t>
+              <a:t>4/16/24</a:t>
             </a:fld>
             <a:endParaRPr lang="en-US"/>
           </a:p>
@@ -3132,7 +3246,7 @@
           <a:p>
             <a:fld id="{1906170E-F9C0-7E4B-9B19-8BE5F5704E4E}" type="datetimeFigureOut">
               <a:rPr lang="en-US" smtClean="0"/>
-              <a:t>4/12/24</a:t>
+              <a:t>4/16/24</a:t>
             </a:fld>
             <a:endParaRPr lang="en-US"/>
           </a:p>
@@ -3407,7 +3521,7 @@
           <a:p>
             <a:fld id="{1906170E-F9C0-7E4B-9B19-8BE5F5704E4E}" type="datetimeFigureOut">
               <a:rPr lang="en-US" smtClean="0"/>
-              <a:t>4/12/24</a:t>
+              <a:t>4/16/24</a:t>
             </a:fld>
             <a:endParaRPr lang="en-US"/>
           </a:p>
@@ -3672,7 +3786,7 @@
           <a:p>
             <a:fld id="{1906170E-F9C0-7E4B-9B19-8BE5F5704E4E}" type="datetimeFigureOut">
               <a:rPr lang="en-US" smtClean="0"/>
-              <a:t>4/12/24</a:t>
+              <a:t>4/16/24</a:t>
             </a:fld>
             <a:endParaRPr lang="en-US"/>
           </a:p>
@@ -4084,7 +4198,7 @@
           <a:p>
             <a:fld id="{1906170E-F9C0-7E4B-9B19-8BE5F5704E4E}" type="datetimeFigureOut">
               <a:rPr lang="en-US" smtClean="0"/>
-              <a:t>4/12/24</a:t>
+              <a:t>4/16/24</a:t>
             </a:fld>
             <a:endParaRPr lang="en-US"/>
           </a:p>
@@ -4225,7 +4339,7 @@
           <a:p>
             <a:fld id="{1906170E-F9C0-7E4B-9B19-8BE5F5704E4E}" type="datetimeFigureOut">
               <a:rPr lang="en-US" smtClean="0"/>
-              <a:t>4/12/24</a:t>
+              <a:t>4/16/24</a:t>
             </a:fld>
             <a:endParaRPr lang="en-US"/>
           </a:p>
@@ -4338,7 +4452,7 @@
           <a:p>
             <a:fld id="{1906170E-F9C0-7E4B-9B19-8BE5F5704E4E}" type="datetimeFigureOut">
               <a:rPr lang="en-US" smtClean="0"/>
-              <a:t>4/12/24</a:t>
+              <a:t>4/16/24</a:t>
             </a:fld>
             <a:endParaRPr lang="en-US"/>
           </a:p>
@@ -4649,7 +4763,7 @@
           <a:p>
             <a:fld id="{1906170E-F9C0-7E4B-9B19-8BE5F5704E4E}" type="datetimeFigureOut">
               <a:rPr lang="en-US" smtClean="0"/>
-              <a:t>4/12/24</a:t>
+              <a:t>4/16/24</a:t>
             </a:fld>
             <a:endParaRPr lang="en-US"/>
           </a:p>
@@ -4937,7 +5051,7 @@
           <a:p>
             <a:fld id="{1906170E-F9C0-7E4B-9B19-8BE5F5704E4E}" type="datetimeFigureOut">
               <a:rPr lang="en-US" smtClean="0"/>
-              <a:t>4/12/24</a:t>
+              <a:t>4/16/24</a:t>
             </a:fld>
             <a:endParaRPr lang="en-US"/>
           </a:p>
@@ -5178,7 +5292,7 @@
           <a:p>
             <a:fld id="{1906170E-F9C0-7E4B-9B19-8BE5F5704E4E}" type="datetimeFigureOut">
               <a:rPr lang="en-US" smtClean="0"/>
-              <a:t>4/12/24</a:t>
+              <a:t>4/16/24</a:t>
             </a:fld>
             <a:endParaRPr lang="en-US"/>
           </a:p>
@@ -5654,7 +5768,7 @@
           <a:p>
             <a:r>
               <a:rPr lang="en-US" b="1" dirty="0"/>
-              <a:t>Ismail Kuru</a:t>
+              <a:t>Ismail Kuru &amp; Colin S. Gordon</a:t>
             </a:r>
             <a:endParaRPr lang="en-US" dirty="0"/>
           </a:p>
@@ -7160,8 +7274,8 @@
           </a:prstGeom>
         </p:spPr>
       </p:pic>
-      <mc:AlternateContent xmlns:mc="http://schemas.openxmlformats.org/markup-compatibility/2006">
-        <mc:Choice xmlns:p14="http://schemas.microsoft.com/office/powerpoint/2010/main" Requires="p14">
+      <mc:AlternateContent xmlns:mc="http://schemas.openxmlformats.org/markup-compatibility/2006" xmlns:p14="http://schemas.microsoft.com/office/powerpoint/2010/main">
+        <mc:Choice Requires="p14">
           <p:contentPart p14:bwMode="auto" r:id="rId7">
             <p14:nvContentPartPr>
               <p14:cNvPr id="24" name="Ink 23">
@@ -7180,7 +7294,7 @@
             </p14:xfrm>
           </p:contentPart>
         </mc:Choice>
-        <mc:Fallback>
+        <mc:Fallback xmlns="">
           <p:pic>
             <p:nvPicPr>
               <p:cNvPr id="24" name="Ink 23">
@@ -7211,8 +7325,8 @@
           </p:pic>
         </mc:Fallback>
       </mc:AlternateContent>
-      <mc:AlternateContent xmlns:mc="http://schemas.openxmlformats.org/markup-compatibility/2006">
-        <mc:Choice xmlns:p14="http://schemas.microsoft.com/office/powerpoint/2010/main" Requires="p14">
+      <mc:AlternateContent xmlns:mc="http://schemas.openxmlformats.org/markup-compatibility/2006" xmlns:p14="http://schemas.microsoft.com/office/powerpoint/2010/main">
+        <mc:Choice Requires="p14">
           <p:contentPart p14:bwMode="auto" r:id="rId9">
             <p14:nvContentPartPr>
               <p14:cNvPr id="25" name="Ink 24">
@@ -7231,7 +7345,7 @@
             </p14:xfrm>
           </p:contentPart>
         </mc:Choice>
-        <mc:Fallback>
+        <mc:Fallback xmlns="">
           <p:pic>
             <p:nvPicPr>
               <p:cNvPr id="25" name="Ink 24">
@@ -7262,8 +7376,8 @@
           </p:pic>
         </mc:Fallback>
       </mc:AlternateContent>
-      <mc:AlternateContent xmlns:mc="http://schemas.openxmlformats.org/markup-compatibility/2006">
-        <mc:Choice xmlns:p14="http://schemas.microsoft.com/office/powerpoint/2010/main" Requires="p14">
+      <mc:AlternateContent xmlns:mc="http://schemas.openxmlformats.org/markup-compatibility/2006" xmlns:p14="http://schemas.microsoft.com/office/powerpoint/2010/main">
+        <mc:Choice Requires="p14">
           <p:contentPart p14:bwMode="auto" r:id="rId10">
             <p14:nvContentPartPr>
               <p14:cNvPr id="27" name="Ink 26">
@@ -7282,7 +7396,7 @@
             </p14:xfrm>
           </p:contentPart>
         </mc:Choice>
-        <mc:Fallback>
+        <mc:Fallback xmlns="">
           <p:pic>
             <p:nvPicPr>
               <p:cNvPr id="27" name="Ink 26">
@@ -9746,7 +9860,7 @@
         </p:nvSpPr>
         <p:spPr>
           <a:xfrm>
-            <a:off x="2926453" y="-298761"/>
+            <a:off x="2485137" y="-287378"/>
             <a:ext cx="10515600" cy="1325563"/>
           </a:xfrm>
         </p:spPr>
@@ -9761,8 +9875,8 @@
           </a:p>
         </p:txBody>
       </p:sp>
-      <mc:AlternateContent xmlns:mc="http://schemas.openxmlformats.org/markup-compatibility/2006">
-        <mc:Choice xmlns:p14="http://schemas.microsoft.com/office/powerpoint/2010/main" Requires="p14">
+      <mc:AlternateContent xmlns:mc="http://schemas.openxmlformats.org/markup-compatibility/2006" xmlns:p14="http://schemas.microsoft.com/office/powerpoint/2010/main">
+        <mc:Choice Requires="p14">
           <p:contentPart p14:bwMode="auto" r:id="rId8">
             <p14:nvContentPartPr>
               <p14:cNvPr id="3" name="Ink 2">
@@ -9781,7 +9895,7 @@
             </p14:xfrm>
           </p:contentPart>
         </mc:Choice>
-        <mc:Fallback>
+        <mc:Fallback xmlns="">
           <p:pic>
             <p:nvPicPr>
               <p:cNvPr id="3" name="Ink 2">
@@ -10047,13 +10161,13 @@
         </p:nvSpPr>
         <p:spPr>
           <a:xfrm>
-            <a:off x="8251734" y="182254"/>
-            <a:ext cx="4085021" cy="2309170"/>
+            <a:off x="9909245" y="182253"/>
+            <a:ext cx="2306984" cy="3458673"/>
           </a:xfrm>
           <a:prstGeom prst="wedgeEllipseCallout">
             <a:avLst>
-              <a:gd name="adj1" fmla="val -46100"/>
-              <a:gd name="adj2" fmla="val 44541"/>
+              <a:gd name="adj1" fmla="val -112986"/>
+              <a:gd name="adj2" fmla="val 13972"/>
             </a:avLst>
           </a:prstGeom>
           <a:noFill/>
@@ -10097,8 +10211,8 @@
         </p:nvSpPr>
         <p:spPr>
           <a:xfrm>
-            <a:off x="9243505" y="684132"/>
-            <a:ext cx="3073361" cy="1477328"/>
+            <a:off x="10286363" y="518560"/>
+            <a:ext cx="2030503" cy="2308324"/>
           </a:xfrm>
           <a:prstGeom prst="rect">
             <a:avLst/>
@@ -14547,8 +14661,8 @@
           </a:p>
         </p:txBody>
       </p:sp>
-      <mc:AlternateContent xmlns:mc="http://schemas.openxmlformats.org/markup-compatibility/2006">
-        <mc:Choice xmlns:p14="http://schemas.microsoft.com/office/powerpoint/2010/main" Requires="p14">
+      <mc:AlternateContent xmlns:mc="http://schemas.openxmlformats.org/markup-compatibility/2006" xmlns:p14="http://schemas.microsoft.com/office/powerpoint/2010/main">
+        <mc:Choice Requires="p14">
           <p:contentPart p14:bwMode="auto" r:id="rId7">
             <p14:nvContentPartPr>
               <p14:cNvPr id="3" name="Ink 2">
@@ -14567,7 +14681,7 @@
             </p14:xfrm>
           </p:contentPart>
         </mc:Choice>
-        <mc:Fallback>
+        <mc:Fallback xmlns="">
           <p:pic>
             <p:nvPicPr>
               <p:cNvPr id="3" name="Ink 2">
@@ -14804,8 +14918,8 @@
           </a:p>
         </p:txBody>
       </p:sp>
-      <mc:AlternateContent xmlns:mc="http://schemas.openxmlformats.org/markup-compatibility/2006">
-        <mc:Choice xmlns:a14="http://schemas.microsoft.com/office/drawing/2010/main" Requires="a14">
+      <mc:AlternateContent xmlns:mc="http://schemas.openxmlformats.org/markup-compatibility/2006" xmlns:a14="http://schemas.microsoft.com/office/drawing/2010/main">
+        <mc:Choice Requires="a14">
           <p:sp>
             <p:nvSpPr>
               <p:cNvPr id="23" name="Rectangle 22">
@@ -14927,7 +15041,7 @@
             </p:txBody>
           </p:sp>
         </mc:Choice>
-        <mc:Fallback>
+        <mc:Fallback xmlns="">
           <p:sp>
             <p:nvSpPr>
               <p:cNvPr id="23" name="Rectangle 22">
@@ -22302,9 +22416,9 @@
           </a:p>
         </p:txBody>
       </p:sp>
-      <mc:AlternateContent xmlns:mc="http://schemas.openxmlformats.org/markup-compatibility/2006">
-        <mc:Choice xmlns:p14="http://schemas.microsoft.com/office/powerpoint/2010/main" Requires="p14">
-          <p:contentPart p14:bwMode="auto" r:id="rId2">
+      <mc:AlternateContent xmlns:mc="http://schemas.openxmlformats.org/markup-compatibility/2006" xmlns:p14="http://schemas.microsoft.com/office/powerpoint/2010/main">
+        <mc:Choice Requires="p14">
+          <p:contentPart p14:bwMode="auto" r:id="rId3">
             <p14:nvContentPartPr>
               <p14:cNvPr id="4" name="Ink 3">
                 <a:extLst>
@@ -22322,7 +22436,7 @@
             </p14:xfrm>
           </p:contentPart>
         </mc:Choice>
-        <mc:Fallback>
+        <mc:Fallback xmlns="">
           <p:pic>
             <p:nvPicPr>
               <p:cNvPr id="4" name="Ink 3">
@@ -22336,7 +22450,7 @@
               <p:nvPr/>
             </p:nvPicPr>
             <p:blipFill>
-              <a:blip r:embed="rId3"/>
+              <a:blip r:embed="rId4"/>
               <a:stretch>
                 <a:fillRect/>
               </a:stretch>
@@ -22353,9 +22467,9 @@
           </p:pic>
         </mc:Fallback>
       </mc:AlternateContent>
-      <mc:AlternateContent xmlns:mc="http://schemas.openxmlformats.org/markup-compatibility/2006">
-        <mc:Choice xmlns:p14="http://schemas.microsoft.com/office/powerpoint/2010/main" Requires="p14">
-          <p:contentPart p14:bwMode="auto" r:id="rId4">
+      <mc:AlternateContent xmlns:mc="http://schemas.openxmlformats.org/markup-compatibility/2006" xmlns:p14="http://schemas.microsoft.com/office/powerpoint/2010/main">
+        <mc:Choice Requires="p14">
+          <p:contentPart p14:bwMode="auto" r:id="rId5">
             <p14:nvContentPartPr>
               <p14:cNvPr id="5" name="Ink 4">
                 <a:extLst>
@@ -22373,7 +22487,7 @@
             </p14:xfrm>
           </p:contentPart>
         </mc:Choice>
-        <mc:Fallback>
+        <mc:Fallback xmlns="">
           <p:pic>
             <p:nvPicPr>
               <p:cNvPr id="5" name="Ink 4">
@@ -22387,7 +22501,7 @@
               <p:nvPr/>
             </p:nvPicPr>
             <p:blipFill>
-              <a:blip r:embed="rId3"/>
+              <a:blip r:embed="rId4"/>
               <a:stretch>
                 <a:fillRect/>
               </a:stretch>
@@ -27400,6 +27514,122 @@
       </p:grpSpPr>
       <p:sp>
         <p:nvSpPr>
+          <p:cNvPr id="2" name="Title 1">
+            <a:extLst>
+              <a:ext uri="{FF2B5EF4-FFF2-40B4-BE49-F238E27FC236}">
+                <a16:creationId xmlns:a16="http://schemas.microsoft.com/office/drawing/2014/main" id="{4EBA4565-B28D-9851-2EE5-CE1EEE4EE251}"/>
+              </a:ext>
+            </a:extLst>
+          </p:cNvPr>
+          <p:cNvSpPr>
+            <a:spLocks noGrp="1"/>
+          </p:cNvSpPr>
+          <p:nvPr>
+            <p:ph type="title"/>
+          </p:nvPr>
+        </p:nvSpPr>
+        <p:spPr/>
+        <p:txBody>
+          <a:bodyPr/>
+          <a:lstStyle/>
+          <a:p>
+            <a:r>
+              <a:rPr lang="en-US" dirty="0"/>
+              <a:t>The System of Memory Virtualization</a:t>
+            </a:r>
+          </a:p>
+        </p:txBody>
+      </p:sp>
+      <p:sp>
+        <p:nvSpPr>
+          <p:cNvPr id="3" name="Content Placeholder 2">
+            <a:extLst>
+              <a:ext uri="{FF2B5EF4-FFF2-40B4-BE49-F238E27FC236}">
+                <a16:creationId xmlns:a16="http://schemas.microsoft.com/office/drawing/2014/main" id="{2989CDC0-5BA8-EA62-9AF6-5F64F3CD534E}"/>
+              </a:ext>
+            </a:extLst>
+          </p:cNvPr>
+          <p:cNvSpPr>
+            <a:spLocks noGrp="1"/>
+          </p:cNvSpPr>
+          <p:nvPr>
+            <p:ph idx="1"/>
+          </p:nvPr>
+        </p:nvSpPr>
+        <p:spPr/>
+        <p:txBody>
+          <a:bodyPr/>
+          <a:lstStyle/>
+          <a:p>
+            <a:pPr marL="0" indent="0">
+              <a:buNone/>
+            </a:pPr>
+            <a:r>
+              <a:rPr lang="en-US" sz="1800" dirty="0">
+                <a:effectLst/>
+                <a:latin typeface="LinLibertineT"/>
+              </a:rPr>
+              <a:t> </a:t>
+            </a:r>
+            <a:r>
+              <a:rPr lang="en-US" dirty="0">
+                <a:effectLst/>
+              </a:rPr>
+              <a:t>“the virtual memory sub-system can be considered the core of a Solaris instance, and the implementation of Solaris virtual memory affects just about every other subsystem in the operating system” </a:t>
+            </a:r>
+            <a:endParaRPr lang="en-US" dirty="0"/>
+          </a:p>
+          <a:p>
+            <a:pPr marL="2286000" lvl="5" indent="0">
+              <a:buNone/>
+            </a:pPr>
+            <a:r>
+              <a:rPr lang="en-US" dirty="0"/>
+              <a:t>by </a:t>
+            </a:r>
+            <a:r>
+              <a:rPr lang="en-US" sz="1800" dirty="0">
+                <a:effectLst/>
+                <a:latin typeface="LinLibertineT"/>
+              </a:rPr>
+              <a:t>authoritative reference on the internals of the Solaris kernel, McDougall and Mauro </a:t>
+            </a:r>
+            <a:endParaRPr lang="en-US" dirty="0"/>
+          </a:p>
+        </p:txBody>
+      </p:sp>
+    </p:spTree>
+    <p:extLst>
+      <p:ext uri="{BB962C8B-B14F-4D97-AF65-F5344CB8AC3E}">
+        <p14:creationId xmlns:p14="http://schemas.microsoft.com/office/powerpoint/2010/main" val="3245068524"/>
+      </p:ext>
+    </p:extLst>
+  </p:cSld>
+  <p:clrMapOvr>
+    <a:masterClrMapping/>
+  </p:clrMapOvr>
+</p:sld>
+</file>
+
+<file path=ppt/slides/slide4.xml><?xml version="1.0" encoding="utf-8"?>
+<p:sld xmlns:a="http://schemas.openxmlformats.org/drawingml/2006/main" xmlns:r="http://schemas.openxmlformats.org/officeDocument/2006/relationships" xmlns:p="http://schemas.openxmlformats.org/presentationml/2006/main">
+  <p:cSld>
+    <p:spTree>
+      <p:nvGrpSpPr>
+        <p:cNvPr id="1" name=""/>
+        <p:cNvGrpSpPr/>
+        <p:nvPr/>
+      </p:nvGrpSpPr>
+      <p:grpSpPr>
+        <a:xfrm>
+          <a:off x="0" y="0"/>
+          <a:ext cx="0" cy="0"/>
+          <a:chOff x="0" y="0"/>
+          <a:chExt cx="0" cy="0"/>
+        </a:xfrm>
+      </p:grpSpPr>
+      <p:sp>
+        <p:nvSpPr>
           <p:cNvPr id="3" name="Content Placeholder 2">
             <a:extLst>
               <a:ext uri="{FF2B5EF4-FFF2-40B4-BE49-F238E27FC236}">
@@ -27476,7 +27706,7 @@
 </p:sld>
 </file>
 
-<file path=ppt/slides/slide4.xml><?xml version="1.0" encoding="utf-8"?>
+<file path=ppt/slides/slide5.xml><?xml version="1.0" encoding="utf-8"?>
 <p:sld xmlns:a="http://schemas.openxmlformats.org/drawingml/2006/main" xmlns:r="http://schemas.openxmlformats.org/officeDocument/2006/relationships" xmlns:p="http://schemas.openxmlformats.org/presentationml/2006/main">
   <p:cSld>
     <p:bg>
@@ -28370,120 +28600,10 @@
   <p:clrMapOvr>
     <a:masterClrMapping/>
   </p:clrMapOvr>
-  <p:timing>
-    <p:tnLst>
-      <p:par>
-        <p:cTn id="1" dur="indefinite" restart="never" nodeType="tmRoot">
-          <p:childTnLst>
-            <p:seq concurrent="1" nextAc="seek">
-              <p:cTn id="2" dur="indefinite" nodeType="mainSeq">
-                <p:childTnLst>
-                  <p:par>
-                    <p:cTn id="3" fill="hold">
-                      <p:stCondLst>
-                        <p:cond delay="indefinite"/>
-                      </p:stCondLst>
-                      <p:childTnLst>
-                        <p:par>
-                          <p:cTn id="4" fill="hold">
-                            <p:stCondLst>
-                              <p:cond delay="0"/>
-                            </p:stCondLst>
-                            <p:childTnLst>
-                              <p:par>
-                                <p:cTn id="5" presetID="1" presetClass="entr" presetSubtype="0" fill="hold" nodeType="clickEffect">
-                                  <p:stCondLst>
-                                    <p:cond delay="0"/>
-                                  </p:stCondLst>
-                                  <p:childTnLst>
-                                    <p:set>
-                                      <p:cBhvr>
-                                        <p:cTn id="6" dur="1" fill="hold">
-                                          <p:stCondLst>
-                                            <p:cond delay="0"/>
-                                          </p:stCondLst>
-                                        </p:cTn>
-                                        <p:tgtEl>
-                                          <p:spTgt spid="3">
-                                            <p:txEl>
-                                              <p:pRg st="0" end="0"/>
-                                            </p:txEl>
-                                          </p:spTgt>
-                                        </p:tgtEl>
-                                        <p:attrNameLst>
-                                          <p:attrName>style.visibility</p:attrName>
-                                        </p:attrNameLst>
-                                      </p:cBhvr>
-                                      <p:to>
-                                        <p:strVal val="visible"/>
-                                      </p:to>
-                                    </p:set>
-                                  </p:childTnLst>
-                                </p:cTn>
-                              </p:par>
-                              <p:par>
-                                <p:cTn id="7" presetID="1" presetClass="entr" presetSubtype="0" fill="hold" nodeType="withEffect">
-                                  <p:stCondLst>
-                                    <p:cond delay="0"/>
-                                  </p:stCondLst>
-                                  <p:childTnLst>
-                                    <p:set>
-                                      <p:cBhvr>
-                                        <p:cTn id="8" dur="1" fill="hold">
-                                          <p:stCondLst>
-                                            <p:cond delay="0"/>
-                                          </p:stCondLst>
-                                        </p:cTn>
-                                        <p:tgtEl>
-                                          <p:spTgt spid="3">
-                                            <p:txEl>
-                                              <p:pRg st="1" end="1"/>
-                                            </p:txEl>
-                                          </p:spTgt>
-                                        </p:tgtEl>
-                                        <p:attrNameLst>
-                                          <p:attrName>style.visibility</p:attrName>
-                                        </p:attrNameLst>
-                                      </p:cBhvr>
-                                      <p:to>
-                                        <p:strVal val="visible"/>
-                                      </p:to>
-                                    </p:set>
-                                  </p:childTnLst>
-                                </p:cTn>
-                              </p:par>
-                            </p:childTnLst>
-                          </p:cTn>
-                        </p:par>
-                      </p:childTnLst>
-                    </p:cTn>
-                  </p:par>
-                </p:childTnLst>
-              </p:cTn>
-              <p:prevCondLst>
-                <p:cond evt="onPrev" delay="0">
-                  <p:tgtEl>
-                    <p:sldTgt/>
-                  </p:tgtEl>
-                </p:cond>
-              </p:prevCondLst>
-              <p:nextCondLst>
-                <p:cond evt="onNext" delay="0">
-                  <p:tgtEl>
-                    <p:sldTgt/>
-                  </p:tgtEl>
-                </p:cond>
-              </p:nextCondLst>
-            </p:seq>
-          </p:childTnLst>
-        </p:cTn>
-      </p:par>
-    </p:tnLst>
-  </p:timing>
 </p:sld>
 </file>
 
-<file path=ppt/slides/slide5.xml><?xml version="1.0" encoding="utf-8"?>
+<file path=ppt/slides/slide6.xml><?xml version="1.0" encoding="utf-8"?>
 <p:sld xmlns:a="http://schemas.openxmlformats.org/drawingml/2006/main" xmlns:r="http://schemas.openxmlformats.org/officeDocument/2006/relationships" xmlns:p="http://schemas.openxmlformats.org/presentationml/2006/main">
   <p:cSld>
     <p:spTree>
@@ -28528,8 +28648,8 @@
           </a:p>
         </p:txBody>
       </p:sp>
-      <mc:AlternateContent xmlns:mc="http://schemas.openxmlformats.org/markup-compatibility/2006">
-        <mc:Choice xmlns:a14="http://schemas.microsoft.com/office/drawing/2010/main" Requires="a14">
+      <mc:AlternateContent xmlns:mc="http://schemas.openxmlformats.org/markup-compatibility/2006" xmlns:a14="http://schemas.microsoft.com/office/drawing/2010/main">
+        <mc:Choice Requires="a14">
           <p:sp>
             <p:nvSpPr>
               <p:cNvPr id="3" name="Content Placeholder 2">
@@ -28603,7 +28723,7 @@
             </p:txBody>
           </p:sp>
         </mc:Choice>
-        <mc:Fallback>
+        <mc:Fallback xmlns="">
           <p:sp>
             <p:nvSpPr>
               <p:cNvPr id="3" name="Content Placeholder 2">
@@ -29451,8 +29571,8 @@
           </a:p>
         </p:txBody>
       </p:sp>
-      <mc:AlternateContent xmlns:mc="http://schemas.openxmlformats.org/markup-compatibility/2006">
-        <mc:Choice xmlns:a14="http://schemas.microsoft.com/office/drawing/2010/main" Requires="a14">
+      <mc:AlternateContent xmlns:mc="http://schemas.openxmlformats.org/markup-compatibility/2006" xmlns:a14="http://schemas.microsoft.com/office/drawing/2010/main">
+        <mc:Choice Requires="a14">
           <p:sp>
             <p:nvSpPr>
               <p:cNvPr id="1301" name="TextBox 1300">
@@ -29509,6 +29629,7 @@
               </a:bodyPr>
               <a:lstStyle/>
               <a:p>
+                <a:pPr/>
                 <a14:m>
                   <m:oMathPara xmlns:m="http://schemas.openxmlformats.org/officeDocument/2006/math">
                     <m:oMathParaPr>
@@ -29530,7 +29651,7 @@
             </p:txBody>
           </p:sp>
         </mc:Choice>
-        <mc:Fallback>
+        <mc:Fallback xmlns="">
           <p:sp>
             <p:nvSpPr>
               <p:cNvPr id="1301" name="TextBox 1300">
@@ -29588,7 +29709,7 @@
 </p:sld>
 </file>
 
-<file path=ppt/slides/slide6.xml><?xml version="1.0" encoding="utf-8"?>
+<file path=ppt/slides/slide7.xml><?xml version="1.0" encoding="utf-8"?>
 <p:sld xmlns:a="http://schemas.openxmlformats.org/drawingml/2006/main" xmlns:r="http://schemas.openxmlformats.org/officeDocument/2006/relationships" xmlns:p="http://schemas.openxmlformats.org/presentationml/2006/main">
   <p:cSld>
     <p:spTree>
@@ -30361,8 +30482,8 @@
           </a:p>
         </p:txBody>
       </p:sp>
-      <mc:AlternateContent xmlns:mc="http://schemas.openxmlformats.org/markup-compatibility/2006">
-        <mc:Choice xmlns:a14="http://schemas.microsoft.com/office/drawing/2010/main" Requires="a14">
+      <mc:AlternateContent xmlns:mc="http://schemas.openxmlformats.org/markup-compatibility/2006" xmlns:a14="http://schemas.microsoft.com/office/drawing/2010/main">
+        <mc:Choice Requires="a14">
           <p:sp>
             <p:nvSpPr>
               <p:cNvPr id="156" name="TextBox 155">
@@ -30419,6 +30540,7 @@
               </a:bodyPr>
               <a:lstStyle/>
               <a:p>
+                <a:pPr/>
                 <a14:m>
                   <m:oMathPara xmlns:m="http://schemas.openxmlformats.org/officeDocument/2006/math">
                     <m:oMathParaPr>
@@ -30440,7 +30562,7 @@
             </p:txBody>
           </p:sp>
         </mc:Choice>
-        <mc:Fallback>
+        <mc:Fallback xmlns="">
           <p:sp>
             <p:nvSpPr>
               <p:cNvPr id="156" name="TextBox 155">
@@ -30702,7 +30824,7 @@
 </p:sld>
 </file>
 
-<file path=ppt/slides/slide7.xml><?xml version="1.0" encoding="utf-8"?>
+<file path=ppt/slides/slide8.xml><?xml version="1.0" encoding="utf-8"?>
 <p:sld xmlns:a="http://schemas.openxmlformats.org/drawingml/2006/main" xmlns:r="http://schemas.openxmlformats.org/officeDocument/2006/relationships" xmlns:p="http://schemas.openxmlformats.org/presentationml/2006/main">
   <p:cSld>
     <p:spTree>
@@ -33137,8 +33259,8 @@
           </a:p>
         </p:txBody>
       </p:sp>
-      <mc:AlternateContent xmlns:mc="http://schemas.openxmlformats.org/markup-compatibility/2006">
-        <mc:Choice xmlns:p14="http://schemas.microsoft.com/office/powerpoint/2010/main" Requires="p14">
+      <mc:AlternateContent xmlns:mc="http://schemas.openxmlformats.org/markup-compatibility/2006" xmlns:p14="http://schemas.microsoft.com/office/powerpoint/2010/main">
+        <mc:Choice Requires="p14">
           <p:contentPart p14:bwMode="auto" r:id="rId8">
             <p14:nvContentPartPr>
               <p14:cNvPr id="3" name="Ink 2">
@@ -33157,7 +33279,7 @@
             </p14:xfrm>
           </p:contentPart>
         </mc:Choice>
-        <mc:Fallback>
+        <mc:Fallback xmlns="">
           <p:pic>
             <p:nvPicPr>
               <p:cNvPr id="3" name="Ink 2">
@@ -34923,7 +35045,7 @@
 </p:sld>
 </file>
 
-<file path=ppt/slides/slide8.xml><?xml version="1.0" encoding="utf-8"?>
+<file path=ppt/slides/slide9.xml><?xml version="1.0" encoding="utf-8"?>
 <p:sld xmlns:a="http://schemas.openxmlformats.org/drawingml/2006/main" xmlns:r="http://schemas.openxmlformats.org/officeDocument/2006/relationships" xmlns:p="http://schemas.openxmlformats.org/presentationml/2006/main">
   <p:cSld>
     <p:spTree>
@@ -39554,122 +39676,6 @@
       <p:bldP spid="101" grpId="0"/>
     </p:bldLst>
   </p:timing>
-</p:sld>
-</file>
-
-<file path=ppt/slides/slide9.xml><?xml version="1.0" encoding="utf-8"?>
-<p:sld xmlns:a="http://schemas.openxmlformats.org/drawingml/2006/main" xmlns:r="http://schemas.openxmlformats.org/officeDocument/2006/relationships" xmlns:p="http://schemas.openxmlformats.org/presentationml/2006/main">
-  <p:cSld>
-    <p:spTree>
-      <p:nvGrpSpPr>
-        <p:cNvPr id="1" name=""/>
-        <p:cNvGrpSpPr/>
-        <p:nvPr/>
-      </p:nvGrpSpPr>
-      <p:grpSpPr>
-        <a:xfrm>
-          <a:off x="0" y="0"/>
-          <a:ext cx="0" cy="0"/>
-          <a:chOff x="0" y="0"/>
-          <a:chExt cx="0" cy="0"/>
-        </a:xfrm>
-      </p:grpSpPr>
-      <p:sp>
-        <p:nvSpPr>
-          <p:cNvPr id="2" name="Title 1">
-            <a:extLst>
-              <a:ext uri="{FF2B5EF4-FFF2-40B4-BE49-F238E27FC236}">
-                <a16:creationId xmlns:a16="http://schemas.microsoft.com/office/drawing/2014/main" id="{4EBA4565-B28D-9851-2EE5-CE1EEE4EE251}"/>
-              </a:ext>
-            </a:extLst>
-          </p:cNvPr>
-          <p:cNvSpPr>
-            <a:spLocks noGrp="1"/>
-          </p:cNvSpPr>
-          <p:nvPr>
-            <p:ph type="title"/>
-          </p:nvPr>
-        </p:nvSpPr>
-        <p:spPr/>
-        <p:txBody>
-          <a:bodyPr/>
-          <a:lstStyle/>
-          <a:p>
-            <a:r>
-              <a:rPr lang="en-US" dirty="0"/>
-              <a:t>The System of Memory Virtualization</a:t>
-            </a:r>
-          </a:p>
-        </p:txBody>
-      </p:sp>
-      <p:sp>
-        <p:nvSpPr>
-          <p:cNvPr id="3" name="Content Placeholder 2">
-            <a:extLst>
-              <a:ext uri="{FF2B5EF4-FFF2-40B4-BE49-F238E27FC236}">
-                <a16:creationId xmlns:a16="http://schemas.microsoft.com/office/drawing/2014/main" id="{2989CDC0-5BA8-EA62-9AF6-5F64F3CD534E}"/>
-              </a:ext>
-            </a:extLst>
-          </p:cNvPr>
-          <p:cNvSpPr>
-            <a:spLocks noGrp="1"/>
-          </p:cNvSpPr>
-          <p:nvPr>
-            <p:ph idx="1"/>
-          </p:nvPr>
-        </p:nvSpPr>
-        <p:spPr/>
-        <p:txBody>
-          <a:bodyPr/>
-          <a:lstStyle/>
-          <a:p>
-            <a:pPr marL="0" indent="0">
-              <a:buNone/>
-            </a:pPr>
-            <a:r>
-              <a:rPr lang="en-US" sz="1800" dirty="0">
-                <a:effectLst/>
-                <a:latin typeface="LinLibertineT"/>
-              </a:rPr>
-              <a:t> </a:t>
-            </a:r>
-            <a:r>
-              <a:rPr lang="en-US" dirty="0">
-                <a:effectLst/>
-              </a:rPr>
-              <a:t>“the virtual memory sub-system can be considered the core of a Solaris instance, and the implementation of Solaris virtual memory affects just about every other subsystem in the operating system” </a:t>
-            </a:r>
-            <a:endParaRPr lang="en-US" dirty="0"/>
-          </a:p>
-          <a:p>
-            <a:pPr marL="2286000" lvl="5" indent="0">
-              <a:buNone/>
-            </a:pPr>
-            <a:r>
-              <a:rPr lang="en-US" dirty="0"/>
-              <a:t>by </a:t>
-            </a:r>
-            <a:r>
-              <a:rPr lang="en-US" sz="1800" dirty="0">
-                <a:effectLst/>
-                <a:latin typeface="LinLibertineT"/>
-              </a:rPr>
-              <a:t>authoritative reference on the internals of the Solaris kernel, McDougall and Mauro </a:t>
-            </a:r>
-            <a:endParaRPr lang="en-US" dirty="0"/>
-          </a:p>
-        </p:txBody>
-      </p:sp>
-    </p:spTree>
-    <p:extLst>
-      <p:ext uri="{BB962C8B-B14F-4D97-AF65-F5344CB8AC3E}">
-        <p14:creationId xmlns:p14="http://schemas.microsoft.com/office/powerpoint/2010/main" val="3245068524"/>
-      </p:ext>
-    </p:extLst>
-  </p:cSld>
-  <p:clrMapOvr>
-    <a:masterClrMapping/>
-  </p:clrMapOvr>
 </p:sld>
 </file>
 

--- a/uc_april_19/proposal.pptx
+++ b/uc_april_19/proposal.pptx
@@ -436,7 +436,7 @@
           <a:p>
             <a:fld id="{F46D3AF7-5EDA-3B4A-97E0-315D431B4E03}" type="datetimeFigureOut">
               <a:rPr lang="en-US" smtClean="0"/>
-              <a:t>4/16/24</a:t>
+              <a:t>4/18/24</a:t>
             </a:fld>
             <a:endParaRPr lang="en-US"/>
           </a:p>
@@ -757,7 +757,7 @@
             </a:r>
             <a:r>
               <a:rPr lang="en-US" dirty="0"/>
-              <a:t> am Ismail Kuru a </a:t>
+              <a:t> am Ismail Kuru a year </a:t>
             </a:r>
             <a:r>
               <a:rPr lang="en-US" dirty="0" err="1"/>
@@ -765,7 +765,15 @@
             </a:r>
             <a:r>
               <a:rPr lang="en-US" dirty="0"/>
-              <a:t> student working on systems verification and logic. Today I am going to present you a chapter of my thesis, which are basically a set of reasoning principles for a critical piece of general purpose </a:t>
+              <a:t> student at Drexel university, graduating this summer. During my </a:t>
+            </a:r>
+            <a:r>
+              <a:rPr lang="en-US" dirty="0" err="1"/>
+              <a:t>phd</a:t>
+            </a:r>
+            <a:r>
+              <a:rPr lang="en-US" dirty="0"/>
+              <a:t> I worked on different assurance mechanisms for correctness for low level systems. In this talk, today, I am going to present you a chapter of my thesis, which are basically a set of reasoning principles for a critical piece of general purpose </a:t>
             </a:r>
             <a:r>
               <a:rPr lang="en-US" dirty="0" err="1"/>
@@ -858,7 +866,140 @@
           <a:bodyPr/>
           <a:lstStyle/>
           <a:p>
-            <a:endParaRPr lang="en-US"/>
+            <a:r>
+              <a:rPr lang="en-US" dirty="0">
+                <a:solidFill>
+                  <a:srgbClr val="FF0000"/>
+                </a:solidFill>
+              </a:rPr>
+              <a:t>Contingency</a:t>
+            </a:r>
+          </a:p>
+          <a:p>
+            <a:r>
+              <a:rPr lang="en-US" dirty="0">
+                <a:solidFill>
+                  <a:srgbClr val="FF0000"/>
+                </a:solidFill>
+              </a:rPr>
+              <a:t>The modals we are interested in this paper are shaped around </a:t>
+            </a:r>
+          </a:p>
+          <a:p>
+            <a:pPr lvl="1"/>
+            <a:r>
+              <a:rPr lang="en-US" dirty="0">
+                <a:solidFill>
+                  <a:srgbClr val="FF0000"/>
+                </a:solidFill>
+              </a:rPr>
+              <a:t>Hybrid logic style understanding of </a:t>
+            </a:r>
+          </a:p>
+          <a:p>
+            <a:pPr lvl="2"/>
+            <a:r>
+              <a:rPr lang="en-US" dirty="0">
+                <a:solidFill>
+                  <a:srgbClr val="FF0000"/>
+                </a:solidFill>
+              </a:rPr>
+              <a:t>[] satisfaction </a:t>
+            </a:r>
+            <a:r>
+              <a:rPr lang="en-US" dirty="0" err="1">
+                <a:solidFill>
+                  <a:srgbClr val="FF0000"/>
+                </a:solidFill>
+              </a:rPr>
+              <a:t>operatos</a:t>
+            </a:r>
+            <a:endParaRPr lang="en-US" dirty="0">
+              <a:solidFill>
+                <a:srgbClr val="FF0000"/>
+              </a:solidFill>
+            </a:endParaRPr>
+          </a:p>
+          <a:p>
+            <a:pPr lvl="3"/>
+            <a:r>
+              <a:rPr lang="en-US" dirty="0">
+                <a:solidFill>
+                  <a:srgbClr val="FF0000"/>
+                </a:solidFill>
+              </a:rPr>
+              <a:t>Unknown of other world</a:t>
+            </a:r>
+          </a:p>
+          <a:p>
+            <a:pPr lvl="2"/>
+            <a:r>
+              <a:rPr lang="en-US" dirty="0">
+                <a:solidFill>
+                  <a:srgbClr val="FF0000"/>
+                </a:solidFill>
+              </a:rPr>
+              <a:t>Interpreting </a:t>
+            </a:r>
+            <a:r>
+              <a:rPr lang="en-US" dirty="0" err="1">
+                <a:solidFill>
+                  <a:srgbClr val="FF0000"/>
+                </a:solidFill>
+              </a:rPr>
+              <a:t>Kripke</a:t>
+            </a:r>
+            <a:r>
+              <a:rPr lang="en-US" dirty="0">
+                <a:solidFill>
+                  <a:srgbClr val="FF0000"/>
+                </a:solidFill>
+              </a:rPr>
+              <a:t> models as </a:t>
+            </a:r>
+            <a:r>
+              <a:rPr lang="en-US" dirty="0" err="1">
+                <a:solidFill>
+                  <a:srgbClr val="FF0000"/>
+                </a:solidFill>
+              </a:rPr>
+              <a:t>stses</a:t>
+            </a:r>
+            <a:endParaRPr lang="en-US" dirty="0">
+              <a:solidFill>
+                <a:srgbClr val="FF0000"/>
+              </a:solidFill>
+            </a:endParaRPr>
+          </a:p>
+          <a:p>
+            <a:pPr lvl="3"/>
+            <a:r>
+              <a:rPr lang="en-US" dirty="0">
+                <a:solidFill>
+                  <a:srgbClr val="FF0000"/>
+                </a:solidFill>
+              </a:rPr>
+              <a:t>Multiple generated </a:t>
+            </a:r>
+            <a:r>
+              <a:rPr lang="en-US" dirty="0" err="1">
+                <a:solidFill>
+                  <a:srgbClr val="FF0000"/>
+                </a:solidFill>
+              </a:rPr>
+              <a:t>submodels</a:t>
+            </a:r>
+            <a:r>
+              <a:rPr lang="en-US" dirty="0">
+                <a:solidFill>
+                  <a:srgbClr val="FF0000"/>
+                </a:solidFill>
+              </a:rPr>
+              <a:t> </a:t>
+            </a:r>
+          </a:p>
+          <a:p>
+            <a:endParaRPr lang="en-US" dirty="0"/>
           </a:p>
         </p:txBody>
       </p:sp>
@@ -879,7 +1020,7 @@
           <a:p>
             <a:fld id="{180B0F4F-C4CA-F945-8BD8-C2A10415F31A}" type="slidenum">
               <a:rPr lang="en-US" smtClean="0"/>
-              <a:t>13</a:t>
+              <a:t>12</a:t>
             </a:fld>
             <a:endParaRPr lang="en-US"/>
           </a:p>
@@ -888,7 +1029,7 @@
     </p:spTree>
     <p:extLst>
       <p:ext uri="{BB962C8B-B14F-4D97-AF65-F5344CB8AC3E}">
-        <p14:creationId xmlns:p14="http://schemas.microsoft.com/office/powerpoint/2010/main" val="2207898864"/>
+        <p14:creationId xmlns:p14="http://schemas.microsoft.com/office/powerpoint/2010/main" val="2484277137"/>
       </p:ext>
     </p:extLst>
   </p:cSld>
@@ -942,7 +1083,43 @@
           <a:bodyPr/>
           <a:lstStyle/>
           <a:p>
-            <a:endParaRPr lang="en-US"/>
+            <a:r>
+              <a:rPr lang="en-US" dirty="0"/>
+              <a:t>We start with defining our physical state on top of which we build our logical resources such as physical memory </a:t>
+            </a:r>
+            <a:r>
+              <a:rPr lang="en-US" dirty="0" err="1"/>
+              <a:t>pointso</a:t>
+            </a:r>
+            <a:r>
+              <a:rPr lang="en-US" dirty="0"/>
+              <a:t>, register points to relations. Here sigma M resembles our physical memory’s a simple nested maps to capture frame and index references from an address and likewise a register on top of which we construct register </a:t>
+            </a:r>
+            <a:r>
+              <a:rPr lang="en-US" dirty="0" err="1"/>
+              <a:t>pointsto</a:t>
+            </a:r>
+            <a:r>
+              <a:rPr lang="en-US" dirty="0"/>
+              <a:t> relations.</a:t>
+            </a:r>
+          </a:p>
+          <a:p>
+            <a:endParaRPr lang="en-US" dirty="0"/>
+          </a:p>
+          <a:p>
+            <a:r>
+              <a:rPr lang="en-US" dirty="0"/>
+              <a:t>How about virtual </a:t>
+            </a:r>
+            <a:r>
+              <a:rPr lang="en-US" dirty="0" err="1"/>
+              <a:t>pointsto</a:t>
+            </a:r>
+            <a:r>
+              <a:rPr lang="en-US" dirty="0"/>
+              <a:t> relations? ….</a:t>
+            </a:r>
           </a:p>
         </p:txBody>
       </p:sp>
@@ -963,7 +1140,7 @@
           <a:p>
             <a:fld id="{180B0F4F-C4CA-F945-8BD8-C2A10415F31A}" type="slidenum">
               <a:rPr lang="en-US" smtClean="0"/>
-              <a:t>14</a:t>
+              <a:t>13</a:t>
             </a:fld>
             <a:endParaRPr lang="en-US"/>
           </a:p>
@@ -972,7 +1149,7 @@
     </p:spTree>
     <p:extLst>
       <p:ext uri="{BB962C8B-B14F-4D97-AF65-F5344CB8AC3E}">
-        <p14:creationId xmlns:p14="http://schemas.microsoft.com/office/powerpoint/2010/main" val="1051985353"/>
+        <p14:creationId xmlns:p14="http://schemas.microsoft.com/office/powerpoint/2010/main" val="2207898864"/>
       </p:ext>
     </p:extLst>
   </p:cSld>
@@ -1026,7 +1203,34 @@
           <a:bodyPr/>
           <a:lstStyle/>
           <a:p>
-            <a:endParaRPr lang="en-US"/>
+            <a:r>
+              <a:rPr lang="en-US" dirty="0"/>
+              <a:t>All right, so. Let’s go back to the page table walk. And try to construct a virtual </a:t>
+            </a:r>
+            <a:r>
+              <a:rPr lang="en-US" dirty="0" err="1"/>
+              <a:t>pointsto</a:t>
+            </a:r>
+            <a:r>
+              <a:rPr lang="en-US" dirty="0"/>
+              <a:t> out of physical </a:t>
+            </a:r>
+            <a:r>
+              <a:rPr lang="en-US" dirty="0" err="1"/>
+              <a:t>pateble</a:t>
+            </a:r>
+            <a:r>
+              <a:rPr lang="en-US" dirty="0"/>
+              <a:t> </a:t>
+            </a:r>
+            <a:r>
+              <a:rPr lang="en-US" dirty="0" err="1"/>
+              <a:t>pointstos</a:t>
+            </a:r>
+            <a:r>
+              <a:rPr lang="en-US" dirty="0"/>
+              <a:t>. We again start from the top level, and travel the tree to reach to the physical page address, However the path knowledge we constructed through </a:t>
+            </a:r>
           </a:p>
         </p:txBody>
       </p:sp>
@@ -1047,7 +1251,7 @@
           <a:p>
             <a:fld id="{180B0F4F-C4CA-F945-8BD8-C2A10415F31A}" type="slidenum">
               <a:rPr lang="en-US" smtClean="0"/>
-              <a:t>15</a:t>
+              <a:t>14</a:t>
             </a:fld>
             <a:endParaRPr lang="en-US"/>
           </a:p>
@@ -1056,7 +1260,7 @@
     </p:spTree>
     <p:extLst>
       <p:ext uri="{BB962C8B-B14F-4D97-AF65-F5344CB8AC3E}">
-        <p14:creationId xmlns:p14="http://schemas.microsoft.com/office/powerpoint/2010/main" val="2809951184"/>
+        <p14:creationId xmlns:p14="http://schemas.microsoft.com/office/powerpoint/2010/main" val="1051985353"/>
       </p:ext>
     </p:extLst>
   </p:cSld>
@@ -1131,7 +1335,7 @@
           <a:p>
             <a:fld id="{180B0F4F-C4CA-F945-8BD8-C2A10415F31A}" type="slidenum">
               <a:rPr lang="en-US" smtClean="0"/>
-              <a:t>17</a:t>
+              <a:t>15</a:t>
             </a:fld>
             <a:endParaRPr lang="en-US"/>
           </a:p>
@@ -1140,7 +1344,7 @@
     </p:spTree>
     <p:extLst>
       <p:ext uri="{BB962C8B-B14F-4D97-AF65-F5344CB8AC3E}">
-        <p14:creationId xmlns:p14="http://schemas.microsoft.com/office/powerpoint/2010/main" val="2295082353"/>
+        <p14:creationId xmlns:p14="http://schemas.microsoft.com/office/powerpoint/2010/main" val="2809951184"/>
       </p:ext>
     </p:extLst>
   </p:cSld>
@@ -1194,10 +1398,7 @@
           <a:bodyPr/>
           <a:lstStyle/>
           <a:p>
-            <a:r>
-              <a:rPr lang="en-US" dirty="0"/>
-              <a:t>As backup slide.</a:t>
-            </a:r>
+            <a:endParaRPr lang="en-US" dirty="0"/>
           </a:p>
         </p:txBody>
       </p:sp>
@@ -1218,7 +1419,7 @@
           <a:p>
             <a:fld id="{180B0F4F-C4CA-F945-8BD8-C2A10415F31A}" type="slidenum">
               <a:rPr lang="en-US" smtClean="0"/>
-              <a:t>18</a:t>
+              <a:t>17</a:t>
             </a:fld>
             <a:endParaRPr lang="en-US"/>
           </a:p>
@@ -1227,7 +1428,7 @@
     </p:spTree>
     <p:extLst>
       <p:ext uri="{BB962C8B-B14F-4D97-AF65-F5344CB8AC3E}">
-        <p14:creationId xmlns:p14="http://schemas.microsoft.com/office/powerpoint/2010/main" val="3468275522"/>
+        <p14:creationId xmlns:p14="http://schemas.microsoft.com/office/powerpoint/2010/main" val="2295082353"/>
       </p:ext>
     </p:extLst>
   </p:cSld>
@@ -1281,7 +1482,10 @@
           <a:bodyPr/>
           <a:lstStyle/>
           <a:p>
-            <a:endParaRPr lang="en-US" dirty="0"/>
+            <a:r>
+              <a:rPr lang="en-US" dirty="0"/>
+              <a:t>As backup slide.</a:t>
+            </a:r>
           </a:p>
         </p:txBody>
       </p:sp>
@@ -1302,7 +1506,7 @@
           <a:p>
             <a:fld id="{180B0F4F-C4CA-F945-8BD8-C2A10415F31A}" type="slidenum">
               <a:rPr lang="en-US" smtClean="0"/>
-              <a:t>19</a:t>
+              <a:t>18</a:t>
             </a:fld>
             <a:endParaRPr lang="en-US"/>
           </a:p>
@@ -1311,7 +1515,7 @@
     </p:spTree>
     <p:extLst>
       <p:ext uri="{BB962C8B-B14F-4D97-AF65-F5344CB8AC3E}">
-        <p14:creationId xmlns:p14="http://schemas.microsoft.com/office/powerpoint/2010/main" val="3232203025"/>
+        <p14:creationId xmlns:p14="http://schemas.microsoft.com/office/powerpoint/2010/main" val="3468275522"/>
       </p:ext>
     </p:extLst>
   </p:cSld>
@@ -1386,7 +1590,7 @@
           <a:p>
             <a:fld id="{180B0F4F-C4CA-F945-8BD8-C2A10415F31A}" type="slidenum">
               <a:rPr lang="en-US" smtClean="0"/>
-              <a:t>20</a:t>
+              <a:t>19</a:t>
             </a:fld>
             <a:endParaRPr lang="en-US"/>
           </a:p>
@@ -1395,7 +1599,7 @@
     </p:spTree>
     <p:extLst>
       <p:ext uri="{BB962C8B-B14F-4D97-AF65-F5344CB8AC3E}">
-        <p14:creationId xmlns:p14="http://schemas.microsoft.com/office/powerpoint/2010/main" val="180261347"/>
+        <p14:creationId xmlns:p14="http://schemas.microsoft.com/office/powerpoint/2010/main" val="3232203025"/>
       </p:ext>
     </p:extLst>
   </p:cSld>
@@ -1470,7 +1674,7 @@
           <a:p>
             <a:fld id="{180B0F4F-C4CA-F945-8BD8-C2A10415F31A}" type="slidenum">
               <a:rPr lang="en-US" smtClean="0"/>
-              <a:t>21</a:t>
+              <a:t>20</a:t>
             </a:fld>
             <a:endParaRPr lang="en-US"/>
           </a:p>
@@ -1479,7 +1683,7 @@
     </p:spTree>
     <p:extLst>
       <p:ext uri="{BB962C8B-B14F-4D97-AF65-F5344CB8AC3E}">
-        <p14:creationId xmlns:p14="http://schemas.microsoft.com/office/powerpoint/2010/main" val="412603178"/>
+        <p14:creationId xmlns:p14="http://schemas.microsoft.com/office/powerpoint/2010/main" val="180261347"/>
       </p:ext>
     </p:extLst>
   </p:cSld>
@@ -1554,7 +1758,7 @@
           <a:p>
             <a:fld id="{180B0F4F-C4CA-F945-8BD8-C2A10415F31A}" type="slidenum">
               <a:rPr lang="en-US" smtClean="0"/>
-              <a:t>22</a:t>
+              <a:t>21</a:t>
             </a:fld>
             <a:endParaRPr lang="en-US"/>
           </a:p>
@@ -1563,7 +1767,7 @@
     </p:spTree>
     <p:extLst>
       <p:ext uri="{BB962C8B-B14F-4D97-AF65-F5344CB8AC3E}">
-        <p14:creationId xmlns:p14="http://schemas.microsoft.com/office/powerpoint/2010/main" val="3550256051"/>
+        <p14:creationId xmlns:p14="http://schemas.microsoft.com/office/powerpoint/2010/main" val="412603178"/>
       </p:ext>
     </p:extLst>
   </p:cSld>
@@ -1638,7 +1842,7 @@
           <a:p>
             <a:fld id="{180B0F4F-C4CA-F945-8BD8-C2A10415F31A}" type="slidenum">
               <a:rPr lang="en-US" smtClean="0"/>
-              <a:t>24</a:t>
+              <a:t>22</a:t>
             </a:fld>
             <a:endParaRPr lang="en-US"/>
           </a:p>
@@ -1647,7 +1851,7 @@
     </p:spTree>
     <p:extLst>
       <p:ext uri="{BB962C8B-B14F-4D97-AF65-F5344CB8AC3E}">
-        <p14:creationId xmlns:p14="http://schemas.microsoft.com/office/powerpoint/2010/main" val="1977058663"/>
+        <p14:creationId xmlns:p14="http://schemas.microsoft.com/office/powerpoint/2010/main" val="3550256051"/>
       </p:ext>
     </p:extLst>
   </p:cSld>
@@ -1703,7 +1907,15 @@
           <a:p>
             <a:r>
               <a:rPr lang="en-US" dirty="0"/>
-              <a:t>We start with a high level understanding of what a </a:t>
+              <a:t>We start with asserting why virtual memory managers are important piece to be considered to be verified? Then we will try to build some high level intuition on the aspects of </a:t>
+            </a:r>
+            <a:r>
+              <a:rPr lang="en-US" dirty="0" err="1"/>
+              <a:t>vmms</a:t>
+            </a:r>
+            <a:r>
+              <a:rPr lang="en-US" dirty="0"/>
+              <a:t> and then, finally, we will be introducing our machine which takes the address translation at its main focus and start explaining some of abstractions and proof rules using these abstractions.</a:t>
             </a:r>
           </a:p>
         </p:txBody>
@@ -1735,6 +1947,90 @@
     <p:extLst>
       <p:ext uri="{BB962C8B-B14F-4D97-AF65-F5344CB8AC3E}">
         <p14:creationId xmlns:p14="http://schemas.microsoft.com/office/powerpoint/2010/main" val="484495317"/>
+      </p:ext>
+    </p:extLst>
+  </p:cSld>
+  <p:clrMapOvr>
+    <a:masterClrMapping/>
+  </p:clrMapOvr>
+</p:notes>
+</file>
+
+<file path=ppt/notesSlides/notesSlide20.xml><?xml version="1.0" encoding="utf-8"?>
+<p:notes xmlns:a="http://schemas.openxmlformats.org/drawingml/2006/main" xmlns:r="http://schemas.openxmlformats.org/officeDocument/2006/relationships" xmlns:p="http://schemas.openxmlformats.org/presentationml/2006/main">
+  <p:cSld>
+    <p:spTree>
+      <p:nvGrpSpPr>
+        <p:cNvPr id="1" name=""/>
+        <p:cNvGrpSpPr/>
+        <p:nvPr/>
+      </p:nvGrpSpPr>
+      <p:grpSpPr>
+        <a:xfrm>
+          <a:off x="0" y="0"/>
+          <a:ext cx="0" cy="0"/>
+          <a:chOff x="0" y="0"/>
+          <a:chExt cx="0" cy="0"/>
+        </a:xfrm>
+      </p:grpSpPr>
+      <p:sp>
+        <p:nvSpPr>
+          <p:cNvPr id="2" name="Slide Image Placeholder 1"/>
+          <p:cNvSpPr>
+            <a:spLocks noGrp="1" noRot="1" noChangeAspect="1"/>
+          </p:cNvSpPr>
+          <p:nvPr>
+            <p:ph type="sldImg"/>
+          </p:nvPr>
+        </p:nvSpPr>
+        <p:spPr/>
+      </p:sp>
+      <p:sp>
+        <p:nvSpPr>
+          <p:cNvPr id="3" name="Notes Placeholder 2"/>
+          <p:cNvSpPr>
+            <a:spLocks noGrp="1"/>
+          </p:cNvSpPr>
+          <p:nvPr>
+            <p:ph type="body" idx="1"/>
+          </p:nvPr>
+        </p:nvSpPr>
+        <p:spPr/>
+        <p:txBody>
+          <a:bodyPr/>
+          <a:lstStyle/>
+          <a:p>
+            <a:endParaRPr lang="en-US" dirty="0"/>
+          </a:p>
+        </p:txBody>
+      </p:sp>
+      <p:sp>
+        <p:nvSpPr>
+          <p:cNvPr id="4" name="Slide Number Placeholder 3"/>
+          <p:cNvSpPr>
+            <a:spLocks noGrp="1"/>
+          </p:cNvSpPr>
+          <p:nvPr>
+            <p:ph type="sldNum" sz="quarter" idx="5"/>
+          </p:nvPr>
+        </p:nvSpPr>
+        <p:spPr/>
+        <p:txBody>
+          <a:bodyPr/>
+          <a:lstStyle/>
+          <a:p>
+            <a:fld id="{180B0F4F-C4CA-F945-8BD8-C2A10415F31A}" type="slidenum">
+              <a:rPr lang="en-US" smtClean="0"/>
+              <a:t>24</a:t>
+            </a:fld>
+            <a:endParaRPr lang="en-US"/>
+          </a:p>
+        </p:txBody>
+      </p:sp>
+    </p:spTree>
+    <p:extLst>
+      <p:ext uri="{BB962C8B-B14F-4D97-AF65-F5344CB8AC3E}">
+        <p14:creationId xmlns:p14="http://schemas.microsoft.com/office/powerpoint/2010/main" val="1977058663"/>
       </p:ext>
     </p:extLst>
   </p:cSld>
@@ -1788,7 +2084,42 @@
           <a:bodyPr/>
           <a:lstStyle/>
           <a:p>
-            <a:endParaRPr lang="en-US"/>
+            <a:r>
+              <a:rPr lang="en-US" dirty="0"/>
+              <a:t>In fact, for a conventional general purpose </a:t>
+            </a:r>
+            <a:r>
+              <a:rPr lang="en-US" dirty="0" err="1"/>
+              <a:t>os</a:t>
+            </a:r>
+            <a:r>
+              <a:rPr lang="en-US" dirty="0"/>
+              <a:t> kernel design, memory virtualization lies in the middle of every other components serving to every other subsystem. It provides isolation of </a:t>
+            </a:r>
+            <a:r>
+              <a:rPr lang="en-US" dirty="0" err="1"/>
+              <a:t>untresteed</a:t>
+            </a:r>
+            <a:r>
+              <a:rPr lang="en-US" dirty="0"/>
+              <a:t> </a:t>
+            </a:r>
+            <a:r>
+              <a:rPr lang="en-US" dirty="0" err="1"/>
+              <a:t>procees</a:t>
+            </a:r>
+            <a:r>
+              <a:rPr lang="en-US" dirty="0"/>
+              <a:t>, restrict memory accessed by processes etc.  It also works highly tightly coupled with one another giant components -- which is filesystem to ask storing and usage of pages in a cyclic </a:t>
+            </a:r>
+            <a:r>
+              <a:rPr lang="en-US" dirty="0" err="1"/>
+              <a:t>fasion</a:t>
+            </a:r>
+            <a:r>
+              <a:rPr lang="en-US" dirty="0"/>
+              <a:t>.</a:t>
+            </a:r>
           </a:p>
         </p:txBody>
       </p:sp>
@@ -1872,7 +2203,10 @@
           <a:bodyPr/>
           <a:lstStyle/>
           <a:p>
-            <a:endParaRPr lang="en-US" dirty="0"/>
+            <a:r>
+              <a:rPr lang="en-US" dirty="0"/>
+              <a:t>So, what we actually mean by virtualizing memory locations is simply trying to figure out ways of pretending that we have more memory locations that actually we have.</a:t>
+            </a:r>
           </a:p>
         </p:txBody>
       </p:sp>
@@ -1956,7 +2290,10 @@
           <a:bodyPr/>
           <a:lstStyle/>
           <a:p>
-            <a:endParaRPr lang="en-US" dirty="0"/>
+            <a:r>
+              <a:rPr lang="en-US" dirty="0"/>
+              <a:t>The well-known abstraction dealing with memory abstractions is address-spaces. We can thing of an address-space a name abstraction, a named container (a process named gamma) holding virtual to physical memory location mappings.</a:t>
+            </a:r>
           </a:p>
         </p:txBody>
       </p:sp>
@@ -2040,7 +2377,10 @@
           <a:bodyPr/>
           <a:lstStyle/>
           <a:p>
-            <a:endParaRPr lang="en-US"/>
+            <a:r>
+              <a:rPr lang="en-US" dirty="0"/>
+              <a:t>So, the mechanism implemented for realizing the location virtualization for memory is address-translation. OS kernels utilize CPU’ MMU’s kernel page tables (whose themselves reside in the physical memory) to provide indirection to the actual physical memory  locations from the virtual addresses.</a:t>
+            </a:r>
           </a:p>
         </p:txBody>
       </p:sp>
@@ -2061,7 +2401,7 @@
           <a:p>
             <a:fld id="{180B0F4F-C4CA-F945-8BD8-C2A10415F31A}" type="slidenum">
               <a:rPr lang="en-US" smtClean="0"/>
-              <a:t>8</a:t>
+              <a:t>7</a:t>
             </a:fld>
             <a:endParaRPr lang="en-US"/>
           </a:p>
@@ -2070,7 +2410,7 @@
     </p:spTree>
     <p:extLst>
       <p:ext uri="{BB962C8B-B14F-4D97-AF65-F5344CB8AC3E}">
-        <p14:creationId xmlns:p14="http://schemas.microsoft.com/office/powerpoint/2010/main" val="4175223098"/>
+        <p14:creationId xmlns:p14="http://schemas.microsoft.com/office/powerpoint/2010/main" val="1958575454"/>
       </p:ext>
     </p:extLst>
   </p:cSld>
@@ -2124,7 +2464,18 @@
           <a:bodyPr/>
           <a:lstStyle/>
           <a:p>
-            <a:endParaRPr lang="en-US" dirty="0"/>
+            <a:r>
+              <a:rPr lang="en-US" dirty="0"/>
+              <a:t>Let’s see how the translation works for a virtual </a:t>
+            </a:r>
+            <a:r>
+              <a:rPr lang="en-US" dirty="0" err="1"/>
+              <a:t>address.Here</a:t>
+            </a:r>
+            <a:r>
+              <a:rPr lang="en-US" dirty="0"/>
+              <a:t> at the top we see a 64 bit virtual address. At the bottom, we see a physical address which identifies the root of the sparse page-table tree (click) structure per process.  Tables for each level includes 512 entries and Virtual address includes  offsets to the page-tables at different levels of indirection. To obtain the physical page address.</a:t>
+            </a:r>
           </a:p>
         </p:txBody>
       </p:sp>
@@ -2145,7 +2496,7 @@
           <a:p>
             <a:fld id="{180B0F4F-C4CA-F945-8BD8-C2A10415F31A}" type="slidenum">
               <a:rPr lang="en-US" smtClean="0"/>
-              <a:t>9</a:t>
+              <a:t>8</a:t>
             </a:fld>
             <a:endParaRPr lang="en-US"/>
           </a:p>
@@ -2154,7 +2505,7 @@
     </p:spTree>
     <p:extLst>
       <p:ext uri="{BB962C8B-B14F-4D97-AF65-F5344CB8AC3E}">
-        <p14:creationId xmlns:p14="http://schemas.microsoft.com/office/powerpoint/2010/main" val="2075521826"/>
+        <p14:creationId xmlns:p14="http://schemas.microsoft.com/office/powerpoint/2010/main" val="4175223098"/>
       </p:ext>
     </p:extLst>
   </p:cSld>
@@ -2209,36 +2560,25 @@
           <a:lstStyle/>
           <a:p>
             <a:r>
-              <a:rPr lang="en-US" dirty="0">
-                <a:solidFill>
-                  <a:srgbClr val="FF0000"/>
-                </a:solidFill>
-              </a:rPr>
-              <a:t>A logic of resources obtained by a proper treatment on the Hoare Logic</a:t>
-            </a:r>
-          </a:p>
-          <a:p>
-            <a:r>
-              <a:rPr lang="en-US" dirty="0">
-                <a:solidFill>
-                  <a:srgbClr val="FF0000"/>
-                </a:solidFill>
-              </a:rPr>
-              <a:t>What I mean by treatment is basically introducing logical operators and proof rules that allows enforcing proper usage of resource, in its very raw form complete separation (isolation) </a:t>
-            </a:r>
-          </a:p>
-          <a:p>
-            <a:r>
-              <a:rPr lang="en-US" dirty="0">
-                <a:solidFill>
-                  <a:srgbClr val="FF0000"/>
-                </a:solidFill>
-              </a:rPr>
-              <a:t> Here we see the most famous rule frame rule utilizing a logical operator called separation conj. </a:t>
-            </a:r>
-          </a:p>
-          <a:p>
-            <a:endParaRPr lang="en-US" dirty="0"/>
+              <a:rPr lang="en-US" dirty="0"/>
+              <a:t>Ok, up until now we have tried build intuition on the structure of one single address space. A designated register cr3 a control register shows to an address space with the unique root address a0. I mean of course there are many of these address-spaces and virtual memory manager have to switch in between different address spaces with different unique root addresses. From this left address space kernel loads another address space by loading the </a:t>
+            </a:r>
+            <a:r>
+              <a:rPr lang="en-US" dirty="0" err="1"/>
+              <a:t>rooth</a:t>
+            </a:r>
+            <a:r>
+              <a:rPr lang="en-US" dirty="0"/>
+              <a:t> address of another </a:t>
+            </a:r>
+            <a:r>
+              <a:rPr lang="en-US" dirty="0" err="1"/>
+              <a:t>ona</a:t>
+            </a:r>
+            <a:r>
+              <a:rPr lang="en-US" dirty="0"/>
+              <a:t>, unique root address a1. </a:t>
+            </a:r>
           </a:p>
         </p:txBody>
       </p:sp>
@@ -2259,7 +2599,7 @@
           <a:p>
             <a:fld id="{180B0F4F-C4CA-F945-8BD8-C2A10415F31A}" type="slidenum">
               <a:rPr lang="en-US" smtClean="0"/>
-              <a:t>11</a:t>
+              <a:t>9</a:t>
             </a:fld>
             <a:endParaRPr lang="en-US"/>
           </a:p>
@@ -2268,7 +2608,7 @@
     </p:spTree>
     <p:extLst>
       <p:ext uri="{BB962C8B-B14F-4D97-AF65-F5344CB8AC3E}">
-        <p14:creationId xmlns:p14="http://schemas.microsoft.com/office/powerpoint/2010/main" val="3450142368"/>
+        <p14:creationId xmlns:p14="http://schemas.microsoft.com/office/powerpoint/2010/main" val="2075521826"/>
       </p:ext>
     </p:extLst>
   </p:cSld>
@@ -2328,7 +2668,7 @@
                   <a:srgbClr val="FF0000"/>
                 </a:solidFill>
               </a:rPr>
-              <a:t>Contingency</a:t>
+              <a:t>A logic of resources obtained by a proper treatment on the Hoare Logic</a:t>
             </a:r>
           </a:p>
           <a:p>
@@ -2338,29 +2678,27 @@
                   <a:srgbClr val="FF0000"/>
                 </a:solidFill>
               </a:rPr>
-              <a:t>The modals we are interested in this paper are shaped around </a:t>
-            </a:r>
-          </a:p>
-          <a:p>
-            <a:pPr lvl="1"/>
+              <a:t>What I mean by treatment is basically introducing logical operators and proof rules that allows enforcing proper usage of resource, in its very raw form complete separation (isolation) </a:t>
+            </a:r>
+          </a:p>
+          <a:p>
             <a:r>
               <a:rPr lang="en-US" dirty="0">
                 <a:solidFill>
                   <a:srgbClr val="FF0000"/>
                 </a:solidFill>
               </a:rPr>
-              <a:t>Hybrid logic style understanding of </a:t>
-            </a:r>
-          </a:p>
-          <a:p>
-            <a:pPr lvl="2"/>
+              <a:t> Here we see the most famous rule frame rule utilizing a logical operator called separation conj. </a:t>
+            </a:r>
+          </a:p>
+          <a:p>
             <a:r>
               <a:rPr lang="en-US" dirty="0">
                 <a:solidFill>
                   <a:srgbClr val="FF0000"/>
                 </a:solidFill>
               </a:rPr>
-              <a:t>[] satisfaction </a:t>
+              <a:t>These new logical operators appears in the most famous separation logic proof which allows us to incorporate a surrounding frame of resources around a classic </a:t>
             </a:r>
             <a:r>
               <a:rPr lang="en-US" dirty="0" err="1">
@@ -2368,90 +2706,15 @@
                   <a:srgbClr val="FF0000"/>
                 </a:solidFill>
               </a:rPr>
-              <a:t>operatos</a:t>
-            </a:r>
-            <a:endParaRPr lang="en-US" dirty="0">
-              <a:solidFill>
-                <a:srgbClr val="FF0000"/>
-              </a:solidFill>
-            </a:endParaRPr>
-          </a:p>
-          <a:p>
-            <a:pPr lvl="3"/>
+              <a:t>hoare</a:t>
+            </a:r>
             <a:r>
               <a:rPr lang="en-US" dirty="0">
                 <a:solidFill>
                   <a:srgbClr val="FF0000"/>
                 </a:solidFill>
               </a:rPr>
-              <a:t>Unknown of other world</a:t>
-            </a:r>
-          </a:p>
-          <a:p>
-            <a:pPr lvl="2"/>
-            <a:r>
-              <a:rPr lang="en-US" dirty="0">
-                <a:solidFill>
-                  <a:srgbClr val="FF0000"/>
-                </a:solidFill>
-              </a:rPr>
-              <a:t>Interpreting </a:t>
-            </a:r>
-            <a:r>
-              <a:rPr lang="en-US" dirty="0" err="1">
-                <a:solidFill>
-                  <a:srgbClr val="FF0000"/>
-                </a:solidFill>
-              </a:rPr>
-              <a:t>Kripke</a:t>
-            </a:r>
-            <a:r>
-              <a:rPr lang="en-US" dirty="0">
-                <a:solidFill>
-                  <a:srgbClr val="FF0000"/>
-                </a:solidFill>
-              </a:rPr>
-              <a:t> models as </a:t>
-            </a:r>
-            <a:r>
-              <a:rPr lang="en-US" dirty="0" err="1">
-                <a:solidFill>
-                  <a:srgbClr val="FF0000"/>
-                </a:solidFill>
-              </a:rPr>
-              <a:t>stses</a:t>
-            </a:r>
-            <a:endParaRPr lang="en-US" dirty="0">
-              <a:solidFill>
-                <a:srgbClr val="FF0000"/>
-              </a:solidFill>
-            </a:endParaRPr>
-          </a:p>
-          <a:p>
-            <a:pPr lvl="3"/>
-            <a:r>
-              <a:rPr lang="en-US" dirty="0">
-                <a:solidFill>
-                  <a:srgbClr val="FF0000"/>
-                </a:solidFill>
-              </a:rPr>
-              <a:t>Multiple generated </a:t>
-            </a:r>
-            <a:r>
-              <a:rPr lang="en-US" dirty="0" err="1">
-                <a:solidFill>
-                  <a:srgbClr val="FF0000"/>
-                </a:solidFill>
-              </a:rPr>
-              <a:t>submodels</a:t>
-            </a:r>
-            <a:r>
-              <a:rPr lang="en-US" dirty="0">
-                <a:solidFill>
-                  <a:srgbClr val="FF0000"/>
-                </a:solidFill>
-              </a:rPr>
-              <a:t> </a:t>
+              <a:t> style triples. Here we see …</a:t>
             </a:r>
           </a:p>
           <a:p>
@@ -2476,7 +2739,7 @@
           <a:p>
             <a:fld id="{180B0F4F-C4CA-F945-8BD8-C2A10415F31A}" type="slidenum">
               <a:rPr lang="en-US" smtClean="0"/>
-              <a:t>12</a:t>
+              <a:t>11</a:t>
             </a:fld>
             <a:endParaRPr lang="en-US"/>
           </a:p>
@@ -2485,7 +2748,7 @@
     </p:spTree>
     <p:extLst>
       <p:ext uri="{BB962C8B-B14F-4D97-AF65-F5344CB8AC3E}">
-        <p14:creationId xmlns:p14="http://schemas.microsoft.com/office/powerpoint/2010/main" val="2484277137"/>
+        <p14:creationId xmlns:p14="http://schemas.microsoft.com/office/powerpoint/2010/main" val="3450142368"/>
       </p:ext>
     </p:extLst>
   </p:cSld>
@@ -2642,7 +2905,7 @@
           <a:p>
             <a:fld id="{1906170E-F9C0-7E4B-9B19-8BE5F5704E4E}" type="datetimeFigureOut">
               <a:rPr lang="en-US" smtClean="0"/>
-              <a:t>4/16/24</a:t>
+              <a:t>4/18/24</a:t>
             </a:fld>
             <a:endParaRPr lang="en-US"/>
           </a:p>
@@ -2840,7 +3103,7 @@
           <a:p>
             <a:fld id="{1906170E-F9C0-7E4B-9B19-8BE5F5704E4E}" type="datetimeFigureOut">
               <a:rPr lang="en-US" smtClean="0"/>
-              <a:t>4/16/24</a:t>
+              <a:t>4/18/24</a:t>
             </a:fld>
             <a:endParaRPr lang="en-US"/>
           </a:p>
@@ -3048,7 +3311,7 @@
           <a:p>
             <a:fld id="{1906170E-F9C0-7E4B-9B19-8BE5F5704E4E}" type="datetimeFigureOut">
               <a:rPr lang="en-US" smtClean="0"/>
-              <a:t>4/16/24</a:t>
+              <a:t>4/18/24</a:t>
             </a:fld>
             <a:endParaRPr lang="en-US"/>
           </a:p>
@@ -3246,7 +3509,7 @@
           <a:p>
             <a:fld id="{1906170E-F9C0-7E4B-9B19-8BE5F5704E4E}" type="datetimeFigureOut">
               <a:rPr lang="en-US" smtClean="0"/>
-              <a:t>4/16/24</a:t>
+              <a:t>4/18/24</a:t>
             </a:fld>
             <a:endParaRPr lang="en-US"/>
           </a:p>
@@ -3521,7 +3784,7 @@
           <a:p>
             <a:fld id="{1906170E-F9C0-7E4B-9B19-8BE5F5704E4E}" type="datetimeFigureOut">
               <a:rPr lang="en-US" smtClean="0"/>
-              <a:t>4/16/24</a:t>
+              <a:t>4/18/24</a:t>
             </a:fld>
             <a:endParaRPr lang="en-US"/>
           </a:p>
@@ -3786,7 +4049,7 @@
           <a:p>
             <a:fld id="{1906170E-F9C0-7E4B-9B19-8BE5F5704E4E}" type="datetimeFigureOut">
               <a:rPr lang="en-US" smtClean="0"/>
-              <a:t>4/16/24</a:t>
+              <a:t>4/18/24</a:t>
             </a:fld>
             <a:endParaRPr lang="en-US"/>
           </a:p>
@@ -4198,7 +4461,7 @@
           <a:p>
             <a:fld id="{1906170E-F9C0-7E4B-9B19-8BE5F5704E4E}" type="datetimeFigureOut">
               <a:rPr lang="en-US" smtClean="0"/>
-              <a:t>4/16/24</a:t>
+              <a:t>4/18/24</a:t>
             </a:fld>
             <a:endParaRPr lang="en-US"/>
           </a:p>
@@ -4339,7 +4602,7 @@
           <a:p>
             <a:fld id="{1906170E-F9C0-7E4B-9B19-8BE5F5704E4E}" type="datetimeFigureOut">
               <a:rPr lang="en-US" smtClean="0"/>
-              <a:t>4/16/24</a:t>
+              <a:t>4/18/24</a:t>
             </a:fld>
             <a:endParaRPr lang="en-US"/>
           </a:p>
@@ -4452,7 +4715,7 @@
           <a:p>
             <a:fld id="{1906170E-F9C0-7E4B-9B19-8BE5F5704E4E}" type="datetimeFigureOut">
               <a:rPr lang="en-US" smtClean="0"/>
-              <a:t>4/16/24</a:t>
+              <a:t>4/18/24</a:t>
             </a:fld>
             <a:endParaRPr lang="en-US"/>
           </a:p>
@@ -4763,7 +5026,7 @@
           <a:p>
             <a:fld id="{1906170E-F9C0-7E4B-9B19-8BE5F5704E4E}" type="datetimeFigureOut">
               <a:rPr lang="en-US" smtClean="0"/>
-              <a:t>4/16/24</a:t>
+              <a:t>4/18/24</a:t>
             </a:fld>
             <a:endParaRPr lang="en-US"/>
           </a:p>
@@ -5051,7 +5314,7 @@
           <a:p>
             <a:fld id="{1906170E-F9C0-7E4B-9B19-8BE5F5704E4E}" type="datetimeFigureOut">
               <a:rPr lang="en-US" smtClean="0"/>
-              <a:t>4/16/24</a:t>
+              <a:t>4/18/24</a:t>
             </a:fld>
             <a:endParaRPr lang="en-US"/>
           </a:p>
@@ -5292,7 +5555,7 @@
           <a:p>
             <a:fld id="{1906170E-F9C0-7E4B-9B19-8BE5F5704E4E}" type="datetimeFigureOut">
               <a:rPr lang="en-US" smtClean="0"/>
-              <a:t>4/16/24</a:t>
+              <a:t>4/18/24</a:t>
             </a:fld>
             <a:endParaRPr lang="en-US"/>
           </a:p>
@@ -5994,7 +6257,7 @@
         </p:blipFill>
         <p:spPr>
           <a:xfrm>
-            <a:off x="4081916" y="2947194"/>
+            <a:off x="4081916" y="3429000"/>
             <a:ext cx="4028168" cy="2108200"/>
           </a:xfrm>
           <a:prstGeom prst="rect">
@@ -6229,7 +6492,7 @@
                             </p:stCondLst>
                             <p:childTnLst>
                               <p:par>
-                                <p:cTn id="21" presetID="1" presetClass="exit" presetSubtype="0" fill="hold" nodeType="clickEffect">
+                                <p:cTn id="21" presetID="1" presetClass="entr" presetSubtype="0" fill="hold" nodeType="clickEffect">
                                   <p:stCondLst>
                                     <p:cond delay="0"/>
                                   </p:stCondLst>
@@ -6242,148 +6505,6 @@
                                           </p:stCondLst>
                                         </p:cTn>
                                         <p:tgtEl>
-                                          <p:spTgt spid="3">
-                                            <p:txEl>
-                                              <p:pRg st="0" end="0"/>
-                                            </p:txEl>
-                                          </p:spTgt>
-                                        </p:tgtEl>
-                                        <p:attrNameLst>
-                                          <p:attrName>style.visibility</p:attrName>
-                                        </p:attrNameLst>
-                                      </p:cBhvr>
-                                      <p:to>
-                                        <p:strVal val="hidden"/>
-                                      </p:to>
-                                    </p:set>
-                                  </p:childTnLst>
-                                </p:cTn>
-                              </p:par>
-                              <p:par>
-                                <p:cTn id="23" presetID="1" presetClass="exit" presetSubtype="0" fill="hold" nodeType="withEffect">
-                                  <p:stCondLst>
-                                    <p:cond delay="0"/>
-                                  </p:stCondLst>
-                                  <p:childTnLst>
-                                    <p:set>
-                                      <p:cBhvr>
-                                        <p:cTn id="24" dur="1" fill="hold">
-                                          <p:stCondLst>
-                                            <p:cond delay="0"/>
-                                          </p:stCondLst>
-                                        </p:cTn>
-                                        <p:tgtEl>
-                                          <p:spTgt spid="3">
-                                            <p:txEl>
-                                              <p:pRg st="1" end="1"/>
-                                            </p:txEl>
-                                          </p:spTgt>
-                                        </p:tgtEl>
-                                        <p:attrNameLst>
-                                          <p:attrName>style.visibility</p:attrName>
-                                        </p:attrNameLst>
-                                      </p:cBhvr>
-                                      <p:to>
-                                        <p:strVal val="hidden"/>
-                                      </p:to>
-                                    </p:set>
-                                  </p:childTnLst>
-                                </p:cTn>
-                              </p:par>
-                              <p:par>
-                                <p:cTn id="25" presetID="1" presetClass="exit" presetSubtype="0" fill="hold" nodeType="withEffect">
-                                  <p:stCondLst>
-                                    <p:cond delay="0"/>
-                                  </p:stCondLst>
-                                  <p:childTnLst>
-                                    <p:set>
-                                      <p:cBhvr>
-                                        <p:cTn id="26" dur="1" fill="hold">
-                                          <p:stCondLst>
-                                            <p:cond delay="0"/>
-                                          </p:stCondLst>
-                                        </p:cTn>
-                                        <p:tgtEl>
-                                          <p:spTgt spid="3">
-                                            <p:txEl>
-                                              <p:pRg st="2" end="2"/>
-                                            </p:txEl>
-                                          </p:spTgt>
-                                        </p:tgtEl>
-                                        <p:attrNameLst>
-                                          <p:attrName>style.visibility</p:attrName>
-                                        </p:attrNameLst>
-                                      </p:cBhvr>
-                                      <p:to>
-                                        <p:strVal val="hidden"/>
-                                      </p:to>
-                                    </p:set>
-                                  </p:childTnLst>
-                                </p:cTn>
-                              </p:par>
-                              <p:par>
-                                <p:cTn id="27" presetID="1" presetClass="exit" presetSubtype="0" fill="hold" nodeType="withEffect">
-                                  <p:stCondLst>
-                                    <p:cond delay="0"/>
-                                  </p:stCondLst>
-                                  <p:childTnLst>
-                                    <p:set>
-                                      <p:cBhvr>
-                                        <p:cTn id="28" dur="1" fill="hold">
-                                          <p:stCondLst>
-                                            <p:cond delay="0"/>
-                                          </p:stCondLst>
-                                        </p:cTn>
-                                        <p:tgtEl>
-                                          <p:spTgt spid="3">
-                                            <p:txEl>
-                                              <p:pRg st="3" end="3"/>
-                                            </p:txEl>
-                                          </p:spTgt>
-                                        </p:tgtEl>
-                                        <p:attrNameLst>
-                                          <p:attrName>style.visibility</p:attrName>
-                                        </p:attrNameLst>
-                                      </p:cBhvr>
-                                      <p:to>
-                                        <p:strVal val="hidden"/>
-                                      </p:to>
-                                    </p:set>
-                                  </p:childTnLst>
-                                </p:cTn>
-                              </p:par>
-                            </p:childTnLst>
-                          </p:cTn>
-                        </p:par>
-                      </p:childTnLst>
-                    </p:cTn>
-                  </p:par>
-                  <p:par>
-                    <p:cTn id="29" fill="hold">
-                      <p:stCondLst>
-                        <p:cond delay="indefinite"/>
-                      </p:stCondLst>
-                      <p:childTnLst>
-                        <p:par>
-                          <p:cTn id="30" fill="hold">
-                            <p:stCondLst>
-                              <p:cond delay="0"/>
-                            </p:stCondLst>
-                            <p:childTnLst>
-                              <p:par>
-                                <p:cTn id="31" presetID="1" presetClass="entr" presetSubtype="0" fill="hold" nodeType="clickEffect">
-                                  <p:stCondLst>
-                                    <p:cond delay="0"/>
-                                  </p:stCondLst>
-                                  <p:childTnLst>
-                                    <p:set>
-                                      <p:cBhvr>
-                                        <p:cTn id="32" dur="1" fill="hold">
-                                          <p:stCondLst>
-                                            <p:cond delay="0"/>
-                                          </p:stCondLst>
-                                        </p:cTn>
-                                        <p:tgtEl>
                                           <p:spTgt spid="5"/>
                                         </p:tgtEl>
                                         <p:attrNameLst>
@@ -6392,33 +6513,6 @@
                                       </p:cBhvr>
                                       <p:to>
                                         <p:strVal val="visible"/>
-                                      </p:to>
-                                    </p:set>
-                                  </p:childTnLst>
-                                </p:cTn>
-                              </p:par>
-                              <p:par>
-                                <p:cTn id="33" presetID="1" presetClass="exit" presetSubtype="0" fill="hold" nodeType="withEffect">
-                                  <p:stCondLst>
-                                    <p:cond delay="0"/>
-                                  </p:stCondLst>
-                                  <p:childTnLst>
-                                    <p:set>
-                                      <p:cBhvr>
-                                        <p:cTn id="34" dur="1" fill="hold">
-                                          <p:stCondLst>
-                                            <p:cond delay="0"/>
-                                          </p:stCondLst>
-                                        </p:cTn>
-                                        <p:tgtEl>
-                                          <p:spTgt spid="5"/>
-                                        </p:tgtEl>
-                                        <p:attrNameLst>
-                                          <p:attrName>style.visibility</p:attrName>
-                                        </p:attrNameLst>
-                                      </p:cBhvr>
-                                      <p:to>
-                                        <p:strVal val="hidden"/>
                                       </p:to>
                                     </p:set>
                                   </p:childTnLst>
@@ -10019,7 +10113,7 @@
             </a:r>
             <a:r>
               <a:rPr lang="en-US" dirty="0"/>
-              <a:t>! The tables are no longer the ones v</a:t>
+              <a:t>! The tables are no longer the ones va</a:t>
             </a:r>
             <a:r>
               <a:rPr lang="en-US" baseline="-25000" dirty="0"/>
@@ -10031,7 +10125,7 @@
             </a:r>
             <a:r>
               <a:rPr lang="en-US" baseline="-25000" dirty="0"/>
-              <a:t>0 </a:t>
+              <a:t>0</a:t>
             </a:r>
             <a:r>
               <a:rPr lang="en-US" dirty="0"/>
@@ -11883,7 +11977,7 @@
                                 </p:cTn>
                               </p:par>
                               <p:par>
-                                <p:cTn id="129" presetID="1" presetClass="entr" presetSubtype="0" fill="hold" nodeType="withEffect">
+                                <p:cTn id="129" presetID="1" presetClass="entr" presetSubtype="0" fill="hold" grpId="0" nodeType="withEffect">
                                   <p:stCondLst>
                                     <p:cond delay="0"/>
                                   </p:stCondLst>
@@ -11896,7 +11990,34 @@
                                           </p:stCondLst>
                                         </p:cTn>
                                         <p:tgtEl>
-                                          <p:spTgt spid="232"/>
+                                          <p:spTgt spid="6"/>
+                                        </p:tgtEl>
+                                        <p:attrNameLst>
+                                          <p:attrName>style.visibility</p:attrName>
+                                        </p:attrNameLst>
+                                      </p:cBhvr>
+                                      <p:to>
+                                        <p:strVal val="visible"/>
+                                      </p:to>
+                                    </p:set>
+                                  </p:childTnLst>
+                                </p:cTn>
+                              </p:par>
+                              <p:par>
+                                <p:cTn id="131" presetID="1" presetClass="entr" presetSubtype="0" fill="hold" grpId="0" nodeType="withEffect">
+                                  <p:stCondLst>
+                                    <p:cond delay="0"/>
+                                  </p:stCondLst>
+                                  <p:childTnLst>
+                                    <p:set>
+                                      <p:cBhvr>
+                                        <p:cTn id="132" dur="1" fill="hold">
+                                          <p:stCondLst>
+                                            <p:cond delay="0"/>
+                                          </p:stCondLst>
+                                        </p:cTn>
+                                        <p:tgtEl>
+                                          <p:spTgt spid="7"/>
                                         </p:tgtEl>
                                         <p:attrNameLst>
                                           <p:attrName>style.visibility</p:attrName>
@@ -11916,46 +12037,19 @@
                     </p:cTn>
                   </p:par>
                   <p:par>
-                    <p:cTn id="131" fill="hold">
+                    <p:cTn id="133" fill="hold">
                       <p:stCondLst>
                         <p:cond delay="indefinite"/>
                       </p:stCondLst>
                       <p:childTnLst>
                         <p:par>
-                          <p:cTn id="132" fill="hold">
+                          <p:cTn id="134" fill="hold">
                             <p:stCondLst>
                               <p:cond delay="0"/>
                             </p:stCondLst>
                             <p:childTnLst>
                               <p:par>
-                                <p:cTn id="133" presetID="1" presetClass="entr" presetSubtype="0" fill="hold" grpId="0" nodeType="clickEffect">
-                                  <p:stCondLst>
-                                    <p:cond delay="0"/>
-                                  </p:stCondLst>
-                                  <p:childTnLst>
-                                    <p:set>
-                                      <p:cBhvr>
-                                        <p:cTn id="134" dur="1" fill="hold">
-                                          <p:stCondLst>
-                                            <p:cond delay="0"/>
-                                          </p:stCondLst>
-                                        </p:cTn>
-                                        <p:tgtEl>
-                                          <p:spTgt spid="5"/>
-                                        </p:tgtEl>
-                                        <p:attrNameLst>
-                                          <p:attrName>style.visibility</p:attrName>
-                                        </p:attrNameLst>
-                                      </p:cBhvr>
-                                      <p:to>
-                                        <p:strVal val="visible"/>
-                                      </p:to>
-                                    </p:set>
-                                  </p:childTnLst>
-                                </p:cTn>
-                              </p:par>
-                              <p:par>
-                                <p:cTn id="135" presetID="1" presetClass="entr" presetSubtype="0" fill="hold" grpId="0" nodeType="withEffect">
+                                <p:cTn id="135" presetID="1" presetClass="entr" presetSubtype="0" fill="hold" grpId="0" nodeType="clickEffect">
                                   <p:stCondLst>
                                     <p:cond delay="0"/>
                                   </p:stCondLst>
@@ -11968,7 +12062,7 @@
                                           </p:stCondLst>
                                         </p:cTn>
                                         <p:tgtEl>
-                                          <p:spTgt spid="4"/>
+                                          <p:spTgt spid="8"/>
                                         </p:tgtEl>
                                         <p:attrNameLst>
                                           <p:attrName>style.visibility</p:attrName>
@@ -11995,21 +12089,21 @@
                                           </p:stCondLst>
                                         </p:cTn>
                                         <p:tgtEl>
-                                          <p:spTgt spid="6"/>
-                                        </p:tgtEl>
-                                        <p:attrNameLst>
-                                          <p:attrName>style.visibility</p:attrName>
-                                        </p:attrNameLst>
-                                      </p:cBhvr>
-                                      <p:to>
-                                        <p:strVal val="visible"/>
-                                      </p:to>
-                                    </p:set>
-                                  </p:childTnLst>
-                                </p:cTn>
-                              </p:par>
-                              <p:par>
-                                <p:cTn id="139" presetID="1" presetClass="entr" presetSubtype="0" fill="hold" grpId="0" nodeType="withEffect">
+                                          <p:spTgt spid="9"/>
+                                        </p:tgtEl>
+                                        <p:attrNameLst>
+                                          <p:attrName>style.visibility</p:attrName>
+                                        </p:attrNameLst>
+                                      </p:cBhvr>
+                                      <p:to>
+                                        <p:strVal val="visible"/>
+                                      </p:to>
+                                    </p:set>
+                                  </p:childTnLst>
+                                </p:cTn>
+                              </p:par>
+                              <p:par>
+                                <p:cTn id="139" presetID="1" presetClass="entr" presetSubtype="0" fill="hold" nodeType="withEffect">
                                   <p:stCondLst>
                                     <p:cond delay="0"/>
                                   </p:stCondLst>
@@ -12022,7 +12116,7 @@
                                           </p:stCondLst>
                                         </p:cTn>
                                         <p:tgtEl>
-                                          <p:spTgt spid="7"/>
+                                          <p:spTgt spid="232"/>
                                         </p:tgtEl>
                                         <p:attrNameLst>
                                           <p:attrName>style.visibility</p:attrName>
@@ -12067,7 +12161,7 @@
                                           </p:stCondLst>
                                         </p:cTn>
                                         <p:tgtEl>
-                                          <p:spTgt spid="8"/>
+                                          <p:spTgt spid="5"/>
                                         </p:tgtEl>
                                         <p:attrNameLst>
                                           <p:attrName>style.visibility</p:attrName>
@@ -12094,7 +12188,7 @@
                                           </p:stCondLst>
                                         </p:cTn>
                                         <p:tgtEl>
-                                          <p:spTgt spid="9"/>
+                                          <p:spTgt spid="4"/>
                                         </p:tgtEl>
                                         <p:attrNameLst>
                                           <p:attrName>style.visibility</p:attrName>
@@ -22366,6 +22460,12 @@
             <a:normAutofit/>
           </a:bodyPr>
           <a:lstStyle/>
+          <a:p>
+            <a:r>
+              <a:rPr lang="en-US" dirty="0"/>
+              <a:t>But Why Virtual Memory Managers?</a:t>
+            </a:r>
+          </a:p>
           <a:p>
             <a:r>
               <a:rPr lang="en-US" dirty="0"/>
@@ -30586,7 +30686,7 @@
                 <a:avLst/>
               </a:prstGeom>
               <a:blipFill>
-                <a:blip r:embed="rId2"/>
+                <a:blip r:embed="rId3"/>
                 <a:stretch>
                   <a:fillRect b="-10811"/>
                 </a:stretch>

--- a/uc_april_19/proposal.pptx
+++ b/uc_april_19/proposal.pptx
@@ -1229,7 +1229,7 @@
             </a:r>
             <a:r>
               <a:rPr lang="en-US" dirty="0"/>
-              <a:t>. We again start from the top level, and travel the tree to reach to the physical page address, However the path knowledge we constructed through </a:t>
+              <a:t>. We again start from the top level, and travel the tree to reach to the physical page address, However the path knowledge we constructed through will get violated  as updates  to the </a:t>
             </a:r>
           </a:p>
         </p:txBody>

--- a/uc_april_19/proposal.pptx
+++ b/uc_april_19/proposal.pptx
@@ -19,11 +19,11 @@
     <p:sldId id="273" r:id="rId10"/>
     <p:sldId id="279" r:id="rId11"/>
     <p:sldId id="283" r:id="rId12"/>
-    <p:sldId id="291" r:id="rId13"/>
-    <p:sldId id="259" r:id="rId14"/>
-    <p:sldId id="316" r:id="rId15"/>
-    <p:sldId id="317" r:id="rId16"/>
-    <p:sldId id="275" r:id="rId17"/>
+    <p:sldId id="259" r:id="rId13"/>
+    <p:sldId id="316" r:id="rId14"/>
+    <p:sldId id="317" r:id="rId15"/>
+    <p:sldId id="275" r:id="rId16"/>
+    <p:sldId id="291" r:id="rId17"/>
     <p:sldId id="263" r:id="rId18"/>
     <p:sldId id="268" r:id="rId19"/>
     <p:sldId id="269" r:id="rId20"/>
@@ -436,7 +436,7 @@
           <a:p>
             <a:fld id="{F46D3AF7-5EDA-3B4A-97E0-315D431B4E03}" type="datetimeFigureOut">
               <a:rPr lang="en-US" smtClean="0"/>
-              <a:t>4/18/24</a:t>
+              <a:t>4/19/24</a:t>
             </a:fld>
             <a:endParaRPr lang="en-US"/>
           </a:p>
@@ -867,139 +867,42 @@
           <a:lstStyle/>
           <a:p>
             <a:r>
-              <a:rPr lang="en-US" dirty="0">
-                <a:solidFill>
-                  <a:srgbClr val="FF0000"/>
-                </a:solidFill>
-              </a:rPr>
-              <a:t>Contingency</a:t>
-            </a:r>
-          </a:p>
-          <a:p>
-            <a:r>
-              <a:rPr lang="en-US" dirty="0">
-                <a:solidFill>
-                  <a:srgbClr val="FF0000"/>
-                </a:solidFill>
-              </a:rPr>
-              <a:t>The modals we are interested in this paper are shaped around </a:t>
-            </a:r>
-          </a:p>
-          <a:p>
-            <a:pPr lvl="1"/>
-            <a:r>
-              <a:rPr lang="en-US" dirty="0">
-                <a:solidFill>
-                  <a:srgbClr val="FF0000"/>
-                </a:solidFill>
-              </a:rPr>
-              <a:t>Hybrid logic style understanding of </a:t>
-            </a:r>
-          </a:p>
-          <a:p>
-            <a:pPr lvl="2"/>
-            <a:r>
-              <a:rPr lang="en-US" dirty="0">
-                <a:solidFill>
-                  <a:srgbClr val="FF0000"/>
-                </a:solidFill>
-              </a:rPr>
-              <a:t>[] satisfaction </a:t>
-            </a:r>
-            <a:r>
-              <a:rPr lang="en-US" dirty="0" err="1">
-                <a:solidFill>
-                  <a:srgbClr val="FF0000"/>
-                </a:solidFill>
-              </a:rPr>
-              <a:t>operatos</a:t>
-            </a:r>
-            <a:endParaRPr lang="en-US" dirty="0">
-              <a:solidFill>
-                <a:srgbClr val="FF0000"/>
-              </a:solidFill>
-            </a:endParaRPr>
-          </a:p>
-          <a:p>
-            <a:pPr lvl="3"/>
-            <a:r>
-              <a:rPr lang="en-US" dirty="0">
-                <a:solidFill>
-                  <a:srgbClr val="FF0000"/>
-                </a:solidFill>
-              </a:rPr>
-              <a:t>Unknown of other world</a:t>
-            </a:r>
-          </a:p>
-          <a:p>
-            <a:pPr lvl="2"/>
-            <a:r>
-              <a:rPr lang="en-US" dirty="0">
-                <a:solidFill>
-                  <a:srgbClr val="FF0000"/>
-                </a:solidFill>
-              </a:rPr>
-              <a:t>Interpreting </a:t>
-            </a:r>
-            <a:r>
-              <a:rPr lang="en-US" dirty="0" err="1">
-                <a:solidFill>
-                  <a:srgbClr val="FF0000"/>
-                </a:solidFill>
-              </a:rPr>
-              <a:t>Kripke</a:t>
-            </a:r>
-            <a:r>
-              <a:rPr lang="en-US" dirty="0">
-                <a:solidFill>
-                  <a:srgbClr val="FF0000"/>
-                </a:solidFill>
-              </a:rPr>
-              <a:t> models as </a:t>
-            </a:r>
-            <a:r>
-              <a:rPr lang="en-US" dirty="0" err="1">
-                <a:solidFill>
-                  <a:srgbClr val="FF0000"/>
-                </a:solidFill>
-              </a:rPr>
-              <a:t>stses</a:t>
-            </a:r>
-            <a:endParaRPr lang="en-US" dirty="0">
-              <a:solidFill>
-                <a:srgbClr val="FF0000"/>
-              </a:solidFill>
-            </a:endParaRPr>
-          </a:p>
-          <a:p>
-            <a:pPr lvl="3"/>
-            <a:r>
-              <a:rPr lang="en-US" dirty="0">
-                <a:solidFill>
-                  <a:srgbClr val="FF0000"/>
-                </a:solidFill>
-              </a:rPr>
-              <a:t>Multiple generated </a:t>
-            </a:r>
-            <a:r>
-              <a:rPr lang="en-US" dirty="0" err="1">
-                <a:solidFill>
-                  <a:srgbClr val="FF0000"/>
-                </a:solidFill>
-              </a:rPr>
-              <a:t>submodels</a:t>
-            </a:r>
-            <a:r>
-              <a:rPr lang="en-US" dirty="0">
-                <a:solidFill>
-                  <a:srgbClr val="FF0000"/>
-                </a:solidFill>
-              </a:rPr>
-              <a:t> </a:t>
+              <a:rPr lang="en-US" dirty="0"/>
+              <a:t>We start with defining our physical state on top of which we build our logical resources such as physical memory </a:t>
+            </a:r>
+            <a:r>
+              <a:rPr lang="en-US" dirty="0" err="1"/>
+              <a:t>pointso</a:t>
+            </a:r>
+            <a:r>
+              <a:rPr lang="en-US" dirty="0"/>
+              <a:t>, register points to relations. Here sigma M resembles our physical memory’s a simple nested maps to capture frame and index references from an address and likewise a register on top of which we construct register </a:t>
+            </a:r>
+            <a:r>
+              <a:rPr lang="en-US" dirty="0" err="1"/>
+              <a:t>pointsto</a:t>
+            </a:r>
+            <a:r>
+              <a:rPr lang="en-US" dirty="0"/>
+              <a:t> relations.</a:t>
             </a:r>
           </a:p>
           <a:p>
             <a:endParaRPr lang="en-US" dirty="0"/>
+          </a:p>
+          <a:p>
+            <a:r>
+              <a:rPr lang="en-US" dirty="0"/>
+              <a:t>How about virtual </a:t>
+            </a:r>
+            <a:r>
+              <a:rPr lang="en-US" dirty="0" err="1"/>
+              <a:t>pointsto</a:t>
+            </a:r>
+            <a:r>
+              <a:rPr lang="en-US" dirty="0"/>
+              <a:t> relations? ….</a:t>
+            </a:r>
           </a:p>
         </p:txBody>
       </p:sp>
@@ -1029,7 +932,7 @@
     </p:spTree>
     <p:extLst>
       <p:ext uri="{BB962C8B-B14F-4D97-AF65-F5344CB8AC3E}">
-        <p14:creationId xmlns:p14="http://schemas.microsoft.com/office/powerpoint/2010/main" val="2484277137"/>
+        <p14:creationId xmlns:p14="http://schemas.microsoft.com/office/powerpoint/2010/main" val="2207898864"/>
       </p:ext>
     </p:extLst>
   </p:cSld>
@@ -1085,15 +988,7 @@
           <a:p>
             <a:r>
               <a:rPr lang="en-US" dirty="0"/>
-              <a:t>We start with defining our physical state on top of which we build our logical resources such as physical memory </a:t>
-            </a:r>
-            <a:r>
-              <a:rPr lang="en-US" dirty="0" err="1"/>
-              <a:t>pointso</a:t>
-            </a:r>
-            <a:r>
-              <a:rPr lang="en-US" dirty="0"/>
-              <a:t>, register points to relations. Here sigma M resembles our physical memory’s a simple nested maps to capture frame and index references from an address and likewise a register on top of which we construct register </a:t>
+              <a:t>All right, so. Let’s go back to the page table walk. And try to construct a virtual </a:t>
             </a:r>
             <a:r>
               <a:rPr lang="en-US" dirty="0" err="1"/>
@@ -1101,24 +996,23 @@
             </a:r>
             <a:r>
               <a:rPr lang="en-US" dirty="0"/>
-              <a:t> relations.</a:t>
-            </a:r>
-          </a:p>
-          <a:p>
-            <a:endParaRPr lang="en-US" dirty="0"/>
-          </a:p>
-          <a:p>
+              <a:t> out of physical </a:t>
+            </a:r>
+            <a:r>
+              <a:rPr lang="en-US" dirty="0" err="1"/>
+              <a:t>pateble</a:t>
+            </a:r>
             <a:r>
               <a:rPr lang="en-US" dirty="0"/>
-              <a:t>How about virtual </a:t>
+              <a:t> </a:t>
             </a:r>
             <a:r>
               <a:rPr lang="en-US" dirty="0" err="1"/>
-              <a:t>pointsto</a:t>
+              <a:t>pointstos</a:t>
             </a:r>
             <a:r>
               <a:rPr lang="en-US" dirty="0"/>
-              <a:t> relations? ….</a:t>
+              <a:t>. We again start from the top level, and travel the tree to reach to the physical page address, However the path knowledge we constructed through will get violated  as updates  to the </a:t>
             </a:r>
           </a:p>
         </p:txBody>
@@ -1149,7 +1043,7 @@
     </p:spTree>
     <p:extLst>
       <p:ext uri="{BB962C8B-B14F-4D97-AF65-F5344CB8AC3E}">
-        <p14:creationId xmlns:p14="http://schemas.microsoft.com/office/powerpoint/2010/main" val="2207898864"/>
+        <p14:creationId xmlns:p14="http://schemas.microsoft.com/office/powerpoint/2010/main" val="1051985353"/>
       </p:ext>
     </p:extLst>
   </p:cSld>
@@ -1205,31 +1099,7 @@
           <a:p>
             <a:r>
               <a:rPr lang="en-US" dirty="0"/>
-              <a:t>All right, so. Let’s go back to the page table walk. And try to construct a virtual </a:t>
-            </a:r>
-            <a:r>
-              <a:rPr lang="en-US" dirty="0" err="1"/>
-              <a:t>pointsto</a:t>
-            </a:r>
-            <a:r>
-              <a:rPr lang="en-US" dirty="0"/>
-              <a:t> out of physical </a:t>
-            </a:r>
-            <a:r>
-              <a:rPr lang="en-US" dirty="0" err="1"/>
-              <a:t>pateble</a:t>
-            </a:r>
-            <a:r>
-              <a:rPr lang="en-US" dirty="0"/>
-              <a:t> </a:t>
-            </a:r>
-            <a:r>
-              <a:rPr lang="en-US" dirty="0" err="1"/>
-              <a:t>pointstos</a:t>
-            </a:r>
-            <a:r>
-              <a:rPr lang="en-US" dirty="0"/>
-              <a:t>. We again start from the top level, and travel the tree to reach to the physical page address, However the path knowledge we constructed through will get violated  as updates  to the </a:t>
+              <a:t>Instead of opening the physical shared page table addresses </a:t>
             </a:r>
           </a:p>
         </p:txBody>
@@ -1260,7 +1130,7 @@
     </p:spTree>
     <p:extLst>
       <p:ext uri="{BB962C8B-B14F-4D97-AF65-F5344CB8AC3E}">
-        <p14:creationId xmlns:p14="http://schemas.microsoft.com/office/powerpoint/2010/main" val="1051985353"/>
+        <p14:creationId xmlns:p14="http://schemas.microsoft.com/office/powerpoint/2010/main" val="2809951184"/>
       </p:ext>
     </p:extLst>
   </p:cSld>
@@ -1314,6 +1184,139 @@
           <a:bodyPr/>
           <a:lstStyle/>
           <a:p>
+            <a:r>
+              <a:rPr lang="en-US" dirty="0">
+                <a:solidFill>
+                  <a:srgbClr val="FF0000"/>
+                </a:solidFill>
+              </a:rPr>
+              <a:t>Contingency</a:t>
+            </a:r>
+          </a:p>
+          <a:p>
+            <a:r>
+              <a:rPr lang="en-US" dirty="0">
+                <a:solidFill>
+                  <a:srgbClr val="FF0000"/>
+                </a:solidFill>
+              </a:rPr>
+              <a:t>The modals we are interested in this paper are shaped around </a:t>
+            </a:r>
+          </a:p>
+          <a:p>
+            <a:pPr lvl="1"/>
+            <a:r>
+              <a:rPr lang="en-US" dirty="0">
+                <a:solidFill>
+                  <a:srgbClr val="FF0000"/>
+                </a:solidFill>
+              </a:rPr>
+              <a:t>Hybrid logic style understanding of </a:t>
+            </a:r>
+          </a:p>
+          <a:p>
+            <a:pPr lvl="2"/>
+            <a:r>
+              <a:rPr lang="en-US" dirty="0">
+                <a:solidFill>
+                  <a:srgbClr val="FF0000"/>
+                </a:solidFill>
+              </a:rPr>
+              <a:t>[] satisfaction </a:t>
+            </a:r>
+            <a:r>
+              <a:rPr lang="en-US" dirty="0" err="1">
+                <a:solidFill>
+                  <a:srgbClr val="FF0000"/>
+                </a:solidFill>
+              </a:rPr>
+              <a:t>operatos</a:t>
+            </a:r>
+            <a:endParaRPr lang="en-US" dirty="0">
+              <a:solidFill>
+                <a:srgbClr val="FF0000"/>
+              </a:solidFill>
+            </a:endParaRPr>
+          </a:p>
+          <a:p>
+            <a:pPr lvl="3"/>
+            <a:r>
+              <a:rPr lang="en-US" dirty="0">
+                <a:solidFill>
+                  <a:srgbClr val="FF0000"/>
+                </a:solidFill>
+              </a:rPr>
+              <a:t>Unknown of other world</a:t>
+            </a:r>
+          </a:p>
+          <a:p>
+            <a:pPr lvl="2"/>
+            <a:r>
+              <a:rPr lang="en-US" dirty="0">
+                <a:solidFill>
+                  <a:srgbClr val="FF0000"/>
+                </a:solidFill>
+              </a:rPr>
+              <a:t>Interpreting </a:t>
+            </a:r>
+            <a:r>
+              <a:rPr lang="en-US" dirty="0" err="1">
+                <a:solidFill>
+                  <a:srgbClr val="FF0000"/>
+                </a:solidFill>
+              </a:rPr>
+              <a:t>Kripke</a:t>
+            </a:r>
+            <a:r>
+              <a:rPr lang="en-US" dirty="0">
+                <a:solidFill>
+                  <a:srgbClr val="FF0000"/>
+                </a:solidFill>
+              </a:rPr>
+              <a:t> models as </a:t>
+            </a:r>
+            <a:r>
+              <a:rPr lang="en-US" dirty="0" err="1">
+                <a:solidFill>
+                  <a:srgbClr val="FF0000"/>
+                </a:solidFill>
+              </a:rPr>
+              <a:t>stses</a:t>
+            </a:r>
+            <a:endParaRPr lang="en-US" dirty="0">
+              <a:solidFill>
+                <a:srgbClr val="FF0000"/>
+              </a:solidFill>
+            </a:endParaRPr>
+          </a:p>
+          <a:p>
+            <a:pPr lvl="3"/>
+            <a:r>
+              <a:rPr lang="en-US" dirty="0">
+                <a:solidFill>
+                  <a:srgbClr val="FF0000"/>
+                </a:solidFill>
+              </a:rPr>
+              <a:t>Multiple generated </a:t>
+            </a:r>
+            <a:r>
+              <a:rPr lang="en-US" dirty="0" err="1">
+                <a:solidFill>
+                  <a:srgbClr val="FF0000"/>
+                </a:solidFill>
+              </a:rPr>
+              <a:t>submodels</a:t>
+            </a:r>
+            <a:r>
+              <a:rPr lang="en-US" dirty="0">
+                <a:solidFill>
+                  <a:srgbClr val="FF0000"/>
+                </a:solidFill>
+              </a:rPr>
+              <a:t> </a:t>
+            </a:r>
+          </a:p>
+          <a:p>
             <a:endParaRPr lang="en-US" dirty="0"/>
           </a:p>
         </p:txBody>
@@ -1335,7 +1338,7 @@
           <a:p>
             <a:fld id="{180B0F4F-C4CA-F945-8BD8-C2A10415F31A}" type="slidenum">
               <a:rPr lang="en-US" smtClean="0"/>
-              <a:t>15</a:t>
+              <a:t>16</a:t>
             </a:fld>
             <a:endParaRPr lang="en-US"/>
           </a:p>
@@ -1344,7 +1347,7 @@
     </p:spTree>
     <p:extLst>
       <p:ext uri="{BB962C8B-B14F-4D97-AF65-F5344CB8AC3E}">
-        <p14:creationId xmlns:p14="http://schemas.microsoft.com/office/powerpoint/2010/main" val="2809951184"/>
+        <p14:creationId xmlns:p14="http://schemas.microsoft.com/office/powerpoint/2010/main" val="2484277137"/>
       </p:ext>
     </p:extLst>
   </p:cSld>
@@ -2905,7 +2908,7 @@
           <a:p>
             <a:fld id="{1906170E-F9C0-7E4B-9B19-8BE5F5704E4E}" type="datetimeFigureOut">
               <a:rPr lang="en-US" smtClean="0"/>
-              <a:t>4/18/24</a:t>
+              <a:t>4/19/24</a:t>
             </a:fld>
             <a:endParaRPr lang="en-US"/>
           </a:p>
@@ -3103,7 +3106,7 @@
           <a:p>
             <a:fld id="{1906170E-F9C0-7E4B-9B19-8BE5F5704E4E}" type="datetimeFigureOut">
               <a:rPr lang="en-US" smtClean="0"/>
-              <a:t>4/18/24</a:t>
+              <a:t>4/19/24</a:t>
             </a:fld>
             <a:endParaRPr lang="en-US"/>
           </a:p>
@@ -3311,7 +3314,7 @@
           <a:p>
             <a:fld id="{1906170E-F9C0-7E4B-9B19-8BE5F5704E4E}" type="datetimeFigureOut">
               <a:rPr lang="en-US" smtClean="0"/>
-              <a:t>4/18/24</a:t>
+              <a:t>4/19/24</a:t>
             </a:fld>
             <a:endParaRPr lang="en-US"/>
           </a:p>
@@ -3509,7 +3512,7 @@
           <a:p>
             <a:fld id="{1906170E-F9C0-7E4B-9B19-8BE5F5704E4E}" type="datetimeFigureOut">
               <a:rPr lang="en-US" smtClean="0"/>
-              <a:t>4/18/24</a:t>
+              <a:t>4/19/24</a:t>
             </a:fld>
             <a:endParaRPr lang="en-US"/>
           </a:p>
@@ -3784,7 +3787,7 @@
           <a:p>
             <a:fld id="{1906170E-F9C0-7E4B-9B19-8BE5F5704E4E}" type="datetimeFigureOut">
               <a:rPr lang="en-US" smtClean="0"/>
-              <a:t>4/18/24</a:t>
+              <a:t>4/19/24</a:t>
             </a:fld>
             <a:endParaRPr lang="en-US"/>
           </a:p>
@@ -4049,7 +4052,7 @@
           <a:p>
             <a:fld id="{1906170E-F9C0-7E4B-9B19-8BE5F5704E4E}" type="datetimeFigureOut">
               <a:rPr lang="en-US" smtClean="0"/>
-              <a:t>4/18/24</a:t>
+              <a:t>4/19/24</a:t>
             </a:fld>
             <a:endParaRPr lang="en-US"/>
           </a:p>
@@ -4461,7 +4464,7 @@
           <a:p>
             <a:fld id="{1906170E-F9C0-7E4B-9B19-8BE5F5704E4E}" type="datetimeFigureOut">
               <a:rPr lang="en-US" smtClean="0"/>
-              <a:t>4/18/24</a:t>
+              <a:t>4/19/24</a:t>
             </a:fld>
             <a:endParaRPr lang="en-US"/>
           </a:p>
@@ -4602,7 +4605,7 @@
           <a:p>
             <a:fld id="{1906170E-F9C0-7E4B-9B19-8BE5F5704E4E}" type="datetimeFigureOut">
               <a:rPr lang="en-US" smtClean="0"/>
-              <a:t>4/18/24</a:t>
+              <a:t>4/19/24</a:t>
             </a:fld>
             <a:endParaRPr lang="en-US"/>
           </a:p>
@@ -4715,7 +4718,7 @@
           <a:p>
             <a:fld id="{1906170E-F9C0-7E4B-9B19-8BE5F5704E4E}" type="datetimeFigureOut">
               <a:rPr lang="en-US" smtClean="0"/>
-              <a:t>4/18/24</a:t>
+              <a:t>4/19/24</a:t>
             </a:fld>
             <a:endParaRPr lang="en-US"/>
           </a:p>
@@ -5026,7 +5029,7 @@
           <a:p>
             <a:fld id="{1906170E-F9C0-7E4B-9B19-8BE5F5704E4E}" type="datetimeFigureOut">
               <a:rPr lang="en-US" smtClean="0"/>
-              <a:t>4/18/24</a:t>
+              <a:t>4/19/24</a:t>
             </a:fld>
             <a:endParaRPr lang="en-US"/>
           </a:p>
@@ -5314,7 +5317,7 @@
           <a:p>
             <a:fld id="{1906170E-F9C0-7E4B-9B19-8BE5F5704E4E}" type="datetimeFigureOut">
               <a:rPr lang="en-US" smtClean="0"/>
-              <a:t>4/18/24</a:t>
+              <a:t>4/19/24</a:t>
             </a:fld>
             <a:endParaRPr lang="en-US"/>
           </a:p>
@@ -5555,7 +5558,7 @@
           <a:p>
             <a:fld id="{1906170E-F9C0-7E4B-9B19-8BE5F5704E4E}" type="datetimeFigureOut">
               <a:rPr lang="en-US" smtClean="0"/>
-              <a:t>4/18/24</a:t>
+              <a:t>4/19/24</a:t>
             </a:fld>
             <a:endParaRPr lang="en-US"/>
           </a:p>
@@ -6571,587 +6574,6 @@
           <p:cNvPr id="2" name="Title 1">
             <a:extLst>
               <a:ext uri="{FF2B5EF4-FFF2-40B4-BE49-F238E27FC236}">
-                <a16:creationId xmlns:a16="http://schemas.microsoft.com/office/drawing/2014/main" id="{2CC732FF-B4A8-7E52-65D3-018E5B5EF348}"/>
-              </a:ext>
-            </a:extLst>
-          </p:cNvPr>
-          <p:cNvSpPr>
-            <a:spLocks noGrp="1"/>
-          </p:cNvSpPr>
-          <p:nvPr>
-            <p:ph type="title"/>
-          </p:nvPr>
-        </p:nvSpPr>
-        <p:spPr/>
-        <p:txBody>
-          <a:bodyPr/>
-          <a:lstStyle/>
-          <a:p>
-            <a:r>
-              <a:rPr lang="en-US" dirty="0"/>
-              <a:t>Modal Logic: Contingency</a:t>
-            </a:r>
-          </a:p>
-        </p:txBody>
-      </p:sp>
-      <p:sp>
-        <p:nvSpPr>
-          <p:cNvPr id="3" name="Content Placeholder 2">
-            <a:extLst>
-              <a:ext uri="{FF2B5EF4-FFF2-40B4-BE49-F238E27FC236}">
-                <a16:creationId xmlns:a16="http://schemas.microsoft.com/office/drawing/2014/main" id="{C82F847F-F6D7-916A-E5A2-871AECF1F1B0}"/>
-              </a:ext>
-            </a:extLst>
-          </p:cNvPr>
-          <p:cNvSpPr>
-            <a:spLocks noGrp="1"/>
-          </p:cNvSpPr>
-          <p:nvPr>
-            <p:ph idx="1"/>
-          </p:nvPr>
-        </p:nvSpPr>
-        <p:spPr/>
-        <p:txBody>
-          <a:bodyPr/>
-          <a:lstStyle/>
-          <a:p>
-            <a:r>
-              <a:rPr lang="en-US" dirty="0"/>
-              <a:t>Logic for contingent truth</a:t>
-            </a:r>
-          </a:p>
-          <a:p>
-            <a:r>
-              <a:rPr lang="en-US" dirty="0"/>
-              <a:t>Hybrid logic [</a:t>
-            </a:r>
-            <a:r>
-              <a:rPr lang="en-US" dirty="0" err="1"/>
-              <a:t>Areces</a:t>
-            </a:r>
-            <a:r>
-              <a:rPr lang="en-US" dirty="0"/>
-              <a:t>, Blackburn, and Marx 2001]</a:t>
-            </a:r>
-          </a:p>
-          <a:p>
-            <a:pPr lvl="1"/>
-            <a:r>
-              <a:rPr lang="en-US" dirty="0"/>
-              <a:t>Inspired by dynamic logic’s satisfaction operator [Fisher and Ladner 1977]</a:t>
-            </a:r>
-          </a:p>
-          <a:p>
-            <a:pPr lvl="1"/>
-            <a:r>
-              <a:rPr lang="en-US" dirty="0"/>
-              <a:t>[l]𝑃: 𝑃 is true in the specific alternate circumstance (</a:t>
-            </a:r>
-            <a:r>
-              <a:rPr lang="en-US" dirty="0" err="1"/>
-              <a:t>Kripke</a:t>
-            </a:r>
-            <a:r>
-              <a:rPr lang="en-US" dirty="0"/>
-              <a:t> world) named by the nominal l </a:t>
-            </a:r>
-          </a:p>
-          <a:p>
-            <a:pPr lvl="1"/>
-            <a:r>
-              <a:rPr lang="en-US" dirty="0"/>
-              <a:t>More than hiding: the choice of what state (world in </a:t>
-            </a:r>
-            <a:r>
-              <a:rPr lang="en-US" dirty="0" err="1"/>
-              <a:t>Kripke</a:t>
-            </a:r>
-            <a:r>
-              <a:rPr lang="en-US" dirty="0"/>
-              <a:t> Semantic) a modalized assertions is true </a:t>
-            </a:r>
-            <a:r>
-              <a:rPr lang="en-US" b="1" i="1" dirty="0"/>
-              <a:t>on the assertion itself</a:t>
-            </a:r>
-          </a:p>
-          <a:p>
-            <a:r>
-              <a:rPr lang="en-US" dirty="0" err="1"/>
-              <a:t>Kripke</a:t>
-            </a:r>
-            <a:r>
-              <a:rPr lang="en-US" dirty="0"/>
-              <a:t> models [Hughes and </a:t>
-            </a:r>
-            <a:r>
-              <a:rPr lang="en-US" dirty="0" err="1"/>
-              <a:t>Cresswell</a:t>
-            </a:r>
-            <a:r>
-              <a:rPr lang="en-US" dirty="0"/>
-              <a:t> 1996]</a:t>
-            </a:r>
-          </a:p>
-          <a:p>
-            <a:pPr lvl="1"/>
-            <a:r>
-              <a:rPr lang="en-US" dirty="0"/>
-              <a:t>Labelled transition systems (LTS)es,  state-transition-systems (STS)es</a:t>
-            </a:r>
-          </a:p>
-          <a:p>
-            <a:pPr lvl="1"/>
-            <a:r>
-              <a:rPr lang="en-US" dirty="0"/>
-              <a:t>A model for a logic of propositions representing contingency	</a:t>
-            </a:r>
-          </a:p>
-          <a:p>
-            <a:pPr lvl="2"/>
-            <a:endParaRPr lang="en-US" dirty="0"/>
-          </a:p>
-        </p:txBody>
-      </p:sp>
-    </p:spTree>
-    <p:extLst>
-      <p:ext uri="{BB962C8B-B14F-4D97-AF65-F5344CB8AC3E}">
-        <p14:creationId xmlns:p14="http://schemas.microsoft.com/office/powerpoint/2010/main" val="3217552334"/>
-      </p:ext>
-    </p:extLst>
-  </p:cSld>
-  <p:clrMapOvr>
-    <a:masterClrMapping/>
-  </p:clrMapOvr>
-  <p:timing>
-    <p:tnLst>
-      <p:par>
-        <p:cTn id="1" dur="indefinite" restart="never" nodeType="tmRoot">
-          <p:childTnLst>
-            <p:seq concurrent="1" nextAc="seek">
-              <p:cTn id="2" dur="indefinite" nodeType="mainSeq">
-                <p:childTnLst>
-                  <p:par>
-                    <p:cTn id="3" fill="hold">
-                      <p:stCondLst>
-                        <p:cond delay="indefinite"/>
-                      </p:stCondLst>
-                      <p:childTnLst>
-                        <p:par>
-                          <p:cTn id="4" fill="hold">
-                            <p:stCondLst>
-                              <p:cond delay="0"/>
-                            </p:stCondLst>
-                            <p:childTnLst>
-                              <p:par>
-                                <p:cTn id="5" presetID="1" presetClass="entr" presetSubtype="0" fill="hold" nodeType="clickEffect">
-                                  <p:stCondLst>
-                                    <p:cond delay="0"/>
-                                  </p:stCondLst>
-                                  <p:childTnLst>
-                                    <p:set>
-                                      <p:cBhvr>
-                                        <p:cTn id="6" dur="1" fill="hold">
-                                          <p:stCondLst>
-                                            <p:cond delay="0"/>
-                                          </p:stCondLst>
-                                        </p:cTn>
-                                        <p:tgtEl>
-                                          <p:spTgt spid="3">
-                                            <p:txEl>
-                                              <p:pRg st="0" end="0"/>
-                                            </p:txEl>
-                                          </p:spTgt>
-                                        </p:tgtEl>
-                                        <p:attrNameLst>
-                                          <p:attrName>style.visibility</p:attrName>
-                                        </p:attrNameLst>
-                                      </p:cBhvr>
-                                      <p:to>
-                                        <p:strVal val="visible"/>
-                                      </p:to>
-                                    </p:set>
-                                  </p:childTnLst>
-                                </p:cTn>
-                              </p:par>
-                            </p:childTnLst>
-                          </p:cTn>
-                        </p:par>
-                      </p:childTnLst>
-                    </p:cTn>
-                  </p:par>
-                  <p:par>
-                    <p:cTn id="7" fill="hold">
-                      <p:stCondLst>
-                        <p:cond delay="indefinite"/>
-                      </p:stCondLst>
-                      <p:childTnLst>
-                        <p:par>
-                          <p:cTn id="8" fill="hold">
-                            <p:stCondLst>
-                              <p:cond delay="0"/>
-                            </p:stCondLst>
-                            <p:childTnLst>
-                              <p:par>
-                                <p:cTn id="9" presetID="1" presetClass="entr" presetSubtype="0" fill="hold" nodeType="clickEffect">
-                                  <p:stCondLst>
-                                    <p:cond delay="0"/>
-                                  </p:stCondLst>
-                                  <p:childTnLst>
-                                    <p:set>
-                                      <p:cBhvr>
-                                        <p:cTn id="10" dur="1" fill="hold">
-                                          <p:stCondLst>
-                                            <p:cond delay="0"/>
-                                          </p:stCondLst>
-                                        </p:cTn>
-                                        <p:tgtEl>
-                                          <p:spTgt spid="3">
-                                            <p:txEl>
-                                              <p:pRg st="1" end="1"/>
-                                            </p:txEl>
-                                          </p:spTgt>
-                                        </p:tgtEl>
-                                        <p:attrNameLst>
-                                          <p:attrName>style.visibility</p:attrName>
-                                        </p:attrNameLst>
-                                      </p:cBhvr>
-                                      <p:to>
-                                        <p:strVal val="visible"/>
-                                      </p:to>
-                                    </p:set>
-                                  </p:childTnLst>
-                                </p:cTn>
-                              </p:par>
-                            </p:childTnLst>
-                          </p:cTn>
-                        </p:par>
-                      </p:childTnLst>
-                    </p:cTn>
-                  </p:par>
-                  <p:par>
-                    <p:cTn id="11" fill="hold">
-                      <p:stCondLst>
-                        <p:cond delay="indefinite"/>
-                      </p:stCondLst>
-                      <p:childTnLst>
-                        <p:par>
-                          <p:cTn id="12" fill="hold">
-                            <p:stCondLst>
-                              <p:cond delay="0"/>
-                            </p:stCondLst>
-                            <p:childTnLst>
-                              <p:par>
-                                <p:cTn id="13" presetID="1" presetClass="entr" presetSubtype="0" fill="hold" nodeType="clickEffect">
-                                  <p:stCondLst>
-                                    <p:cond delay="0"/>
-                                  </p:stCondLst>
-                                  <p:childTnLst>
-                                    <p:set>
-                                      <p:cBhvr>
-                                        <p:cTn id="14" dur="1" fill="hold">
-                                          <p:stCondLst>
-                                            <p:cond delay="0"/>
-                                          </p:stCondLst>
-                                        </p:cTn>
-                                        <p:tgtEl>
-                                          <p:spTgt spid="3">
-                                            <p:txEl>
-                                              <p:pRg st="2" end="2"/>
-                                            </p:txEl>
-                                          </p:spTgt>
-                                        </p:tgtEl>
-                                        <p:attrNameLst>
-                                          <p:attrName>style.visibility</p:attrName>
-                                        </p:attrNameLst>
-                                      </p:cBhvr>
-                                      <p:to>
-                                        <p:strVal val="visible"/>
-                                      </p:to>
-                                    </p:set>
-                                  </p:childTnLst>
-                                </p:cTn>
-                              </p:par>
-                            </p:childTnLst>
-                          </p:cTn>
-                        </p:par>
-                      </p:childTnLst>
-                    </p:cTn>
-                  </p:par>
-                  <p:par>
-                    <p:cTn id="15" fill="hold">
-                      <p:stCondLst>
-                        <p:cond delay="indefinite"/>
-                      </p:stCondLst>
-                      <p:childTnLst>
-                        <p:par>
-                          <p:cTn id="16" fill="hold">
-                            <p:stCondLst>
-                              <p:cond delay="0"/>
-                            </p:stCondLst>
-                            <p:childTnLst>
-                              <p:par>
-                                <p:cTn id="17" presetID="1" presetClass="entr" presetSubtype="0" fill="hold" nodeType="clickEffect">
-                                  <p:stCondLst>
-                                    <p:cond delay="0"/>
-                                  </p:stCondLst>
-                                  <p:childTnLst>
-                                    <p:set>
-                                      <p:cBhvr>
-                                        <p:cTn id="18" dur="1" fill="hold">
-                                          <p:stCondLst>
-                                            <p:cond delay="0"/>
-                                          </p:stCondLst>
-                                        </p:cTn>
-                                        <p:tgtEl>
-                                          <p:spTgt spid="3">
-                                            <p:txEl>
-                                              <p:pRg st="3" end="3"/>
-                                            </p:txEl>
-                                          </p:spTgt>
-                                        </p:tgtEl>
-                                        <p:attrNameLst>
-                                          <p:attrName>style.visibility</p:attrName>
-                                        </p:attrNameLst>
-                                      </p:cBhvr>
-                                      <p:to>
-                                        <p:strVal val="visible"/>
-                                      </p:to>
-                                    </p:set>
-                                  </p:childTnLst>
-                                </p:cTn>
-                              </p:par>
-                            </p:childTnLst>
-                          </p:cTn>
-                        </p:par>
-                      </p:childTnLst>
-                    </p:cTn>
-                  </p:par>
-                  <p:par>
-                    <p:cTn id="19" fill="hold">
-                      <p:stCondLst>
-                        <p:cond delay="indefinite"/>
-                      </p:stCondLst>
-                      <p:childTnLst>
-                        <p:par>
-                          <p:cTn id="20" fill="hold">
-                            <p:stCondLst>
-                              <p:cond delay="0"/>
-                            </p:stCondLst>
-                            <p:childTnLst>
-                              <p:par>
-                                <p:cTn id="21" presetID="1" presetClass="entr" presetSubtype="0" fill="hold" nodeType="clickEffect">
-                                  <p:stCondLst>
-                                    <p:cond delay="0"/>
-                                  </p:stCondLst>
-                                  <p:childTnLst>
-                                    <p:set>
-                                      <p:cBhvr>
-                                        <p:cTn id="22" dur="1" fill="hold">
-                                          <p:stCondLst>
-                                            <p:cond delay="0"/>
-                                          </p:stCondLst>
-                                        </p:cTn>
-                                        <p:tgtEl>
-                                          <p:spTgt spid="3">
-                                            <p:txEl>
-                                              <p:pRg st="4" end="4"/>
-                                            </p:txEl>
-                                          </p:spTgt>
-                                        </p:tgtEl>
-                                        <p:attrNameLst>
-                                          <p:attrName>style.visibility</p:attrName>
-                                        </p:attrNameLst>
-                                      </p:cBhvr>
-                                      <p:to>
-                                        <p:strVal val="visible"/>
-                                      </p:to>
-                                    </p:set>
-                                  </p:childTnLst>
-                                </p:cTn>
-                              </p:par>
-                            </p:childTnLst>
-                          </p:cTn>
-                        </p:par>
-                      </p:childTnLst>
-                    </p:cTn>
-                  </p:par>
-                  <p:par>
-                    <p:cTn id="23" fill="hold">
-                      <p:stCondLst>
-                        <p:cond delay="indefinite"/>
-                      </p:stCondLst>
-                      <p:childTnLst>
-                        <p:par>
-                          <p:cTn id="24" fill="hold">
-                            <p:stCondLst>
-                              <p:cond delay="0"/>
-                            </p:stCondLst>
-                            <p:childTnLst>
-                              <p:par>
-                                <p:cTn id="25" presetID="1" presetClass="entr" presetSubtype="0" fill="hold" nodeType="clickEffect">
-                                  <p:stCondLst>
-                                    <p:cond delay="0"/>
-                                  </p:stCondLst>
-                                  <p:childTnLst>
-                                    <p:set>
-                                      <p:cBhvr>
-                                        <p:cTn id="26" dur="1" fill="hold">
-                                          <p:stCondLst>
-                                            <p:cond delay="0"/>
-                                          </p:stCondLst>
-                                        </p:cTn>
-                                        <p:tgtEl>
-                                          <p:spTgt spid="3">
-                                            <p:txEl>
-                                              <p:pRg st="5" end="5"/>
-                                            </p:txEl>
-                                          </p:spTgt>
-                                        </p:tgtEl>
-                                        <p:attrNameLst>
-                                          <p:attrName>style.visibility</p:attrName>
-                                        </p:attrNameLst>
-                                      </p:cBhvr>
-                                      <p:to>
-                                        <p:strVal val="visible"/>
-                                      </p:to>
-                                    </p:set>
-                                  </p:childTnLst>
-                                </p:cTn>
-                              </p:par>
-                            </p:childTnLst>
-                          </p:cTn>
-                        </p:par>
-                      </p:childTnLst>
-                    </p:cTn>
-                  </p:par>
-                  <p:par>
-                    <p:cTn id="27" fill="hold">
-                      <p:stCondLst>
-                        <p:cond delay="indefinite"/>
-                      </p:stCondLst>
-                      <p:childTnLst>
-                        <p:par>
-                          <p:cTn id="28" fill="hold">
-                            <p:stCondLst>
-                              <p:cond delay="0"/>
-                            </p:stCondLst>
-                            <p:childTnLst>
-                              <p:par>
-                                <p:cTn id="29" presetID="1" presetClass="entr" presetSubtype="0" fill="hold" nodeType="clickEffect">
-                                  <p:stCondLst>
-                                    <p:cond delay="0"/>
-                                  </p:stCondLst>
-                                  <p:childTnLst>
-                                    <p:set>
-                                      <p:cBhvr>
-                                        <p:cTn id="30" dur="1" fill="hold">
-                                          <p:stCondLst>
-                                            <p:cond delay="0"/>
-                                          </p:stCondLst>
-                                        </p:cTn>
-                                        <p:tgtEl>
-                                          <p:spTgt spid="3">
-                                            <p:txEl>
-                                              <p:pRg st="6" end="6"/>
-                                            </p:txEl>
-                                          </p:spTgt>
-                                        </p:tgtEl>
-                                        <p:attrNameLst>
-                                          <p:attrName>style.visibility</p:attrName>
-                                        </p:attrNameLst>
-                                      </p:cBhvr>
-                                      <p:to>
-                                        <p:strVal val="visible"/>
-                                      </p:to>
-                                    </p:set>
-                                  </p:childTnLst>
-                                </p:cTn>
-                              </p:par>
-                              <p:par>
-                                <p:cTn id="31" presetID="1" presetClass="entr" presetSubtype="0" fill="hold" nodeType="withEffect">
-                                  <p:stCondLst>
-                                    <p:cond delay="0"/>
-                                  </p:stCondLst>
-                                  <p:childTnLst>
-                                    <p:set>
-                                      <p:cBhvr>
-                                        <p:cTn id="32" dur="1" fill="hold">
-                                          <p:stCondLst>
-                                            <p:cond delay="0"/>
-                                          </p:stCondLst>
-                                        </p:cTn>
-                                        <p:tgtEl>
-                                          <p:spTgt spid="3">
-                                            <p:txEl>
-                                              <p:pRg st="7" end="7"/>
-                                            </p:txEl>
-                                          </p:spTgt>
-                                        </p:tgtEl>
-                                        <p:attrNameLst>
-                                          <p:attrName>style.visibility</p:attrName>
-                                        </p:attrNameLst>
-                                      </p:cBhvr>
-                                      <p:to>
-                                        <p:strVal val="visible"/>
-                                      </p:to>
-                                    </p:set>
-                                  </p:childTnLst>
-                                </p:cTn>
-                              </p:par>
-                            </p:childTnLst>
-                          </p:cTn>
-                        </p:par>
-                      </p:childTnLst>
-                    </p:cTn>
-                  </p:par>
-                </p:childTnLst>
-              </p:cTn>
-              <p:prevCondLst>
-                <p:cond evt="onPrev" delay="0">
-                  <p:tgtEl>
-                    <p:sldTgt/>
-                  </p:tgtEl>
-                </p:cond>
-              </p:prevCondLst>
-              <p:nextCondLst>
-                <p:cond evt="onNext" delay="0">
-                  <p:tgtEl>
-                    <p:sldTgt/>
-                  </p:tgtEl>
-                </p:cond>
-              </p:nextCondLst>
-            </p:seq>
-          </p:childTnLst>
-        </p:cTn>
-      </p:par>
-    </p:tnLst>
-  </p:timing>
-</p:sld>
-</file>
-
-<file path=ppt/slides/slide13.xml><?xml version="1.0" encoding="utf-8"?>
-<p:sld xmlns:a="http://schemas.openxmlformats.org/drawingml/2006/main" xmlns:r="http://schemas.openxmlformats.org/officeDocument/2006/relationships" xmlns:p="http://schemas.openxmlformats.org/presentationml/2006/main">
-  <p:cSld>
-    <p:spTree>
-      <p:nvGrpSpPr>
-        <p:cNvPr id="1" name=""/>
-        <p:cNvGrpSpPr/>
-        <p:nvPr/>
-      </p:nvGrpSpPr>
-      <p:grpSpPr>
-        <a:xfrm>
-          <a:off x="0" y="0"/>
-          <a:ext cx="0" cy="0"/>
-          <a:chOff x="0" y="0"/>
-          <a:chExt cx="0" cy="0"/>
-        </a:xfrm>
-      </p:grpSpPr>
-      <p:sp>
-        <p:nvSpPr>
-          <p:cNvPr id="2" name="Title 1">
-            <a:extLst>
-              <a:ext uri="{FF2B5EF4-FFF2-40B4-BE49-F238E27FC236}">
                 <a16:creationId xmlns:a16="http://schemas.microsoft.com/office/drawing/2014/main" id="{E75A09B6-332C-5EA5-F191-8AC793726293}"/>
               </a:ext>
             </a:extLst>
@@ -7534,7 +6956,7 @@
 </p:sld>
 </file>
 
-<file path=ppt/slides/slide14.xml><?xml version="1.0" encoding="utf-8"?>
+<file path=ppt/slides/slide13.xml><?xml version="1.0" encoding="utf-8"?>
 <p:sld xmlns:a="http://schemas.openxmlformats.org/drawingml/2006/main" xmlns:r="http://schemas.openxmlformats.org/officeDocument/2006/relationships" xmlns:p="http://schemas.openxmlformats.org/presentationml/2006/main">
   <p:cSld>
     <p:spTree>
@@ -12265,7 +11687,7 @@
 </p:sld>
 </file>
 
-<file path=ppt/slides/slide15.xml><?xml version="1.0" encoding="utf-8"?>
+<file path=ppt/slides/slide14.xml><?xml version="1.0" encoding="utf-8"?>
 <p:sld xmlns:a="http://schemas.openxmlformats.org/drawingml/2006/main" xmlns:r="http://schemas.openxmlformats.org/officeDocument/2006/relationships" xmlns:p="http://schemas.openxmlformats.org/presentationml/2006/main">
   <p:cSld>
     <p:spTree>
@@ -19944,7 +19366,7 @@
 </p:sld>
 </file>
 
-<file path=ppt/slides/slide16.xml><?xml version="1.0" encoding="utf-8"?>
+<file path=ppt/slides/slide15.xml><?xml version="1.0" encoding="utf-8"?>
 <p:sld xmlns:a="http://schemas.openxmlformats.org/drawingml/2006/main" xmlns:r="http://schemas.openxmlformats.org/officeDocument/2006/relationships" xmlns:p="http://schemas.openxmlformats.org/presentationml/2006/main">
   <p:cSld>
     <p:spTree>
@@ -21826,6 +21248,587 @@
       <p:bldP spid="59" grpId="0"/>
       <p:bldP spid="60" grpId="0"/>
     </p:bldLst>
+  </p:timing>
+</p:sld>
+</file>
+
+<file path=ppt/slides/slide16.xml><?xml version="1.0" encoding="utf-8"?>
+<p:sld xmlns:a="http://schemas.openxmlformats.org/drawingml/2006/main" xmlns:r="http://schemas.openxmlformats.org/officeDocument/2006/relationships" xmlns:p="http://schemas.openxmlformats.org/presentationml/2006/main">
+  <p:cSld>
+    <p:spTree>
+      <p:nvGrpSpPr>
+        <p:cNvPr id="1" name=""/>
+        <p:cNvGrpSpPr/>
+        <p:nvPr/>
+      </p:nvGrpSpPr>
+      <p:grpSpPr>
+        <a:xfrm>
+          <a:off x="0" y="0"/>
+          <a:ext cx="0" cy="0"/>
+          <a:chOff x="0" y="0"/>
+          <a:chExt cx="0" cy="0"/>
+        </a:xfrm>
+      </p:grpSpPr>
+      <p:sp>
+        <p:nvSpPr>
+          <p:cNvPr id="2" name="Title 1">
+            <a:extLst>
+              <a:ext uri="{FF2B5EF4-FFF2-40B4-BE49-F238E27FC236}">
+                <a16:creationId xmlns:a16="http://schemas.microsoft.com/office/drawing/2014/main" id="{2CC732FF-B4A8-7E52-65D3-018E5B5EF348}"/>
+              </a:ext>
+            </a:extLst>
+          </p:cNvPr>
+          <p:cNvSpPr>
+            <a:spLocks noGrp="1"/>
+          </p:cNvSpPr>
+          <p:nvPr>
+            <p:ph type="title"/>
+          </p:nvPr>
+        </p:nvSpPr>
+        <p:spPr/>
+        <p:txBody>
+          <a:bodyPr/>
+          <a:lstStyle/>
+          <a:p>
+            <a:r>
+              <a:rPr lang="en-US" dirty="0"/>
+              <a:t>Modal Logic: Contingency</a:t>
+            </a:r>
+          </a:p>
+        </p:txBody>
+      </p:sp>
+      <p:sp>
+        <p:nvSpPr>
+          <p:cNvPr id="3" name="Content Placeholder 2">
+            <a:extLst>
+              <a:ext uri="{FF2B5EF4-FFF2-40B4-BE49-F238E27FC236}">
+                <a16:creationId xmlns:a16="http://schemas.microsoft.com/office/drawing/2014/main" id="{C82F847F-F6D7-916A-E5A2-871AECF1F1B0}"/>
+              </a:ext>
+            </a:extLst>
+          </p:cNvPr>
+          <p:cNvSpPr>
+            <a:spLocks noGrp="1"/>
+          </p:cNvSpPr>
+          <p:nvPr>
+            <p:ph idx="1"/>
+          </p:nvPr>
+        </p:nvSpPr>
+        <p:spPr/>
+        <p:txBody>
+          <a:bodyPr/>
+          <a:lstStyle/>
+          <a:p>
+            <a:r>
+              <a:rPr lang="en-US" dirty="0"/>
+              <a:t>Logic for contingent truth</a:t>
+            </a:r>
+          </a:p>
+          <a:p>
+            <a:r>
+              <a:rPr lang="en-US" dirty="0"/>
+              <a:t>Hybrid logic [</a:t>
+            </a:r>
+            <a:r>
+              <a:rPr lang="en-US" dirty="0" err="1"/>
+              <a:t>Areces</a:t>
+            </a:r>
+            <a:r>
+              <a:rPr lang="en-US" dirty="0"/>
+              <a:t>, Blackburn, and Marx 2001]</a:t>
+            </a:r>
+          </a:p>
+          <a:p>
+            <a:pPr lvl="1"/>
+            <a:r>
+              <a:rPr lang="en-US" dirty="0"/>
+              <a:t>Inspired by dynamic logic’s satisfaction operator [Fisher and Ladner 1977]</a:t>
+            </a:r>
+          </a:p>
+          <a:p>
+            <a:pPr lvl="1"/>
+            <a:r>
+              <a:rPr lang="en-US" dirty="0"/>
+              <a:t>[l]𝑃: 𝑃 is true in the specific alternate circumstance (</a:t>
+            </a:r>
+            <a:r>
+              <a:rPr lang="en-US" dirty="0" err="1"/>
+              <a:t>Kripke</a:t>
+            </a:r>
+            <a:r>
+              <a:rPr lang="en-US" dirty="0"/>
+              <a:t> world) named by the nominal l </a:t>
+            </a:r>
+          </a:p>
+          <a:p>
+            <a:pPr lvl="1"/>
+            <a:r>
+              <a:rPr lang="en-US" dirty="0"/>
+              <a:t>More than hiding: the choice of what state (world in </a:t>
+            </a:r>
+            <a:r>
+              <a:rPr lang="en-US" dirty="0" err="1"/>
+              <a:t>Kripke</a:t>
+            </a:r>
+            <a:r>
+              <a:rPr lang="en-US" dirty="0"/>
+              <a:t> Semantic) a modalized assertions is true </a:t>
+            </a:r>
+            <a:r>
+              <a:rPr lang="en-US" b="1" i="1" dirty="0"/>
+              <a:t>on the assertion itself</a:t>
+            </a:r>
+          </a:p>
+          <a:p>
+            <a:r>
+              <a:rPr lang="en-US" dirty="0" err="1"/>
+              <a:t>Kripke</a:t>
+            </a:r>
+            <a:r>
+              <a:rPr lang="en-US" dirty="0"/>
+              <a:t> models [Hughes and </a:t>
+            </a:r>
+            <a:r>
+              <a:rPr lang="en-US" dirty="0" err="1"/>
+              <a:t>Cresswell</a:t>
+            </a:r>
+            <a:r>
+              <a:rPr lang="en-US" dirty="0"/>
+              <a:t> 1996]</a:t>
+            </a:r>
+          </a:p>
+          <a:p>
+            <a:pPr lvl="1"/>
+            <a:r>
+              <a:rPr lang="en-US" dirty="0"/>
+              <a:t>Labelled transition systems (LTS)es,  state-transition-systems (STS)es</a:t>
+            </a:r>
+          </a:p>
+          <a:p>
+            <a:pPr lvl="1"/>
+            <a:r>
+              <a:rPr lang="en-US" dirty="0"/>
+              <a:t>A model for a logic of propositions representing contingency	</a:t>
+            </a:r>
+          </a:p>
+          <a:p>
+            <a:pPr lvl="2"/>
+            <a:endParaRPr lang="en-US" dirty="0"/>
+          </a:p>
+        </p:txBody>
+      </p:sp>
+    </p:spTree>
+    <p:extLst>
+      <p:ext uri="{BB962C8B-B14F-4D97-AF65-F5344CB8AC3E}">
+        <p14:creationId xmlns:p14="http://schemas.microsoft.com/office/powerpoint/2010/main" val="3217552334"/>
+      </p:ext>
+    </p:extLst>
+  </p:cSld>
+  <p:clrMapOvr>
+    <a:masterClrMapping/>
+  </p:clrMapOvr>
+  <p:timing>
+    <p:tnLst>
+      <p:par>
+        <p:cTn id="1" dur="indefinite" restart="never" nodeType="tmRoot">
+          <p:childTnLst>
+            <p:seq concurrent="1" nextAc="seek">
+              <p:cTn id="2" dur="indefinite" nodeType="mainSeq">
+                <p:childTnLst>
+                  <p:par>
+                    <p:cTn id="3" fill="hold">
+                      <p:stCondLst>
+                        <p:cond delay="indefinite"/>
+                      </p:stCondLst>
+                      <p:childTnLst>
+                        <p:par>
+                          <p:cTn id="4" fill="hold">
+                            <p:stCondLst>
+                              <p:cond delay="0"/>
+                            </p:stCondLst>
+                            <p:childTnLst>
+                              <p:par>
+                                <p:cTn id="5" presetID="1" presetClass="entr" presetSubtype="0" fill="hold" nodeType="clickEffect">
+                                  <p:stCondLst>
+                                    <p:cond delay="0"/>
+                                  </p:stCondLst>
+                                  <p:childTnLst>
+                                    <p:set>
+                                      <p:cBhvr>
+                                        <p:cTn id="6" dur="1" fill="hold">
+                                          <p:stCondLst>
+                                            <p:cond delay="0"/>
+                                          </p:stCondLst>
+                                        </p:cTn>
+                                        <p:tgtEl>
+                                          <p:spTgt spid="3">
+                                            <p:txEl>
+                                              <p:pRg st="0" end="0"/>
+                                            </p:txEl>
+                                          </p:spTgt>
+                                        </p:tgtEl>
+                                        <p:attrNameLst>
+                                          <p:attrName>style.visibility</p:attrName>
+                                        </p:attrNameLst>
+                                      </p:cBhvr>
+                                      <p:to>
+                                        <p:strVal val="visible"/>
+                                      </p:to>
+                                    </p:set>
+                                  </p:childTnLst>
+                                </p:cTn>
+                              </p:par>
+                            </p:childTnLst>
+                          </p:cTn>
+                        </p:par>
+                      </p:childTnLst>
+                    </p:cTn>
+                  </p:par>
+                  <p:par>
+                    <p:cTn id="7" fill="hold">
+                      <p:stCondLst>
+                        <p:cond delay="indefinite"/>
+                      </p:stCondLst>
+                      <p:childTnLst>
+                        <p:par>
+                          <p:cTn id="8" fill="hold">
+                            <p:stCondLst>
+                              <p:cond delay="0"/>
+                            </p:stCondLst>
+                            <p:childTnLst>
+                              <p:par>
+                                <p:cTn id="9" presetID="1" presetClass="entr" presetSubtype="0" fill="hold" nodeType="clickEffect">
+                                  <p:stCondLst>
+                                    <p:cond delay="0"/>
+                                  </p:stCondLst>
+                                  <p:childTnLst>
+                                    <p:set>
+                                      <p:cBhvr>
+                                        <p:cTn id="10" dur="1" fill="hold">
+                                          <p:stCondLst>
+                                            <p:cond delay="0"/>
+                                          </p:stCondLst>
+                                        </p:cTn>
+                                        <p:tgtEl>
+                                          <p:spTgt spid="3">
+                                            <p:txEl>
+                                              <p:pRg st="1" end="1"/>
+                                            </p:txEl>
+                                          </p:spTgt>
+                                        </p:tgtEl>
+                                        <p:attrNameLst>
+                                          <p:attrName>style.visibility</p:attrName>
+                                        </p:attrNameLst>
+                                      </p:cBhvr>
+                                      <p:to>
+                                        <p:strVal val="visible"/>
+                                      </p:to>
+                                    </p:set>
+                                  </p:childTnLst>
+                                </p:cTn>
+                              </p:par>
+                            </p:childTnLst>
+                          </p:cTn>
+                        </p:par>
+                      </p:childTnLst>
+                    </p:cTn>
+                  </p:par>
+                  <p:par>
+                    <p:cTn id="11" fill="hold">
+                      <p:stCondLst>
+                        <p:cond delay="indefinite"/>
+                      </p:stCondLst>
+                      <p:childTnLst>
+                        <p:par>
+                          <p:cTn id="12" fill="hold">
+                            <p:stCondLst>
+                              <p:cond delay="0"/>
+                            </p:stCondLst>
+                            <p:childTnLst>
+                              <p:par>
+                                <p:cTn id="13" presetID="1" presetClass="entr" presetSubtype="0" fill="hold" nodeType="clickEffect">
+                                  <p:stCondLst>
+                                    <p:cond delay="0"/>
+                                  </p:stCondLst>
+                                  <p:childTnLst>
+                                    <p:set>
+                                      <p:cBhvr>
+                                        <p:cTn id="14" dur="1" fill="hold">
+                                          <p:stCondLst>
+                                            <p:cond delay="0"/>
+                                          </p:stCondLst>
+                                        </p:cTn>
+                                        <p:tgtEl>
+                                          <p:spTgt spid="3">
+                                            <p:txEl>
+                                              <p:pRg st="2" end="2"/>
+                                            </p:txEl>
+                                          </p:spTgt>
+                                        </p:tgtEl>
+                                        <p:attrNameLst>
+                                          <p:attrName>style.visibility</p:attrName>
+                                        </p:attrNameLst>
+                                      </p:cBhvr>
+                                      <p:to>
+                                        <p:strVal val="visible"/>
+                                      </p:to>
+                                    </p:set>
+                                  </p:childTnLst>
+                                </p:cTn>
+                              </p:par>
+                            </p:childTnLst>
+                          </p:cTn>
+                        </p:par>
+                      </p:childTnLst>
+                    </p:cTn>
+                  </p:par>
+                  <p:par>
+                    <p:cTn id="15" fill="hold">
+                      <p:stCondLst>
+                        <p:cond delay="indefinite"/>
+                      </p:stCondLst>
+                      <p:childTnLst>
+                        <p:par>
+                          <p:cTn id="16" fill="hold">
+                            <p:stCondLst>
+                              <p:cond delay="0"/>
+                            </p:stCondLst>
+                            <p:childTnLst>
+                              <p:par>
+                                <p:cTn id="17" presetID="1" presetClass="entr" presetSubtype="0" fill="hold" nodeType="clickEffect">
+                                  <p:stCondLst>
+                                    <p:cond delay="0"/>
+                                  </p:stCondLst>
+                                  <p:childTnLst>
+                                    <p:set>
+                                      <p:cBhvr>
+                                        <p:cTn id="18" dur="1" fill="hold">
+                                          <p:stCondLst>
+                                            <p:cond delay="0"/>
+                                          </p:stCondLst>
+                                        </p:cTn>
+                                        <p:tgtEl>
+                                          <p:spTgt spid="3">
+                                            <p:txEl>
+                                              <p:pRg st="3" end="3"/>
+                                            </p:txEl>
+                                          </p:spTgt>
+                                        </p:tgtEl>
+                                        <p:attrNameLst>
+                                          <p:attrName>style.visibility</p:attrName>
+                                        </p:attrNameLst>
+                                      </p:cBhvr>
+                                      <p:to>
+                                        <p:strVal val="visible"/>
+                                      </p:to>
+                                    </p:set>
+                                  </p:childTnLst>
+                                </p:cTn>
+                              </p:par>
+                            </p:childTnLst>
+                          </p:cTn>
+                        </p:par>
+                      </p:childTnLst>
+                    </p:cTn>
+                  </p:par>
+                  <p:par>
+                    <p:cTn id="19" fill="hold">
+                      <p:stCondLst>
+                        <p:cond delay="indefinite"/>
+                      </p:stCondLst>
+                      <p:childTnLst>
+                        <p:par>
+                          <p:cTn id="20" fill="hold">
+                            <p:stCondLst>
+                              <p:cond delay="0"/>
+                            </p:stCondLst>
+                            <p:childTnLst>
+                              <p:par>
+                                <p:cTn id="21" presetID="1" presetClass="entr" presetSubtype="0" fill="hold" nodeType="clickEffect">
+                                  <p:stCondLst>
+                                    <p:cond delay="0"/>
+                                  </p:stCondLst>
+                                  <p:childTnLst>
+                                    <p:set>
+                                      <p:cBhvr>
+                                        <p:cTn id="22" dur="1" fill="hold">
+                                          <p:stCondLst>
+                                            <p:cond delay="0"/>
+                                          </p:stCondLst>
+                                        </p:cTn>
+                                        <p:tgtEl>
+                                          <p:spTgt spid="3">
+                                            <p:txEl>
+                                              <p:pRg st="4" end="4"/>
+                                            </p:txEl>
+                                          </p:spTgt>
+                                        </p:tgtEl>
+                                        <p:attrNameLst>
+                                          <p:attrName>style.visibility</p:attrName>
+                                        </p:attrNameLst>
+                                      </p:cBhvr>
+                                      <p:to>
+                                        <p:strVal val="visible"/>
+                                      </p:to>
+                                    </p:set>
+                                  </p:childTnLst>
+                                </p:cTn>
+                              </p:par>
+                            </p:childTnLst>
+                          </p:cTn>
+                        </p:par>
+                      </p:childTnLst>
+                    </p:cTn>
+                  </p:par>
+                  <p:par>
+                    <p:cTn id="23" fill="hold">
+                      <p:stCondLst>
+                        <p:cond delay="indefinite"/>
+                      </p:stCondLst>
+                      <p:childTnLst>
+                        <p:par>
+                          <p:cTn id="24" fill="hold">
+                            <p:stCondLst>
+                              <p:cond delay="0"/>
+                            </p:stCondLst>
+                            <p:childTnLst>
+                              <p:par>
+                                <p:cTn id="25" presetID="1" presetClass="entr" presetSubtype="0" fill="hold" nodeType="clickEffect">
+                                  <p:stCondLst>
+                                    <p:cond delay="0"/>
+                                  </p:stCondLst>
+                                  <p:childTnLst>
+                                    <p:set>
+                                      <p:cBhvr>
+                                        <p:cTn id="26" dur="1" fill="hold">
+                                          <p:stCondLst>
+                                            <p:cond delay="0"/>
+                                          </p:stCondLst>
+                                        </p:cTn>
+                                        <p:tgtEl>
+                                          <p:spTgt spid="3">
+                                            <p:txEl>
+                                              <p:pRg st="5" end="5"/>
+                                            </p:txEl>
+                                          </p:spTgt>
+                                        </p:tgtEl>
+                                        <p:attrNameLst>
+                                          <p:attrName>style.visibility</p:attrName>
+                                        </p:attrNameLst>
+                                      </p:cBhvr>
+                                      <p:to>
+                                        <p:strVal val="visible"/>
+                                      </p:to>
+                                    </p:set>
+                                  </p:childTnLst>
+                                </p:cTn>
+                              </p:par>
+                            </p:childTnLst>
+                          </p:cTn>
+                        </p:par>
+                      </p:childTnLst>
+                    </p:cTn>
+                  </p:par>
+                  <p:par>
+                    <p:cTn id="27" fill="hold">
+                      <p:stCondLst>
+                        <p:cond delay="indefinite"/>
+                      </p:stCondLst>
+                      <p:childTnLst>
+                        <p:par>
+                          <p:cTn id="28" fill="hold">
+                            <p:stCondLst>
+                              <p:cond delay="0"/>
+                            </p:stCondLst>
+                            <p:childTnLst>
+                              <p:par>
+                                <p:cTn id="29" presetID="1" presetClass="entr" presetSubtype="0" fill="hold" nodeType="clickEffect">
+                                  <p:stCondLst>
+                                    <p:cond delay="0"/>
+                                  </p:stCondLst>
+                                  <p:childTnLst>
+                                    <p:set>
+                                      <p:cBhvr>
+                                        <p:cTn id="30" dur="1" fill="hold">
+                                          <p:stCondLst>
+                                            <p:cond delay="0"/>
+                                          </p:stCondLst>
+                                        </p:cTn>
+                                        <p:tgtEl>
+                                          <p:spTgt spid="3">
+                                            <p:txEl>
+                                              <p:pRg st="6" end="6"/>
+                                            </p:txEl>
+                                          </p:spTgt>
+                                        </p:tgtEl>
+                                        <p:attrNameLst>
+                                          <p:attrName>style.visibility</p:attrName>
+                                        </p:attrNameLst>
+                                      </p:cBhvr>
+                                      <p:to>
+                                        <p:strVal val="visible"/>
+                                      </p:to>
+                                    </p:set>
+                                  </p:childTnLst>
+                                </p:cTn>
+                              </p:par>
+                              <p:par>
+                                <p:cTn id="31" presetID="1" presetClass="entr" presetSubtype="0" fill="hold" nodeType="withEffect">
+                                  <p:stCondLst>
+                                    <p:cond delay="0"/>
+                                  </p:stCondLst>
+                                  <p:childTnLst>
+                                    <p:set>
+                                      <p:cBhvr>
+                                        <p:cTn id="32" dur="1" fill="hold">
+                                          <p:stCondLst>
+                                            <p:cond delay="0"/>
+                                          </p:stCondLst>
+                                        </p:cTn>
+                                        <p:tgtEl>
+                                          <p:spTgt spid="3">
+                                            <p:txEl>
+                                              <p:pRg st="7" end="7"/>
+                                            </p:txEl>
+                                          </p:spTgt>
+                                        </p:tgtEl>
+                                        <p:attrNameLst>
+                                          <p:attrName>style.visibility</p:attrName>
+                                        </p:attrNameLst>
+                                      </p:cBhvr>
+                                      <p:to>
+                                        <p:strVal val="visible"/>
+                                      </p:to>
+                                    </p:set>
+                                  </p:childTnLst>
+                                </p:cTn>
+                              </p:par>
+                            </p:childTnLst>
+                          </p:cTn>
+                        </p:par>
+                      </p:childTnLst>
+                    </p:cTn>
+                  </p:par>
+                </p:childTnLst>
+              </p:cTn>
+              <p:prevCondLst>
+                <p:cond evt="onPrev" delay="0">
+                  <p:tgtEl>
+                    <p:sldTgt/>
+                  </p:tgtEl>
+                </p:cond>
+              </p:prevCondLst>
+              <p:nextCondLst>
+                <p:cond evt="onNext" delay="0">
+                  <p:tgtEl>
+                    <p:sldTgt/>
+                  </p:tgtEl>
+                </p:cond>
+              </p:nextCondLst>
+            </p:seq>
+          </p:childTnLst>
+        </p:cTn>
+      </p:par>
+    </p:tnLst>
   </p:timing>
 </p:sld>
 </file>
@@ -26405,7 +26408,7 @@
         <p:spPr/>
         <p:txBody>
           <a:bodyPr>
-            <a:normAutofit lnSpcReduction="10000"/>
+            <a:normAutofit/>
           </a:bodyPr>
           <a:lstStyle/>
           <a:p>
@@ -26461,12 +26464,7 @@
               <a:rPr lang="en-US" b="1" dirty="0"/>
               <a:t>page-table-walk</a:t>
             </a:r>
-          </a:p>
-          <a:p>
-            <a:r>
-              <a:rPr lang="en-US" dirty="0"/>
-              <a:t>To be done</a:t>
-            </a:r>
+            <a:endParaRPr lang="en-US" dirty="0"/>
           </a:p>
           <a:p>
             <a:pPr lvl="1"/>
@@ -26476,17 +26474,18 @@
             </a:r>
           </a:p>
           <a:p>
-            <a:pPr lvl="1"/>
             <a:r>
               <a:rPr lang="en-US" dirty="0"/>
-              <a:t>Fine-tuning instructions’ specs with extended address-space-invariants for identity mappings</a:t>
-            </a:r>
-          </a:p>
-          <a:p>
-            <a:pPr marL="457200" lvl="1" indent="0">
-              <a:buNone/>
-            </a:pPr>
-            <a:endParaRPr lang="en-US" dirty="0"/>
+              <a:t>Overall, so much of </a:t>
+            </a:r>
+            <a:r>
+              <a:rPr lang="en-US" dirty="0" err="1"/>
+              <a:t>Roqc</a:t>
+            </a:r>
+            <a:r>
+              <a:rPr lang="en-US" dirty="0"/>
+              <a:t> proofs</a:t>
+            </a:r>
           </a:p>
           <a:p>
             <a:pPr lvl="1"/>
